--- a/T2.1_KAI_GNN_IRTSX.pptx
+++ b/T2.1_KAI_GNN_IRTSX.pptx
@@ -9,12 +9,14 @@
     <p:sldId id="272" r:id="rId6"/>
     <p:sldId id="273" r:id="rId7"/>
     <p:sldId id="278" r:id="rId8"/>
-    <p:sldId id="274" r:id="rId9"/>
-    <p:sldId id="276" r:id="rId10"/>
-    <p:sldId id="275" r:id="rId11"/>
-    <p:sldId id="277" r:id="rId12"/>
-    <p:sldId id="268" r:id="rId13"/>
-    <p:sldId id="270" r:id="rId14"/>
+    <p:sldId id="279" r:id="rId9"/>
+    <p:sldId id="280" r:id="rId10"/>
+    <p:sldId id="274" r:id="rId11"/>
+    <p:sldId id="276" r:id="rId12"/>
+    <p:sldId id="275" r:id="rId13"/>
+    <p:sldId id="277" r:id="rId14"/>
+    <p:sldId id="281" r:id="rId15"/>
+    <p:sldId id="270" r:id="rId16"/>
   </p:sldIdLst>
   <p:sldSz cx="12192000" cy="6858000"/>
   <p:notesSz cx="6858000" cy="9144000"/>
@@ -135,7 +137,7 @@
 <file path=ppt/revisionInfo.xml><?xml version="1.0" encoding="utf-8"?>
 <p1510:revInfo xmlns:a="http://schemas.openxmlformats.org/drawingml/2006/main" xmlns:r="http://schemas.openxmlformats.org/officeDocument/2006/relationships" xmlns:p1510="http://schemas.microsoft.com/office/powerpoint/2015/10/main">
   <p1510:revLst>
-    <p1510:client id="{050DF61A-268B-4331-AE68-8E39530DEF39}" v="10" dt="2025-02-12T16:22:57.932"/>
+    <p1510:client id="{050DF61A-268B-4331-AE68-8E39530DEF39}" v="17" dt="2025-02-18T09:10:23.125"/>
   </p1510:revLst>
 </p1510:revInfo>
 </file>
@@ -145,7 +147,7 @@
   <pc:docChgLst>
     <pc:chgData name="Milad LEYLI-ABADI" userId="5b9e46ff-14e3-4f5a-b33f-9b0627d4caad" providerId="ADAL" clId="{050DF61A-268B-4331-AE68-8E39530DEF39}"/>
     <pc:docChg chg="undo custSel addSld delSld modSld">
-      <pc:chgData name="Milad LEYLI-ABADI" userId="5b9e46ff-14e3-4f5a-b33f-9b0627d4caad" providerId="ADAL" clId="{050DF61A-268B-4331-AE68-8E39530DEF39}" dt="2025-02-12T16:23:32.173" v="857" actId="20577"/>
+      <pc:chgData name="Milad LEYLI-ABADI" userId="5b9e46ff-14e3-4f5a-b33f-9b0627d4caad" providerId="ADAL" clId="{050DF61A-268B-4331-AE68-8E39530DEF39}" dt="2025-02-18T09:10:54.947" v="2943" actId="1076"/>
       <pc:docMkLst>
         <pc:docMk/>
       </pc:docMkLst>
@@ -170,20 +172,12 @@
           <pc:sldMk cId="402445310" sldId="267"/>
         </pc:sldMkLst>
       </pc:sldChg>
-      <pc:sldChg chg="modSp mod">
-        <pc:chgData name="Milad LEYLI-ABADI" userId="5b9e46ff-14e3-4f5a-b33f-9b0627d4caad" providerId="ADAL" clId="{050DF61A-268B-4331-AE68-8E39530DEF39}" dt="2025-02-12T15:33:41.026" v="272" actId="20577"/>
+      <pc:sldChg chg="modSp del mod">
+        <pc:chgData name="Milad LEYLI-ABADI" userId="5b9e46ff-14e3-4f5a-b33f-9b0627d4caad" providerId="ADAL" clId="{050DF61A-268B-4331-AE68-8E39530DEF39}" dt="2025-02-18T09:03:13.907" v="2882" actId="47"/>
         <pc:sldMkLst>
           <pc:docMk/>
           <pc:sldMk cId="3502560691" sldId="268"/>
         </pc:sldMkLst>
-        <pc:spChg chg="mod">
-          <ac:chgData name="Milad LEYLI-ABADI" userId="5b9e46ff-14e3-4f5a-b33f-9b0627d4caad" providerId="ADAL" clId="{050DF61A-268B-4331-AE68-8E39530DEF39}" dt="2025-02-12T15:33:41.026" v="272" actId="20577"/>
-          <ac:spMkLst>
-            <pc:docMk/>
-            <pc:sldMk cId="3502560691" sldId="268"/>
-            <ac:spMk id="3" creationId="{092D0FBA-E88F-4BC8-9FC3-B997EA4C5F32}"/>
-          </ac:spMkLst>
-        </pc:spChg>
       </pc:sldChg>
       <pc:sldChg chg="del">
         <pc:chgData name="Milad LEYLI-ABADI" userId="5b9e46ff-14e3-4f5a-b33f-9b0627d4caad" providerId="ADAL" clId="{050DF61A-268B-4331-AE68-8E39530DEF39}" dt="2025-02-12T15:32:42.589" v="264" actId="47"/>
@@ -247,27 +241,11 @@
         </pc:spChg>
       </pc:sldChg>
       <pc:sldChg chg="addSp delSp modSp new mod modClrScheme chgLayout">
-        <pc:chgData name="Milad LEYLI-ABADI" userId="5b9e46ff-14e3-4f5a-b33f-9b0627d4caad" providerId="ADAL" clId="{050DF61A-268B-4331-AE68-8E39530DEF39}" dt="2025-02-12T15:35:08.631" v="298"/>
+        <pc:chgData name="Milad LEYLI-ABADI" userId="5b9e46ff-14e3-4f5a-b33f-9b0627d4caad" providerId="ADAL" clId="{050DF61A-268B-4331-AE68-8E39530DEF39}" dt="2025-02-12T16:29:31.824" v="1050" actId="1076"/>
         <pc:sldMkLst>
           <pc:docMk/>
           <pc:sldMk cId="1063764642" sldId="273"/>
         </pc:sldMkLst>
-        <pc:spChg chg="del mod ord">
-          <ac:chgData name="Milad LEYLI-ABADI" userId="5b9e46ff-14e3-4f5a-b33f-9b0627d4caad" providerId="ADAL" clId="{050DF61A-268B-4331-AE68-8E39530DEF39}" dt="2025-02-12T15:00:11.198" v="180" actId="700"/>
-          <ac:spMkLst>
-            <pc:docMk/>
-            <pc:sldMk cId="1063764642" sldId="273"/>
-            <ac:spMk id="2" creationId="{821DC24A-B502-C11A-37E3-B70803348430}"/>
-          </ac:spMkLst>
-        </pc:spChg>
-        <pc:spChg chg="del mod ord">
-          <ac:chgData name="Milad LEYLI-ABADI" userId="5b9e46ff-14e3-4f5a-b33f-9b0627d4caad" providerId="ADAL" clId="{050DF61A-268B-4331-AE68-8E39530DEF39}" dt="2025-02-12T15:00:11.198" v="180" actId="700"/>
-          <ac:spMkLst>
-            <pc:docMk/>
-            <pc:sldMk cId="1063764642" sldId="273"/>
-            <ac:spMk id="3" creationId="{ACD6CF1A-33AD-A81C-682B-08899D690E56}"/>
-          </ac:spMkLst>
-        </pc:spChg>
         <pc:spChg chg="add mod ord">
           <ac:chgData name="Milad LEYLI-ABADI" userId="5b9e46ff-14e3-4f5a-b33f-9b0627d4caad" providerId="ADAL" clId="{050DF61A-268B-4331-AE68-8E39530DEF39}" dt="2025-02-12T15:00:13.455" v="187" actId="20577"/>
           <ac:spMkLst>
@@ -276,48 +254,8 @@
             <ac:spMk id="4" creationId="{D8EDB376-F55C-8A0B-CE74-09455F95B4E5}"/>
           </ac:spMkLst>
         </pc:spChg>
-        <pc:spChg chg="add del mod ord">
-          <ac:chgData name="Milad LEYLI-ABADI" userId="5b9e46ff-14e3-4f5a-b33f-9b0627d4caad" providerId="ADAL" clId="{050DF61A-268B-4331-AE68-8E39530DEF39}" dt="2025-02-12T15:35:08.451" v="297" actId="478"/>
-          <ac:spMkLst>
-            <pc:docMk/>
-            <pc:sldMk cId="1063764642" sldId="273"/>
-            <ac:spMk id="5" creationId="{979A8D3B-FA80-17F0-ADA0-175B2B5C2A3E}"/>
-          </ac:spMkLst>
-        </pc:spChg>
         <pc:spChg chg="add mod">
-          <ac:chgData name="Milad LEYLI-ABADI" userId="5b9e46ff-14e3-4f5a-b33f-9b0627d4caad" providerId="ADAL" clId="{050DF61A-268B-4331-AE68-8E39530DEF39}" dt="2025-02-12T15:35:07.304" v="296"/>
-          <ac:spMkLst>
-            <pc:docMk/>
-            <pc:sldMk cId="1063764642" sldId="273"/>
-            <ac:spMk id="6" creationId="{203EEE4C-C203-4076-ABA9-B5F337BFA7F9}"/>
-          </ac:spMkLst>
-        </pc:spChg>
-        <pc:spChg chg="add mod">
-          <ac:chgData name="Milad LEYLI-ABADI" userId="5b9e46ff-14e3-4f5a-b33f-9b0627d4caad" providerId="ADAL" clId="{050DF61A-268B-4331-AE68-8E39530DEF39}" dt="2025-02-12T15:35:05.772" v="295"/>
-          <ac:spMkLst>
-            <pc:docMk/>
-            <pc:sldMk cId="1063764642" sldId="273"/>
-            <ac:spMk id="7" creationId="{5AADC400-36C1-3537-B1E8-905CF8CD13CD}"/>
-          </ac:spMkLst>
-        </pc:spChg>
-        <pc:spChg chg="add mod">
-          <ac:chgData name="Milad LEYLI-ABADI" userId="5b9e46ff-14e3-4f5a-b33f-9b0627d4caad" providerId="ADAL" clId="{050DF61A-268B-4331-AE68-8E39530DEF39}" dt="2025-02-12T15:35:05.772" v="295"/>
-          <ac:spMkLst>
-            <pc:docMk/>
-            <pc:sldMk cId="1063764642" sldId="273"/>
-            <ac:spMk id="8" creationId="{D1035F95-E81D-8E74-CF53-DA8399442751}"/>
-          </ac:spMkLst>
-        </pc:spChg>
-        <pc:spChg chg="add mod">
-          <ac:chgData name="Milad LEYLI-ABADI" userId="5b9e46ff-14e3-4f5a-b33f-9b0627d4caad" providerId="ADAL" clId="{050DF61A-268B-4331-AE68-8E39530DEF39}" dt="2025-02-12T15:35:05.772" v="295"/>
-          <ac:spMkLst>
-            <pc:docMk/>
-            <pc:sldMk cId="1063764642" sldId="273"/>
-            <ac:spMk id="9" creationId="{897B3955-0D8C-FF7E-A6BD-659371AB59E7}"/>
-          </ac:spMkLst>
-        </pc:spChg>
-        <pc:spChg chg="add mod">
-          <ac:chgData name="Milad LEYLI-ABADI" userId="5b9e46ff-14e3-4f5a-b33f-9b0627d4caad" providerId="ADAL" clId="{050DF61A-268B-4331-AE68-8E39530DEF39}" dt="2025-02-12T15:35:08.631" v="298"/>
+          <ac:chgData name="Milad LEYLI-ABADI" userId="5b9e46ff-14e3-4f5a-b33f-9b0627d4caad" providerId="ADAL" clId="{050DF61A-268B-4331-AE68-8E39530DEF39}" dt="2025-02-12T16:28:53.781" v="1044" actId="108"/>
           <ac:spMkLst>
             <pc:docMk/>
             <pc:sldMk cId="1063764642" sldId="273"/>
@@ -325,7 +263,7 @@
           </ac:spMkLst>
         </pc:spChg>
         <pc:spChg chg="add mod">
-          <ac:chgData name="Milad LEYLI-ABADI" userId="5b9e46ff-14e3-4f5a-b33f-9b0627d4caad" providerId="ADAL" clId="{050DF61A-268B-4331-AE68-8E39530DEF39}" dt="2025-02-12T15:35:08.631" v="298"/>
+          <ac:chgData name="Milad LEYLI-ABADI" userId="5b9e46ff-14e3-4f5a-b33f-9b0627d4caad" providerId="ADAL" clId="{050DF61A-268B-4331-AE68-8E39530DEF39}" dt="2025-02-12T16:29:31.824" v="1050" actId="1076"/>
           <ac:spMkLst>
             <pc:docMk/>
             <pc:sldMk cId="1063764642" sldId="273"/>
@@ -333,7 +271,7 @@
           </ac:spMkLst>
         </pc:spChg>
         <pc:spChg chg="add mod">
-          <ac:chgData name="Milad LEYLI-ABADI" userId="5b9e46ff-14e3-4f5a-b33f-9b0627d4caad" providerId="ADAL" clId="{050DF61A-268B-4331-AE68-8E39530DEF39}" dt="2025-02-12T15:35:08.631" v="298"/>
+          <ac:chgData name="Milad LEYLI-ABADI" userId="5b9e46ff-14e3-4f5a-b33f-9b0627d4caad" providerId="ADAL" clId="{050DF61A-268B-4331-AE68-8E39530DEF39}" dt="2025-02-12T16:29:31.824" v="1050" actId="1076"/>
           <ac:spMkLst>
             <pc:docMk/>
             <pc:sldMk cId="1063764642" sldId="273"/>
@@ -341,7 +279,7 @@
           </ac:spMkLst>
         </pc:spChg>
         <pc:spChg chg="add mod">
-          <ac:chgData name="Milad LEYLI-ABADI" userId="5b9e46ff-14e3-4f5a-b33f-9b0627d4caad" providerId="ADAL" clId="{050DF61A-268B-4331-AE68-8E39530DEF39}" dt="2025-02-12T15:35:08.631" v="298"/>
+          <ac:chgData name="Milad LEYLI-ABADI" userId="5b9e46ff-14e3-4f5a-b33f-9b0627d4caad" providerId="ADAL" clId="{050DF61A-268B-4331-AE68-8E39530DEF39}" dt="2025-02-12T16:29:31.824" v="1050" actId="1076"/>
           <ac:spMkLst>
             <pc:docMk/>
             <pc:sldMk cId="1063764642" sldId="273"/>
@@ -349,15 +287,7 @@
           </ac:spMkLst>
         </pc:spChg>
         <pc:picChg chg="add mod">
-          <ac:chgData name="Milad LEYLI-ABADI" userId="5b9e46ff-14e3-4f5a-b33f-9b0627d4caad" providerId="ADAL" clId="{050DF61A-268B-4331-AE68-8E39530DEF39}" dt="2025-02-12T15:35:05.772" v="295"/>
-          <ac:picMkLst>
-            <pc:docMk/>
-            <pc:sldMk cId="1063764642" sldId="273"/>
-            <ac:picMk id="10" creationId="{FAFF95EB-BA38-5930-270F-E7159EA11506}"/>
-          </ac:picMkLst>
-        </pc:picChg>
-        <pc:picChg chg="add mod">
-          <ac:chgData name="Milad LEYLI-ABADI" userId="5b9e46ff-14e3-4f5a-b33f-9b0627d4caad" providerId="ADAL" clId="{050DF61A-268B-4331-AE68-8E39530DEF39}" dt="2025-02-12T15:35:08.631" v="298"/>
+          <ac:chgData name="Milad LEYLI-ABADI" userId="5b9e46ff-14e3-4f5a-b33f-9b0627d4caad" providerId="ADAL" clId="{050DF61A-268B-4331-AE68-8E39530DEF39}" dt="2025-02-12T16:29:31.824" v="1050" actId="1076"/>
           <ac:picMkLst>
             <pc:docMk/>
             <pc:sldMk cId="1063764642" sldId="273"/>
@@ -379,14 +309,6 @@
             <ac:spMk id="2" creationId="{E690685A-B6B3-90CB-D175-86374E664AC3}"/>
           </ac:spMkLst>
         </pc:spChg>
-        <pc:spChg chg="add del">
-          <ac:chgData name="Milad LEYLI-ABADI" userId="5b9e46ff-14e3-4f5a-b33f-9b0627d4caad" providerId="ADAL" clId="{050DF61A-268B-4331-AE68-8E39530DEF39}" dt="2025-02-12T15:36:29.981" v="315" actId="478"/>
-          <ac:spMkLst>
-            <pc:docMk/>
-            <pc:sldMk cId="3018709138" sldId="274"/>
-            <ac:spMk id="3" creationId="{898AF4D2-D2EC-2200-00E6-6DAC7161EF68}"/>
-          </ac:spMkLst>
-        </pc:spChg>
         <pc:spChg chg="add mod">
           <ac:chgData name="Milad LEYLI-ABADI" userId="5b9e46ff-14e3-4f5a-b33f-9b0627d4caad" providerId="ADAL" clId="{050DF61A-268B-4331-AE68-8E39530DEF39}" dt="2025-02-12T15:36:30.182" v="316"/>
           <ac:spMkLst>
@@ -395,14 +317,6 @@
             <ac:spMk id="4" creationId="{C73B9F39-9A82-485A-AB6D-2DCEE3BB3888}"/>
           </ac:spMkLst>
         </pc:spChg>
-        <pc:picChg chg="add del">
-          <ac:chgData name="Milad LEYLI-ABADI" userId="5b9e46ff-14e3-4f5a-b33f-9b0627d4caad" providerId="ADAL" clId="{050DF61A-268B-4331-AE68-8E39530DEF39}" dt="2025-02-12T15:12:35.463" v="202" actId="26606"/>
-          <ac:picMkLst>
-            <pc:docMk/>
-            <pc:sldMk cId="3018709138" sldId="274"/>
-            <ac:picMk id="5" creationId="{11E2EE02-B967-3364-6AAD-FA666981FA18}"/>
-          </ac:picMkLst>
-        </pc:picChg>
         <pc:picChg chg="add mod">
           <ac:chgData name="Milad LEYLI-ABADI" userId="5b9e46ff-14e3-4f5a-b33f-9b0627d4caad" providerId="ADAL" clId="{050DF61A-268B-4331-AE68-8E39530DEF39}" dt="2025-02-12T16:10:27.641" v="330" actId="1076"/>
           <ac:picMkLst>
@@ -421,7 +335,7 @@
         </pc:picChg>
       </pc:sldChg>
       <pc:sldChg chg="addSp delSp modSp new mod">
-        <pc:chgData name="Milad LEYLI-ABADI" userId="5b9e46ff-14e3-4f5a-b33f-9b0627d4caad" providerId="ADAL" clId="{050DF61A-268B-4331-AE68-8E39530DEF39}" dt="2025-02-12T16:23:32.173" v="857" actId="20577"/>
+        <pc:chgData name="Milad LEYLI-ABADI" userId="5b9e46ff-14e3-4f5a-b33f-9b0627d4caad" providerId="ADAL" clId="{050DF61A-268B-4331-AE68-8E39530DEF39}" dt="2025-02-12T16:27:48.509" v="1041" actId="120"/>
         <pc:sldMkLst>
           <pc:docMk/>
           <pc:sldMk cId="2495112241" sldId="275"/>
@@ -434,24 +348,8 @@
             <ac:spMk id="2" creationId="{6773F739-5CCB-23E7-EDE4-33A02C6DAEAB}"/>
           </ac:spMkLst>
         </pc:spChg>
-        <pc:spChg chg="del mod">
-          <ac:chgData name="Milad LEYLI-ABADI" userId="5b9e46ff-14e3-4f5a-b33f-9b0627d4caad" providerId="ADAL" clId="{050DF61A-268B-4331-AE68-8E39530DEF39}" dt="2025-02-12T16:20:31.684" v="409" actId="478"/>
-          <ac:spMkLst>
-            <pc:docMk/>
-            <pc:sldMk cId="2495112241" sldId="275"/>
-            <ac:spMk id="3" creationId="{C4BE972E-79E7-FFFC-2DA6-8E9CE806562C}"/>
-          </ac:spMkLst>
-        </pc:spChg>
-        <pc:spChg chg="add del mod">
-          <ac:chgData name="Milad LEYLI-ABADI" userId="5b9e46ff-14e3-4f5a-b33f-9b0627d4caad" providerId="ADAL" clId="{050DF61A-268B-4331-AE68-8E39530DEF39}" dt="2025-02-12T16:20:33.166" v="410" actId="478"/>
-          <ac:spMkLst>
-            <pc:docMk/>
-            <pc:sldMk cId="2495112241" sldId="275"/>
-            <ac:spMk id="7" creationId="{6D6028C4-36F7-8A54-83EC-598DFF92DDFB}"/>
-          </ac:spMkLst>
-        </pc:spChg>
         <pc:spChg chg="add mod">
-          <ac:chgData name="Milad LEYLI-ABADI" userId="5b9e46ff-14e3-4f5a-b33f-9b0627d4caad" providerId="ADAL" clId="{050DF61A-268B-4331-AE68-8E39530DEF39}" dt="2025-02-12T16:22:01.939" v="587" actId="20577"/>
+          <ac:chgData name="Milad LEYLI-ABADI" userId="5b9e46ff-14e3-4f5a-b33f-9b0627d4caad" providerId="ADAL" clId="{050DF61A-268B-4331-AE68-8E39530DEF39}" dt="2025-02-12T16:27:48.509" v="1041" actId="120"/>
           <ac:spMkLst>
             <pc:docMk/>
             <pc:sldMk cId="2495112241" sldId="275"/>
@@ -459,7 +357,7 @@
           </ac:spMkLst>
         </pc:spChg>
         <pc:spChg chg="add mod">
-          <ac:chgData name="Milad LEYLI-ABADI" userId="5b9e46ff-14e3-4f5a-b33f-9b0627d4caad" providerId="ADAL" clId="{050DF61A-268B-4331-AE68-8E39530DEF39}" dt="2025-02-12T16:22:47.348" v="712" actId="20577"/>
+          <ac:chgData name="Milad LEYLI-ABADI" userId="5b9e46ff-14e3-4f5a-b33f-9b0627d4caad" providerId="ADAL" clId="{050DF61A-268B-4331-AE68-8E39530DEF39}" dt="2025-02-12T16:27:48.509" v="1041" actId="120"/>
           <ac:spMkLst>
             <pc:docMk/>
             <pc:sldMk cId="2495112241" sldId="275"/>
@@ -467,11 +365,27 @@
           </ac:spMkLst>
         </pc:spChg>
         <pc:spChg chg="add mod">
-          <ac:chgData name="Milad LEYLI-ABADI" userId="5b9e46ff-14e3-4f5a-b33f-9b0627d4caad" providerId="ADAL" clId="{050DF61A-268B-4331-AE68-8E39530DEF39}" dt="2025-02-12T16:23:32.173" v="857" actId="20577"/>
+          <ac:chgData name="Milad LEYLI-ABADI" userId="5b9e46ff-14e3-4f5a-b33f-9b0627d4caad" providerId="ADAL" clId="{050DF61A-268B-4331-AE68-8E39530DEF39}" dt="2025-02-12T16:27:48.509" v="1041" actId="120"/>
           <ac:spMkLst>
             <pc:docMk/>
             <pc:sldMk cId="2495112241" sldId="275"/>
             <ac:spMk id="10" creationId="{DE6837C8-606B-D7E0-00A0-0444DAD84F9C}"/>
+          </ac:spMkLst>
+        </pc:spChg>
+        <pc:spChg chg="add mod">
+          <ac:chgData name="Milad LEYLI-ABADI" userId="5b9e46ff-14e3-4f5a-b33f-9b0627d4caad" providerId="ADAL" clId="{050DF61A-268B-4331-AE68-8E39530DEF39}" dt="2025-02-12T16:27:41.021" v="1039" actId="120"/>
+          <ac:spMkLst>
+            <pc:docMk/>
+            <pc:sldMk cId="2495112241" sldId="275"/>
+            <ac:spMk id="11" creationId="{E0F696B7-0763-F17F-645B-58195D30FD5C}"/>
+          </ac:spMkLst>
+        </pc:spChg>
+        <pc:spChg chg="add mod">
+          <ac:chgData name="Milad LEYLI-ABADI" userId="5b9e46ff-14e3-4f5a-b33f-9b0627d4caad" providerId="ADAL" clId="{050DF61A-268B-4331-AE68-8E39530DEF39}" dt="2025-02-12T16:27:43.984" v="1040" actId="120"/>
+          <ac:spMkLst>
+            <pc:docMk/>
+            <pc:sldMk cId="2495112241" sldId="275"/>
+            <ac:spMk id="12" creationId="{07F18B7E-72D9-F719-9E68-9C34D56EF6A0}"/>
           </ac:spMkLst>
         </pc:spChg>
         <pc:picChg chg="add mod">
@@ -484,7 +398,7 @@
         </pc:picChg>
       </pc:sldChg>
       <pc:sldChg chg="addSp delSp modSp new mod">
-        <pc:chgData name="Milad LEYLI-ABADI" userId="5b9e46ff-14e3-4f5a-b33f-9b0627d4caad" providerId="ADAL" clId="{050DF61A-268B-4331-AE68-8E39530DEF39}" dt="2025-02-12T15:37:02.506" v="320" actId="1076"/>
+        <pc:chgData name="Milad LEYLI-ABADI" userId="5b9e46ff-14e3-4f5a-b33f-9b0627d4caad" providerId="ADAL" clId="{050DF61A-268B-4331-AE68-8E39530DEF39}" dt="2025-02-18T08:44:42.699" v="1514" actId="20577"/>
         <pc:sldMkLst>
           <pc:docMk/>
           <pc:sldMk cId="708481120" sldId="276"/>
@@ -497,16 +411,8 @@
             <ac:spMk id="2" creationId="{EBC76CC9-6867-E7DF-259A-7883964CBC9B}"/>
           </ac:spMkLst>
         </pc:spChg>
-        <pc:spChg chg="del">
-          <ac:chgData name="Milad LEYLI-ABADI" userId="5b9e46ff-14e3-4f5a-b33f-9b0627d4caad" providerId="ADAL" clId="{050DF61A-268B-4331-AE68-8E39530DEF39}" dt="2025-02-12T15:36:52.969" v="317" actId="478"/>
-          <ac:spMkLst>
-            <pc:docMk/>
-            <pc:sldMk cId="708481120" sldId="276"/>
-            <ac:spMk id="3" creationId="{2CE6E8D0-957C-C9B8-7220-9E98C5EDD06E}"/>
-          </ac:spMkLst>
-        </pc:spChg>
         <pc:spChg chg="add mod">
-          <ac:chgData name="Milad LEYLI-ABADI" userId="5b9e46ff-14e3-4f5a-b33f-9b0627d4caad" providerId="ADAL" clId="{050DF61A-268B-4331-AE68-8E39530DEF39}" dt="2025-02-12T15:36:53.135" v="318"/>
+          <ac:chgData name="Milad LEYLI-ABADI" userId="5b9e46ff-14e3-4f5a-b33f-9b0627d4caad" providerId="ADAL" clId="{050DF61A-268B-4331-AE68-8E39530DEF39}" dt="2025-02-18T08:44:42.699" v="1514" actId="20577"/>
           <ac:spMkLst>
             <pc:docMk/>
             <pc:sldMk cId="708481120" sldId="276"/>
@@ -514,7 +420,7 @@
           </ac:spMkLst>
         </pc:spChg>
         <pc:picChg chg="add mod">
-          <ac:chgData name="Milad LEYLI-ABADI" userId="5b9e46ff-14e3-4f5a-b33f-9b0627d4caad" providerId="ADAL" clId="{050DF61A-268B-4331-AE68-8E39530DEF39}" dt="2025-02-12T15:37:02.506" v="320" actId="1076"/>
+          <ac:chgData name="Milad LEYLI-ABADI" userId="5b9e46ff-14e3-4f5a-b33f-9b0627d4caad" providerId="ADAL" clId="{050DF61A-268B-4331-AE68-8E39530DEF39}" dt="2025-02-18T08:44:22.029" v="1472" actId="1076"/>
           <ac:picMkLst>
             <pc:docMk/>
             <pc:sldMk cId="708481120" sldId="276"/>
@@ -534,14 +440,6 @@
             <pc:docMk/>
             <pc:sldMk cId="705340020" sldId="277"/>
             <ac:spMk id="2" creationId="{70B58C78-B72D-B1F4-0E73-03EC70C3D78D}"/>
-          </ac:spMkLst>
-        </pc:spChg>
-        <pc:spChg chg="del">
-          <ac:chgData name="Milad LEYLI-ABADI" userId="5b9e46ff-14e3-4f5a-b33f-9b0627d4caad" providerId="ADAL" clId="{050DF61A-268B-4331-AE68-8E39530DEF39}" dt="2025-02-12T15:37:13.504" v="321" actId="478"/>
-          <ac:spMkLst>
-            <pc:docMk/>
-            <pc:sldMk cId="705340020" sldId="277"/>
-            <ac:spMk id="3" creationId="{0C41BD77-75B0-4DA0-534C-4A6A0ECA85AF}"/>
           </ac:spMkLst>
         </pc:spChg>
         <pc:spChg chg="add mod">
@@ -570,7 +468,7 @@
         </pc:graphicFrameChg>
       </pc:sldChg>
       <pc:sldChg chg="addSp delSp modSp new mod">
-        <pc:chgData name="Milad LEYLI-ABADI" userId="5b9e46ff-14e3-4f5a-b33f-9b0627d4caad" providerId="ADAL" clId="{050DF61A-268B-4331-AE68-8E39530DEF39}" dt="2025-02-12T15:35:54.222" v="314" actId="20577"/>
+        <pc:chgData name="Milad LEYLI-ABADI" userId="5b9e46ff-14e3-4f5a-b33f-9b0627d4caad" providerId="ADAL" clId="{050DF61A-268B-4331-AE68-8E39530DEF39}" dt="2025-02-12T16:29:54.484" v="1058" actId="1076"/>
         <pc:sldMkLst>
           <pc:docMk/>
           <pc:sldMk cId="941555482" sldId="278"/>
@@ -583,16 +481,8 @@
             <ac:spMk id="2" creationId="{C1AF3AA2-0631-F73B-EF6C-449B74CFCEFB}"/>
           </ac:spMkLst>
         </pc:spChg>
-        <pc:spChg chg="del">
-          <ac:chgData name="Milad LEYLI-ABADI" userId="5b9e46ff-14e3-4f5a-b33f-9b0627d4caad" providerId="ADAL" clId="{050DF61A-268B-4331-AE68-8E39530DEF39}" dt="2025-02-12T15:35:51.693" v="306" actId="478"/>
-          <ac:spMkLst>
-            <pc:docMk/>
-            <pc:sldMk cId="941555482" sldId="278"/>
-            <ac:spMk id="3" creationId="{4A235EC2-719F-0A66-CFA1-ED1D1D6E1AE2}"/>
-          </ac:spMkLst>
-        </pc:spChg>
         <pc:spChg chg="add mod">
-          <ac:chgData name="Milad LEYLI-ABADI" userId="5b9e46ff-14e3-4f5a-b33f-9b0627d4caad" providerId="ADAL" clId="{050DF61A-268B-4331-AE68-8E39530DEF39}" dt="2025-02-12T15:35:51.849" v="307"/>
+          <ac:chgData name="Milad LEYLI-ABADI" userId="5b9e46ff-14e3-4f5a-b33f-9b0627d4caad" providerId="ADAL" clId="{050DF61A-268B-4331-AE68-8E39530DEF39}" dt="2025-02-12T16:29:42.185" v="1055" actId="20577"/>
           <ac:spMkLst>
             <pc:docMk/>
             <pc:sldMk cId="941555482" sldId="278"/>
@@ -624,7 +514,7 @@
           </ac:spMkLst>
         </pc:spChg>
         <pc:spChg chg="add mod">
-          <ac:chgData name="Milad LEYLI-ABADI" userId="5b9e46ff-14e3-4f5a-b33f-9b0627d4caad" providerId="ADAL" clId="{050DF61A-268B-4331-AE68-8E39530DEF39}" dt="2025-02-12T15:35:51.849" v="307"/>
+          <ac:chgData name="Milad LEYLI-ABADI" userId="5b9e46ff-14e3-4f5a-b33f-9b0627d4caad" providerId="ADAL" clId="{050DF61A-268B-4331-AE68-8E39530DEF39}" dt="2025-02-12T16:29:54.484" v="1058" actId="1076"/>
           <ac:spMkLst>
             <pc:docMk/>
             <pc:sldMk cId="941555482" sldId="278"/>
@@ -648,7 +538,7 @@
           </ac:picMkLst>
         </pc:picChg>
         <pc:picChg chg="add mod">
-          <ac:chgData name="Milad LEYLI-ABADI" userId="5b9e46ff-14e3-4f5a-b33f-9b0627d4caad" providerId="ADAL" clId="{050DF61A-268B-4331-AE68-8E39530DEF39}" dt="2025-02-12T15:35:51.849" v="307"/>
+          <ac:chgData name="Milad LEYLI-ABADI" userId="5b9e46ff-14e3-4f5a-b33f-9b0627d4caad" providerId="ADAL" clId="{050DF61A-268B-4331-AE68-8E39530DEF39}" dt="2025-02-12T16:29:54.484" v="1058" actId="1076"/>
           <ac:picMkLst>
             <pc:docMk/>
             <pc:sldMk cId="941555482" sldId="278"/>
@@ -662,12 +552,113 @@
           <pc:docMk/>
           <pc:sldMk cId="2973317009" sldId="278"/>
         </pc:sldMkLst>
-        <pc:spChg chg="add del">
-          <ac:chgData name="Milad LEYLI-ABADI" userId="5b9e46ff-14e3-4f5a-b33f-9b0627d4caad" providerId="ADAL" clId="{050DF61A-268B-4331-AE68-8E39530DEF39}" dt="2025-02-12T15:35:45.098" v="302" actId="478"/>
+      </pc:sldChg>
+      <pc:sldChg chg="addSp modSp new mod">
+        <pc:chgData name="Milad LEYLI-ABADI" userId="5b9e46ff-14e3-4f5a-b33f-9b0627d4caad" providerId="ADAL" clId="{050DF61A-268B-4331-AE68-8E39530DEF39}" dt="2025-02-12T16:33:26.930" v="1329" actId="1076"/>
+        <pc:sldMkLst>
+          <pc:docMk/>
+          <pc:sldMk cId="2619375209" sldId="279"/>
+        </pc:sldMkLst>
+        <pc:spChg chg="mod">
+          <ac:chgData name="Milad LEYLI-ABADI" userId="5b9e46ff-14e3-4f5a-b33f-9b0627d4caad" providerId="ADAL" clId="{050DF61A-268B-4331-AE68-8E39530DEF39}" dt="2025-02-12T16:30:20.725" v="1066" actId="20577"/>
           <ac:spMkLst>
             <pc:docMk/>
-            <pc:sldMk cId="2973317009" sldId="278"/>
-            <ac:spMk id="3" creationId="{C5A383DB-4F8F-EB3C-F1A7-3670077BD591}"/>
+            <pc:sldMk cId="2619375209" sldId="279"/>
+            <ac:spMk id="2" creationId="{F979E905-E502-D88A-3D22-9C655060992D}"/>
+          </ac:spMkLst>
+        </pc:spChg>
+        <pc:spChg chg="mod">
+          <ac:chgData name="Milad LEYLI-ABADI" userId="5b9e46ff-14e3-4f5a-b33f-9b0627d4caad" providerId="ADAL" clId="{050DF61A-268B-4331-AE68-8E39530DEF39}" dt="2025-02-12T16:32:47.652" v="1326" actId="20577"/>
+          <ac:spMkLst>
+            <pc:docMk/>
+            <pc:sldMk cId="2619375209" sldId="279"/>
+            <ac:spMk id="3" creationId="{DF9C8ABD-27CF-5442-D78B-CA990F316734}"/>
+          </ac:spMkLst>
+        </pc:spChg>
+        <pc:spChg chg="add mod">
+          <ac:chgData name="Milad LEYLI-ABADI" userId="5b9e46ff-14e3-4f5a-b33f-9b0627d4caad" providerId="ADAL" clId="{050DF61A-268B-4331-AE68-8E39530DEF39}" dt="2025-02-12T16:33:26.930" v="1329" actId="1076"/>
+          <ac:spMkLst>
+            <pc:docMk/>
+            <pc:sldMk cId="2619375209" sldId="279"/>
+            <ac:spMk id="5" creationId="{C5A0B769-A930-E5F4-7D65-B46AC29A4F9E}"/>
+          </ac:spMkLst>
+        </pc:spChg>
+        <pc:spChg chg="add mod">
+          <ac:chgData name="Milad LEYLI-ABADI" userId="5b9e46ff-14e3-4f5a-b33f-9b0627d4caad" providerId="ADAL" clId="{050DF61A-268B-4331-AE68-8E39530DEF39}" dt="2025-02-12T16:33:26.930" v="1329" actId="1076"/>
+          <ac:spMkLst>
+            <pc:docMk/>
+            <pc:sldMk cId="2619375209" sldId="279"/>
+            <ac:spMk id="6" creationId="{5A91EA12-6C80-58DF-DEF4-C0625556A8E9}"/>
+          </ac:spMkLst>
+        </pc:spChg>
+        <pc:spChg chg="add mod">
+          <ac:chgData name="Milad LEYLI-ABADI" userId="5b9e46ff-14e3-4f5a-b33f-9b0627d4caad" providerId="ADAL" clId="{050DF61A-268B-4331-AE68-8E39530DEF39}" dt="2025-02-12T16:33:26.930" v="1329" actId="1076"/>
+          <ac:spMkLst>
+            <pc:docMk/>
+            <pc:sldMk cId="2619375209" sldId="279"/>
+            <ac:spMk id="7" creationId="{5BE8CC8C-96DC-781A-B341-78633C908CD6}"/>
+          </ac:spMkLst>
+        </pc:spChg>
+      </pc:sldChg>
+      <pc:sldChg chg="addSp modSp new mod">
+        <pc:chgData name="Milad LEYLI-ABADI" userId="5b9e46ff-14e3-4f5a-b33f-9b0627d4caad" providerId="ADAL" clId="{050DF61A-268B-4331-AE68-8E39530DEF39}" dt="2025-02-18T09:10:54.947" v="2943" actId="1076"/>
+        <pc:sldMkLst>
+          <pc:docMk/>
+          <pc:sldMk cId="1827802140" sldId="280"/>
+        </pc:sldMkLst>
+        <pc:spChg chg="mod">
+          <ac:chgData name="Milad LEYLI-ABADI" userId="5b9e46ff-14e3-4f5a-b33f-9b0627d4caad" providerId="ADAL" clId="{050DF61A-268B-4331-AE68-8E39530DEF39}" dt="2025-02-18T08:45:23.350" v="1530" actId="20577"/>
+          <ac:spMkLst>
+            <pc:docMk/>
+            <pc:sldMk cId="1827802140" sldId="280"/>
+            <ac:spMk id="2" creationId="{8D0AD4B4-9969-755A-DD0F-53363210C727}"/>
+          </ac:spMkLst>
+        </pc:spChg>
+        <pc:spChg chg="mod">
+          <ac:chgData name="Milad LEYLI-ABADI" userId="5b9e46ff-14e3-4f5a-b33f-9b0627d4caad" providerId="ADAL" clId="{050DF61A-268B-4331-AE68-8E39530DEF39}" dt="2025-02-18T09:10:11.753" v="2899" actId="27636"/>
+          <ac:spMkLst>
+            <pc:docMk/>
+            <pc:sldMk cId="1827802140" sldId="280"/>
+            <ac:spMk id="3" creationId="{316A19D8-E5BF-FAA0-F5C3-2C9E0947560F}"/>
+          </ac:spMkLst>
+        </pc:spChg>
+        <pc:spChg chg="add mod">
+          <ac:chgData name="Milad LEYLI-ABADI" userId="5b9e46ff-14e3-4f5a-b33f-9b0627d4caad" providerId="ADAL" clId="{050DF61A-268B-4331-AE68-8E39530DEF39}" dt="2025-02-18T09:10:40.729" v="2941" actId="1076"/>
+          <ac:spMkLst>
+            <pc:docMk/>
+            <pc:sldMk cId="1827802140" sldId="280"/>
+            <ac:spMk id="5" creationId="{AB16E864-C5C8-3AEC-C8C2-F14D17AF48FF}"/>
+          </ac:spMkLst>
+        </pc:spChg>
+        <pc:picChg chg="add mod">
+          <ac:chgData name="Milad LEYLI-ABADI" userId="5b9e46ff-14e3-4f5a-b33f-9b0627d4caad" providerId="ADAL" clId="{050DF61A-268B-4331-AE68-8E39530DEF39}" dt="2025-02-18T09:10:54.947" v="2943" actId="1076"/>
+          <ac:picMkLst>
+            <pc:docMk/>
+            <pc:sldMk cId="1827802140" sldId="280"/>
+            <ac:picMk id="4" creationId="{B05D56B3-C922-F1B6-9039-7E5DC997F92A}"/>
+          </ac:picMkLst>
+        </pc:picChg>
+      </pc:sldChg>
+      <pc:sldChg chg="modSp new mod">
+        <pc:chgData name="Milad LEYLI-ABADI" userId="5b9e46ff-14e3-4f5a-b33f-9b0627d4caad" providerId="ADAL" clId="{050DF61A-268B-4331-AE68-8E39530DEF39}" dt="2025-02-18T09:03:21.027" v="2884" actId="20577"/>
+        <pc:sldMkLst>
+          <pc:docMk/>
+          <pc:sldMk cId="2158764396" sldId="281"/>
+        </pc:sldMkLst>
+        <pc:spChg chg="mod">
+          <ac:chgData name="Milad LEYLI-ABADI" userId="5b9e46ff-14e3-4f5a-b33f-9b0627d4caad" providerId="ADAL" clId="{050DF61A-268B-4331-AE68-8E39530DEF39}" dt="2025-02-18T08:51:30.451" v="2175" actId="20577"/>
+          <ac:spMkLst>
+            <pc:docMk/>
+            <pc:sldMk cId="2158764396" sldId="281"/>
+            <ac:spMk id="2" creationId="{62FFD008-F7FB-D4D0-99F4-BCB77AE1F6DC}"/>
+          </ac:spMkLst>
+        </pc:spChg>
+        <pc:spChg chg="mod">
+          <ac:chgData name="Milad LEYLI-ABADI" userId="5b9e46ff-14e3-4f5a-b33f-9b0627d4caad" providerId="ADAL" clId="{050DF61A-268B-4331-AE68-8E39530DEF39}" dt="2025-02-18T09:03:21.027" v="2884" actId="20577"/>
+          <ac:spMkLst>
+            <pc:docMk/>
+            <pc:sldMk cId="2158764396" sldId="281"/>
+            <ac:spMk id="3" creationId="{977E1286-658C-028C-525E-FD3841667262}"/>
           </ac:spMkLst>
         </pc:spChg>
       </pc:sldChg>
@@ -1797,7 +1788,7 @@
             <a:fld id="{DCAF1DC6-EAE1-4388-AADE-D441CE8D7AF0}" type="datetimeFigureOut">
               <a:rPr lang="pt-PT" smtClean="0"/>
               <a:pPr/>
-              <a:t>12/02/2025</a:t>
+              <a:t>18/02/2025</a:t>
             </a:fld>
             <a:endParaRPr lang="pt-PT"/>
           </a:p>
@@ -2457,7 +2448,7 @@
             <a:fld id="{DCAF1DC6-EAE1-4388-AADE-D441CE8D7AF0}" type="datetimeFigureOut">
               <a:rPr lang="pt-PT" smtClean="0"/>
               <a:pPr/>
-              <a:t>12/02/2025</a:t>
+              <a:t>18/02/2025</a:t>
             </a:fld>
             <a:endParaRPr lang="pt-PT"/>
           </a:p>
@@ -7453,7 +7444,7 @@
           <a:p>
             <a:fld id="{DCAF1DC6-EAE1-4388-AADE-D441CE8D7AF0}" type="datetimeFigureOut">
               <a:rPr lang="pt-PT" smtClean="0"/>
-              <a:t>12/02/2025</a:t>
+              <a:t>18/02/2025</a:t>
             </a:fld>
             <a:endParaRPr lang="pt-PT"/>
           </a:p>
@@ -7967,1637 +7958,6 @@
 </file>
 
 <file path=ppt/slides/slide10.xml><?xml version="1.0" encoding="utf-8"?>
-<p:sld xmlns:a="http://schemas.openxmlformats.org/drawingml/2006/main" xmlns:r="http://schemas.openxmlformats.org/officeDocument/2006/relationships" xmlns:p="http://schemas.openxmlformats.org/presentationml/2006/main">
-  <p:cSld>
-    <p:spTree>
-      <p:nvGrpSpPr>
-        <p:cNvPr id="1" name=""/>
-        <p:cNvGrpSpPr/>
-        <p:nvPr/>
-      </p:nvGrpSpPr>
-      <p:grpSpPr>
-        <a:xfrm>
-          <a:off x="0" y="0"/>
-          <a:ext cx="0" cy="0"/>
-          <a:chOff x="0" y="0"/>
-          <a:chExt cx="0" cy="0"/>
-        </a:xfrm>
-      </p:grpSpPr>
-    </p:spTree>
-    <p:extLst>
-      <p:ext uri="{BB962C8B-B14F-4D97-AF65-F5344CB8AC3E}">
-        <p14:creationId xmlns:p14="http://schemas.microsoft.com/office/powerpoint/2010/main" val="3227182393"/>
-      </p:ext>
-    </p:extLst>
-  </p:cSld>
-  <p:clrMapOvr>
-    <a:masterClrMapping/>
-  </p:clrMapOvr>
-</p:sld>
-</file>
-
-<file path=ppt/slides/slide2.xml><?xml version="1.0" encoding="utf-8"?>
-<p:sld xmlns:a="http://schemas.openxmlformats.org/drawingml/2006/main" xmlns:r="http://schemas.openxmlformats.org/officeDocument/2006/relationships" xmlns:p="http://schemas.openxmlformats.org/presentationml/2006/main">
-  <p:cSld>
-    <p:spTree>
-      <p:nvGrpSpPr>
-        <p:cNvPr id="1" name=""/>
-        <p:cNvGrpSpPr/>
-        <p:nvPr/>
-      </p:nvGrpSpPr>
-      <p:grpSpPr>
-        <a:xfrm>
-          <a:off x="0" y="0"/>
-          <a:ext cx="0" cy="0"/>
-          <a:chOff x="0" y="0"/>
-          <a:chExt cx="0" cy="0"/>
-        </a:xfrm>
-      </p:grpSpPr>
-      <p:sp>
-        <p:nvSpPr>
-          <p:cNvPr id="2" name="Title 1">
-            <a:extLst>
-              <a:ext uri="{FF2B5EF4-FFF2-40B4-BE49-F238E27FC236}">
-                <a16:creationId xmlns:a16="http://schemas.microsoft.com/office/drawing/2014/main" id="{B0E16AAB-4A73-4920-9729-2AAC899A1F84}"/>
-              </a:ext>
-            </a:extLst>
-          </p:cNvPr>
-          <p:cNvSpPr>
-            <a:spLocks noGrp="1"/>
-          </p:cNvSpPr>
-          <p:nvPr>
-            <p:ph type="ctrTitle"/>
-          </p:nvPr>
-        </p:nvSpPr>
-        <p:spPr/>
-        <p:txBody>
-          <a:bodyPr/>
-          <a:lstStyle/>
-          <a:p>
-            <a:r>
-              <a:rPr lang="pt-PT" dirty="0"/>
-              <a:t>Outline </a:t>
-            </a:r>
-          </a:p>
-        </p:txBody>
-      </p:sp>
-      <p:sp>
-        <p:nvSpPr>
-          <p:cNvPr id="3" name="Text Placeholder 2">
-            <a:extLst>
-              <a:ext uri="{FF2B5EF4-FFF2-40B4-BE49-F238E27FC236}">
-                <a16:creationId xmlns:a16="http://schemas.microsoft.com/office/drawing/2014/main" id="{95A07442-3070-4C0E-8644-2E28412B2768}"/>
-              </a:ext>
-            </a:extLst>
-          </p:cNvPr>
-          <p:cNvSpPr>
-            <a:spLocks noGrp="1"/>
-          </p:cNvSpPr>
-          <p:nvPr>
-            <p:ph type="body" sz="quarter" idx="13"/>
-          </p:nvPr>
-        </p:nvSpPr>
-        <p:spPr/>
-        <p:txBody>
-          <a:bodyPr/>
-          <a:lstStyle/>
-          <a:p>
-            <a:pPr>
-              <a:lnSpc>
-                <a:spcPct val="150000"/>
-              </a:lnSpc>
-            </a:pPr>
-            <a:r>
-              <a:rPr lang="pt-PT" dirty="0"/>
-              <a:t>Context</a:t>
-            </a:r>
-          </a:p>
-          <a:p>
-            <a:pPr>
-              <a:lnSpc>
-                <a:spcPct val="150000"/>
-              </a:lnSpc>
-            </a:pPr>
-            <a:r>
-              <a:rPr lang="pt-PT" dirty="0"/>
-              <a:t>Methodology</a:t>
-            </a:r>
-          </a:p>
-          <a:p>
-            <a:pPr>
-              <a:lnSpc>
-                <a:spcPct val="150000"/>
-              </a:lnSpc>
-            </a:pPr>
-            <a:r>
-              <a:rPr lang="pt-PT" dirty="0"/>
-              <a:t>Original Contribution</a:t>
-            </a:r>
-          </a:p>
-          <a:p>
-            <a:pPr>
-              <a:lnSpc>
-                <a:spcPct val="150000"/>
-              </a:lnSpc>
-            </a:pPr>
-            <a:r>
-              <a:rPr lang="pt-PT" dirty="0"/>
-              <a:t>Overview of code structure</a:t>
-            </a:r>
-          </a:p>
-          <a:p>
-            <a:pPr>
-              <a:lnSpc>
-                <a:spcPct val="150000"/>
-              </a:lnSpc>
-            </a:pPr>
-            <a:r>
-              <a:rPr lang="pt-PT" dirty="0"/>
-              <a:t>Experiments</a:t>
-            </a:r>
-          </a:p>
-          <a:p>
-            <a:endParaRPr lang="pt-PT" dirty="0"/>
-          </a:p>
-        </p:txBody>
-      </p:sp>
-    </p:spTree>
-    <p:extLst>
-      <p:ext uri="{BB962C8B-B14F-4D97-AF65-F5344CB8AC3E}">
-        <p14:creationId xmlns:p14="http://schemas.microsoft.com/office/powerpoint/2010/main" val="2550756314"/>
-      </p:ext>
-    </p:extLst>
-  </p:cSld>
-  <p:clrMapOvr>
-    <a:masterClrMapping/>
-  </p:clrMapOvr>
-</p:sld>
-</file>
-
-<file path=ppt/slides/slide3.xml><?xml version="1.0" encoding="utf-8"?>
-<p:sld xmlns:a="http://schemas.openxmlformats.org/drawingml/2006/main" xmlns:r="http://schemas.openxmlformats.org/officeDocument/2006/relationships" xmlns:p="http://schemas.openxmlformats.org/presentationml/2006/main">
-  <p:cSld>
-    <p:spTree>
-      <p:nvGrpSpPr>
-        <p:cNvPr id="1" name=""/>
-        <p:cNvGrpSpPr/>
-        <p:nvPr/>
-      </p:nvGrpSpPr>
-      <p:grpSpPr>
-        <a:xfrm>
-          <a:off x="0" y="0"/>
-          <a:ext cx="0" cy="0"/>
-          <a:chOff x="0" y="0"/>
-          <a:chExt cx="0" cy="0"/>
-        </a:xfrm>
-      </p:grpSpPr>
-      <p:sp>
-        <p:nvSpPr>
-          <p:cNvPr id="4" name="Title 3">
-            <a:extLst>
-              <a:ext uri="{FF2B5EF4-FFF2-40B4-BE49-F238E27FC236}">
-                <a16:creationId xmlns:a16="http://schemas.microsoft.com/office/drawing/2014/main" id="{D8EDB376-F55C-8A0B-CE74-09455F95B4E5}"/>
-              </a:ext>
-            </a:extLst>
-          </p:cNvPr>
-          <p:cNvSpPr>
-            <a:spLocks noGrp="1"/>
-          </p:cNvSpPr>
-          <p:nvPr>
-            <p:ph type="title"/>
-          </p:nvPr>
-        </p:nvSpPr>
-        <p:spPr/>
-        <p:txBody>
-          <a:bodyPr/>
-          <a:lstStyle/>
-          <a:p>
-            <a:r>
-              <a:rPr lang="en-US" dirty="0"/>
-              <a:t>Context</a:t>
-            </a:r>
-          </a:p>
-        </p:txBody>
-      </p:sp>
-      <p:sp>
-        <p:nvSpPr>
-          <p:cNvPr id="11" name="Content Placeholder 2">
-            <a:extLst>
-              <a:ext uri="{FF2B5EF4-FFF2-40B4-BE49-F238E27FC236}">
-                <a16:creationId xmlns:a16="http://schemas.microsoft.com/office/drawing/2014/main" id="{8AEE9488-8F08-C7D3-9CF2-8005E6835967}"/>
-              </a:ext>
-            </a:extLst>
-          </p:cNvPr>
-          <p:cNvSpPr>
-            <a:spLocks noGrp="1"/>
-          </p:cNvSpPr>
-          <p:nvPr>
-            <p:ph idx="1"/>
-          </p:nvPr>
-        </p:nvSpPr>
-        <p:spPr>
-          <a:xfrm>
-            <a:off x="838200" y="1825625"/>
-            <a:ext cx="10515600" cy="4351338"/>
-          </a:xfrm>
-        </p:spPr>
-        <p:txBody>
-          <a:bodyPr/>
-          <a:lstStyle/>
-          <a:p>
-            <a:r>
-              <a:rPr lang="en-US" dirty="0"/>
-              <a:t>Currently used physical simulators </a:t>
-            </a:r>
-          </a:p>
-          <a:p>
-            <a:pPr lvl="1"/>
-            <a:r>
-              <a:rPr lang="en-US" sz="1600" dirty="0"/>
-              <a:t>Inputs / outputs</a:t>
-            </a:r>
-          </a:p>
-          <a:p>
-            <a:endParaRPr lang="en-US" dirty="0"/>
-          </a:p>
-        </p:txBody>
-      </p:sp>
-      <p:sp>
-        <p:nvSpPr>
-          <p:cNvPr id="12" name="Google Shape;354;ge285f2a3a4_0_6">
-            <a:extLst>
-              <a:ext uri="{FF2B5EF4-FFF2-40B4-BE49-F238E27FC236}">
-                <a16:creationId xmlns:a16="http://schemas.microsoft.com/office/drawing/2014/main" id="{4FB01A5F-B66F-56AF-9086-41BFFFA325AC}"/>
-              </a:ext>
-            </a:extLst>
-          </p:cNvPr>
-          <p:cNvSpPr txBox="1">
-            <a:spLocks noChangeAspect="1"/>
-          </p:cNvSpPr>
-          <p:nvPr/>
-        </p:nvSpPr>
-        <p:spPr>
-          <a:xfrm>
-            <a:off x="7224001" y="3138295"/>
-            <a:ext cx="2088232" cy="582225"/>
-          </a:xfrm>
-          <a:prstGeom prst="rect">
-            <a:avLst/>
-          </a:prstGeom>
-          <a:noFill/>
-          <a:ln>
-            <a:noFill/>
-          </a:ln>
-        </p:spPr>
-        <p:txBody>
-          <a:bodyPr spcFirstLastPara="1" wrap="square" lIns="91425" tIns="91425" rIns="91425" bIns="91425" anchor="ctr" anchorCtr="0">
-            <a:noAutofit/>
-          </a:bodyPr>
-          <a:lstStyle/>
-          <a:p>
-            <a:pPr algn="ctr">
-              <a:buClr>
-                <a:srgbClr val="000000"/>
-              </a:buClr>
-              <a:buSzPts val="4800"/>
-            </a:pPr>
-            <a:r>
-              <a:rPr lang="en-US" sz="1600">
-                <a:solidFill>
-                  <a:srgbClr val="A5A5A5"/>
-                </a:solidFill>
-                <a:latin typeface="Arial"/>
-                <a:ea typeface="Arial"/>
-                <a:cs typeface="Arial"/>
-                <a:sym typeface="Arial"/>
-              </a:rPr>
-              <a:t>Y = power flows</a:t>
-            </a:r>
-          </a:p>
-        </p:txBody>
-      </p:sp>
-      <p:sp>
-        <p:nvSpPr>
-          <p:cNvPr id="13" name="Google Shape;355;ge285f2a3a4_0_6">
-            <a:extLst>
-              <a:ext uri="{FF2B5EF4-FFF2-40B4-BE49-F238E27FC236}">
-                <a16:creationId xmlns:a16="http://schemas.microsoft.com/office/drawing/2014/main" id="{63C704D9-5EEA-50BD-28F7-94884EA40DC1}"/>
-              </a:ext>
-            </a:extLst>
-          </p:cNvPr>
-          <p:cNvSpPr txBox="1">
-            <a:spLocks noChangeAspect="1"/>
-          </p:cNvSpPr>
-          <p:nvPr/>
-        </p:nvSpPr>
-        <p:spPr>
-          <a:xfrm>
-            <a:off x="2975528" y="2912512"/>
-            <a:ext cx="5400600" cy="979485"/>
-          </a:xfrm>
-          <a:prstGeom prst="rect">
-            <a:avLst/>
-          </a:prstGeom>
-          <a:noFill/>
-          <a:ln>
-            <a:noFill/>
-          </a:ln>
-        </p:spPr>
-        <p:txBody>
-          <a:bodyPr spcFirstLastPara="1" wrap="square" lIns="91425" tIns="91425" rIns="91425" bIns="91425" anchor="ctr" anchorCtr="0">
-            <a:noAutofit/>
-          </a:bodyPr>
-          <a:lstStyle/>
-          <a:p>
-            <a:pPr>
-              <a:buClr>
-                <a:srgbClr val="000000"/>
-              </a:buClr>
-              <a:buSzPts val="4800"/>
-            </a:pPr>
-            <a:r>
-              <a:rPr lang="en-US" sz="1600" dirty="0">
-                <a:solidFill>
-                  <a:srgbClr val="DC3E19"/>
-                </a:solidFill>
-                <a:latin typeface="Arial"/>
-                <a:ea typeface="Arial"/>
-                <a:cs typeface="Arial"/>
-                <a:sym typeface="Arial"/>
-              </a:rPr>
-              <a:t>X = injections </a:t>
-            </a:r>
-          </a:p>
-          <a:p>
-            <a:pPr>
-              <a:buClr>
-                <a:srgbClr val="000000"/>
-              </a:buClr>
-              <a:buSzPts val="4800"/>
-            </a:pPr>
-            <a:r>
-              <a:rPr lang="en-US" sz="900" dirty="0">
-                <a:solidFill>
-                  <a:srgbClr val="DC3E19"/>
-                </a:solidFill>
-                <a:latin typeface="Arial"/>
-                <a:ea typeface="Arial"/>
-                <a:cs typeface="Arial"/>
-                <a:sym typeface="Arial"/>
-              </a:rPr>
-              <a:t>(productions + loads)</a:t>
-            </a:r>
-          </a:p>
-          <a:p>
-            <a:pPr>
-              <a:buClr>
-                <a:srgbClr val="000000"/>
-              </a:buClr>
-              <a:buSzPts val="4800"/>
-            </a:pPr>
-            <a:r>
-              <a:rPr lang="en-US" sz="1600" dirty="0">
-                <a:solidFill>
-                  <a:srgbClr val="DC3E19"/>
-                </a:solidFill>
-                <a:latin typeface="Arial"/>
-                <a:cs typeface="Arial"/>
-                <a:sym typeface="Arial"/>
-              </a:rPr>
-              <a:t>T = topology</a:t>
-            </a:r>
-            <a:endParaRPr lang="en-US" sz="700" dirty="0"/>
-          </a:p>
-        </p:txBody>
-      </p:sp>
-      <p:sp>
-        <p:nvSpPr>
-          <p:cNvPr id="14" name="Google Shape;356;ge285f2a3a4_0_6">
-            <a:extLst>
-              <a:ext uri="{FF2B5EF4-FFF2-40B4-BE49-F238E27FC236}">
-                <a16:creationId xmlns:a16="http://schemas.microsoft.com/office/drawing/2014/main" id="{88E50E68-E12B-2A21-5EA4-5828402904D2}"/>
-              </a:ext>
-            </a:extLst>
-          </p:cNvPr>
-          <p:cNvSpPr>
-            <a:spLocks noChangeAspect="1"/>
-          </p:cNvSpPr>
-          <p:nvPr/>
-        </p:nvSpPr>
-        <p:spPr>
-          <a:xfrm>
-            <a:off x="4908425" y="3079116"/>
-            <a:ext cx="2173324" cy="700586"/>
-          </a:xfrm>
-          <a:prstGeom prst="rightArrow">
-            <a:avLst>
-              <a:gd name="adj1" fmla="val 50000"/>
-              <a:gd name="adj2" fmla="val 50000"/>
-            </a:avLst>
-          </a:prstGeom>
-          <a:solidFill>
-            <a:schemeClr val="lt1"/>
-          </a:solidFill>
-          <a:ln w="25400" cap="flat" cmpd="sng">
-            <a:solidFill>
-              <a:srgbClr val="D8D8D8"/>
-            </a:solidFill>
-            <a:prstDash val="solid"/>
-            <a:round/>
-            <a:headEnd type="none" w="sm" len="sm"/>
-            <a:tailEnd type="none" w="sm" len="sm"/>
-          </a:ln>
-        </p:spPr>
-        <p:txBody>
-          <a:bodyPr spcFirstLastPara="1" wrap="square" lIns="91425" tIns="91425" rIns="91425" bIns="91425" anchor="ctr" anchorCtr="0">
-            <a:noAutofit/>
-          </a:bodyPr>
-          <a:lstStyle/>
-          <a:p>
-            <a:pPr algn="ctr">
-              <a:buClr>
-                <a:srgbClr val="000000"/>
-              </a:buClr>
-              <a:buSzPts val="1400"/>
-            </a:pPr>
-            <a:r>
-              <a:rPr lang="en-US" sz="1100" b="1">
-                <a:solidFill>
-                  <a:srgbClr val="A5A5A5"/>
-                </a:solidFill>
-                <a:latin typeface="Arial"/>
-                <a:ea typeface="Arial"/>
-                <a:cs typeface="Arial"/>
-                <a:sym typeface="Arial"/>
-              </a:rPr>
-              <a:t>Numeric Solver </a:t>
-            </a:r>
-            <a:endParaRPr lang="en-US" sz="1400"/>
-          </a:p>
-          <a:p>
-            <a:pPr algn="ctr">
-              <a:buClr>
-                <a:srgbClr val="000000"/>
-              </a:buClr>
-              <a:buSzPts val="1400"/>
-            </a:pPr>
-            <a:r>
-              <a:rPr lang="en-US" sz="1100" b="1">
-                <a:solidFill>
-                  <a:srgbClr val="A5A5A5"/>
-                </a:solidFill>
-                <a:latin typeface="Arial"/>
-                <a:ea typeface="Arial"/>
-                <a:cs typeface="Arial"/>
-                <a:sym typeface="Arial"/>
-              </a:rPr>
-              <a:t>(physics model)</a:t>
-            </a:r>
-          </a:p>
-        </p:txBody>
-      </p:sp>
-      <p:pic>
-        <p:nvPicPr>
-          <p:cNvPr id="15" name="Google Shape;357;ge285f2a3a4_0_6">
-            <a:extLst>
-              <a:ext uri="{FF2B5EF4-FFF2-40B4-BE49-F238E27FC236}">
-                <a16:creationId xmlns:a16="http://schemas.microsoft.com/office/drawing/2014/main" id="{4CF61670-4BDF-69FB-44D8-B5DE473B2153}"/>
-              </a:ext>
-            </a:extLst>
-          </p:cNvPr>
-          <p:cNvPicPr preferRelativeResize="0">
-            <a:picLocks noChangeAspect="1"/>
-          </p:cNvPicPr>
-          <p:nvPr/>
-        </p:nvPicPr>
-        <p:blipFill rotWithShape="1">
-          <a:blip r:embed="rId2">
-            <a:alphaModFix/>
-          </a:blip>
-          <a:srcRect/>
-          <a:stretch/>
-        </p:blipFill>
-        <p:spPr>
-          <a:xfrm>
-            <a:off x="4631090" y="3898602"/>
-            <a:ext cx="2808934" cy="1439667"/>
-          </a:xfrm>
-          <a:prstGeom prst="rect">
-            <a:avLst/>
-          </a:prstGeom>
-          <a:noFill/>
-          <a:ln>
-            <a:noFill/>
-          </a:ln>
-        </p:spPr>
-      </p:pic>
-    </p:spTree>
-    <p:extLst>
-      <p:ext uri="{BB962C8B-B14F-4D97-AF65-F5344CB8AC3E}">
-        <p14:creationId xmlns:p14="http://schemas.microsoft.com/office/powerpoint/2010/main" val="1063764642"/>
-      </p:ext>
-    </p:extLst>
-  </p:cSld>
-  <p:clrMapOvr>
-    <a:masterClrMapping/>
-  </p:clrMapOvr>
-</p:sld>
-</file>
-
-<file path=ppt/slides/slide4.xml><?xml version="1.0" encoding="utf-8"?>
-<p:sld xmlns:a="http://schemas.openxmlformats.org/drawingml/2006/main" xmlns:r="http://schemas.openxmlformats.org/officeDocument/2006/relationships" xmlns:p="http://schemas.openxmlformats.org/presentationml/2006/main">
-  <p:cSld>
-    <p:spTree>
-      <p:nvGrpSpPr>
-        <p:cNvPr id="1" name=""/>
-        <p:cNvGrpSpPr/>
-        <p:nvPr/>
-      </p:nvGrpSpPr>
-      <p:grpSpPr>
-        <a:xfrm>
-          <a:off x="0" y="0"/>
-          <a:ext cx="0" cy="0"/>
-          <a:chOff x="0" y="0"/>
-          <a:chExt cx="0" cy="0"/>
-        </a:xfrm>
-      </p:grpSpPr>
-      <p:sp>
-        <p:nvSpPr>
-          <p:cNvPr id="2" name="Title 1">
-            <a:extLst>
-              <a:ext uri="{FF2B5EF4-FFF2-40B4-BE49-F238E27FC236}">
-                <a16:creationId xmlns:a16="http://schemas.microsoft.com/office/drawing/2014/main" id="{C1AF3AA2-0631-F73B-EF6C-449B74CFCEFB}"/>
-              </a:ext>
-            </a:extLst>
-          </p:cNvPr>
-          <p:cNvSpPr>
-            <a:spLocks noGrp="1"/>
-          </p:cNvSpPr>
-          <p:nvPr>
-            <p:ph type="title"/>
-          </p:nvPr>
-        </p:nvSpPr>
-        <p:spPr/>
-        <p:txBody>
-          <a:bodyPr/>
-          <a:lstStyle/>
-          <a:p>
-            <a:r>
-              <a:rPr lang="en-US" dirty="0"/>
-              <a:t>Context</a:t>
-            </a:r>
-          </a:p>
-        </p:txBody>
-      </p:sp>
-      <p:sp>
-        <p:nvSpPr>
-          <p:cNvPr id="4" name="Content Placeholder 2">
-            <a:extLst>
-              <a:ext uri="{FF2B5EF4-FFF2-40B4-BE49-F238E27FC236}">
-                <a16:creationId xmlns:a16="http://schemas.microsoft.com/office/drawing/2014/main" id="{03C31663-B4E1-DED4-1CBF-69F45D84852B}"/>
-              </a:ext>
-            </a:extLst>
-          </p:cNvPr>
-          <p:cNvSpPr>
-            <a:spLocks noGrp="1"/>
-          </p:cNvSpPr>
-          <p:nvPr>
-            <p:ph idx="1"/>
-          </p:nvPr>
-        </p:nvSpPr>
-        <p:spPr>
-          <a:xfrm>
-            <a:off x="838200" y="1825625"/>
-            <a:ext cx="10515600" cy="4351338"/>
-          </a:xfrm>
-        </p:spPr>
-        <p:txBody>
-          <a:bodyPr/>
-          <a:lstStyle/>
-          <a:p>
-            <a:r>
-              <a:rPr lang="en-US" sz="2000" dirty="0"/>
-              <a:t>Currently used physical simulators </a:t>
-            </a:r>
-          </a:p>
-          <a:p>
-            <a:pPr lvl="1"/>
-            <a:r>
-              <a:rPr lang="en-US" sz="1600" dirty="0"/>
-              <a:t>Inputs / </a:t>
-            </a:r>
-            <a:r>
-              <a:rPr lang="en-US" sz="1600" dirty="0" err="1"/>
-              <a:t>Outpus</a:t>
-            </a:r>
-            <a:endParaRPr lang="en-US" sz="1600" dirty="0"/>
-          </a:p>
-          <a:p>
-            <a:pPr lvl="1"/>
-            <a:endParaRPr lang="en-US" dirty="0"/>
-          </a:p>
-          <a:p>
-            <a:pPr lvl="1"/>
-            <a:endParaRPr lang="en-US" dirty="0"/>
-          </a:p>
-          <a:p>
-            <a:pPr lvl="1"/>
-            <a:endParaRPr lang="en-US" dirty="0"/>
-          </a:p>
-          <a:p>
-            <a:pPr lvl="1"/>
-            <a:endParaRPr lang="en-US" dirty="0"/>
-          </a:p>
-          <a:p>
-            <a:pPr marL="457200" lvl="1" indent="0">
-              <a:buNone/>
-            </a:pPr>
-            <a:endParaRPr lang="en-US" dirty="0"/>
-          </a:p>
-          <a:p>
-            <a:pPr marL="457200" lvl="1" indent="0">
-              <a:buNone/>
-            </a:pPr>
-            <a:endParaRPr lang="en-US" dirty="0"/>
-          </a:p>
-          <a:p>
-            <a:pPr lvl="1"/>
-            <a:endParaRPr lang="en-US" sz="500" dirty="0"/>
-          </a:p>
-          <a:p>
-            <a:pPr lvl="1"/>
-            <a:endParaRPr lang="en-US" sz="500" dirty="0"/>
-          </a:p>
-          <a:p>
-            <a:pPr lvl="1"/>
-            <a:r>
-              <a:rPr lang="en-US" sz="1600" dirty="0"/>
-              <a:t>Characteristics</a:t>
-            </a:r>
-          </a:p>
-          <a:p>
-            <a:pPr lvl="2"/>
-            <a:r>
-              <a:rPr lang="en-US" sz="1400" dirty="0"/>
-              <a:t>Relies on </a:t>
-            </a:r>
-            <a:r>
-              <a:rPr lang="en-US" sz="1400" b="1" dirty="0"/>
-              <a:t>physics equations (Kirchhoff law)</a:t>
-            </a:r>
-            <a:r>
-              <a:rPr lang="en-US" sz="1400" b="1" i="1" dirty="0"/>
-              <a:t>, </a:t>
-            </a:r>
-            <a:r>
-              <a:rPr lang="en-US" sz="1400" dirty="0"/>
-              <a:t>resolved by iterative optimization (Newton-Raphson)</a:t>
-            </a:r>
-            <a:endParaRPr lang="en-US" sz="1400" b="1" dirty="0"/>
-          </a:p>
-          <a:p>
-            <a:pPr lvl="2"/>
-            <a:r>
-              <a:rPr lang="en-US" sz="1400" dirty="0"/>
-              <a:t>Able to predict in a normal condition or different grid conditions</a:t>
-            </a:r>
-          </a:p>
-          <a:p>
-            <a:endParaRPr lang="en-US" dirty="0"/>
-          </a:p>
-        </p:txBody>
-      </p:sp>
-      <p:grpSp>
-        <p:nvGrpSpPr>
-          <p:cNvPr id="5" name="Group 4">
-            <a:extLst>
-              <a:ext uri="{FF2B5EF4-FFF2-40B4-BE49-F238E27FC236}">
-                <a16:creationId xmlns:a16="http://schemas.microsoft.com/office/drawing/2014/main" id="{F6A8239F-BAE3-B2F9-58DE-067925760012}"/>
-              </a:ext>
-            </a:extLst>
-          </p:cNvPr>
-          <p:cNvGrpSpPr/>
-          <p:nvPr/>
-        </p:nvGrpSpPr>
-        <p:grpSpPr>
-          <a:xfrm>
-            <a:off x="2856521" y="2377053"/>
-            <a:ext cx="6478957" cy="2439657"/>
-            <a:chOff x="899591" y="1635647"/>
-            <a:chExt cx="6478957" cy="2439657"/>
-          </a:xfrm>
-        </p:grpSpPr>
-        <p:pic>
-          <p:nvPicPr>
-            <p:cNvPr id="6" name="Google Shape;369;ge285f2a3a4_0_17">
-              <a:extLst>
-                <a:ext uri="{FF2B5EF4-FFF2-40B4-BE49-F238E27FC236}">
-                  <a16:creationId xmlns:a16="http://schemas.microsoft.com/office/drawing/2014/main" id="{CE042F2B-287C-6C97-CE25-6E6951E51582}"/>
-                </a:ext>
-              </a:extLst>
-            </p:cNvPr>
-            <p:cNvPicPr preferRelativeResize="0">
-              <a:picLocks noChangeAspect="1"/>
-            </p:cNvPicPr>
-            <p:nvPr/>
-          </p:nvPicPr>
-          <p:blipFill rotWithShape="1">
-            <a:blip r:embed="rId2">
-              <a:alphaModFix/>
-            </a:blip>
-            <a:srcRect/>
-            <a:stretch/>
-          </p:blipFill>
-          <p:spPr>
-            <a:xfrm>
-              <a:off x="2525879" y="2617845"/>
-              <a:ext cx="2843649" cy="1457459"/>
-            </a:xfrm>
-            <a:prstGeom prst="rect">
-              <a:avLst/>
-            </a:prstGeom>
-            <a:noFill/>
-            <a:ln>
-              <a:noFill/>
-            </a:ln>
-          </p:spPr>
-        </p:pic>
-        <p:sp>
-          <p:nvSpPr>
-            <p:cNvPr id="7" name="Google Shape;354;ge285f2a3a4_0_6">
-              <a:extLst>
-                <a:ext uri="{FF2B5EF4-FFF2-40B4-BE49-F238E27FC236}">
-                  <a16:creationId xmlns:a16="http://schemas.microsoft.com/office/drawing/2014/main" id="{4503CEE4-B791-916A-FED5-DFAA1E70F3D7}"/>
-                </a:ext>
-              </a:extLst>
-            </p:cNvPr>
-            <p:cNvSpPr txBox="1">
-              <a:spLocks noChangeAspect="1"/>
-            </p:cNvSpPr>
-            <p:nvPr/>
-          </p:nvSpPr>
-          <p:spPr>
-            <a:xfrm>
-              <a:off x="5148065" y="1861430"/>
-              <a:ext cx="2088232" cy="582225"/>
-            </a:xfrm>
-            <a:prstGeom prst="rect">
-              <a:avLst/>
-            </a:prstGeom>
-            <a:noFill/>
-            <a:ln>
-              <a:noFill/>
-            </a:ln>
-          </p:spPr>
-          <p:txBody>
-            <a:bodyPr spcFirstLastPara="1" wrap="square" lIns="91425" tIns="91425" rIns="91425" bIns="91425" anchor="ctr" anchorCtr="0">
-              <a:noAutofit/>
-            </a:bodyPr>
-            <a:lstStyle/>
-            <a:p>
-              <a:pPr algn="ctr">
-                <a:buClr>
-                  <a:srgbClr val="000000"/>
-                </a:buClr>
-                <a:buSzPts val="4800"/>
-              </a:pPr>
-              <a:r>
-                <a:rPr lang="en-US" sz="1600" dirty="0">
-                  <a:solidFill>
-                    <a:srgbClr val="0000B8"/>
-                  </a:solidFill>
-                  <a:latin typeface="Arial"/>
-                  <a:ea typeface="Arial"/>
-                  <a:cs typeface="Arial"/>
-                  <a:sym typeface="Arial"/>
-                </a:rPr>
-                <a:t>Y = power flows</a:t>
-              </a:r>
-              <a:endParaRPr lang="en-US" sz="1600" dirty="0">
-                <a:solidFill>
-                  <a:srgbClr val="A5A5A5"/>
-                </a:solidFill>
-                <a:latin typeface="Arial"/>
-                <a:ea typeface="Arial"/>
-                <a:cs typeface="Arial"/>
-                <a:sym typeface="Arial"/>
-              </a:endParaRPr>
-            </a:p>
-          </p:txBody>
-        </p:sp>
-        <p:sp>
-          <p:nvSpPr>
-            <p:cNvPr id="8" name="Google Shape;355;ge285f2a3a4_0_6">
-              <a:extLst>
-                <a:ext uri="{FF2B5EF4-FFF2-40B4-BE49-F238E27FC236}">
-                  <a16:creationId xmlns:a16="http://schemas.microsoft.com/office/drawing/2014/main" id="{56B73B78-446C-1231-F612-6D9AAB1720E9}"/>
-                </a:ext>
-              </a:extLst>
-            </p:cNvPr>
-            <p:cNvSpPr txBox="1">
-              <a:spLocks noChangeAspect="1"/>
-            </p:cNvSpPr>
-            <p:nvPr/>
-          </p:nvSpPr>
-          <p:spPr>
-            <a:xfrm>
-              <a:off x="899591" y="1635647"/>
-              <a:ext cx="6478957" cy="979485"/>
-            </a:xfrm>
-            <a:prstGeom prst="rect">
-              <a:avLst/>
-            </a:prstGeom>
-            <a:noFill/>
-            <a:ln>
-              <a:noFill/>
-            </a:ln>
-          </p:spPr>
-          <p:txBody>
-            <a:bodyPr spcFirstLastPara="1" wrap="square" lIns="91425" tIns="91425" rIns="91425" bIns="91425" anchor="ctr" anchorCtr="0">
-              <a:noAutofit/>
-            </a:bodyPr>
-            <a:lstStyle/>
-            <a:p>
-              <a:pPr>
-                <a:buClr>
-                  <a:srgbClr val="000000"/>
-                </a:buClr>
-                <a:buSzPts val="4800"/>
-              </a:pPr>
-              <a:r>
-                <a:rPr lang="en-US" sz="1600" dirty="0">
-                  <a:solidFill>
-                    <a:srgbClr val="DC3E19"/>
-                  </a:solidFill>
-                  <a:latin typeface="Arial"/>
-                  <a:ea typeface="Arial"/>
-                  <a:cs typeface="Arial"/>
-                  <a:sym typeface="Arial"/>
-                </a:rPr>
-                <a:t>X = injections </a:t>
-              </a:r>
-            </a:p>
-            <a:p>
-              <a:pPr>
-                <a:buClr>
-                  <a:srgbClr val="000000"/>
-                </a:buClr>
-                <a:buSzPts val="4800"/>
-              </a:pPr>
-              <a:r>
-                <a:rPr lang="en-US" sz="900" dirty="0">
-                  <a:solidFill>
-                    <a:srgbClr val="DC3E19"/>
-                  </a:solidFill>
-                  <a:latin typeface="Arial"/>
-                  <a:ea typeface="Arial"/>
-                  <a:cs typeface="Arial"/>
-                  <a:sym typeface="Arial"/>
-                </a:rPr>
-                <a:t>(productions + loads)</a:t>
-              </a:r>
-            </a:p>
-            <a:p>
-              <a:pPr>
-                <a:buClr>
-                  <a:srgbClr val="000000"/>
-                </a:buClr>
-                <a:buSzPts val="4800"/>
-              </a:pPr>
-              <a:r>
-                <a:rPr lang="en-US" sz="1600" dirty="0">
-                  <a:solidFill>
-                    <a:srgbClr val="DC3E19"/>
-                  </a:solidFill>
-                  <a:latin typeface="Arial"/>
-                  <a:cs typeface="Arial"/>
-                  <a:sym typeface="Arial"/>
-                </a:rPr>
-                <a:t>T = topology</a:t>
-              </a:r>
-              <a:endParaRPr lang="en-US" sz="700" dirty="0"/>
-            </a:p>
-          </p:txBody>
-        </p:sp>
-        <p:sp>
-          <p:nvSpPr>
-            <p:cNvPr id="9" name="Google Shape;356;ge285f2a3a4_0_6">
-              <a:extLst>
-                <a:ext uri="{FF2B5EF4-FFF2-40B4-BE49-F238E27FC236}">
-                  <a16:creationId xmlns:a16="http://schemas.microsoft.com/office/drawing/2014/main" id="{CAEE6E75-B06D-F7DE-DB79-573B6832BB0E}"/>
-                </a:ext>
-              </a:extLst>
-            </p:cNvPr>
-            <p:cNvSpPr>
-              <a:spLocks noChangeAspect="1"/>
-            </p:cNvSpPr>
-            <p:nvPr/>
-          </p:nvSpPr>
-          <p:spPr>
-            <a:xfrm>
-              <a:off x="2832489" y="1802251"/>
-              <a:ext cx="2173324" cy="700586"/>
-            </a:xfrm>
-            <a:prstGeom prst="rightArrow">
-              <a:avLst>
-                <a:gd name="adj1" fmla="val 50000"/>
-                <a:gd name="adj2" fmla="val 50000"/>
-              </a:avLst>
-            </a:prstGeom>
-            <a:solidFill>
-              <a:schemeClr val="lt1"/>
-            </a:solidFill>
-            <a:ln w="25400" cap="flat" cmpd="sng">
-              <a:solidFill>
-                <a:schemeClr val="tx1"/>
-              </a:solidFill>
-              <a:prstDash val="solid"/>
-              <a:round/>
-              <a:headEnd type="none" w="sm" len="sm"/>
-              <a:tailEnd type="none" w="sm" len="sm"/>
-            </a:ln>
-          </p:spPr>
-          <p:txBody>
-            <a:bodyPr spcFirstLastPara="1" wrap="square" lIns="91425" tIns="91425" rIns="91425" bIns="91425" anchor="ctr" anchorCtr="0">
-              <a:noAutofit/>
-            </a:bodyPr>
-            <a:lstStyle/>
-            <a:p>
-              <a:pPr algn="ctr">
-                <a:buClr>
-                  <a:srgbClr val="000000"/>
-                </a:buClr>
-                <a:buSzPts val="1400"/>
-              </a:pPr>
-              <a:r>
-                <a:rPr lang="en-US" sz="1100" b="1">
-                  <a:latin typeface="Arial"/>
-                  <a:ea typeface="Arial"/>
-                  <a:cs typeface="Arial"/>
-                  <a:sym typeface="Arial"/>
-                </a:rPr>
-                <a:t>Numeric Solver </a:t>
-              </a:r>
-              <a:endParaRPr lang="en-US" sz="1400"/>
-            </a:p>
-            <a:p>
-              <a:pPr algn="ctr">
-                <a:buClr>
-                  <a:srgbClr val="000000"/>
-                </a:buClr>
-                <a:buSzPts val="1400"/>
-              </a:pPr>
-              <a:r>
-                <a:rPr lang="en-US" sz="1100" b="1">
-                  <a:latin typeface="Arial"/>
-                  <a:ea typeface="Arial"/>
-                  <a:cs typeface="Arial"/>
-                  <a:sym typeface="Arial"/>
-                </a:rPr>
-                <a:t>(physics model)</a:t>
-              </a:r>
-            </a:p>
-          </p:txBody>
-        </p:sp>
-      </p:grpSp>
-      <p:pic>
-        <p:nvPicPr>
-          <p:cNvPr id="10" name="Picture 9">
-            <a:extLst>
-              <a:ext uri="{FF2B5EF4-FFF2-40B4-BE49-F238E27FC236}">
-                <a16:creationId xmlns:a16="http://schemas.microsoft.com/office/drawing/2014/main" id="{766ACD3A-324D-1907-FD20-96E7279F1E3D}"/>
-              </a:ext>
-            </a:extLst>
-          </p:cNvPr>
-          <p:cNvPicPr>
-            <a:picLocks noChangeAspect="1"/>
-          </p:cNvPicPr>
-          <p:nvPr/>
-        </p:nvPicPr>
-        <p:blipFill rotWithShape="1">
-          <a:blip r:embed="rId3"/>
-          <a:srcRect t="12798"/>
-          <a:stretch/>
-        </p:blipFill>
-        <p:spPr>
-          <a:xfrm>
-            <a:off x="3750419" y="5605687"/>
-            <a:ext cx="6118462" cy="571276"/>
-          </a:xfrm>
-          <a:prstGeom prst="rect">
-            <a:avLst/>
-          </a:prstGeom>
-        </p:spPr>
-      </p:pic>
-      <p:sp>
-        <p:nvSpPr>
-          <p:cNvPr id="11" name="TextBox 10">
-            <a:extLst>
-              <a:ext uri="{FF2B5EF4-FFF2-40B4-BE49-F238E27FC236}">
-                <a16:creationId xmlns:a16="http://schemas.microsoft.com/office/drawing/2014/main" id="{AA88CBA9-DF50-37BF-B7E5-218C92C98AB0}"/>
-              </a:ext>
-            </a:extLst>
-          </p:cNvPr>
-          <p:cNvSpPr txBox="1"/>
-          <p:nvPr/>
-        </p:nvSpPr>
-        <p:spPr bwMode="auto">
-          <a:xfrm>
-            <a:off x="2431208" y="5714070"/>
-            <a:ext cx="1511114" cy="276999"/>
-          </a:xfrm>
-          <a:prstGeom prst="rect">
-            <a:avLst/>
-          </a:prstGeom>
-          <a:noFill/>
-          <a:ln>
-            <a:noFill/>
-          </a:ln>
-          <a:extLst>
-            <a:ext uri="{909E8E84-426E-40dd-AFC4-6F175D3DCCD1}">
-              <a14:hiddenFill xmlns:a14="http://schemas.microsoft.com/office/drawing/2010/main" xmlns="">
-                <a:solidFill>
-                  <a:srgbClr val="FFFFFF"/>
-                </a:solidFill>
-              </a14:hiddenFill>
-            </a:ext>
-            <a:ext uri="{91240B29-F687-4f45-9708-019B960494DF}">
-              <a14:hiddenLine xmlns:a14="http://schemas.microsoft.com/office/drawing/2010/main" xmlns="" w="9525">
-                <a:solidFill>
-                  <a:srgbClr val="000000"/>
-                </a:solidFill>
-                <a:miter lim="800000"/>
-                <a:headEnd/>
-                <a:tailEnd/>
-              </a14:hiddenLine>
-            </a:ext>
-            <a:ext uri="{FAA26D3D-D897-4be2-8F04-BA451C77F1D7}">
-              <ma14:placeholderFlag xmlns:ma14="http://schemas.microsoft.com/office/mac/drawingml/2011/main" xmlns="" val="1"/>
-            </a:ext>
-          </a:extLst>
-        </p:spPr>
-        <p:txBody>
-          <a:bodyPr vert="horz" wrap="none" lIns="0" tIns="45720" rIns="36000" bIns="45720" numCol="1" rtlCol="0" anchor="b" anchorCtr="0" compatLnSpc="1">
-            <a:prstTxWarp prst="textNoShape">
-              <a:avLst/>
-            </a:prstTxWarp>
-            <a:spAutoFit/>
-          </a:bodyPr>
-          <a:lstStyle/>
-          <a:p>
-            <a:r>
-              <a:rPr lang="en-US" sz="1200" dirty="0"/>
-              <a:t>Power Grid equations</a:t>
-            </a:r>
-          </a:p>
-        </p:txBody>
-      </p:sp>
-    </p:spTree>
-    <p:extLst>
-      <p:ext uri="{BB962C8B-B14F-4D97-AF65-F5344CB8AC3E}">
-        <p14:creationId xmlns:p14="http://schemas.microsoft.com/office/powerpoint/2010/main" val="941555482"/>
-      </p:ext>
-    </p:extLst>
-  </p:cSld>
-  <p:clrMapOvr>
-    <a:masterClrMapping/>
-  </p:clrMapOvr>
-</p:sld>
-</file>
-
-<file path=ppt/slides/slide5.xml><?xml version="1.0" encoding="utf-8"?>
-<p:sld xmlns:a="http://schemas.openxmlformats.org/drawingml/2006/main" xmlns:r="http://schemas.openxmlformats.org/officeDocument/2006/relationships" xmlns:p="http://schemas.openxmlformats.org/presentationml/2006/main">
-  <p:cSld>
-    <p:spTree>
-      <p:nvGrpSpPr>
-        <p:cNvPr id="1" name=""/>
-        <p:cNvGrpSpPr/>
-        <p:nvPr/>
-      </p:nvGrpSpPr>
-      <p:grpSpPr>
-        <a:xfrm>
-          <a:off x="0" y="0"/>
-          <a:ext cx="0" cy="0"/>
-          <a:chOff x="0" y="0"/>
-          <a:chExt cx="0" cy="0"/>
-        </a:xfrm>
-      </p:grpSpPr>
-      <p:sp>
-        <p:nvSpPr>
-          <p:cNvPr id="2" name="Title 1">
-            <a:extLst>
-              <a:ext uri="{FF2B5EF4-FFF2-40B4-BE49-F238E27FC236}">
-                <a16:creationId xmlns:a16="http://schemas.microsoft.com/office/drawing/2014/main" id="{E690685A-B6B3-90CB-D175-86374E664AC3}"/>
-              </a:ext>
-            </a:extLst>
-          </p:cNvPr>
-          <p:cNvSpPr>
-            <a:spLocks noGrp="1"/>
-          </p:cNvSpPr>
-          <p:nvPr>
-            <p:ph type="title"/>
-          </p:nvPr>
-        </p:nvSpPr>
-        <p:spPr/>
-        <p:txBody>
-          <a:bodyPr/>
-          <a:lstStyle/>
-          <a:p>
-            <a:r>
-              <a:rPr lang="en-US" dirty="0"/>
-              <a:t>Methodology</a:t>
-            </a:r>
-          </a:p>
-        </p:txBody>
-      </p:sp>
-      <p:sp>
-        <p:nvSpPr>
-          <p:cNvPr id="4" name="Content Placeholder 2">
-            <a:extLst>
-              <a:ext uri="{FF2B5EF4-FFF2-40B4-BE49-F238E27FC236}">
-                <a16:creationId xmlns:a16="http://schemas.microsoft.com/office/drawing/2014/main" id="{C73B9F39-9A82-485A-AB6D-2DCEE3BB3888}"/>
-              </a:ext>
-            </a:extLst>
-          </p:cNvPr>
-          <p:cNvSpPr>
-            <a:spLocks noGrp="1"/>
-          </p:cNvSpPr>
-          <p:nvPr>
-            <p:ph idx="1"/>
-          </p:nvPr>
-        </p:nvSpPr>
-        <p:spPr>
-          <a:xfrm>
-            <a:off x="838200" y="1825625"/>
-            <a:ext cx="10515600" cy="4351338"/>
-          </a:xfrm>
-        </p:spPr>
-        <p:txBody>
-          <a:bodyPr/>
-          <a:lstStyle/>
-          <a:p>
-            <a:r>
-              <a:rPr lang="en-US" dirty="0"/>
-              <a:t>Hybrid models : Physics Informed Graph Neural Networks (PIGNNs)</a:t>
-            </a:r>
-          </a:p>
-          <a:p>
-            <a:endParaRPr lang="en-US" dirty="0"/>
-          </a:p>
-        </p:txBody>
-      </p:sp>
-      <p:pic>
-        <p:nvPicPr>
-          <p:cNvPr id="6" name="Picture 5">
-            <a:extLst>
-              <a:ext uri="{FF2B5EF4-FFF2-40B4-BE49-F238E27FC236}">
-                <a16:creationId xmlns:a16="http://schemas.microsoft.com/office/drawing/2014/main" id="{A10E39ED-9261-C6D2-4C1A-BE147C33CD17}"/>
-              </a:ext>
-            </a:extLst>
-          </p:cNvPr>
-          <p:cNvPicPr>
-            <a:picLocks noChangeAspect="1"/>
-          </p:cNvPicPr>
-          <p:nvPr/>
-        </p:nvPicPr>
-        <p:blipFill>
-          <a:blip r:embed="rId2"/>
-          <a:stretch>
-            <a:fillRect/>
-          </a:stretch>
-        </p:blipFill>
-        <p:spPr>
-          <a:xfrm>
-            <a:off x="1751784" y="3092683"/>
-            <a:ext cx="7709457" cy="3161567"/>
-          </a:xfrm>
-          <a:prstGeom prst="rect">
-            <a:avLst/>
-          </a:prstGeom>
-        </p:spPr>
-      </p:pic>
-      <p:pic>
-        <p:nvPicPr>
-          <p:cNvPr id="8" name="Picture 7" descr="A close-up of a message&#10;&#10;AI-generated content may be incorrect.">
-            <a:extLst>
-              <a:ext uri="{FF2B5EF4-FFF2-40B4-BE49-F238E27FC236}">
-                <a16:creationId xmlns:a16="http://schemas.microsoft.com/office/drawing/2014/main" id="{15B515A2-CA6E-8F03-C24E-6D8FFC81CD69}"/>
-              </a:ext>
-            </a:extLst>
-          </p:cNvPr>
-          <p:cNvPicPr>
-            <a:picLocks noChangeAspect="1"/>
-          </p:cNvPicPr>
-          <p:nvPr/>
-        </p:nvPicPr>
-        <p:blipFill>
-          <a:blip r:embed="rId3">
-            <a:extLst>
-              <a:ext uri="{28A0092B-C50C-407E-A947-70E740481C1C}">
-                <a14:useLocalDpi xmlns:a14="http://schemas.microsoft.com/office/drawing/2010/main" val="0"/>
-              </a:ext>
-            </a:extLst>
-          </a:blip>
-          <a:stretch>
-            <a:fillRect/>
-          </a:stretch>
-        </p:blipFill>
-        <p:spPr>
-          <a:xfrm>
-            <a:off x="2947089" y="2226029"/>
-            <a:ext cx="4847745" cy="789367"/>
-          </a:xfrm>
-          <a:prstGeom prst="rect">
-            <a:avLst/>
-          </a:prstGeom>
-        </p:spPr>
-      </p:pic>
-    </p:spTree>
-    <p:extLst>
-      <p:ext uri="{BB962C8B-B14F-4D97-AF65-F5344CB8AC3E}">
-        <p14:creationId xmlns:p14="http://schemas.microsoft.com/office/powerpoint/2010/main" val="3018709138"/>
-      </p:ext>
-    </p:extLst>
-  </p:cSld>
-  <p:clrMapOvr>
-    <a:masterClrMapping/>
-  </p:clrMapOvr>
-</p:sld>
-</file>
-
-<file path=ppt/slides/slide6.xml><?xml version="1.0" encoding="utf-8"?>
-<p:sld xmlns:a="http://schemas.openxmlformats.org/drawingml/2006/main" xmlns:r="http://schemas.openxmlformats.org/officeDocument/2006/relationships" xmlns:p="http://schemas.openxmlformats.org/presentationml/2006/main">
-  <p:cSld>
-    <p:spTree>
-      <p:nvGrpSpPr>
-        <p:cNvPr id="1" name=""/>
-        <p:cNvGrpSpPr/>
-        <p:nvPr/>
-      </p:nvGrpSpPr>
-      <p:grpSpPr>
-        <a:xfrm>
-          <a:off x="0" y="0"/>
-          <a:ext cx="0" cy="0"/>
-          <a:chOff x="0" y="0"/>
-          <a:chExt cx="0" cy="0"/>
-        </a:xfrm>
-      </p:grpSpPr>
-      <p:sp>
-        <p:nvSpPr>
-          <p:cNvPr id="2" name="Title 1">
-            <a:extLst>
-              <a:ext uri="{FF2B5EF4-FFF2-40B4-BE49-F238E27FC236}">
-                <a16:creationId xmlns:a16="http://schemas.microsoft.com/office/drawing/2014/main" id="{EBC76CC9-6867-E7DF-259A-7883964CBC9B}"/>
-              </a:ext>
-            </a:extLst>
-          </p:cNvPr>
-          <p:cNvSpPr>
-            <a:spLocks noGrp="1"/>
-          </p:cNvSpPr>
-          <p:nvPr>
-            <p:ph type="title"/>
-          </p:nvPr>
-        </p:nvSpPr>
-        <p:spPr/>
-        <p:txBody>
-          <a:bodyPr/>
-          <a:lstStyle/>
-          <a:p>
-            <a:r>
-              <a:rPr lang="en-US" dirty="0"/>
-              <a:t>Original contribution</a:t>
-            </a:r>
-          </a:p>
-        </p:txBody>
-      </p:sp>
-      <p:sp>
-        <p:nvSpPr>
-          <p:cNvPr id="4" name="Content Placeholder 2">
-            <a:extLst>
-              <a:ext uri="{FF2B5EF4-FFF2-40B4-BE49-F238E27FC236}">
-                <a16:creationId xmlns:a16="http://schemas.microsoft.com/office/drawing/2014/main" id="{A43105CE-2F6A-8A60-2BEE-93B9AD40F4BB}"/>
-              </a:ext>
-            </a:extLst>
-          </p:cNvPr>
-          <p:cNvSpPr>
-            <a:spLocks noGrp="1"/>
-          </p:cNvSpPr>
-          <p:nvPr>
-            <p:ph idx="1"/>
-          </p:nvPr>
-        </p:nvSpPr>
-        <p:spPr>
-          <a:xfrm>
-            <a:off x="838200" y="1570252"/>
-            <a:ext cx="10515600" cy="4351338"/>
-          </a:xfrm>
-        </p:spPr>
-        <p:txBody>
-          <a:bodyPr/>
-          <a:lstStyle/>
-          <a:p>
-            <a:r>
-              <a:rPr lang="en-US" dirty="0"/>
-              <a:t>Physics criteria/law to respect</a:t>
-            </a:r>
-          </a:p>
-          <a:p>
-            <a:endParaRPr lang="en-US" dirty="0"/>
-          </a:p>
-        </p:txBody>
-      </p:sp>
-      <p:pic>
-        <p:nvPicPr>
-          <p:cNvPr id="5" name="Picture 4">
-            <a:extLst>
-              <a:ext uri="{FF2B5EF4-FFF2-40B4-BE49-F238E27FC236}">
-                <a16:creationId xmlns:a16="http://schemas.microsoft.com/office/drawing/2014/main" id="{1852D91E-935B-2A8C-84F5-0818404A9163}"/>
-              </a:ext>
-            </a:extLst>
-          </p:cNvPr>
-          <p:cNvPicPr>
-            <a:picLocks noChangeAspect="1"/>
-          </p:cNvPicPr>
-          <p:nvPr/>
-        </p:nvPicPr>
-        <p:blipFill rotWithShape="1">
-          <a:blip r:embed="rId2"/>
-          <a:srcRect t="598" r="13206"/>
-          <a:stretch/>
-        </p:blipFill>
-        <p:spPr>
-          <a:xfrm>
-            <a:off x="3317161" y="2251737"/>
-            <a:ext cx="5557678" cy="4002513"/>
-          </a:xfrm>
-          <a:prstGeom prst="rect">
-            <a:avLst/>
-          </a:prstGeom>
-        </p:spPr>
-      </p:pic>
-    </p:spTree>
-    <p:extLst>
-      <p:ext uri="{BB962C8B-B14F-4D97-AF65-F5344CB8AC3E}">
-        <p14:creationId xmlns:p14="http://schemas.microsoft.com/office/powerpoint/2010/main" val="708481120"/>
-      </p:ext>
-    </p:extLst>
-  </p:cSld>
-  <p:clrMapOvr>
-    <a:masterClrMapping/>
-  </p:clrMapOvr>
-</p:sld>
-</file>
-
-<file path=ppt/slides/slide7.xml><?xml version="1.0" encoding="utf-8"?>
-<p:sld xmlns:a="http://schemas.openxmlformats.org/drawingml/2006/main" xmlns:r="http://schemas.openxmlformats.org/officeDocument/2006/relationships" xmlns:p="http://schemas.openxmlformats.org/presentationml/2006/main">
-  <p:cSld>
-    <p:spTree>
-      <p:nvGrpSpPr>
-        <p:cNvPr id="1" name=""/>
-        <p:cNvGrpSpPr/>
-        <p:nvPr/>
-      </p:nvGrpSpPr>
-      <p:grpSpPr>
-        <a:xfrm>
-          <a:off x="0" y="0"/>
-          <a:ext cx="0" cy="0"/>
-          <a:chOff x="0" y="0"/>
-          <a:chExt cx="0" cy="0"/>
-        </a:xfrm>
-      </p:grpSpPr>
-      <p:sp>
-        <p:nvSpPr>
-          <p:cNvPr id="2" name="Title 1">
-            <a:extLst>
-              <a:ext uri="{FF2B5EF4-FFF2-40B4-BE49-F238E27FC236}">
-                <a16:creationId xmlns:a16="http://schemas.microsoft.com/office/drawing/2014/main" id="{6773F739-5CCB-23E7-EDE4-33A02C6DAEAB}"/>
-              </a:ext>
-            </a:extLst>
-          </p:cNvPr>
-          <p:cNvSpPr>
-            <a:spLocks noGrp="1"/>
-          </p:cNvSpPr>
-          <p:nvPr>
-            <p:ph type="title"/>
-          </p:nvPr>
-        </p:nvSpPr>
-        <p:spPr/>
-        <p:txBody>
-          <a:bodyPr/>
-          <a:lstStyle/>
-          <a:p>
-            <a:r>
-              <a:rPr lang="en-US" dirty="0"/>
-              <a:t>Overview of code structure</a:t>
-            </a:r>
-          </a:p>
-        </p:txBody>
-      </p:sp>
-      <p:pic>
-        <p:nvPicPr>
-          <p:cNvPr id="5" name="Picture 4">
-            <a:extLst>
-              <a:ext uri="{FF2B5EF4-FFF2-40B4-BE49-F238E27FC236}">
-                <a16:creationId xmlns:a16="http://schemas.microsoft.com/office/drawing/2014/main" id="{8C8FBD86-25FB-3427-F442-5CC0B743E06A}"/>
-              </a:ext>
-            </a:extLst>
-          </p:cNvPr>
-          <p:cNvPicPr>
-            <a:picLocks noChangeAspect="1"/>
-          </p:cNvPicPr>
-          <p:nvPr/>
-        </p:nvPicPr>
-        <p:blipFill>
-          <a:blip r:embed="rId2"/>
-          <a:stretch>
-            <a:fillRect/>
-          </a:stretch>
-        </p:blipFill>
-        <p:spPr>
-          <a:xfrm>
-            <a:off x="506122" y="1686596"/>
-            <a:ext cx="5077534" cy="4305901"/>
-          </a:xfrm>
-          <a:prstGeom prst="rect">
-            <a:avLst/>
-          </a:prstGeom>
-        </p:spPr>
-      </p:pic>
-      <p:sp>
-        <p:nvSpPr>
-          <p:cNvPr id="8" name="Rectangle: Diagonal Corners Rounded 7">
-            <a:extLst>
-              <a:ext uri="{FF2B5EF4-FFF2-40B4-BE49-F238E27FC236}">
-                <a16:creationId xmlns:a16="http://schemas.microsoft.com/office/drawing/2014/main" id="{B741F50B-4C3A-04C4-5083-348B7F157C2D}"/>
-              </a:ext>
-            </a:extLst>
-          </p:cNvPr>
-          <p:cNvSpPr/>
-          <p:nvPr/>
-        </p:nvSpPr>
-        <p:spPr>
-          <a:xfrm>
-            <a:off x="5691673" y="2267339"/>
-            <a:ext cx="5924939" cy="886408"/>
-          </a:xfrm>
-          <a:prstGeom prst="round2DiagRect">
-            <a:avLst/>
-          </a:prstGeom>
-          <a:ln w="19050"/>
-        </p:spPr>
-        <p:style>
-          <a:lnRef idx="2">
-            <a:schemeClr val="accent6"/>
-          </a:lnRef>
-          <a:fillRef idx="1">
-            <a:schemeClr val="lt1"/>
-          </a:fillRef>
-          <a:effectRef idx="0">
-            <a:schemeClr val="accent6"/>
-          </a:effectRef>
-          <a:fontRef idx="minor">
-            <a:schemeClr val="dk1"/>
-          </a:fontRef>
-        </p:style>
-        <p:txBody>
-          <a:bodyPr rtlCol="0" anchor="ctr"/>
-          <a:lstStyle/>
-          <a:p>
-            <a:pPr algn="ctr"/>
-            <a:r>
-              <a:rPr lang="en-US" dirty="0"/>
-              <a:t>Configurations files used for initializing scenarios (two different l2rpn environments) and also the models (gnn.ini)</a:t>
-            </a:r>
-          </a:p>
-        </p:txBody>
-      </p:sp>
-      <p:sp>
-        <p:nvSpPr>
-          <p:cNvPr id="9" name="Rectangle: Diagonal Corners Rounded 8">
-            <a:extLst>
-              <a:ext uri="{FF2B5EF4-FFF2-40B4-BE49-F238E27FC236}">
-                <a16:creationId xmlns:a16="http://schemas.microsoft.com/office/drawing/2014/main" id="{86011C2D-0120-AB1D-3A95-A9C543B5AB9D}"/>
-              </a:ext>
-            </a:extLst>
-          </p:cNvPr>
-          <p:cNvSpPr/>
-          <p:nvPr/>
-        </p:nvSpPr>
-        <p:spPr>
-          <a:xfrm>
-            <a:off x="5691673" y="3223726"/>
-            <a:ext cx="5924939" cy="886408"/>
-          </a:xfrm>
-          <a:prstGeom prst="round2DiagRect">
-            <a:avLst/>
-          </a:prstGeom>
-          <a:ln w="19050"/>
-        </p:spPr>
-        <p:style>
-          <a:lnRef idx="2">
-            <a:schemeClr val="accent6"/>
-          </a:lnRef>
-          <a:fillRef idx="1">
-            <a:schemeClr val="lt1"/>
-          </a:fillRef>
-          <a:effectRef idx="0">
-            <a:schemeClr val="accent6"/>
-          </a:effectRef>
-          <a:fontRef idx="minor">
-            <a:schemeClr val="dk1"/>
-          </a:fontRef>
-        </p:style>
-        <p:txBody>
-          <a:bodyPr rtlCol="0" anchor="ctr"/>
-          <a:lstStyle/>
-          <a:p>
-            <a:pPr algn="ctr"/>
-            <a:r>
-              <a:rPr lang="en-US" dirty="0"/>
-              <a:t>Getting started </a:t>
-            </a:r>
-            <a:r>
-              <a:rPr lang="en-US" dirty="0" err="1"/>
-              <a:t>jupyter</a:t>
-            </a:r>
-            <a:r>
-              <a:rPr lang="en-US" dirty="0"/>
-              <a:t> notebooks providing examples to generate data and reproduce the results</a:t>
-            </a:r>
-          </a:p>
-        </p:txBody>
-      </p:sp>
-      <p:sp>
-        <p:nvSpPr>
-          <p:cNvPr id="10" name="Rectangle: Diagonal Corners Rounded 9">
-            <a:extLst>
-              <a:ext uri="{FF2B5EF4-FFF2-40B4-BE49-F238E27FC236}">
-                <a16:creationId xmlns:a16="http://schemas.microsoft.com/office/drawing/2014/main" id="{DE6837C8-606B-D7E0-00A0-0444DAD84F9C}"/>
-              </a:ext>
-            </a:extLst>
-          </p:cNvPr>
-          <p:cNvSpPr/>
-          <p:nvPr/>
-        </p:nvSpPr>
-        <p:spPr>
-          <a:xfrm>
-            <a:off x="5691673" y="4180113"/>
-            <a:ext cx="5924939" cy="886408"/>
-          </a:xfrm>
-          <a:prstGeom prst="round2DiagRect">
-            <a:avLst/>
-          </a:prstGeom>
-          <a:ln w="19050"/>
-        </p:spPr>
-        <p:style>
-          <a:lnRef idx="2">
-            <a:schemeClr val="accent6"/>
-          </a:lnRef>
-          <a:fillRef idx="1">
-            <a:schemeClr val="lt1"/>
-          </a:fillRef>
-          <a:effectRef idx="0">
-            <a:schemeClr val="accent6"/>
-          </a:effectRef>
-          <a:fontRef idx="minor">
-            <a:schemeClr val="dk1"/>
-          </a:fontRef>
-        </p:style>
-        <p:txBody>
-          <a:bodyPr rtlCol="0" anchor="ctr"/>
-          <a:lstStyle/>
-          <a:p>
-            <a:pPr algn="ctr"/>
-            <a:r>
-              <a:rPr lang="en-US" dirty="0"/>
-              <a:t>The Physics Informed GNN package, including dataset, evaluation and </a:t>
-            </a:r>
-            <a:r>
-              <a:rPr lang="en-US" dirty="0" err="1"/>
-              <a:t>gnn</a:t>
-            </a:r>
-            <a:r>
-              <a:rPr lang="en-US"/>
-              <a:t> modules</a:t>
-            </a:r>
-            <a:endParaRPr lang="en-US" dirty="0"/>
-          </a:p>
-        </p:txBody>
-      </p:sp>
-    </p:spTree>
-    <p:extLst>
-      <p:ext uri="{BB962C8B-B14F-4D97-AF65-F5344CB8AC3E}">
-        <p14:creationId xmlns:p14="http://schemas.microsoft.com/office/powerpoint/2010/main" val="2495112241"/>
-      </p:ext>
-    </p:extLst>
-  </p:cSld>
-  <p:clrMapOvr>
-    <a:masterClrMapping/>
-  </p:clrMapOvr>
-</p:sld>
-</file>
-
-<file path=ppt/slides/slide8.xml><?xml version="1.0" encoding="utf-8"?>
 <p:sld xmlns:a="http://schemas.openxmlformats.org/drawingml/2006/main" xmlns:r="http://schemas.openxmlformats.org/officeDocument/2006/relationships" xmlns:p="http://schemas.openxmlformats.org/presentationml/2006/main">
   <p:cSld>
     <p:spTree>
@@ -11513,6 +9873,2248 @@
 </p:sld>
 </file>
 
+<file path=ppt/slides/slide11.xml><?xml version="1.0" encoding="utf-8"?>
+<p:sld xmlns:a="http://schemas.openxmlformats.org/drawingml/2006/main" xmlns:r="http://schemas.openxmlformats.org/officeDocument/2006/relationships" xmlns:p="http://schemas.openxmlformats.org/presentationml/2006/main">
+  <p:cSld>
+    <p:spTree>
+      <p:nvGrpSpPr>
+        <p:cNvPr id="1" name=""/>
+        <p:cNvGrpSpPr/>
+        <p:nvPr/>
+      </p:nvGrpSpPr>
+      <p:grpSpPr>
+        <a:xfrm>
+          <a:off x="0" y="0"/>
+          <a:ext cx="0" cy="0"/>
+          <a:chOff x="0" y="0"/>
+          <a:chExt cx="0" cy="0"/>
+        </a:xfrm>
+      </p:grpSpPr>
+      <p:sp>
+        <p:nvSpPr>
+          <p:cNvPr id="2" name="Title 1">
+            <a:extLst>
+              <a:ext uri="{FF2B5EF4-FFF2-40B4-BE49-F238E27FC236}">
+                <a16:creationId xmlns:a16="http://schemas.microsoft.com/office/drawing/2014/main" id="{62FFD008-F7FB-D4D0-99F4-BCB77AE1F6DC}"/>
+              </a:ext>
+            </a:extLst>
+          </p:cNvPr>
+          <p:cNvSpPr>
+            <a:spLocks noGrp="1"/>
+          </p:cNvSpPr>
+          <p:nvPr>
+            <p:ph type="title"/>
+          </p:nvPr>
+        </p:nvSpPr>
+        <p:spPr/>
+        <p:txBody>
+          <a:bodyPr/>
+          <a:lstStyle/>
+          <a:p>
+            <a:r>
+              <a:rPr lang="fr-FR" dirty="0"/>
+              <a:t>Perspectives</a:t>
+            </a:r>
+          </a:p>
+        </p:txBody>
+      </p:sp>
+      <p:sp>
+        <p:nvSpPr>
+          <p:cNvPr id="3" name="Content Placeholder 2">
+            <a:extLst>
+              <a:ext uri="{FF2B5EF4-FFF2-40B4-BE49-F238E27FC236}">
+                <a16:creationId xmlns:a16="http://schemas.microsoft.com/office/drawing/2014/main" id="{977E1286-658C-028C-525E-FD3841667262}"/>
+              </a:ext>
+            </a:extLst>
+          </p:cNvPr>
+          <p:cNvSpPr>
+            <a:spLocks noGrp="1"/>
+          </p:cNvSpPr>
+          <p:nvPr>
+            <p:ph idx="1"/>
+          </p:nvPr>
+        </p:nvSpPr>
+        <p:spPr/>
+        <p:txBody>
+          <a:bodyPr/>
+          <a:lstStyle/>
+          <a:p>
+            <a:pPr algn="just"/>
+            <a:r>
+              <a:rPr lang="en-US" noProof="0" dirty="0"/>
+              <a:t>Generalize the proposed approach for AC power flow simulation</a:t>
+            </a:r>
+          </a:p>
+          <a:p>
+            <a:pPr algn="just"/>
+            <a:endParaRPr lang="en-US" noProof="0" dirty="0"/>
+          </a:p>
+          <a:p>
+            <a:pPr algn="just"/>
+            <a:r>
+              <a:rPr lang="en-US" noProof="0" dirty="0"/>
+              <a:t>The physics compliance integration could inspire the algorithm design for batch 2 focusing on a control problem using Deep Reinforcement Learning  algorithms</a:t>
+            </a:r>
+          </a:p>
+          <a:p>
+            <a:pPr algn="just"/>
+            <a:endParaRPr lang="en-US" noProof="0" dirty="0"/>
+          </a:p>
+          <a:p>
+            <a:pPr algn="just"/>
+            <a:r>
+              <a:rPr lang="en-US" noProof="0" dirty="0"/>
+              <a:t>Integrating the simplified physical equation and expert knowledge into RL agents which should suggest remedial actions with respect to observed context (environment) </a:t>
+            </a:r>
+          </a:p>
+        </p:txBody>
+      </p:sp>
+    </p:spTree>
+    <p:extLst>
+      <p:ext uri="{BB962C8B-B14F-4D97-AF65-F5344CB8AC3E}">
+        <p14:creationId xmlns:p14="http://schemas.microsoft.com/office/powerpoint/2010/main" val="2158764396"/>
+      </p:ext>
+    </p:extLst>
+  </p:cSld>
+  <p:clrMapOvr>
+    <a:masterClrMapping/>
+  </p:clrMapOvr>
+</p:sld>
+</file>
+
+<file path=ppt/slides/slide12.xml><?xml version="1.0" encoding="utf-8"?>
+<p:sld xmlns:a="http://schemas.openxmlformats.org/drawingml/2006/main" xmlns:r="http://schemas.openxmlformats.org/officeDocument/2006/relationships" xmlns:p="http://schemas.openxmlformats.org/presentationml/2006/main">
+  <p:cSld>
+    <p:spTree>
+      <p:nvGrpSpPr>
+        <p:cNvPr id="1" name=""/>
+        <p:cNvGrpSpPr/>
+        <p:nvPr/>
+      </p:nvGrpSpPr>
+      <p:grpSpPr>
+        <a:xfrm>
+          <a:off x="0" y="0"/>
+          <a:ext cx="0" cy="0"/>
+          <a:chOff x="0" y="0"/>
+          <a:chExt cx="0" cy="0"/>
+        </a:xfrm>
+      </p:grpSpPr>
+    </p:spTree>
+    <p:extLst>
+      <p:ext uri="{BB962C8B-B14F-4D97-AF65-F5344CB8AC3E}">
+        <p14:creationId xmlns:p14="http://schemas.microsoft.com/office/powerpoint/2010/main" val="3227182393"/>
+      </p:ext>
+    </p:extLst>
+  </p:cSld>
+  <p:clrMapOvr>
+    <a:masterClrMapping/>
+  </p:clrMapOvr>
+</p:sld>
+</file>
+
+<file path=ppt/slides/slide2.xml><?xml version="1.0" encoding="utf-8"?>
+<p:sld xmlns:a="http://schemas.openxmlformats.org/drawingml/2006/main" xmlns:r="http://schemas.openxmlformats.org/officeDocument/2006/relationships" xmlns:p="http://schemas.openxmlformats.org/presentationml/2006/main">
+  <p:cSld>
+    <p:spTree>
+      <p:nvGrpSpPr>
+        <p:cNvPr id="1" name=""/>
+        <p:cNvGrpSpPr/>
+        <p:nvPr/>
+      </p:nvGrpSpPr>
+      <p:grpSpPr>
+        <a:xfrm>
+          <a:off x="0" y="0"/>
+          <a:ext cx="0" cy="0"/>
+          <a:chOff x="0" y="0"/>
+          <a:chExt cx="0" cy="0"/>
+        </a:xfrm>
+      </p:grpSpPr>
+      <p:sp>
+        <p:nvSpPr>
+          <p:cNvPr id="2" name="Title 1">
+            <a:extLst>
+              <a:ext uri="{FF2B5EF4-FFF2-40B4-BE49-F238E27FC236}">
+                <a16:creationId xmlns:a16="http://schemas.microsoft.com/office/drawing/2014/main" id="{B0E16AAB-4A73-4920-9729-2AAC899A1F84}"/>
+              </a:ext>
+            </a:extLst>
+          </p:cNvPr>
+          <p:cNvSpPr>
+            <a:spLocks noGrp="1"/>
+          </p:cNvSpPr>
+          <p:nvPr>
+            <p:ph type="ctrTitle"/>
+          </p:nvPr>
+        </p:nvSpPr>
+        <p:spPr/>
+        <p:txBody>
+          <a:bodyPr/>
+          <a:lstStyle/>
+          <a:p>
+            <a:r>
+              <a:rPr lang="pt-PT" dirty="0"/>
+              <a:t>Outline </a:t>
+            </a:r>
+          </a:p>
+        </p:txBody>
+      </p:sp>
+      <p:sp>
+        <p:nvSpPr>
+          <p:cNvPr id="3" name="Text Placeholder 2">
+            <a:extLst>
+              <a:ext uri="{FF2B5EF4-FFF2-40B4-BE49-F238E27FC236}">
+                <a16:creationId xmlns:a16="http://schemas.microsoft.com/office/drawing/2014/main" id="{95A07442-3070-4C0E-8644-2E28412B2768}"/>
+              </a:ext>
+            </a:extLst>
+          </p:cNvPr>
+          <p:cNvSpPr>
+            <a:spLocks noGrp="1"/>
+          </p:cNvSpPr>
+          <p:nvPr>
+            <p:ph type="body" sz="quarter" idx="13"/>
+          </p:nvPr>
+        </p:nvSpPr>
+        <p:spPr/>
+        <p:txBody>
+          <a:bodyPr/>
+          <a:lstStyle/>
+          <a:p>
+            <a:pPr>
+              <a:lnSpc>
+                <a:spcPct val="150000"/>
+              </a:lnSpc>
+            </a:pPr>
+            <a:r>
+              <a:rPr lang="pt-PT" dirty="0"/>
+              <a:t>Context</a:t>
+            </a:r>
+          </a:p>
+          <a:p>
+            <a:pPr>
+              <a:lnSpc>
+                <a:spcPct val="150000"/>
+              </a:lnSpc>
+            </a:pPr>
+            <a:r>
+              <a:rPr lang="pt-PT" dirty="0"/>
+              <a:t>Methodology</a:t>
+            </a:r>
+          </a:p>
+          <a:p>
+            <a:pPr>
+              <a:lnSpc>
+                <a:spcPct val="150000"/>
+              </a:lnSpc>
+            </a:pPr>
+            <a:r>
+              <a:rPr lang="pt-PT" dirty="0"/>
+              <a:t>Original Contribution</a:t>
+            </a:r>
+          </a:p>
+          <a:p>
+            <a:pPr>
+              <a:lnSpc>
+                <a:spcPct val="150000"/>
+              </a:lnSpc>
+            </a:pPr>
+            <a:r>
+              <a:rPr lang="pt-PT" dirty="0"/>
+              <a:t>Overview of code structure</a:t>
+            </a:r>
+          </a:p>
+          <a:p>
+            <a:pPr>
+              <a:lnSpc>
+                <a:spcPct val="150000"/>
+              </a:lnSpc>
+            </a:pPr>
+            <a:r>
+              <a:rPr lang="pt-PT" dirty="0"/>
+              <a:t>Experiments</a:t>
+            </a:r>
+          </a:p>
+          <a:p>
+            <a:endParaRPr lang="pt-PT" dirty="0"/>
+          </a:p>
+        </p:txBody>
+      </p:sp>
+    </p:spTree>
+    <p:extLst>
+      <p:ext uri="{BB962C8B-B14F-4D97-AF65-F5344CB8AC3E}">
+        <p14:creationId xmlns:p14="http://schemas.microsoft.com/office/powerpoint/2010/main" val="2550756314"/>
+      </p:ext>
+    </p:extLst>
+  </p:cSld>
+  <p:clrMapOvr>
+    <a:masterClrMapping/>
+  </p:clrMapOvr>
+</p:sld>
+</file>
+
+<file path=ppt/slides/slide3.xml><?xml version="1.0" encoding="utf-8"?>
+<p:sld xmlns:a="http://schemas.openxmlformats.org/drawingml/2006/main" xmlns:r="http://schemas.openxmlformats.org/officeDocument/2006/relationships" xmlns:p="http://schemas.openxmlformats.org/presentationml/2006/main">
+  <p:cSld>
+    <p:spTree>
+      <p:nvGrpSpPr>
+        <p:cNvPr id="1" name=""/>
+        <p:cNvGrpSpPr/>
+        <p:nvPr/>
+      </p:nvGrpSpPr>
+      <p:grpSpPr>
+        <a:xfrm>
+          <a:off x="0" y="0"/>
+          <a:ext cx="0" cy="0"/>
+          <a:chOff x="0" y="0"/>
+          <a:chExt cx="0" cy="0"/>
+        </a:xfrm>
+      </p:grpSpPr>
+      <p:sp>
+        <p:nvSpPr>
+          <p:cNvPr id="4" name="Title 3">
+            <a:extLst>
+              <a:ext uri="{FF2B5EF4-FFF2-40B4-BE49-F238E27FC236}">
+                <a16:creationId xmlns:a16="http://schemas.microsoft.com/office/drawing/2014/main" id="{D8EDB376-F55C-8A0B-CE74-09455F95B4E5}"/>
+              </a:ext>
+            </a:extLst>
+          </p:cNvPr>
+          <p:cNvSpPr>
+            <a:spLocks noGrp="1"/>
+          </p:cNvSpPr>
+          <p:nvPr>
+            <p:ph type="title"/>
+          </p:nvPr>
+        </p:nvSpPr>
+        <p:spPr/>
+        <p:txBody>
+          <a:bodyPr/>
+          <a:lstStyle/>
+          <a:p>
+            <a:r>
+              <a:rPr lang="en-US" dirty="0"/>
+              <a:t>Context</a:t>
+            </a:r>
+          </a:p>
+        </p:txBody>
+      </p:sp>
+      <p:sp>
+        <p:nvSpPr>
+          <p:cNvPr id="11" name="Content Placeholder 2">
+            <a:extLst>
+              <a:ext uri="{FF2B5EF4-FFF2-40B4-BE49-F238E27FC236}">
+                <a16:creationId xmlns:a16="http://schemas.microsoft.com/office/drawing/2014/main" id="{8AEE9488-8F08-C7D3-9CF2-8005E6835967}"/>
+              </a:ext>
+            </a:extLst>
+          </p:cNvPr>
+          <p:cNvSpPr>
+            <a:spLocks noGrp="1"/>
+          </p:cNvSpPr>
+          <p:nvPr>
+            <p:ph idx="1"/>
+          </p:nvPr>
+        </p:nvSpPr>
+        <p:spPr>
+          <a:xfrm>
+            <a:off x="838200" y="1825625"/>
+            <a:ext cx="10515600" cy="4351338"/>
+          </a:xfrm>
+        </p:spPr>
+        <p:txBody>
+          <a:bodyPr/>
+          <a:lstStyle/>
+          <a:p>
+            <a:r>
+              <a:rPr lang="en-US" dirty="0"/>
+              <a:t>Currently used physical simulators </a:t>
+            </a:r>
+          </a:p>
+          <a:p>
+            <a:pPr lvl="1"/>
+            <a:r>
+              <a:rPr lang="en-US" sz="1600" dirty="0"/>
+              <a:t>Inputs / outputs</a:t>
+            </a:r>
+          </a:p>
+          <a:p>
+            <a:endParaRPr lang="en-US" dirty="0"/>
+          </a:p>
+        </p:txBody>
+      </p:sp>
+      <p:sp>
+        <p:nvSpPr>
+          <p:cNvPr id="12" name="Google Shape;354;ge285f2a3a4_0_6">
+            <a:extLst>
+              <a:ext uri="{FF2B5EF4-FFF2-40B4-BE49-F238E27FC236}">
+                <a16:creationId xmlns:a16="http://schemas.microsoft.com/office/drawing/2014/main" id="{4FB01A5F-B66F-56AF-9086-41BFFFA325AC}"/>
+              </a:ext>
+            </a:extLst>
+          </p:cNvPr>
+          <p:cNvSpPr txBox="1">
+            <a:spLocks noChangeAspect="1"/>
+          </p:cNvSpPr>
+          <p:nvPr/>
+        </p:nvSpPr>
+        <p:spPr>
+          <a:xfrm>
+            <a:off x="7121365" y="2675298"/>
+            <a:ext cx="2088232" cy="582225"/>
+          </a:xfrm>
+          <a:prstGeom prst="rect">
+            <a:avLst/>
+          </a:prstGeom>
+          <a:noFill/>
+          <a:ln>
+            <a:noFill/>
+          </a:ln>
+        </p:spPr>
+        <p:txBody>
+          <a:bodyPr spcFirstLastPara="1" wrap="square" lIns="91425" tIns="91425" rIns="91425" bIns="91425" anchor="ctr" anchorCtr="0">
+            <a:noAutofit/>
+          </a:bodyPr>
+          <a:lstStyle/>
+          <a:p>
+            <a:pPr algn="ctr">
+              <a:buClr>
+                <a:srgbClr val="000000"/>
+              </a:buClr>
+              <a:buSzPts val="4800"/>
+            </a:pPr>
+            <a:r>
+              <a:rPr lang="en-US" sz="1600">
+                <a:solidFill>
+                  <a:srgbClr val="A5A5A5"/>
+                </a:solidFill>
+                <a:latin typeface="Arial"/>
+                <a:ea typeface="Arial"/>
+                <a:cs typeface="Arial"/>
+                <a:sym typeface="Arial"/>
+              </a:rPr>
+              <a:t>Y = power flows</a:t>
+            </a:r>
+          </a:p>
+        </p:txBody>
+      </p:sp>
+      <p:sp>
+        <p:nvSpPr>
+          <p:cNvPr id="13" name="Google Shape;355;ge285f2a3a4_0_6">
+            <a:extLst>
+              <a:ext uri="{FF2B5EF4-FFF2-40B4-BE49-F238E27FC236}">
+                <a16:creationId xmlns:a16="http://schemas.microsoft.com/office/drawing/2014/main" id="{63C704D9-5EEA-50BD-28F7-94884EA40DC1}"/>
+              </a:ext>
+            </a:extLst>
+          </p:cNvPr>
+          <p:cNvSpPr txBox="1">
+            <a:spLocks noChangeAspect="1"/>
+          </p:cNvSpPr>
+          <p:nvPr/>
+        </p:nvSpPr>
+        <p:spPr>
+          <a:xfrm>
+            <a:off x="2872892" y="2449515"/>
+            <a:ext cx="5400600" cy="979485"/>
+          </a:xfrm>
+          <a:prstGeom prst="rect">
+            <a:avLst/>
+          </a:prstGeom>
+          <a:noFill/>
+          <a:ln>
+            <a:noFill/>
+          </a:ln>
+        </p:spPr>
+        <p:txBody>
+          <a:bodyPr spcFirstLastPara="1" wrap="square" lIns="91425" tIns="91425" rIns="91425" bIns="91425" anchor="ctr" anchorCtr="0">
+            <a:noAutofit/>
+          </a:bodyPr>
+          <a:lstStyle/>
+          <a:p>
+            <a:pPr>
+              <a:buClr>
+                <a:srgbClr val="000000"/>
+              </a:buClr>
+              <a:buSzPts val="4800"/>
+            </a:pPr>
+            <a:r>
+              <a:rPr lang="en-US" sz="1600" dirty="0">
+                <a:solidFill>
+                  <a:srgbClr val="DC3E19"/>
+                </a:solidFill>
+                <a:latin typeface="Arial"/>
+                <a:ea typeface="Arial"/>
+                <a:cs typeface="Arial"/>
+                <a:sym typeface="Arial"/>
+              </a:rPr>
+              <a:t>X = injections </a:t>
+            </a:r>
+          </a:p>
+          <a:p>
+            <a:pPr>
+              <a:buClr>
+                <a:srgbClr val="000000"/>
+              </a:buClr>
+              <a:buSzPts val="4800"/>
+            </a:pPr>
+            <a:r>
+              <a:rPr lang="en-US" sz="900" dirty="0">
+                <a:solidFill>
+                  <a:srgbClr val="DC3E19"/>
+                </a:solidFill>
+                <a:latin typeface="Arial"/>
+                <a:ea typeface="Arial"/>
+                <a:cs typeface="Arial"/>
+                <a:sym typeface="Arial"/>
+              </a:rPr>
+              <a:t>(productions + loads)</a:t>
+            </a:r>
+          </a:p>
+          <a:p>
+            <a:pPr>
+              <a:buClr>
+                <a:srgbClr val="000000"/>
+              </a:buClr>
+              <a:buSzPts val="4800"/>
+            </a:pPr>
+            <a:r>
+              <a:rPr lang="en-US" sz="1600" dirty="0">
+                <a:solidFill>
+                  <a:srgbClr val="DC3E19"/>
+                </a:solidFill>
+                <a:latin typeface="Arial"/>
+                <a:cs typeface="Arial"/>
+                <a:sym typeface="Arial"/>
+              </a:rPr>
+              <a:t>T = topology</a:t>
+            </a:r>
+            <a:endParaRPr lang="en-US" sz="700" dirty="0"/>
+          </a:p>
+        </p:txBody>
+      </p:sp>
+      <p:sp>
+        <p:nvSpPr>
+          <p:cNvPr id="14" name="Google Shape;356;ge285f2a3a4_0_6">
+            <a:extLst>
+              <a:ext uri="{FF2B5EF4-FFF2-40B4-BE49-F238E27FC236}">
+                <a16:creationId xmlns:a16="http://schemas.microsoft.com/office/drawing/2014/main" id="{88E50E68-E12B-2A21-5EA4-5828402904D2}"/>
+              </a:ext>
+            </a:extLst>
+          </p:cNvPr>
+          <p:cNvSpPr>
+            <a:spLocks noChangeAspect="1"/>
+          </p:cNvSpPr>
+          <p:nvPr/>
+        </p:nvSpPr>
+        <p:spPr>
+          <a:xfrm>
+            <a:off x="4805789" y="2616119"/>
+            <a:ext cx="2173324" cy="700586"/>
+          </a:xfrm>
+          <a:prstGeom prst="rightArrow">
+            <a:avLst>
+              <a:gd name="adj1" fmla="val 50000"/>
+              <a:gd name="adj2" fmla="val 50000"/>
+            </a:avLst>
+          </a:prstGeom>
+          <a:solidFill>
+            <a:schemeClr val="lt1"/>
+          </a:solidFill>
+          <a:ln w="25400" cap="flat" cmpd="sng">
+            <a:solidFill>
+              <a:srgbClr val="D8D8D8"/>
+            </a:solidFill>
+            <a:prstDash val="solid"/>
+            <a:round/>
+            <a:headEnd type="none" w="sm" len="sm"/>
+            <a:tailEnd type="none" w="sm" len="sm"/>
+          </a:ln>
+        </p:spPr>
+        <p:txBody>
+          <a:bodyPr spcFirstLastPara="1" wrap="square" lIns="91425" tIns="91425" rIns="91425" bIns="91425" anchor="ctr" anchorCtr="0">
+            <a:noAutofit/>
+          </a:bodyPr>
+          <a:lstStyle/>
+          <a:p>
+            <a:pPr algn="ctr">
+              <a:buClr>
+                <a:srgbClr val="000000"/>
+              </a:buClr>
+              <a:buSzPts val="1400"/>
+            </a:pPr>
+            <a:r>
+              <a:rPr lang="en-US" sz="1100" b="1">
+                <a:solidFill>
+                  <a:srgbClr val="A5A5A5"/>
+                </a:solidFill>
+                <a:latin typeface="Arial"/>
+                <a:ea typeface="Arial"/>
+                <a:cs typeface="Arial"/>
+                <a:sym typeface="Arial"/>
+              </a:rPr>
+              <a:t>Numeric Solver </a:t>
+            </a:r>
+            <a:endParaRPr lang="en-US" sz="1400"/>
+          </a:p>
+          <a:p>
+            <a:pPr algn="ctr">
+              <a:buClr>
+                <a:srgbClr val="000000"/>
+              </a:buClr>
+              <a:buSzPts val="1400"/>
+            </a:pPr>
+            <a:r>
+              <a:rPr lang="en-US" sz="1100" b="1">
+                <a:solidFill>
+                  <a:srgbClr val="A5A5A5"/>
+                </a:solidFill>
+                <a:latin typeface="Arial"/>
+                <a:ea typeface="Arial"/>
+                <a:cs typeface="Arial"/>
+                <a:sym typeface="Arial"/>
+              </a:rPr>
+              <a:t>(physics model)</a:t>
+            </a:r>
+          </a:p>
+        </p:txBody>
+      </p:sp>
+      <p:pic>
+        <p:nvPicPr>
+          <p:cNvPr id="15" name="Google Shape;357;ge285f2a3a4_0_6">
+            <a:extLst>
+              <a:ext uri="{FF2B5EF4-FFF2-40B4-BE49-F238E27FC236}">
+                <a16:creationId xmlns:a16="http://schemas.microsoft.com/office/drawing/2014/main" id="{4CF61670-4BDF-69FB-44D8-B5DE473B2153}"/>
+              </a:ext>
+            </a:extLst>
+          </p:cNvPr>
+          <p:cNvPicPr preferRelativeResize="0">
+            <a:picLocks noChangeAspect="1"/>
+          </p:cNvPicPr>
+          <p:nvPr/>
+        </p:nvPicPr>
+        <p:blipFill rotWithShape="1">
+          <a:blip r:embed="rId2">
+            <a:alphaModFix/>
+          </a:blip>
+          <a:srcRect/>
+          <a:stretch/>
+        </p:blipFill>
+        <p:spPr>
+          <a:xfrm>
+            <a:off x="4528454" y="3435605"/>
+            <a:ext cx="2808934" cy="1439667"/>
+          </a:xfrm>
+          <a:prstGeom prst="rect">
+            <a:avLst/>
+          </a:prstGeom>
+          <a:noFill/>
+          <a:ln>
+            <a:noFill/>
+          </a:ln>
+        </p:spPr>
+      </p:pic>
+    </p:spTree>
+    <p:extLst>
+      <p:ext uri="{BB962C8B-B14F-4D97-AF65-F5344CB8AC3E}">
+        <p14:creationId xmlns:p14="http://schemas.microsoft.com/office/powerpoint/2010/main" val="1063764642"/>
+      </p:ext>
+    </p:extLst>
+  </p:cSld>
+  <p:clrMapOvr>
+    <a:masterClrMapping/>
+  </p:clrMapOvr>
+</p:sld>
+</file>
+
+<file path=ppt/slides/slide4.xml><?xml version="1.0" encoding="utf-8"?>
+<p:sld xmlns:a="http://schemas.openxmlformats.org/drawingml/2006/main" xmlns:r="http://schemas.openxmlformats.org/officeDocument/2006/relationships" xmlns:p="http://schemas.openxmlformats.org/presentationml/2006/main">
+  <p:cSld>
+    <p:spTree>
+      <p:nvGrpSpPr>
+        <p:cNvPr id="1" name=""/>
+        <p:cNvGrpSpPr/>
+        <p:nvPr/>
+      </p:nvGrpSpPr>
+      <p:grpSpPr>
+        <a:xfrm>
+          <a:off x="0" y="0"/>
+          <a:ext cx="0" cy="0"/>
+          <a:chOff x="0" y="0"/>
+          <a:chExt cx="0" cy="0"/>
+        </a:xfrm>
+      </p:grpSpPr>
+      <p:sp>
+        <p:nvSpPr>
+          <p:cNvPr id="2" name="Title 1">
+            <a:extLst>
+              <a:ext uri="{FF2B5EF4-FFF2-40B4-BE49-F238E27FC236}">
+                <a16:creationId xmlns:a16="http://schemas.microsoft.com/office/drawing/2014/main" id="{C1AF3AA2-0631-F73B-EF6C-449B74CFCEFB}"/>
+              </a:ext>
+            </a:extLst>
+          </p:cNvPr>
+          <p:cNvSpPr>
+            <a:spLocks noGrp="1"/>
+          </p:cNvSpPr>
+          <p:nvPr>
+            <p:ph type="title"/>
+          </p:nvPr>
+        </p:nvSpPr>
+        <p:spPr/>
+        <p:txBody>
+          <a:bodyPr/>
+          <a:lstStyle/>
+          <a:p>
+            <a:r>
+              <a:rPr lang="en-US" dirty="0"/>
+              <a:t>Context</a:t>
+            </a:r>
+          </a:p>
+        </p:txBody>
+      </p:sp>
+      <p:sp>
+        <p:nvSpPr>
+          <p:cNvPr id="4" name="Content Placeholder 2">
+            <a:extLst>
+              <a:ext uri="{FF2B5EF4-FFF2-40B4-BE49-F238E27FC236}">
+                <a16:creationId xmlns:a16="http://schemas.microsoft.com/office/drawing/2014/main" id="{03C31663-B4E1-DED4-1CBF-69F45D84852B}"/>
+              </a:ext>
+            </a:extLst>
+          </p:cNvPr>
+          <p:cNvSpPr>
+            <a:spLocks noGrp="1"/>
+          </p:cNvSpPr>
+          <p:nvPr>
+            <p:ph idx="1"/>
+          </p:nvPr>
+        </p:nvSpPr>
+        <p:spPr>
+          <a:xfrm>
+            <a:off x="838200" y="1825625"/>
+            <a:ext cx="10515600" cy="4351338"/>
+          </a:xfrm>
+        </p:spPr>
+        <p:txBody>
+          <a:bodyPr/>
+          <a:lstStyle/>
+          <a:p>
+            <a:r>
+              <a:rPr lang="en-US" dirty="0"/>
+              <a:t>Currently used physical simulators </a:t>
+            </a:r>
+          </a:p>
+          <a:p>
+            <a:pPr lvl="1"/>
+            <a:r>
+              <a:rPr lang="en-US" sz="1600" dirty="0"/>
+              <a:t>Inputs / outputs</a:t>
+            </a:r>
+          </a:p>
+          <a:p>
+            <a:pPr lvl="1"/>
+            <a:endParaRPr lang="en-US" dirty="0"/>
+          </a:p>
+          <a:p>
+            <a:pPr lvl="1"/>
+            <a:endParaRPr lang="en-US" dirty="0"/>
+          </a:p>
+          <a:p>
+            <a:pPr lvl="1"/>
+            <a:endParaRPr lang="en-US" dirty="0"/>
+          </a:p>
+          <a:p>
+            <a:pPr lvl="1"/>
+            <a:endParaRPr lang="en-US" dirty="0"/>
+          </a:p>
+          <a:p>
+            <a:pPr marL="457200" lvl="1" indent="0">
+              <a:buNone/>
+            </a:pPr>
+            <a:endParaRPr lang="en-US" dirty="0"/>
+          </a:p>
+          <a:p>
+            <a:pPr marL="457200" lvl="1" indent="0">
+              <a:buNone/>
+            </a:pPr>
+            <a:endParaRPr lang="en-US" dirty="0"/>
+          </a:p>
+          <a:p>
+            <a:pPr lvl="1"/>
+            <a:endParaRPr lang="en-US" sz="500" dirty="0"/>
+          </a:p>
+          <a:p>
+            <a:pPr lvl="1"/>
+            <a:endParaRPr lang="en-US" sz="500" dirty="0"/>
+          </a:p>
+          <a:p>
+            <a:pPr lvl="1"/>
+            <a:r>
+              <a:rPr lang="en-US" sz="1600" dirty="0"/>
+              <a:t>Characteristics</a:t>
+            </a:r>
+          </a:p>
+          <a:p>
+            <a:pPr lvl="2"/>
+            <a:r>
+              <a:rPr lang="en-US" sz="1400" dirty="0"/>
+              <a:t>Relies on </a:t>
+            </a:r>
+            <a:r>
+              <a:rPr lang="en-US" sz="1400" b="1" dirty="0"/>
+              <a:t>physics equations (Kirchhoff law)</a:t>
+            </a:r>
+            <a:r>
+              <a:rPr lang="en-US" sz="1400" b="1" i="1" dirty="0"/>
+              <a:t>, </a:t>
+            </a:r>
+            <a:r>
+              <a:rPr lang="en-US" sz="1400" dirty="0"/>
+              <a:t>resolved by iterative optimization (Newton-Raphson)</a:t>
+            </a:r>
+            <a:endParaRPr lang="en-US" sz="1400" b="1" dirty="0"/>
+          </a:p>
+          <a:p>
+            <a:pPr lvl="2"/>
+            <a:r>
+              <a:rPr lang="en-US" sz="1400" dirty="0"/>
+              <a:t>Able to predict in a normal condition or different grid conditions</a:t>
+            </a:r>
+          </a:p>
+          <a:p>
+            <a:endParaRPr lang="en-US" dirty="0"/>
+          </a:p>
+        </p:txBody>
+      </p:sp>
+      <p:grpSp>
+        <p:nvGrpSpPr>
+          <p:cNvPr id="5" name="Group 4">
+            <a:extLst>
+              <a:ext uri="{FF2B5EF4-FFF2-40B4-BE49-F238E27FC236}">
+                <a16:creationId xmlns:a16="http://schemas.microsoft.com/office/drawing/2014/main" id="{F6A8239F-BAE3-B2F9-58DE-067925760012}"/>
+              </a:ext>
+            </a:extLst>
+          </p:cNvPr>
+          <p:cNvGrpSpPr/>
+          <p:nvPr/>
+        </p:nvGrpSpPr>
+        <p:grpSpPr>
+          <a:xfrm>
+            <a:off x="2856521" y="2377053"/>
+            <a:ext cx="6478957" cy="2439657"/>
+            <a:chOff x="899591" y="1635647"/>
+            <a:chExt cx="6478957" cy="2439657"/>
+          </a:xfrm>
+        </p:grpSpPr>
+        <p:pic>
+          <p:nvPicPr>
+            <p:cNvPr id="6" name="Google Shape;369;ge285f2a3a4_0_17">
+              <a:extLst>
+                <a:ext uri="{FF2B5EF4-FFF2-40B4-BE49-F238E27FC236}">
+                  <a16:creationId xmlns:a16="http://schemas.microsoft.com/office/drawing/2014/main" id="{CE042F2B-287C-6C97-CE25-6E6951E51582}"/>
+                </a:ext>
+              </a:extLst>
+            </p:cNvPr>
+            <p:cNvPicPr preferRelativeResize="0">
+              <a:picLocks noChangeAspect="1"/>
+            </p:cNvPicPr>
+            <p:nvPr/>
+          </p:nvPicPr>
+          <p:blipFill rotWithShape="1">
+            <a:blip r:embed="rId2">
+              <a:alphaModFix/>
+            </a:blip>
+            <a:srcRect/>
+            <a:stretch/>
+          </p:blipFill>
+          <p:spPr>
+            <a:xfrm>
+              <a:off x="2525879" y="2617845"/>
+              <a:ext cx="2843649" cy="1457459"/>
+            </a:xfrm>
+            <a:prstGeom prst="rect">
+              <a:avLst/>
+            </a:prstGeom>
+            <a:noFill/>
+            <a:ln>
+              <a:noFill/>
+            </a:ln>
+          </p:spPr>
+        </p:pic>
+        <p:sp>
+          <p:nvSpPr>
+            <p:cNvPr id="7" name="Google Shape;354;ge285f2a3a4_0_6">
+              <a:extLst>
+                <a:ext uri="{FF2B5EF4-FFF2-40B4-BE49-F238E27FC236}">
+                  <a16:creationId xmlns:a16="http://schemas.microsoft.com/office/drawing/2014/main" id="{4503CEE4-B791-916A-FED5-DFAA1E70F3D7}"/>
+                </a:ext>
+              </a:extLst>
+            </p:cNvPr>
+            <p:cNvSpPr txBox="1">
+              <a:spLocks noChangeAspect="1"/>
+            </p:cNvSpPr>
+            <p:nvPr/>
+          </p:nvSpPr>
+          <p:spPr>
+            <a:xfrm>
+              <a:off x="5148065" y="1861430"/>
+              <a:ext cx="2088232" cy="582225"/>
+            </a:xfrm>
+            <a:prstGeom prst="rect">
+              <a:avLst/>
+            </a:prstGeom>
+            <a:noFill/>
+            <a:ln>
+              <a:noFill/>
+            </a:ln>
+          </p:spPr>
+          <p:txBody>
+            <a:bodyPr spcFirstLastPara="1" wrap="square" lIns="91425" tIns="91425" rIns="91425" bIns="91425" anchor="ctr" anchorCtr="0">
+              <a:noAutofit/>
+            </a:bodyPr>
+            <a:lstStyle/>
+            <a:p>
+              <a:pPr algn="ctr">
+                <a:buClr>
+                  <a:srgbClr val="000000"/>
+                </a:buClr>
+                <a:buSzPts val="4800"/>
+              </a:pPr>
+              <a:r>
+                <a:rPr lang="en-US" sz="1600" dirty="0">
+                  <a:solidFill>
+                    <a:srgbClr val="0000B8"/>
+                  </a:solidFill>
+                  <a:latin typeface="Arial"/>
+                  <a:ea typeface="Arial"/>
+                  <a:cs typeface="Arial"/>
+                  <a:sym typeface="Arial"/>
+                </a:rPr>
+                <a:t>Y = power flows</a:t>
+              </a:r>
+              <a:endParaRPr lang="en-US" sz="1600" dirty="0">
+                <a:solidFill>
+                  <a:srgbClr val="A5A5A5"/>
+                </a:solidFill>
+                <a:latin typeface="Arial"/>
+                <a:ea typeface="Arial"/>
+                <a:cs typeface="Arial"/>
+                <a:sym typeface="Arial"/>
+              </a:endParaRPr>
+            </a:p>
+          </p:txBody>
+        </p:sp>
+        <p:sp>
+          <p:nvSpPr>
+            <p:cNvPr id="8" name="Google Shape;355;ge285f2a3a4_0_6">
+              <a:extLst>
+                <a:ext uri="{FF2B5EF4-FFF2-40B4-BE49-F238E27FC236}">
+                  <a16:creationId xmlns:a16="http://schemas.microsoft.com/office/drawing/2014/main" id="{56B73B78-446C-1231-F612-6D9AAB1720E9}"/>
+                </a:ext>
+              </a:extLst>
+            </p:cNvPr>
+            <p:cNvSpPr txBox="1">
+              <a:spLocks noChangeAspect="1"/>
+            </p:cNvSpPr>
+            <p:nvPr/>
+          </p:nvSpPr>
+          <p:spPr>
+            <a:xfrm>
+              <a:off x="899591" y="1635647"/>
+              <a:ext cx="6478957" cy="979485"/>
+            </a:xfrm>
+            <a:prstGeom prst="rect">
+              <a:avLst/>
+            </a:prstGeom>
+            <a:noFill/>
+            <a:ln>
+              <a:noFill/>
+            </a:ln>
+          </p:spPr>
+          <p:txBody>
+            <a:bodyPr spcFirstLastPara="1" wrap="square" lIns="91425" tIns="91425" rIns="91425" bIns="91425" anchor="ctr" anchorCtr="0">
+              <a:noAutofit/>
+            </a:bodyPr>
+            <a:lstStyle/>
+            <a:p>
+              <a:pPr>
+                <a:buClr>
+                  <a:srgbClr val="000000"/>
+                </a:buClr>
+                <a:buSzPts val="4800"/>
+              </a:pPr>
+              <a:r>
+                <a:rPr lang="en-US" sz="1600" dirty="0">
+                  <a:solidFill>
+                    <a:srgbClr val="DC3E19"/>
+                  </a:solidFill>
+                  <a:latin typeface="Arial"/>
+                  <a:ea typeface="Arial"/>
+                  <a:cs typeface="Arial"/>
+                  <a:sym typeface="Arial"/>
+                </a:rPr>
+                <a:t>X = injections </a:t>
+              </a:r>
+            </a:p>
+            <a:p>
+              <a:pPr>
+                <a:buClr>
+                  <a:srgbClr val="000000"/>
+                </a:buClr>
+                <a:buSzPts val="4800"/>
+              </a:pPr>
+              <a:r>
+                <a:rPr lang="en-US" sz="900" dirty="0">
+                  <a:solidFill>
+                    <a:srgbClr val="DC3E19"/>
+                  </a:solidFill>
+                  <a:latin typeface="Arial"/>
+                  <a:ea typeface="Arial"/>
+                  <a:cs typeface="Arial"/>
+                  <a:sym typeface="Arial"/>
+                </a:rPr>
+                <a:t>(productions + loads)</a:t>
+              </a:r>
+            </a:p>
+            <a:p>
+              <a:pPr>
+                <a:buClr>
+                  <a:srgbClr val="000000"/>
+                </a:buClr>
+                <a:buSzPts val="4800"/>
+              </a:pPr>
+              <a:r>
+                <a:rPr lang="en-US" sz="1600" dirty="0">
+                  <a:solidFill>
+                    <a:srgbClr val="DC3E19"/>
+                  </a:solidFill>
+                  <a:latin typeface="Arial"/>
+                  <a:cs typeface="Arial"/>
+                  <a:sym typeface="Arial"/>
+                </a:rPr>
+                <a:t>T = topology</a:t>
+              </a:r>
+              <a:endParaRPr lang="en-US" sz="700" dirty="0"/>
+            </a:p>
+          </p:txBody>
+        </p:sp>
+        <p:sp>
+          <p:nvSpPr>
+            <p:cNvPr id="9" name="Google Shape;356;ge285f2a3a4_0_6">
+              <a:extLst>
+                <a:ext uri="{FF2B5EF4-FFF2-40B4-BE49-F238E27FC236}">
+                  <a16:creationId xmlns:a16="http://schemas.microsoft.com/office/drawing/2014/main" id="{CAEE6E75-B06D-F7DE-DB79-573B6832BB0E}"/>
+                </a:ext>
+              </a:extLst>
+            </p:cNvPr>
+            <p:cNvSpPr>
+              <a:spLocks noChangeAspect="1"/>
+            </p:cNvSpPr>
+            <p:nvPr/>
+          </p:nvSpPr>
+          <p:spPr>
+            <a:xfrm>
+              <a:off x="2832489" y="1802251"/>
+              <a:ext cx="2173324" cy="700586"/>
+            </a:xfrm>
+            <a:prstGeom prst="rightArrow">
+              <a:avLst>
+                <a:gd name="adj1" fmla="val 50000"/>
+                <a:gd name="adj2" fmla="val 50000"/>
+              </a:avLst>
+            </a:prstGeom>
+            <a:solidFill>
+              <a:schemeClr val="lt1"/>
+            </a:solidFill>
+            <a:ln w="25400" cap="flat" cmpd="sng">
+              <a:solidFill>
+                <a:schemeClr val="tx1"/>
+              </a:solidFill>
+              <a:prstDash val="solid"/>
+              <a:round/>
+              <a:headEnd type="none" w="sm" len="sm"/>
+              <a:tailEnd type="none" w="sm" len="sm"/>
+            </a:ln>
+          </p:spPr>
+          <p:txBody>
+            <a:bodyPr spcFirstLastPara="1" wrap="square" lIns="91425" tIns="91425" rIns="91425" bIns="91425" anchor="ctr" anchorCtr="0">
+              <a:noAutofit/>
+            </a:bodyPr>
+            <a:lstStyle/>
+            <a:p>
+              <a:pPr algn="ctr">
+                <a:buClr>
+                  <a:srgbClr val="000000"/>
+                </a:buClr>
+                <a:buSzPts val="1400"/>
+              </a:pPr>
+              <a:r>
+                <a:rPr lang="en-US" sz="1100" b="1">
+                  <a:latin typeface="Arial"/>
+                  <a:ea typeface="Arial"/>
+                  <a:cs typeface="Arial"/>
+                  <a:sym typeface="Arial"/>
+                </a:rPr>
+                <a:t>Numeric Solver </a:t>
+              </a:r>
+              <a:endParaRPr lang="en-US" sz="1400"/>
+            </a:p>
+            <a:p>
+              <a:pPr algn="ctr">
+                <a:buClr>
+                  <a:srgbClr val="000000"/>
+                </a:buClr>
+                <a:buSzPts val="1400"/>
+              </a:pPr>
+              <a:r>
+                <a:rPr lang="en-US" sz="1100" b="1">
+                  <a:latin typeface="Arial"/>
+                  <a:ea typeface="Arial"/>
+                  <a:cs typeface="Arial"/>
+                  <a:sym typeface="Arial"/>
+                </a:rPr>
+                <a:t>(physics model)</a:t>
+              </a:r>
+            </a:p>
+          </p:txBody>
+        </p:sp>
+      </p:grpSp>
+      <p:pic>
+        <p:nvPicPr>
+          <p:cNvPr id="10" name="Picture 9">
+            <a:extLst>
+              <a:ext uri="{FF2B5EF4-FFF2-40B4-BE49-F238E27FC236}">
+                <a16:creationId xmlns:a16="http://schemas.microsoft.com/office/drawing/2014/main" id="{766ACD3A-324D-1907-FD20-96E7279F1E3D}"/>
+              </a:ext>
+            </a:extLst>
+          </p:cNvPr>
+          <p:cNvPicPr>
+            <a:picLocks noChangeAspect="1"/>
+          </p:cNvPicPr>
+          <p:nvPr/>
+        </p:nvPicPr>
+        <p:blipFill rotWithShape="1">
+          <a:blip r:embed="rId3"/>
+          <a:srcRect t="12798"/>
+          <a:stretch/>
+        </p:blipFill>
+        <p:spPr>
+          <a:xfrm>
+            <a:off x="3750419" y="5691426"/>
+            <a:ext cx="6118462" cy="571276"/>
+          </a:xfrm>
+          <a:prstGeom prst="rect">
+            <a:avLst/>
+          </a:prstGeom>
+        </p:spPr>
+      </p:pic>
+      <p:sp>
+        <p:nvSpPr>
+          <p:cNvPr id="11" name="TextBox 10">
+            <a:extLst>
+              <a:ext uri="{FF2B5EF4-FFF2-40B4-BE49-F238E27FC236}">
+                <a16:creationId xmlns:a16="http://schemas.microsoft.com/office/drawing/2014/main" id="{AA88CBA9-DF50-37BF-B7E5-218C92C98AB0}"/>
+              </a:ext>
+            </a:extLst>
+          </p:cNvPr>
+          <p:cNvSpPr txBox="1"/>
+          <p:nvPr/>
+        </p:nvSpPr>
+        <p:spPr bwMode="auto">
+          <a:xfrm>
+            <a:off x="2431208" y="5799809"/>
+            <a:ext cx="1511114" cy="276999"/>
+          </a:xfrm>
+          <a:prstGeom prst="rect">
+            <a:avLst/>
+          </a:prstGeom>
+          <a:noFill/>
+          <a:ln>
+            <a:noFill/>
+          </a:ln>
+          <a:extLst>
+            <a:ext uri="{909E8E84-426E-40dd-AFC4-6F175D3DCCD1}">
+              <a14:hiddenFill xmlns="" xmlns:a14="http://schemas.microsoft.com/office/drawing/2010/main">
+                <a:solidFill>
+                  <a:srgbClr val="FFFFFF"/>
+                </a:solidFill>
+              </a14:hiddenFill>
+            </a:ext>
+            <a:ext uri="{91240B29-F687-4f45-9708-019B960494DF}">
+              <a14:hiddenLine xmlns="" xmlns:a14="http://schemas.microsoft.com/office/drawing/2010/main" w="9525">
+                <a:solidFill>
+                  <a:srgbClr val="000000"/>
+                </a:solidFill>
+                <a:miter lim="800000"/>
+                <a:headEnd/>
+                <a:tailEnd/>
+              </a14:hiddenLine>
+            </a:ext>
+            <a:ext uri="{FAA26D3D-D897-4be2-8F04-BA451C77F1D7}">
+              <ma14:placeholderFlag xmlns="" xmlns:ma14="http://schemas.microsoft.com/office/mac/drawingml/2011/main" val="1"/>
+            </a:ext>
+          </a:extLst>
+        </p:spPr>
+        <p:txBody>
+          <a:bodyPr vert="horz" wrap="none" lIns="0" tIns="45720" rIns="36000" bIns="45720" numCol="1" rtlCol="0" anchor="b" anchorCtr="0" compatLnSpc="1">
+            <a:prstTxWarp prst="textNoShape">
+              <a:avLst/>
+            </a:prstTxWarp>
+            <a:spAutoFit/>
+          </a:bodyPr>
+          <a:lstStyle/>
+          <a:p>
+            <a:r>
+              <a:rPr lang="en-US" sz="1200" dirty="0"/>
+              <a:t>Power Grid equations</a:t>
+            </a:r>
+          </a:p>
+        </p:txBody>
+      </p:sp>
+    </p:spTree>
+    <p:extLst>
+      <p:ext uri="{BB962C8B-B14F-4D97-AF65-F5344CB8AC3E}">
+        <p14:creationId xmlns:p14="http://schemas.microsoft.com/office/powerpoint/2010/main" val="941555482"/>
+      </p:ext>
+    </p:extLst>
+  </p:cSld>
+  <p:clrMapOvr>
+    <a:masterClrMapping/>
+  </p:clrMapOvr>
+</p:sld>
+</file>
+
+<file path=ppt/slides/slide5.xml><?xml version="1.0" encoding="utf-8"?>
+<p:sld xmlns:a="http://schemas.openxmlformats.org/drawingml/2006/main" xmlns:r="http://schemas.openxmlformats.org/officeDocument/2006/relationships" xmlns:p="http://schemas.openxmlformats.org/presentationml/2006/main">
+  <p:cSld>
+    <p:spTree>
+      <p:nvGrpSpPr>
+        <p:cNvPr id="1" name=""/>
+        <p:cNvGrpSpPr/>
+        <p:nvPr/>
+      </p:nvGrpSpPr>
+      <p:grpSpPr>
+        <a:xfrm>
+          <a:off x="0" y="0"/>
+          <a:ext cx="0" cy="0"/>
+          <a:chOff x="0" y="0"/>
+          <a:chExt cx="0" cy="0"/>
+        </a:xfrm>
+      </p:grpSpPr>
+      <p:sp>
+        <p:nvSpPr>
+          <p:cNvPr id="2" name="Title 1">
+            <a:extLst>
+              <a:ext uri="{FF2B5EF4-FFF2-40B4-BE49-F238E27FC236}">
+                <a16:creationId xmlns:a16="http://schemas.microsoft.com/office/drawing/2014/main" id="{F979E905-E502-D88A-3D22-9C655060992D}"/>
+              </a:ext>
+            </a:extLst>
+          </p:cNvPr>
+          <p:cNvSpPr>
+            <a:spLocks noGrp="1"/>
+          </p:cNvSpPr>
+          <p:nvPr>
+            <p:ph type="title"/>
+          </p:nvPr>
+        </p:nvSpPr>
+        <p:spPr/>
+        <p:txBody>
+          <a:bodyPr/>
+          <a:lstStyle/>
+          <a:p>
+            <a:r>
+              <a:rPr lang="en-US" dirty="0"/>
+              <a:t>Context</a:t>
+            </a:r>
+          </a:p>
+        </p:txBody>
+      </p:sp>
+      <p:sp>
+        <p:nvSpPr>
+          <p:cNvPr id="3" name="Content Placeholder 2">
+            <a:extLst>
+              <a:ext uri="{FF2B5EF4-FFF2-40B4-BE49-F238E27FC236}">
+                <a16:creationId xmlns:a16="http://schemas.microsoft.com/office/drawing/2014/main" id="{DF9C8ABD-27CF-5442-D78B-CA990F316734}"/>
+              </a:ext>
+            </a:extLst>
+          </p:cNvPr>
+          <p:cNvSpPr>
+            <a:spLocks noGrp="1"/>
+          </p:cNvSpPr>
+          <p:nvPr>
+            <p:ph idx="1"/>
+          </p:nvPr>
+        </p:nvSpPr>
+        <p:spPr/>
+        <p:txBody>
+          <a:bodyPr/>
+          <a:lstStyle/>
+          <a:p>
+            <a:pPr algn="just">
+              <a:spcAft>
+                <a:spcPts val="800"/>
+              </a:spcAft>
+            </a:pPr>
+            <a:r>
+              <a:rPr lang="en-US" sz="2400" noProof="0" dirty="0">
+                <a:solidFill>
+                  <a:srgbClr val="0070C0"/>
+                </a:solidFill>
+              </a:rPr>
+              <a:t>Need</a:t>
+            </a:r>
+            <a:r>
+              <a:rPr lang="en-US" sz="2400" noProof="0" dirty="0"/>
+              <a:t>  → </a:t>
+            </a:r>
+            <a:r>
+              <a:rPr lang="en-US" sz="2133" noProof="0" dirty="0"/>
+              <a:t>Simulations allowing to predict the grid state in real time with respect to</a:t>
+            </a:r>
+            <a:endParaRPr lang="en-US" sz="2400" noProof="0" dirty="0"/>
+          </a:p>
+          <a:p>
+            <a:pPr lvl="1" algn="just">
+              <a:spcAft>
+                <a:spcPts val="800"/>
+              </a:spcAft>
+            </a:pPr>
+            <a:r>
+              <a:rPr lang="en-US" sz="1867" noProof="0" dirty="0"/>
+              <a:t>Action (topological changes) </a:t>
+            </a:r>
+          </a:p>
+          <a:p>
+            <a:pPr lvl="1" algn="just">
+              <a:spcAft>
+                <a:spcPts val="800"/>
+              </a:spcAft>
+            </a:pPr>
+            <a:r>
+              <a:rPr lang="en-US" sz="1867" noProof="0" dirty="0"/>
+              <a:t>Exogenous factors (wind, temperature, anomalies, etc.)</a:t>
+            </a:r>
+            <a:endParaRPr lang="en-US" noProof="0" dirty="0"/>
+          </a:p>
+          <a:p>
+            <a:pPr algn="just">
+              <a:spcAft>
+                <a:spcPts val="800"/>
+              </a:spcAft>
+            </a:pPr>
+            <a:r>
+              <a:rPr lang="en-US" sz="2400" noProof="0" dirty="0">
+                <a:solidFill>
+                  <a:srgbClr val="C00000"/>
+                </a:solidFill>
+              </a:rPr>
+              <a:t>Problem</a:t>
+            </a:r>
+            <a:r>
+              <a:rPr lang="en-US" sz="2400" noProof="0" dirty="0"/>
+              <a:t> → </a:t>
+            </a:r>
+            <a:r>
+              <a:rPr lang="en-US" sz="2133" noProof="0" dirty="0"/>
+              <a:t>Physics simulation are computationally intensive</a:t>
+            </a:r>
+          </a:p>
+          <a:p>
+            <a:pPr lvl="1" algn="just">
+              <a:spcAft>
+                <a:spcPts val="800"/>
+              </a:spcAft>
+            </a:pPr>
+            <a:r>
+              <a:rPr lang="en-US" sz="1867" noProof="0" dirty="0"/>
+              <a:t>Need to accelerate </a:t>
+            </a:r>
+            <a:r>
+              <a:rPr lang="en-US" sz="1867" dirty="0"/>
+              <a:t>the simulation </a:t>
+            </a:r>
+            <a:r>
+              <a:rPr lang="en-US" sz="1867" noProof="0" dirty="0"/>
+              <a:t>[x100 à x1000]</a:t>
+            </a:r>
+          </a:p>
+          <a:p>
+            <a:pPr algn="just">
+              <a:spcAft>
+                <a:spcPts val="800"/>
+              </a:spcAft>
+            </a:pPr>
+            <a:r>
+              <a:rPr lang="en-US" sz="2400" noProof="0" dirty="0">
+                <a:solidFill>
+                  <a:srgbClr val="00B050"/>
+                </a:solidFill>
+              </a:rPr>
+              <a:t>Solutions </a:t>
+            </a:r>
+            <a:r>
+              <a:rPr lang="en-US" sz="2400" noProof="0" dirty="0"/>
+              <a:t>→ </a:t>
+            </a:r>
+            <a:r>
+              <a:rPr lang="en-US" sz="2133" noProof="0" dirty="0"/>
+              <a:t>Approximation of physical simulations using machine learning</a:t>
+            </a:r>
+          </a:p>
+          <a:p>
+            <a:pPr lvl="1" algn="just">
+              <a:spcAft>
+                <a:spcPts val="800"/>
+              </a:spcAft>
+            </a:pPr>
+            <a:r>
+              <a:rPr lang="en-US" sz="1867" noProof="0" dirty="0"/>
+              <a:t>The use of Physics Informed Neural Networks to ensure physics compliance</a:t>
+            </a:r>
+          </a:p>
+          <a:p>
+            <a:pPr algn="just">
+              <a:spcAft>
+                <a:spcPts val="800"/>
+              </a:spcAft>
+            </a:pPr>
+            <a:r>
+              <a:rPr lang="en-US" sz="2400" noProof="0" dirty="0">
+                <a:solidFill>
+                  <a:srgbClr val="7030A0"/>
+                </a:solidFill>
+              </a:rPr>
+              <a:t>Objective </a:t>
+            </a:r>
+            <a:r>
+              <a:rPr lang="en-US" sz="2400" noProof="0" dirty="0"/>
+              <a:t>→ </a:t>
+            </a:r>
+            <a:r>
+              <a:rPr lang="en-US" sz="2133" noProof="0" dirty="0"/>
+              <a:t>Trade-off between computation time and model’s quality</a:t>
+            </a:r>
+            <a:endParaRPr lang="en-US" sz="2400" noProof="0" dirty="0"/>
+          </a:p>
+          <a:p>
+            <a:endParaRPr lang="en-US" dirty="0"/>
+          </a:p>
+          <a:p>
+            <a:endParaRPr lang="en-US" dirty="0"/>
+          </a:p>
+        </p:txBody>
+      </p:sp>
+      <p:sp>
+        <p:nvSpPr>
+          <p:cNvPr id="5" name="Arrow: Left-Right 4">
+            <a:extLst>
+              <a:ext uri="{FF2B5EF4-FFF2-40B4-BE49-F238E27FC236}">
+                <a16:creationId xmlns:a16="http://schemas.microsoft.com/office/drawing/2014/main" id="{C5A0B769-A930-E5F4-7D65-B46AC29A4F9E}"/>
+              </a:ext>
+            </a:extLst>
+          </p:cNvPr>
+          <p:cNvSpPr/>
+          <p:nvPr/>
+        </p:nvSpPr>
+        <p:spPr>
+          <a:xfrm>
+            <a:off x="3887801" y="5725621"/>
+            <a:ext cx="4741460" cy="451342"/>
+          </a:xfrm>
+          <a:prstGeom prst="leftRightArrow">
+            <a:avLst/>
+          </a:prstGeom>
+          <a:gradFill flip="none" rotWithShape="1">
+            <a:gsLst>
+              <a:gs pos="0">
+                <a:srgbClr val="92D050"/>
+              </a:gs>
+              <a:gs pos="100000">
+                <a:srgbClr val="C00000"/>
+              </a:gs>
+            </a:gsLst>
+            <a:lin ang="0" scaled="1"/>
+            <a:tileRect/>
+          </a:gradFill>
+        </p:spPr>
+        <p:style>
+          <a:lnRef idx="2">
+            <a:schemeClr val="accent1">
+              <a:shade val="15000"/>
+            </a:schemeClr>
+          </a:lnRef>
+          <a:fillRef idx="1">
+            <a:schemeClr val="accent1"/>
+          </a:fillRef>
+          <a:effectRef idx="0">
+            <a:schemeClr val="accent1"/>
+          </a:effectRef>
+          <a:fontRef idx="minor">
+            <a:schemeClr val="lt1"/>
+          </a:fontRef>
+        </p:style>
+        <p:txBody>
+          <a:bodyPr rtlCol="0" anchor="ctr"/>
+          <a:lstStyle/>
+          <a:p>
+            <a:pPr algn="ctr"/>
+            <a:endParaRPr lang="en-US"/>
+          </a:p>
+        </p:txBody>
+      </p:sp>
+      <p:sp>
+        <p:nvSpPr>
+          <p:cNvPr id="6" name="TextBox 5">
+            <a:extLst>
+              <a:ext uri="{FF2B5EF4-FFF2-40B4-BE49-F238E27FC236}">
+                <a16:creationId xmlns:a16="http://schemas.microsoft.com/office/drawing/2014/main" id="{5A91EA12-6C80-58DF-DEF4-C0625556A8E9}"/>
+              </a:ext>
+            </a:extLst>
+          </p:cNvPr>
+          <p:cNvSpPr txBox="1"/>
+          <p:nvPr/>
+        </p:nvSpPr>
+        <p:spPr>
+          <a:xfrm>
+            <a:off x="7495359" y="5725621"/>
+            <a:ext cx="1133902" cy="405768"/>
+          </a:xfrm>
+          <a:prstGeom prst="rect">
+            <a:avLst/>
+          </a:prstGeom>
+        </p:spPr>
+        <p:txBody>
+          <a:bodyPr vert="horz" wrap="square" lIns="91440" tIns="45720" rIns="91440" bIns="45720" rtlCol="0" anchor="ctr">
+            <a:normAutofit/>
+          </a:bodyPr>
+          <a:lstStyle/>
+          <a:p>
+            <a:pPr algn="l"/>
+            <a:r>
+              <a:rPr lang="en-US" sz="1400"/>
+              <a:t>Acceleration</a:t>
+            </a:r>
+            <a:endParaRPr lang="en-US"/>
+          </a:p>
+        </p:txBody>
+      </p:sp>
+      <p:sp>
+        <p:nvSpPr>
+          <p:cNvPr id="7" name="TextBox 6">
+            <a:extLst>
+              <a:ext uri="{FF2B5EF4-FFF2-40B4-BE49-F238E27FC236}">
+                <a16:creationId xmlns:a16="http://schemas.microsoft.com/office/drawing/2014/main" id="{5BE8CC8C-96DC-781A-B341-78633C908CD6}"/>
+              </a:ext>
+            </a:extLst>
+          </p:cNvPr>
+          <p:cNvSpPr txBox="1"/>
+          <p:nvPr/>
+        </p:nvSpPr>
+        <p:spPr>
+          <a:xfrm>
+            <a:off x="3950706" y="5725621"/>
+            <a:ext cx="865496" cy="405768"/>
+          </a:xfrm>
+          <a:prstGeom prst="rect">
+            <a:avLst/>
+          </a:prstGeom>
+        </p:spPr>
+        <p:txBody>
+          <a:bodyPr vert="horz" wrap="square" lIns="91440" tIns="45720" rIns="91440" bIns="45720" rtlCol="0" anchor="ctr">
+            <a:normAutofit/>
+          </a:bodyPr>
+          <a:lstStyle/>
+          <a:p>
+            <a:pPr algn="l"/>
+            <a:r>
+              <a:rPr lang="en-US" sz="1400"/>
+              <a:t>Accuracy</a:t>
+            </a:r>
+            <a:endParaRPr lang="en-US"/>
+          </a:p>
+        </p:txBody>
+      </p:sp>
+    </p:spTree>
+    <p:extLst>
+      <p:ext uri="{BB962C8B-B14F-4D97-AF65-F5344CB8AC3E}">
+        <p14:creationId xmlns:p14="http://schemas.microsoft.com/office/powerpoint/2010/main" val="2619375209"/>
+      </p:ext>
+    </p:extLst>
+  </p:cSld>
+  <p:clrMapOvr>
+    <a:masterClrMapping/>
+  </p:clrMapOvr>
+</p:sld>
+</file>
+
+<file path=ppt/slides/slide6.xml><?xml version="1.0" encoding="utf-8"?>
+<p:sld xmlns:a="http://schemas.openxmlformats.org/drawingml/2006/main" xmlns:r="http://schemas.openxmlformats.org/officeDocument/2006/relationships" xmlns:p="http://schemas.openxmlformats.org/presentationml/2006/main">
+  <p:cSld>
+    <p:spTree>
+      <p:nvGrpSpPr>
+        <p:cNvPr id="1" name=""/>
+        <p:cNvGrpSpPr/>
+        <p:nvPr/>
+      </p:nvGrpSpPr>
+      <p:grpSpPr>
+        <a:xfrm>
+          <a:off x="0" y="0"/>
+          <a:ext cx="0" cy="0"/>
+          <a:chOff x="0" y="0"/>
+          <a:chExt cx="0" cy="0"/>
+        </a:xfrm>
+      </p:grpSpPr>
+      <p:sp>
+        <p:nvSpPr>
+          <p:cNvPr id="2" name="Title 1">
+            <a:extLst>
+              <a:ext uri="{FF2B5EF4-FFF2-40B4-BE49-F238E27FC236}">
+                <a16:creationId xmlns:a16="http://schemas.microsoft.com/office/drawing/2014/main" id="{8D0AD4B4-9969-755A-DD0F-53363210C727}"/>
+              </a:ext>
+            </a:extLst>
+          </p:cNvPr>
+          <p:cNvSpPr>
+            <a:spLocks noGrp="1"/>
+          </p:cNvSpPr>
+          <p:nvPr>
+            <p:ph type="title"/>
+          </p:nvPr>
+        </p:nvSpPr>
+        <p:spPr/>
+        <p:txBody>
+          <a:bodyPr/>
+          <a:lstStyle/>
+          <a:p>
+            <a:r>
+              <a:rPr lang="fr-FR" dirty="0" err="1"/>
+              <a:t>Problem</a:t>
+            </a:r>
+            <a:r>
+              <a:rPr lang="fr-FR" dirty="0"/>
+              <a:t> setup</a:t>
+            </a:r>
+          </a:p>
+        </p:txBody>
+      </p:sp>
+      <p:sp>
+        <p:nvSpPr>
+          <p:cNvPr id="3" name="Content Placeholder 2">
+            <a:extLst>
+              <a:ext uri="{FF2B5EF4-FFF2-40B4-BE49-F238E27FC236}">
+                <a16:creationId xmlns:a16="http://schemas.microsoft.com/office/drawing/2014/main" id="{316A19D8-E5BF-FAA0-F5C3-2C9E0947560F}"/>
+              </a:ext>
+            </a:extLst>
+          </p:cNvPr>
+          <p:cNvSpPr>
+            <a:spLocks noGrp="1"/>
+          </p:cNvSpPr>
+          <p:nvPr>
+            <p:ph idx="1"/>
+          </p:nvPr>
+        </p:nvSpPr>
+        <p:spPr>
+          <a:xfrm>
+            <a:off x="838200" y="1825625"/>
+            <a:ext cx="5977647" cy="4351338"/>
+          </a:xfrm>
+        </p:spPr>
+        <p:txBody>
+          <a:bodyPr>
+            <a:normAutofit/>
+          </a:bodyPr>
+          <a:lstStyle/>
+          <a:p>
+            <a:r>
+              <a:rPr lang="fr-FR" dirty="0"/>
+              <a:t>Physical simulator </a:t>
+            </a:r>
+            <a:r>
+              <a:rPr lang="fr-FR" dirty="0">
+                <a:solidFill>
+                  <a:srgbClr val="C00000"/>
+                </a:solidFill>
+              </a:rPr>
+              <a:t>→</a:t>
+            </a:r>
+            <a:r>
+              <a:rPr lang="fr-FR" dirty="0"/>
+              <a:t> DC approximation</a:t>
+            </a:r>
+          </a:p>
+          <a:p>
+            <a:r>
+              <a:rPr lang="fr-FR" dirty="0"/>
+              <a:t>Scenario </a:t>
+            </a:r>
+            <a:r>
+              <a:rPr lang="fr-FR" dirty="0">
+                <a:solidFill>
+                  <a:srgbClr val="C00000"/>
+                </a:solidFill>
+              </a:rPr>
+              <a:t>→ </a:t>
+            </a:r>
+            <a:r>
+              <a:rPr lang="fr-FR" dirty="0"/>
+              <a:t>Risk identification (</a:t>
+            </a:r>
+            <a:r>
+              <a:rPr lang="fr-FR" dirty="0" err="1"/>
+              <a:t>allowing</a:t>
+            </a:r>
+            <a:r>
+              <a:rPr lang="fr-FR" dirty="0"/>
+              <a:t> the </a:t>
+            </a:r>
+            <a:r>
+              <a:rPr lang="fr-FR" dirty="0" err="1"/>
+              <a:t>disconnection</a:t>
+            </a:r>
+            <a:r>
+              <a:rPr lang="fr-FR" dirty="0"/>
+              <a:t> of power </a:t>
+            </a:r>
+            <a:r>
+              <a:rPr lang="fr-FR" dirty="0" err="1"/>
+              <a:t>lines</a:t>
+            </a:r>
+            <a:r>
+              <a:rPr lang="fr-FR" dirty="0"/>
+              <a:t> and </a:t>
+            </a:r>
+            <a:r>
+              <a:rPr lang="fr-FR" dirty="0" err="1"/>
+              <a:t>topology</a:t>
+            </a:r>
+            <a:r>
+              <a:rPr lang="fr-FR" dirty="0"/>
+              <a:t> reconfiguration)</a:t>
+            </a:r>
+          </a:p>
+          <a:p>
+            <a:r>
+              <a:rPr lang="fr-FR" dirty="0"/>
+              <a:t>Contribution </a:t>
+            </a:r>
+            <a:r>
+              <a:rPr lang="fr-FR" dirty="0">
+                <a:solidFill>
+                  <a:srgbClr val="C00000"/>
+                </a:solidFill>
+              </a:rPr>
+              <a:t>→</a:t>
+            </a:r>
+            <a:r>
+              <a:rPr lang="fr-FR" dirty="0"/>
+              <a:t> </a:t>
+            </a:r>
+            <a:r>
+              <a:rPr lang="fr-FR" dirty="0" err="1"/>
+              <a:t>Predict</a:t>
+            </a:r>
+            <a:r>
+              <a:rPr lang="fr-FR" dirty="0"/>
+              <a:t> the active </a:t>
+            </a:r>
+            <a:r>
+              <a:rPr lang="fr-FR" dirty="0" err="1"/>
+              <a:t>powers</a:t>
+            </a:r>
+            <a:r>
+              <a:rPr lang="fr-FR" dirty="0"/>
+              <a:t> at power </a:t>
+            </a:r>
+            <a:r>
+              <a:rPr lang="fr-FR" dirty="0" err="1"/>
+              <a:t>lines</a:t>
+            </a:r>
+            <a:r>
+              <a:rPr lang="fr-FR" dirty="0"/>
+              <a:t> </a:t>
+            </a:r>
+            <a:r>
+              <a:rPr lang="fr-FR" dirty="0" err="1"/>
+              <a:t>using</a:t>
+            </a:r>
+            <a:r>
+              <a:rPr lang="fr-FR" dirty="0"/>
+              <a:t> a </a:t>
+            </a:r>
+            <a:r>
+              <a:rPr lang="fr-FR" dirty="0" err="1"/>
+              <a:t>Hybrid</a:t>
+            </a:r>
+            <a:r>
+              <a:rPr lang="fr-FR" dirty="0"/>
+              <a:t> Machine-</a:t>
+            </a:r>
+            <a:r>
+              <a:rPr lang="fr-FR" dirty="0" err="1"/>
+              <a:t>learning</a:t>
+            </a:r>
+            <a:r>
+              <a:rPr lang="fr-FR" dirty="0"/>
+              <a:t> </a:t>
+            </a:r>
+            <a:r>
+              <a:rPr lang="fr-FR" dirty="0" err="1"/>
+              <a:t>based</a:t>
+            </a:r>
+            <a:r>
+              <a:rPr lang="fr-FR" dirty="0"/>
+              <a:t> model </a:t>
+            </a:r>
+            <a:r>
+              <a:rPr lang="fr-FR" dirty="0" err="1"/>
+              <a:t>exploiting</a:t>
+            </a:r>
+            <a:r>
+              <a:rPr lang="fr-FR" dirty="0"/>
+              <a:t> </a:t>
+            </a:r>
+            <a:r>
+              <a:rPr lang="fr-FR" dirty="0" err="1"/>
+              <a:t>physical</a:t>
+            </a:r>
+            <a:r>
+              <a:rPr lang="fr-FR" dirty="0"/>
+              <a:t> </a:t>
+            </a:r>
+            <a:r>
+              <a:rPr lang="fr-FR" dirty="0" err="1"/>
+              <a:t>constraints</a:t>
+            </a:r>
+            <a:r>
+              <a:rPr lang="fr-FR" dirty="0"/>
+              <a:t> (local conservation </a:t>
+            </a:r>
+            <a:r>
+              <a:rPr lang="fr-FR" dirty="0" err="1"/>
+              <a:t>law</a:t>
+            </a:r>
+            <a:r>
+              <a:rPr lang="fr-FR" dirty="0"/>
+              <a:t>)</a:t>
+            </a:r>
+          </a:p>
+          <a:p>
+            <a:r>
+              <a:rPr lang="fr-FR" dirty="0"/>
+              <a:t>Evaluation pipeline </a:t>
+            </a:r>
+            <a:r>
+              <a:rPr lang="fr-FR" dirty="0">
+                <a:solidFill>
+                  <a:srgbClr val="C00000"/>
+                </a:solidFill>
+              </a:rPr>
+              <a:t>→</a:t>
+            </a:r>
+            <a:r>
+              <a:rPr lang="fr-FR" dirty="0"/>
+              <a:t> Learning </a:t>
+            </a:r>
+            <a:r>
+              <a:rPr lang="fr-FR" dirty="0" err="1"/>
+              <a:t>Industrial</a:t>
+            </a:r>
+            <a:r>
+              <a:rPr lang="fr-FR" dirty="0"/>
+              <a:t> Physical Simulation (LIPS) </a:t>
+            </a:r>
+            <a:r>
+              <a:rPr lang="fr-FR" dirty="0" err="1"/>
+              <a:t>framework</a:t>
+            </a:r>
+            <a:r>
+              <a:rPr lang="fr-FR" dirty="0"/>
+              <a:t> </a:t>
+            </a:r>
+            <a:r>
+              <a:rPr lang="fr-FR" dirty="0" err="1"/>
+              <a:t>with</a:t>
+            </a:r>
+            <a:r>
+              <a:rPr lang="fr-FR" dirty="0"/>
+              <a:t> four </a:t>
+            </a:r>
+            <a:r>
+              <a:rPr lang="fr-FR" dirty="0" err="1"/>
+              <a:t>categories</a:t>
+            </a:r>
+            <a:r>
+              <a:rPr lang="fr-FR" dirty="0"/>
+              <a:t> of </a:t>
+            </a:r>
+            <a:r>
+              <a:rPr lang="fr-FR" dirty="0" err="1"/>
+              <a:t>evaluation</a:t>
+            </a:r>
+            <a:r>
+              <a:rPr lang="fr-FR" dirty="0"/>
+              <a:t> </a:t>
+            </a:r>
+            <a:r>
+              <a:rPr lang="fr-FR" dirty="0" err="1"/>
+              <a:t>criteria</a:t>
+            </a:r>
+            <a:r>
+              <a:rPr lang="fr-FR" dirty="0"/>
+              <a:t> </a:t>
+            </a:r>
+          </a:p>
+        </p:txBody>
+      </p:sp>
+      <p:pic>
+        <p:nvPicPr>
+          <p:cNvPr id="4" name="Picture 3">
+            <a:extLst>
+              <a:ext uri="{FF2B5EF4-FFF2-40B4-BE49-F238E27FC236}">
+                <a16:creationId xmlns:a16="http://schemas.microsoft.com/office/drawing/2014/main" id="{B05D56B3-C922-F1B6-9039-7E5DC997F92A}"/>
+              </a:ext>
+            </a:extLst>
+          </p:cNvPr>
+          <p:cNvPicPr>
+            <a:picLocks noChangeAspect="1"/>
+          </p:cNvPicPr>
+          <p:nvPr/>
+        </p:nvPicPr>
+        <p:blipFill>
+          <a:blip r:embed="rId2"/>
+          <a:stretch>
+            <a:fillRect/>
+          </a:stretch>
+        </p:blipFill>
+        <p:spPr>
+          <a:xfrm>
+            <a:off x="6945549" y="2750702"/>
+            <a:ext cx="4788232" cy="2677332"/>
+          </a:xfrm>
+          <a:prstGeom prst="rect">
+            <a:avLst/>
+          </a:prstGeom>
+        </p:spPr>
+      </p:pic>
+      <p:sp>
+        <p:nvSpPr>
+          <p:cNvPr id="5" name="TextBox 4">
+            <a:extLst>
+              <a:ext uri="{FF2B5EF4-FFF2-40B4-BE49-F238E27FC236}">
+                <a16:creationId xmlns:a16="http://schemas.microsoft.com/office/drawing/2014/main" id="{AB16E864-C5C8-3AEC-C8C2-F14D17AF48FF}"/>
+              </a:ext>
+            </a:extLst>
+          </p:cNvPr>
+          <p:cNvSpPr txBox="1"/>
+          <p:nvPr/>
+        </p:nvSpPr>
+        <p:spPr>
+          <a:xfrm>
+            <a:off x="8112868" y="2198450"/>
+            <a:ext cx="1913152" cy="369332"/>
+          </a:xfrm>
+          <a:prstGeom prst="rect">
+            <a:avLst/>
+          </a:prstGeom>
+          <a:noFill/>
+        </p:spPr>
+        <p:txBody>
+          <a:bodyPr wrap="none" rtlCol="0">
+            <a:spAutoFit/>
+          </a:bodyPr>
+          <a:lstStyle/>
+          <a:p>
+            <a:r>
+              <a:rPr lang="en-US" dirty="0"/>
+              <a:t>IEEE14 Power Grid</a:t>
+            </a:r>
+          </a:p>
+        </p:txBody>
+      </p:sp>
+    </p:spTree>
+    <p:extLst>
+      <p:ext uri="{BB962C8B-B14F-4D97-AF65-F5344CB8AC3E}">
+        <p14:creationId xmlns:p14="http://schemas.microsoft.com/office/powerpoint/2010/main" val="1827802140"/>
+      </p:ext>
+    </p:extLst>
+  </p:cSld>
+  <p:clrMapOvr>
+    <a:masterClrMapping/>
+  </p:clrMapOvr>
+</p:sld>
+</file>
+
+<file path=ppt/slides/slide7.xml><?xml version="1.0" encoding="utf-8"?>
+<p:sld xmlns:a="http://schemas.openxmlformats.org/drawingml/2006/main" xmlns:r="http://schemas.openxmlformats.org/officeDocument/2006/relationships" xmlns:p="http://schemas.openxmlformats.org/presentationml/2006/main">
+  <p:cSld>
+    <p:spTree>
+      <p:nvGrpSpPr>
+        <p:cNvPr id="1" name=""/>
+        <p:cNvGrpSpPr/>
+        <p:nvPr/>
+      </p:nvGrpSpPr>
+      <p:grpSpPr>
+        <a:xfrm>
+          <a:off x="0" y="0"/>
+          <a:ext cx="0" cy="0"/>
+          <a:chOff x="0" y="0"/>
+          <a:chExt cx="0" cy="0"/>
+        </a:xfrm>
+      </p:grpSpPr>
+      <p:sp>
+        <p:nvSpPr>
+          <p:cNvPr id="2" name="Title 1">
+            <a:extLst>
+              <a:ext uri="{FF2B5EF4-FFF2-40B4-BE49-F238E27FC236}">
+                <a16:creationId xmlns:a16="http://schemas.microsoft.com/office/drawing/2014/main" id="{E690685A-B6B3-90CB-D175-86374E664AC3}"/>
+              </a:ext>
+            </a:extLst>
+          </p:cNvPr>
+          <p:cNvSpPr>
+            <a:spLocks noGrp="1"/>
+          </p:cNvSpPr>
+          <p:nvPr>
+            <p:ph type="title"/>
+          </p:nvPr>
+        </p:nvSpPr>
+        <p:spPr/>
+        <p:txBody>
+          <a:bodyPr/>
+          <a:lstStyle/>
+          <a:p>
+            <a:r>
+              <a:rPr lang="en-US" dirty="0"/>
+              <a:t>Methodology</a:t>
+            </a:r>
+          </a:p>
+        </p:txBody>
+      </p:sp>
+      <p:sp>
+        <p:nvSpPr>
+          <p:cNvPr id="4" name="Content Placeholder 2">
+            <a:extLst>
+              <a:ext uri="{FF2B5EF4-FFF2-40B4-BE49-F238E27FC236}">
+                <a16:creationId xmlns:a16="http://schemas.microsoft.com/office/drawing/2014/main" id="{C73B9F39-9A82-485A-AB6D-2DCEE3BB3888}"/>
+              </a:ext>
+            </a:extLst>
+          </p:cNvPr>
+          <p:cNvSpPr>
+            <a:spLocks noGrp="1"/>
+          </p:cNvSpPr>
+          <p:nvPr>
+            <p:ph idx="1"/>
+          </p:nvPr>
+        </p:nvSpPr>
+        <p:spPr>
+          <a:xfrm>
+            <a:off x="838200" y="1825625"/>
+            <a:ext cx="10515600" cy="4351338"/>
+          </a:xfrm>
+        </p:spPr>
+        <p:txBody>
+          <a:bodyPr/>
+          <a:lstStyle/>
+          <a:p>
+            <a:r>
+              <a:rPr lang="en-US" dirty="0"/>
+              <a:t>Hybrid models : Physics Informed Graph Neural Networks (PIGNNs)</a:t>
+            </a:r>
+          </a:p>
+          <a:p>
+            <a:endParaRPr lang="en-US" dirty="0"/>
+          </a:p>
+        </p:txBody>
+      </p:sp>
+      <p:pic>
+        <p:nvPicPr>
+          <p:cNvPr id="6" name="Picture 5">
+            <a:extLst>
+              <a:ext uri="{FF2B5EF4-FFF2-40B4-BE49-F238E27FC236}">
+                <a16:creationId xmlns:a16="http://schemas.microsoft.com/office/drawing/2014/main" id="{A10E39ED-9261-C6D2-4C1A-BE147C33CD17}"/>
+              </a:ext>
+            </a:extLst>
+          </p:cNvPr>
+          <p:cNvPicPr>
+            <a:picLocks noChangeAspect="1"/>
+          </p:cNvPicPr>
+          <p:nvPr/>
+        </p:nvPicPr>
+        <p:blipFill>
+          <a:blip r:embed="rId2"/>
+          <a:stretch>
+            <a:fillRect/>
+          </a:stretch>
+        </p:blipFill>
+        <p:spPr>
+          <a:xfrm>
+            <a:off x="1751784" y="3092683"/>
+            <a:ext cx="7709457" cy="3161567"/>
+          </a:xfrm>
+          <a:prstGeom prst="rect">
+            <a:avLst/>
+          </a:prstGeom>
+        </p:spPr>
+      </p:pic>
+      <p:pic>
+        <p:nvPicPr>
+          <p:cNvPr id="8" name="Picture 7" descr="A close-up of a message&#10;&#10;AI-generated content may be incorrect.">
+            <a:extLst>
+              <a:ext uri="{FF2B5EF4-FFF2-40B4-BE49-F238E27FC236}">
+                <a16:creationId xmlns:a16="http://schemas.microsoft.com/office/drawing/2014/main" id="{15B515A2-CA6E-8F03-C24E-6D8FFC81CD69}"/>
+              </a:ext>
+            </a:extLst>
+          </p:cNvPr>
+          <p:cNvPicPr>
+            <a:picLocks noChangeAspect="1"/>
+          </p:cNvPicPr>
+          <p:nvPr/>
+        </p:nvPicPr>
+        <p:blipFill>
+          <a:blip r:embed="rId3">
+            <a:extLst>
+              <a:ext uri="{28A0092B-C50C-407E-A947-70E740481C1C}">
+                <a14:useLocalDpi xmlns:a14="http://schemas.microsoft.com/office/drawing/2010/main" val="0"/>
+              </a:ext>
+            </a:extLst>
+          </a:blip>
+          <a:stretch>
+            <a:fillRect/>
+          </a:stretch>
+        </p:blipFill>
+        <p:spPr>
+          <a:xfrm>
+            <a:off x="2947089" y="2226029"/>
+            <a:ext cx="4847745" cy="789367"/>
+          </a:xfrm>
+          <a:prstGeom prst="rect">
+            <a:avLst/>
+          </a:prstGeom>
+        </p:spPr>
+      </p:pic>
+    </p:spTree>
+    <p:extLst>
+      <p:ext uri="{BB962C8B-B14F-4D97-AF65-F5344CB8AC3E}">
+        <p14:creationId xmlns:p14="http://schemas.microsoft.com/office/powerpoint/2010/main" val="3018709138"/>
+      </p:ext>
+    </p:extLst>
+  </p:cSld>
+  <p:clrMapOvr>
+    <a:masterClrMapping/>
+  </p:clrMapOvr>
+</p:sld>
+</file>
+
+<file path=ppt/slides/slide8.xml><?xml version="1.0" encoding="utf-8"?>
+<p:sld xmlns:a="http://schemas.openxmlformats.org/drawingml/2006/main" xmlns:r="http://schemas.openxmlformats.org/officeDocument/2006/relationships" xmlns:p="http://schemas.openxmlformats.org/presentationml/2006/main">
+  <p:cSld>
+    <p:spTree>
+      <p:nvGrpSpPr>
+        <p:cNvPr id="1" name=""/>
+        <p:cNvGrpSpPr/>
+        <p:nvPr/>
+      </p:nvGrpSpPr>
+      <p:grpSpPr>
+        <a:xfrm>
+          <a:off x="0" y="0"/>
+          <a:ext cx="0" cy="0"/>
+          <a:chOff x="0" y="0"/>
+          <a:chExt cx="0" cy="0"/>
+        </a:xfrm>
+      </p:grpSpPr>
+      <p:sp>
+        <p:nvSpPr>
+          <p:cNvPr id="2" name="Title 1">
+            <a:extLst>
+              <a:ext uri="{FF2B5EF4-FFF2-40B4-BE49-F238E27FC236}">
+                <a16:creationId xmlns:a16="http://schemas.microsoft.com/office/drawing/2014/main" id="{EBC76CC9-6867-E7DF-259A-7883964CBC9B}"/>
+              </a:ext>
+            </a:extLst>
+          </p:cNvPr>
+          <p:cNvSpPr>
+            <a:spLocks noGrp="1"/>
+          </p:cNvSpPr>
+          <p:nvPr>
+            <p:ph type="title"/>
+          </p:nvPr>
+        </p:nvSpPr>
+        <p:spPr/>
+        <p:txBody>
+          <a:bodyPr/>
+          <a:lstStyle/>
+          <a:p>
+            <a:r>
+              <a:rPr lang="en-US" dirty="0"/>
+              <a:t>Original contribution</a:t>
+            </a:r>
+          </a:p>
+        </p:txBody>
+      </p:sp>
+      <p:sp>
+        <p:nvSpPr>
+          <p:cNvPr id="4" name="Content Placeholder 2">
+            <a:extLst>
+              <a:ext uri="{FF2B5EF4-FFF2-40B4-BE49-F238E27FC236}">
+                <a16:creationId xmlns:a16="http://schemas.microsoft.com/office/drawing/2014/main" id="{A43105CE-2F6A-8A60-2BEE-93B9AD40F4BB}"/>
+              </a:ext>
+            </a:extLst>
+          </p:cNvPr>
+          <p:cNvSpPr>
+            <a:spLocks noGrp="1"/>
+          </p:cNvSpPr>
+          <p:nvPr>
+            <p:ph idx="1"/>
+          </p:nvPr>
+        </p:nvSpPr>
+        <p:spPr>
+          <a:xfrm>
+            <a:off x="838200" y="1570252"/>
+            <a:ext cx="10515600" cy="4351338"/>
+          </a:xfrm>
+        </p:spPr>
+        <p:txBody>
+          <a:bodyPr/>
+          <a:lstStyle/>
+          <a:p>
+            <a:r>
+              <a:rPr lang="en-US" dirty="0"/>
+              <a:t>Compliance to physics criteria / laws by integrating the local conservation as the optimization criteria (non-supervised learning)</a:t>
+            </a:r>
+          </a:p>
+        </p:txBody>
+      </p:sp>
+      <p:pic>
+        <p:nvPicPr>
+          <p:cNvPr id="5" name="Picture 4">
+            <a:extLst>
+              <a:ext uri="{FF2B5EF4-FFF2-40B4-BE49-F238E27FC236}">
+                <a16:creationId xmlns:a16="http://schemas.microsoft.com/office/drawing/2014/main" id="{1852D91E-935B-2A8C-84F5-0818404A9163}"/>
+              </a:ext>
+            </a:extLst>
+          </p:cNvPr>
+          <p:cNvPicPr>
+            <a:picLocks noChangeAspect="1"/>
+          </p:cNvPicPr>
+          <p:nvPr/>
+        </p:nvPicPr>
+        <p:blipFill rotWithShape="1">
+          <a:blip r:embed="rId2"/>
+          <a:srcRect t="598" r="13206"/>
+          <a:stretch/>
+        </p:blipFill>
+        <p:spPr>
+          <a:xfrm>
+            <a:off x="3552231" y="2590322"/>
+            <a:ext cx="5087537" cy="3663928"/>
+          </a:xfrm>
+          <a:prstGeom prst="rect">
+            <a:avLst/>
+          </a:prstGeom>
+        </p:spPr>
+      </p:pic>
+    </p:spTree>
+    <p:extLst>
+      <p:ext uri="{BB962C8B-B14F-4D97-AF65-F5344CB8AC3E}">
+        <p14:creationId xmlns:p14="http://schemas.microsoft.com/office/powerpoint/2010/main" val="708481120"/>
+      </p:ext>
+    </p:extLst>
+  </p:cSld>
+  <p:clrMapOvr>
+    <a:masterClrMapping/>
+  </p:clrMapOvr>
+</p:sld>
+</file>
+
 <file path=ppt/slides/slide9.xml><?xml version="1.0" encoding="utf-8"?>
 <p:sld xmlns:a="http://schemas.openxmlformats.org/drawingml/2006/main" xmlns:r="http://schemas.openxmlformats.org/officeDocument/2006/relationships" xmlns:p="http://schemas.openxmlformats.org/presentationml/2006/main">
   <p:cSld>
@@ -11535,7 +12137,7 @@
           <p:cNvPr id="2" name="Title 1">
             <a:extLst>
               <a:ext uri="{FF2B5EF4-FFF2-40B4-BE49-F238E27FC236}">
-                <a16:creationId xmlns:a16="http://schemas.microsoft.com/office/drawing/2014/main" id="{D6C05DA3-EA63-47A5-98D6-CAB5385241A0}"/>
+                <a16:creationId xmlns:a16="http://schemas.microsoft.com/office/drawing/2014/main" id="{6773F739-5CCB-23E7-EDE4-33A02C6DAEAB}"/>
               </a:ext>
             </a:extLst>
           </p:cNvPr>
@@ -11551,70 +12153,300 @@
           <a:bodyPr/>
           <a:lstStyle/>
           <a:p>
-            <a:endParaRPr lang="pt-PT" dirty="0"/>
+            <a:r>
+              <a:rPr lang="en-US" dirty="0"/>
+              <a:t>Overview of code structure</a:t>
+            </a:r>
+          </a:p>
+        </p:txBody>
+      </p:sp>
+      <p:pic>
+        <p:nvPicPr>
+          <p:cNvPr id="5" name="Picture 4">
+            <a:extLst>
+              <a:ext uri="{FF2B5EF4-FFF2-40B4-BE49-F238E27FC236}">
+                <a16:creationId xmlns:a16="http://schemas.microsoft.com/office/drawing/2014/main" id="{8C8FBD86-25FB-3427-F442-5CC0B743E06A}"/>
+              </a:ext>
+            </a:extLst>
+          </p:cNvPr>
+          <p:cNvPicPr>
+            <a:picLocks noChangeAspect="1"/>
+          </p:cNvPicPr>
+          <p:nvPr/>
+        </p:nvPicPr>
+        <p:blipFill>
+          <a:blip r:embed="rId2"/>
+          <a:stretch>
+            <a:fillRect/>
+          </a:stretch>
+        </p:blipFill>
+        <p:spPr>
+          <a:xfrm>
+            <a:off x="506122" y="1686596"/>
+            <a:ext cx="5077534" cy="4305901"/>
+          </a:xfrm>
+          <a:prstGeom prst="rect">
+            <a:avLst/>
+          </a:prstGeom>
+        </p:spPr>
+      </p:pic>
+      <p:sp>
+        <p:nvSpPr>
+          <p:cNvPr id="8" name="Rectangle: Diagonal Corners Rounded 7">
+            <a:extLst>
+              <a:ext uri="{FF2B5EF4-FFF2-40B4-BE49-F238E27FC236}">
+                <a16:creationId xmlns:a16="http://schemas.microsoft.com/office/drawing/2014/main" id="{B741F50B-4C3A-04C4-5083-348B7F157C2D}"/>
+              </a:ext>
+            </a:extLst>
+          </p:cNvPr>
+          <p:cNvSpPr/>
+          <p:nvPr/>
+        </p:nvSpPr>
+        <p:spPr>
+          <a:xfrm>
+            <a:off x="5691673" y="2267339"/>
+            <a:ext cx="5924939" cy="886408"/>
+          </a:xfrm>
+          <a:prstGeom prst="round2DiagRect">
+            <a:avLst/>
+          </a:prstGeom>
+          <a:ln w="19050"/>
+        </p:spPr>
+        <p:style>
+          <a:lnRef idx="2">
+            <a:schemeClr val="accent6"/>
+          </a:lnRef>
+          <a:fillRef idx="1">
+            <a:schemeClr val="lt1"/>
+          </a:fillRef>
+          <a:effectRef idx="0">
+            <a:schemeClr val="accent6"/>
+          </a:effectRef>
+          <a:fontRef idx="minor">
+            <a:schemeClr val="dk1"/>
+          </a:fontRef>
+        </p:style>
+        <p:txBody>
+          <a:bodyPr rtlCol="0" anchor="ctr"/>
+          <a:lstStyle/>
+          <a:p>
+            <a:r>
+              <a:rPr lang="en-US" dirty="0"/>
+              <a:t>Configurations files used for initializing scenarios (two different l2rpn environments) and also the models (gnn.ini)</a:t>
+            </a:r>
           </a:p>
         </p:txBody>
       </p:sp>
       <p:sp>
         <p:nvSpPr>
-          <p:cNvPr id="3" name="Content Placeholder 2">
-            <a:extLst>
-              <a:ext uri="{FF2B5EF4-FFF2-40B4-BE49-F238E27FC236}">
-                <a16:creationId xmlns:a16="http://schemas.microsoft.com/office/drawing/2014/main" id="{092D0FBA-E88F-4BC8-9FC3-B997EA4C5F32}"/>
-              </a:ext>
-            </a:extLst>
-          </p:cNvPr>
-          <p:cNvSpPr>
-            <a:spLocks noGrp="1"/>
-          </p:cNvSpPr>
-          <p:nvPr>
-            <p:ph idx="1"/>
-          </p:nvPr>
+          <p:cNvPr id="9" name="Rectangle: Diagonal Corners Rounded 8">
+            <a:extLst>
+              <a:ext uri="{FF2B5EF4-FFF2-40B4-BE49-F238E27FC236}">
+                <a16:creationId xmlns:a16="http://schemas.microsoft.com/office/drawing/2014/main" id="{86011C2D-0120-AB1D-3A95-A9C543B5AB9D}"/>
+              </a:ext>
+            </a:extLst>
+          </p:cNvPr>
+          <p:cNvSpPr/>
+          <p:nvPr/>
         </p:nvSpPr>
-        <p:spPr/>
+        <p:spPr>
+          <a:xfrm>
+            <a:off x="5691673" y="3223726"/>
+            <a:ext cx="5924939" cy="886408"/>
+          </a:xfrm>
+          <a:prstGeom prst="round2DiagRect">
+            <a:avLst/>
+          </a:prstGeom>
+          <a:ln w="19050"/>
+        </p:spPr>
+        <p:style>
+          <a:lnRef idx="2">
+            <a:schemeClr val="accent6"/>
+          </a:lnRef>
+          <a:fillRef idx="1">
+            <a:schemeClr val="lt1"/>
+          </a:fillRef>
+          <a:effectRef idx="0">
+            <a:schemeClr val="accent6"/>
+          </a:effectRef>
+          <a:fontRef idx="minor">
+            <a:schemeClr val="dk1"/>
+          </a:fontRef>
+        </p:style>
         <p:txBody>
-          <a:bodyPr/>
+          <a:bodyPr rtlCol="0" anchor="ctr"/>
           <a:lstStyle/>
           <a:p>
-            <a:pPr algn="l"/>
-            <a:r>
-              <a:rPr lang="en-US" sz="1800" b="0" i="0" u="none" strike="noStrike" baseline="0" dirty="0">
-                <a:solidFill>
-                  <a:srgbClr val="2E3193"/>
-                </a:solidFill>
-                <a:latin typeface="Calibri" panose="020F0502020204030204" pitchFamily="34" charset="0"/>
-              </a:rPr>
-              <a:t>at least 1 algorithm per Task to be published in the repo</a:t>
-            </a:r>
-          </a:p>
-          <a:p>
-            <a:pPr algn="l"/>
-            <a:r>
-              <a:rPr lang="en-US" sz="1800" b="0" i="0" u="none" strike="noStrike" baseline="0" dirty="0">
-                <a:solidFill>
-                  <a:srgbClr val="2E3193"/>
-                </a:solidFill>
-                <a:latin typeface="MS-PGothic"/>
-              </a:rPr>
-              <a:t> </a:t>
-            </a:r>
-            <a:r>
-              <a:rPr lang="en-US" sz="1800" b="0" i="0" u="none" strike="noStrike" baseline="0" dirty="0">
-                <a:solidFill>
-                  <a:srgbClr val="2E3193"/>
-                </a:solidFill>
-                <a:latin typeface="Calibri" panose="020F0502020204030204" pitchFamily="34" charset="0"/>
-              </a:rPr>
-              <a:t>validation on project use-cases is recommended</a:t>
-            </a:r>
-            <a:endParaRPr lang="pt-PT" dirty="0"/>
+            <a:r>
+              <a:rPr lang="en-US" dirty="0"/>
+              <a:t>Getting started </a:t>
+            </a:r>
+            <a:r>
+              <a:rPr lang="en-US" dirty="0" err="1"/>
+              <a:t>jupyter</a:t>
+            </a:r>
+            <a:r>
+              <a:rPr lang="en-US" dirty="0"/>
+              <a:t> notebooks providing examples to generate data and reproduce the results</a:t>
+            </a:r>
+          </a:p>
+        </p:txBody>
+      </p:sp>
+      <p:sp>
+        <p:nvSpPr>
+          <p:cNvPr id="10" name="Rectangle: Diagonal Corners Rounded 9">
+            <a:extLst>
+              <a:ext uri="{FF2B5EF4-FFF2-40B4-BE49-F238E27FC236}">
+                <a16:creationId xmlns:a16="http://schemas.microsoft.com/office/drawing/2014/main" id="{DE6837C8-606B-D7E0-00A0-0444DAD84F9C}"/>
+              </a:ext>
+            </a:extLst>
+          </p:cNvPr>
+          <p:cNvSpPr/>
+          <p:nvPr/>
+        </p:nvSpPr>
+        <p:spPr>
+          <a:xfrm>
+            <a:off x="5691673" y="4180113"/>
+            <a:ext cx="5924939" cy="886408"/>
+          </a:xfrm>
+          <a:prstGeom prst="round2DiagRect">
+            <a:avLst/>
+          </a:prstGeom>
+          <a:ln w="19050"/>
+        </p:spPr>
+        <p:style>
+          <a:lnRef idx="2">
+            <a:schemeClr val="accent6"/>
+          </a:lnRef>
+          <a:fillRef idx="1">
+            <a:schemeClr val="lt1"/>
+          </a:fillRef>
+          <a:effectRef idx="0">
+            <a:schemeClr val="accent6"/>
+          </a:effectRef>
+          <a:fontRef idx="minor">
+            <a:schemeClr val="dk1"/>
+          </a:fontRef>
+        </p:style>
+        <p:txBody>
+          <a:bodyPr rtlCol="0" anchor="ctr"/>
+          <a:lstStyle/>
+          <a:p>
+            <a:r>
+              <a:rPr lang="en-US" dirty="0"/>
+              <a:t>The Physics Informed GNN package, including dataset, evaluation and </a:t>
+            </a:r>
+            <a:r>
+              <a:rPr lang="en-US" dirty="0" err="1"/>
+              <a:t>gnn</a:t>
+            </a:r>
+            <a:r>
+              <a:rPr lang="en-US" dirty="0"/>
+              <a:t> modules</a:t>
+            </a:r>
+          </a:p>
+        </p:txBody>
+      </p:sp>
+      <p:sp>
+        <p:nvSpPr>
+          <p:cNvPr id="11" name="Rectangle 10">
+            <a:extLst>
+              <a:ext uri="{FF2B5EF4-FFF2-40B4-BE49-F238E27FC236}">
+                <a16:creationId xmlns:a16="http://schemas.microsoft.com/office/drawing/2014/main" id="{E0F696B7-0763-F17F-645B-58195D30FD5C}"/>
+              </a:ext>
+            </a:extLst>
+          </p:cNvPr>
+          <p:cNvSpPr/>
+          <p:nvPr/>
+        </p:nvSpPr>
+        <p:spPr>
+          <a:xfrm>
+            <a:off x="5691673" y="1686596"/>
+            <a:ext cx="5924939" cy="244841"/>
+          </a:xfrm>
+          <a:prstGeom prst="rect">
+            <a:avLst/>
+          </a:prstGeom>
+        </p:spPr>
+        <p:style>
+          <a:lnRef idx="2">
+            <a:schemeClr val="accent1">
+              <a:shade val="15000"/>
+            </a:schemeClr>
+          </a:lnRef>
+          <a:fillRef idx="1">
+            <a:schemeClr val="accent1"/>
+          </a:fillRef>
+          <a:effectRef idx="0">
+            <a:schemeClr val="accent1"/>
+          </a:effectRef>
+          <a:fontRef idx="minor">
+            <a:schemeClr val="lt1"/>
+          </a:fontRef>
+        </p:style>
+        <p:txBody>
+          <a:bodyPr rtlCol="0" anchor="ctr"/>
+          <a:lstStyle/>
+          <a:p>
+            <a:r>
+              <a:rPr lang="en-US" dirty="0"/>
+              <a:t>License (Mozilla Public License) that is used currently</a:t>
+            </a:r>
+          </a:p>
+        </p:txBody>
+      </p:sp>
+      <p:sp>
+        <p:nvSpPr>
+          <p:cNvPr id="12" name="Rectangle 11">
+            <a:extLst>
+              <a:ext uri="{FF2B5EF4-FFF2-40B4-BE49-F238E27FC236}">
+                <a16:creationId xmlns:a16="http://schemas.microsoft.com/office/drawing/2014/main" id="{07F18B7E-72D9-F719-9E68-9C34D56EF6A0}"/>
+              </a:ext>
+            </a:extLst>
+          </p:cNvPr>
+          <p:cNvSpPr/>
+          <p:nvPr/>
+        </p:nvSpPr>
+        <p:spPr>
+          <a:xfrm>
+            <a:off x="5691673" y="1967677"/>
+            <a:ext cx="5924939" cy="244841"/>
+          </a:xfrm>
+          <a:prstGeom prst="rect">
+            <a:avLst/>
+          </a:prstGeom>
+        </p:spPr>
+        <p:style>
+          <a:lnRef idx="2">
+            <a:schemeClr val="accent1">
+              <a:shade val="15000"/>
+            </a:schemeClr>
+          </a:lnRef>
+          <a:fillRef idx="1">
+            <a:schemeClr val="accent1"/>
+          </a:fillRef>
+          <a:effectRef idx="0">
+            <a:schemeClr val="accent1"/>
+          </a:effectRef>
+          <a:fontRef idx="minor">
+            <a:schemeClr val="lt1"/>
+          </a:fontRef>
+        </p:style>
+        <p:txBody>
+          <a:bodyPr rtlCol="0" anchor="ctr"/>
+          <a:lstStyle/>
+          <a:p>
+            <a:r>
+              <a:rPr lang="en-US" dirty="0"/>
+              <a:t>General overview and instructions to install dependencies</a:t>
+            </a:r>
           </a:p>
         </p:txBody>
       </p:sp>
     </p:spTree>
     <p:extLst>
       <p:ext uri="{BB962C8B-B14F-4D97-AF65-F5344CB8AC3E}">
-        <p14:creationId xmlns:p14="http://schemas.microsoft.com/office/powerpoint/2010/main" val="3502560691"/>
+        <p14:creationId xmlns:p14="http://schemas.microsoft.com/office/powerpoint/2010/main" val="2495112241"/>
       </p:ext>
     </p:extLst>
   </p:cSld>
@@ -11886,6 +12718,15 @@
 </file>
 
 <file path=customXml/item1.xml><?xml version="1.0" encoding="utf-8"?>
+<?mso-contentType ?>
+<FormTemplates xmlns="http://schemas.microsoft.com/sharepoint/v3/contenttype/forms">
+  <Display>DocumentLibraryForm</Display>
+  <Edit>DocumentLibraryForm</Edit>
+  <New>DocumentLibraryForm</New>
+</FormTemplates>
+</file>
+
+<file path=customXml/item2.xml><?xml version="1.0" encoding="utf-8"?>
 <p:properties xmlns:p="http://schemas.microsoft.com/office/2006/metadata/properties" xmlns:xsi="http://www.w3.org/2001/XMLSchema-instance" xmlns:pc="http://schemas.microsoft.com/office/infopath/2007/PartnerControls">
   <documentManagement>
     <lcf76f155ced4ddcb4097134ff3c332f xmlns="bc89abb3-10bf-413e-ab30-26a7aef7b28c">
@@ -11894,15 +12735,6 @@
     <TaxCatchAll xmlns="0c372da2-b3f5-4e00-83c5-35a9e92cc77b" xsi:nil="true"/>
   </documentManagement>
 </p:properties>
-</file>
-
-<file path=customXml/item2.xml><?xml version="1.0" encoding="utf-8"?>
-<?mso-contentType ?>
-<FormTemplates xmlns="http://schemas.microsoft.com/sharepoint/v3/contenttype/forms">
-  <Display>DocumentLibraryForm</Display>
-  <Edit>DocumentLibraryForm</Edit>
-  <New>DocumentLibraryForm</New>
-</FormTemplates>
 </file>
 
 <file path=customXml/item3.xml><?xml version="1.0" encoding="utf-8"?>
@@ -12101,20 +12933,20 @@
 </file>
 
 <file path=customXml/itemProps1.xml><?xml version="1.0" encoding="utf-8"?>
+<ds:datastoreItem xmlns:ds="http://schemas.openxmlformats.org/officeDocument/2006/customXml" ds:itemID="{4BB3FBEB-0F82-46CF-9392-31DFF6E207EB}">
+  <ds:schemaRefs>
+    <ds:schemaRef ds:uri="http://schemas.microsoft.com/sharepoint/v3/contenttype/forms"/>
+  </ds:schemaRefs>
+</ds:datastoreItem>
+</file>
+
+<file path=customXml/itemProps2.xml><?xml version="1.0" encoding="utf-8"?>
 <ds:datastoreItem xmlns:ds="http://schemas.openxmlformats.org/officeDocument/2006/customXml" ds:itemID="{DECA5E07-CAB8-4690-A0EF-32A0CE10E7BD}">
   <ds:schemaRefs>
     <ds:schemaRef ds:uri="http://schemas.microsoft.com/office/2006/metadata/properties"/>
     <ds:schemaRef ds:uri="http://schemas.microsoft.com/office/infopath/2007/PartnerControls"/>
     <ds:schemaRef ds:uri="bc89abb3-10bf-413e-ab30-26a7aef7b28c"/>
     <ds:schemaRef ds:uri="0c372da2-b3f5-4e00-83c5-35a9e92cc77b"/>
-  </ds:schemaRefs>
-</ds:datastoreItem>
-</file>
-
-<file path=customXml/itemProps2.xml><?xml version="1.0" encoding="utf-8"?>
-<ds:datastoreItem xmlns:ds="http://schemas.openxmlformats.org/officeDocument/2006/customXml" ds:itemID="{4BB3FBEB-0F82-46CF-9392-31DFF6E207EB}">
-  <ds:schemaRefs>
-    <ds:schemaRef ds:uri="http://schemas.microsoft.com/sharepoint/v3/contenttype/forms"/>
   </ds:schemaRefs>
 </ds:datastoreItem>
 </file>

--- a/T2.1_KAI_GNN_IRTSX.pptx
+++ b/T2.1_KAI_GNN_IRTSX.pptx
@@ -4,19 +4,28 @@
   <p:sldMasterIdLst>
     <p:sldMasterId id="2147483648" r:id="rId4"/>
   </p:sldMasterIdLst>
+  <p:notesMasterIdLst>
+    <p:notesMasterId r:id="rId23"/>
+  </p:notesMasterIdLst>
   <p:sldIdLst>
     <p:sldId id="271" r:id="rId5"/>
     <p:sldId id="272" r:id="rId6"/>
-    <p:sldId id="273" r:id="rId7"/>
-    <p:sldId id="278" r:id="rId8"/>
-    <p:sldId id="279" r:id="rId9"/>
-    <p:sldId id="280" r:id="rId10"/>
-    <p:sldId id="274" r:id="rId11"/>
-    <p:sldId id="276" r:id="rId12"/>
-    <p:sldId id="275" r:id="rId13"/>
-    <p:sldId id="277" r:id="rId14"/>
-    <p:sldId id="281" r:id="rId15"/>
-    <p:sldId id="270" r:id="rId16"/>
+    <p:sldId id="266" r:id="rId7"/>
+    <p:sldId id="273" r:id="rId8"/>
+    <p:sldId id="278" r:id="rId9"/>
+    <p:sldId id="279" r:id="rId10"/>
+    <p:sldId id="280" r:id="rId11"/>
+    <p:sldId id="267" r:id="rId12"/>
+    <p:sldId id="274" r:id="rId13"/>
+    <p:sldId id="276" r:id="rId14"/>
+    <p:sldId id="275" r:id="rId15"/>
+    <p:sldId id="284" r:id="rId16"/>
+    <p:sldId id="286" r:id="rId17"/>
+    <p:sldId id="285" r:id="rId18"/>
+    <p:sldId id="283" r:id="rId19"/>
+    <p:sldId id="277" r:id="rId20"/>
+    <p:sldId id="281" r:id="rId21"/>
+    <p:sldId id="270" r:id="rId22"/>
   </p:sldIdLst>
   <p:sldSz cx="12192000" cy="6858000"/>
   <p:notesSz cx="6858000" cy="9144000"/>
@@ -667,6 +676,1003 @@
 </pc:chgInfo>
 </file>
 
+<file path=ppt/notesMasters/notesMaster1.xml><?xml version="1.0" encoding="utf-8"?>
+<p:notesMaster xmlns:a="http://schemas.openxmlformats.org/drawingml/2006/main" xmlns:r="http://schemas.openxmlformats.org/officeDocument/2006/relationships" xmlns:p="http://schemas.openxmlformats.org/presentationml/2006/main">
+  <p:cSld>
+    <p:bg>
+      <p:bgRef idx="1001">
+        <a:schemeClr val="bg1"/>
+      </p:bgRef>
+    </p:bg>
+    <p:spTree>
+      <p:nvGrpSpPr>
+        <p:cNvPr id="1" name=""/>
+        <p:cNvGrpSpPr/>
+        <p:nvPr/>
+      </p:nvGrpSpPr>
+      <p:grpSpPr>
+        <a:xfrm>
+          <a:off x="0" y="0"/>
+          <a:ext cx="0" cy="0"/>
+          <a:chOff x="0" y="0"/>
+          <a:chExt cx="0" cy="0"/>
+        </a:xfrm>
+      </p:grpSpPr>
+      <p:sp>
+        <p:nvSpPr>
+          <p:cNvPr id="2" name="Header Placeholder 1"/>
+          <p:cNvSpPr>
+            <a:spLocks noGrp="1"/>
+          </p:cNvSpPr>
+          <p:nvPr>
+            <p:ph type="hdr" sz="quarter"/>
+          </p:nvPr>
+        </p:nvSpPr>
+        <p:spPr>
+          <a:xfrm>
+            <a:off x="0" y="0"/>
+            <a:ext cx="2971800" cy="458788"/>
+          </a:xfrm>
+          <a:prstGeom prst="rect">
+            <a:avLst/>
+          </a:prstGeom>
+        </p:spPr>
+        <p:txBody>
+          <a:bodyPr vert="horz" lIns="91440" tIns="45720" rIns="91440" bIns="45720" rtlCol="0"/>
+          <a:lstStyle>
+            <a:lvl1pPr algn="l">
+              <a:defRPr sz="1200"/>
+            </a:lvl1pPr>
+          </a:lstStyle>
+          <a:p>
+            <a:endParaRPr lang="fr-FR"/>
+          </a:p>
+        </p:txBody>
+      </p:sp>
+      <p:sp>
+        <p:nvSpPr>
+          <p:cNvPr id="3" name="Date Placeholder 2"/>
+          <p:cNvSpPr>
+            <a:spLocks noGrp="1"/>
+          </p:cNvSpPr>
+          <p:nvPr>
+            <p:ph type="dt" idx="1"/>
+          </p:nvPr>
+        </p:nvSpPr>
+        <p:spPr>
+          <a:xfrm>
+            <a:off x="3884613" y="0"/>
+            <a:ext cx="2971800" cy="458788"/>
+          </a:xfrm>
+          <a:prstGeom prst="rect">
+            <a:avLst/>
+          </a:prstGeom>
+        </p:spPr>
+        <p:txBody>
+          <a:bodyPr vert="horz" lIns="91440" tIns="45720" rIns="91440" bIns="45720" rtlCol="0"/>
+          <a:lstStyle>
+            <a:lvl1pPr algn="r">
+              <a:defRPr sz="1200"/>
+            </a:lvl1pPr>
+          </a:lstStyle>
+          <a:p>
+            <a:fld id="{BC691CB5-4CA9-43C0-979A-A28A5AF4624E}" type="datetimeFigureOut">
+              <a:rPr lang="fr-FR" smtClean="0"/>
+              <a:t>04/03/2025</a:t>
+            </a:fld>
+            <a:endParaRPr lang="fr-FR"/>
+          </a:p>
+        </p:txBody>
+      </p:sp>
+      <p:sp>
+        <p:nvSpPr>
+          <p:cNvPr id="4" name="Slide Image Placeholder 3"/>
+          <p:cNvSpPr>
+            <a:spLocks noGrp="1" noRot="1" noChangeAspect="1"/>
+          </p:cNvSpPr>
+          <p:nvPr>
+            <p:ph type="sldImg" idx="2"/>
+          </p:nvPr>
+        </p:nvSpPr>
+        <p:spPr>
+          <a:xfrm>
+            <a:off x="685800" y="1143000"/>
+            <a:ext cx="5486400" cy="3086100"/>
+          </a:xfrm>
+          <a:prstGeom prst="rect">
+            <a:avLst/>
+          </a:prstGeom>
+          <a:noFill/>
+          <a:ln w="12700">
+            <a:solidFill>
+              <a:prstClr val="black"/>
+            </a:solidFill>
+          </a:ln>
+        </p:spPr>
+        <p:txBody>
+          <a:bodyPr vert="horz" lIns="91440" tIns="45720" rIns="91440" bIns="45720" rtlCol="0" anchor="ctr"/>
+          <a:lstStyle/>
+          <a:p>
+            <a:endParaRPr lang="fr-FR"/>
+          </a:p>
+        </p:txBody>
+      </p:sp>
+      <p:sp>
+        <p:nvSpPr>
+          <p:cNvPr id="5" name="Notes Placeholder 4"/>
+          <p:cNvSpPr>
+            <a:spLocks noGrp="1"/>
+          </p:cNvSpPr>
+          <p:nvPr>
+            <p:ph type="body" sz="quarter" idx="3"/>
+          </p:nvPr>
+        </p:nvSpPr>
+        <p:spPr>
+          <a:xfrm>
+            <a:off x="685800" y="4400550"/>
+            <a:ext cx="5486400" cy="3600450"/>
+          </a:xfrm>
+          <a:prstGeom prst="rect">
+            <a:avLst/>
+          </a:prstGeom>
+        </p:spPr>
+        <p:txBody>
+          <a:bodyPr vert="horz" lIns="91440" tIns="45720" rIns="91440" bIns="45720" rtlCol="0"/>
+          <a:lstStyle/>
+          <a:p>
+            <a:pPr lvl="0"/>
+            <a:r>
+              <a:rPr lang="en-US"/>
+              <a:t>Click to edit Master text styles</a:t>
+            </a:r>
+          </a:p>
+          <a:p>
+            <a:pPr lvl="1"/>
+            <a:r>
+              <a:rPr lang="en-US"/>
+              <a:t>Second level</a:t>
+            </a:r>
+          </a:p>
+          <a:p>
+            <a:pPr lvl="2"/>
+            <a:r>
+              <a:rPr lang="en-US"/>
+              <a:t>Third level</a:t>
+            </a:r>
+          </a:p>
+          <a:p>
+            <a:pPr lvl="3"/>
+            <a:r>
+              <a:rPr lang="en-US"/>
+              <a:t>Fourth level</a:t>
+            </a:r>
+          </a:p>
+          <a:p>
+            <a:pPr lvl="4"/>
+            <a:r>
+              <a:rPr lang="en-US"/>
+              <a:t>Fifth level</a:t>
+            </a:r>
+            <a:endParaRPr lang="fr-FR"/>
+          </a:p>
+        </p:txBody>
+      </p:sp>
+      <p:sp>
+        <p:nvSpPr>
+          <p:cNvPr id="6" name="Footer Placeholder 5"/>
+          <p:cNvSpPr>
+            <a:spLocks noGrp="1"/>
+          </p:cNvSpPr>
+          <p:nvPr>
+            <p:ph type="ftr" sz="quarter" idx="4"/>
+          </p:nvPr>
+        </p:nvSpPr>
+        <p:spPr>
+          <a:xfrm>
+            <a:off x="0" y="8685213"/>
+            <a:ext cx="2971800" cy="458787"/>
+          </a:xfrm>
+          <a:prstGeom prst="rect">
+            <a:avLst/>
+          </a:prstGeom>
+        </p:spPr>
+        <p:txBody>
+          <a:bodyPr vert="horz" lIns="91440" tIns="45720" rIns="91440" bIns="45720" rtlCol="0" anchor="b"/>
+          <a:lstStyle>
+            <a:lvl1pPr algn="l">
+              <a:defRPr sz="1200"/>
+            </a:lvl1pPr>
+          </a:lstStyle>
+          <a:p>
+            <a:endParaRPr lang="fr-FR"/>
+          </a:p>
+        </p:txBody>
+      </p:sp>
+      <p:sp>
+        <p:nvSpPr>
+          <p:cNvPr id="7" name="Slide Number Placeholder 6"/>
+          <p:cNvSpPr>
+            <a:spLocks noGrp="1"/>
+          </p:cNvSpPr>
+          <p:nvPr>
+            <p:ph type="sldNum" sz="quarter" idx="5"/>
+          </p:nvPr>
+        </p:nvSpPr>
+        <p:spPr>
+          <a:xfrm>
+            <a:off x="3884613" y="8685213"/>
+            <a:ext cx="2971800" cy="458787"/>
+          </a:xfrm>
+          <a:prstGeom prst="rect">
+            <a:avLst/>
+          </a:prstGeom>
+        </p:spPr>
+        <p:txBody>
+          <a:bodyPr vert="horz" lIns="91440" tIns="45720" rIns="91440" bIns="45720" rtlCol="0" anchor="b"/>
+          <a:lstStyle>
+            <a:lvl1pPr algn="r">
+              <a:defRPr sz="1200"/>
+            </a:lvl1pPr>
+          </a:lstStyle>
+          <a:p>
+            <a:fld id="{C1034ED9-675F-4AA2-AEF4-BB6A131107F6}" type="slidenum">
+              <a:rPr lang="fr-FR" smtClean="0"/>
+              <a:t>‹#›</a:t>
+            </a:fld>
+            <a:endParaRPr lang="fr-FR"/>
+          </a:p>
+        </p:txBody>
+      </p:sp>
+    </p:spTree>
+    <p:extLst>
+      <p:ext uri="{BB962C8B-B14F-4D97-AF65-F5344CB8AC3E}">
+        <p14:creationId xmlns:p14="http://schemas.microsoft.com/office/powerpoint/2010/main" val="1528418975"/>
+      </p:ext>
+    </p:extLst>
+  </p:cSld>
+  <p:clrMap bg1="lt1" tx1="dk1" bg2="lt2" tx2="dk2" accent1="accent1" accent2="accent2" accent3="accent3" accent4="accent4" accent5="accent5" accent6="accent6" hlink="hlink" folHlink="folHlink"/>
+  <p:notesStyle>
+    <a:lvl1pPr marL="0" algn="l" defTabSz="914400" rtl="0" eaLnBrk="1" latinLnBrk="0" hangingPunct="1">
+      <a:defRPr sz="1200" kern="1200">
+        <a:solidFill>
+          <a:schemeClr val="tx1"/>
+        </a:solidFill>
+        <a:latin typeface="+mn-lt"/>
+        <a:ea typeface="+mn-ea"/>
+        <a:cs typeface="+mn-cs"/>
+      </a:defRPr>
+    </a:lvl1pPr>
+    <a:lvl2pPr marL="457200" algn="l" defTabSz="914400" rtl="0" eaLnBrk="1" latinLnBrk="0" hangingPunct="1">
+      <a:defRPr sz="1200" kern="1200">
+        <a:solidFill>
+          <a:schemeClr val="tx1"/>
+        </a:solidFill>
+        <a:latin typeface="+mn-lt"/>
+        <a:ea typeface="+mn-ea"/>
+        <a:cs typeface="+mn-cs"/>
+      </a:defRPr>
+    </a:lvl2pPr>
+    <a:lvl3pPr marL="914400" algn="l" defTabSz="914400" rtl="0" eaLnBrk="1" latinLnBrk="0" hangingPunct="1">
+      <a:defRPr sz="1200" kern="1200">
+        <a:solidFill>
+          <a:schemeClr val="tx1"/>
+        </a:solidFill>
+        <a:latin typeface="+mn-lt"/>
+        <a:ea typeface="+mn-ea"/>
+        <a:cs typeface="+mn-cs"/>
+      </a:defRPr>
+    </a:lvl3pPr>
+    <a:lvl4pPr marL="1371600" algn="l" defTabSz="914400" rtl="0" eaLnBrk="1" latinLnBrk="0" hangingPunct="1">
+      <a:defRPr sz="1200" kern="1200">
+        <a:solidFill>
+          <a:schemeClr val="tx1"/>
+        </a:solidFill>
+        <a:latin typeface="+mn-lt"/>
+        <a:ea typeface="+mn-ea"/>
+        <a:cs typeface="+mn-cs"/>
+      </a:defRPr>
+    </a:lvl4pPr>
+    <a:lvl5pPr marL="1828800" algn="l" defTabSz="914400" rtl="0" eaLnBrk="1" latinLnBrk="0" hangingPunct="1">
+      <a:defRPr sz="1200" kern="1200">
+        <a:solidFill>
+          <a:schemeClr val="tx1"/>
+        </a:solidFill>
+        <a:latin typeface="+mn-lt"/>
+        <a:ea typeface="+mn-ea"/>
+        <a:cs typeface="+mn-cs"/>
+      </a:defRPr>
+    </a:lvl5pPr>
+    <a:lvl6pPr marL="2286000" algn="l" defTabSz="914400" rtl="0" eaLnBrk="1" latinLnBrk="0" hangingPunct="1">
+      <a:defRPr sz="1200" kern="1200">
+        <a:solidFill>
+          <a:schemeClr val="tx1"/>
+        </a:solidFill>
+        <a:latin typeface="+mn-lt"/>
+        <a:ea typeface="+mn-ea"/>
+        <a:cs typeface="+mn-cs"/>
+      </a:defRPr>
+    </a:lvl6pPr>
+    <a:lvl7pPr marL="2743200" algn="l" defTabSz="914400" rtl="0" eaLnBrk="1" latinLnBrk="0" hangingPunct="1">
+      <a:defRPr sz="1200" kern="1200">
+        <a:solidFill>
+          <a:schemeClr val="tx1"/>
+        </a:solidFill>
+        <a:latin typeface="+mn-lt"/>
+        <a:ea typeface="+mn-ea"/>
+        <a:cs typeface="+mn-cs"/>
+      </a:defRPr>
+    </a:lvl7pPr>
+    <a:lvl8pPr marL="3200400" algn="l" defTabSz="914400" rtl="0" eaLnBrk="1" latinLnBrk="0" hangingPunct="1">
+      <a:defRPr sz="1200" kern="1200">
+        <a:solidFill>
+          <a:schemeClr val="tx1"/>
+        </a:solidFill>
+        <a:latin typeface="+mn-lt"/>
+        <a:ea typeface="+mn-ea"/>
+        <a:cs typeface="+mn-cs"/>
+      </a:defRPr>
+    </a:lvl8pPr>
+    <a:lvl9pPr marL="3657600" algn="l" defTabSz="914400" rtl="0" eaLnBrk="1" latinLnBrk="0" hangingPunct="1">
+      <a:defRPr sz="1200" kern="1200">
+        <a:solidFill>
+          <a:schemeClr val="tx1"/>
+        </a:solidFill>
+        <a:latin typeface="+mn-lt"/>
+        <a:ea typeface="+mn-ea"/>
+        <a:cs typeface="+mn-cs"/>
+      </a:defRPr>
+    </a:lvl9pPr>
+  </p:notesStyle>
+</p:notesMaster>
+</file>
+
+<file path=ppt/notesSlides/notesSlide1.xml><?xml version="1.0" encoding="utf-8"?>
+<p:notes xmlns:a="http://schemas.openxmlformats.org/drawingml/2006/main" xmlns:r="http://schemas.openxmlformats.org/officeDocument/2006/relationships" xmlns:p="http://schemas.openxmlformats.org/presentationml/2006/main" showMasterSp="0" showMasterPhAnim="0">
+  <p:cSld>
+    <p:spTree>
+      <p:nvGrpSpPr>
+        <p:cNvPr id="1" name="Shape 496"/>
+        <p:cNvGrpSpPr/>
+        <p:nvPr/>
+      </p:nvGrpSpPr>
+      <p:grpSpPr>
+        <a:xfrm>
+          <a:off x="0" y="0"/>
+          <a:ext cx="0" cy="0"/>
+          <a:chOff x="0" y="0"/>
+          <a:chExt cx="0" cy="0"/>
+        </a:xfrm>
+      </p:grpSpPr>
+      <p:sp>
+        <p:nvSpPr>
+          <p:cNvPr id="497" name="Google Shape;497;g325103d6dfa_0_185:notes"/>
+          <p:cNvSpPr txBox="1">
+            <a:spLocks noGrp="1"/>
+          </p:cNvSpPr>
+          <p:nvPr>
+            <p:ph type="body" idx="1"/>
+          </p:nvPr>
+        </p:nvSpPr>
+        <p:spPr>
+          <a:xfrm>
+            <a:off x="685800" y="4343400"/>
+            <a:ext cx="5486400" cy="4114800"/>
+          </a:xfrm>
+          <a:prstGeom prst="rect">
+            <a:avLst/>
+          </a:prstGeom>
+        </p:spPr>
+        <p:txBody>
+          <a:bodyPr spcFirstLastPara="1" wrap="square" lIns="91425" tIns="91425" rIns="91425" bIns="91425" anchor="t" anchorCtr="0">
+            <a:noAutofit/>
+          </a:bodyPr>
+          <a:lstStyle/>
+          <a:p>
+            <a:pPr marL="0" lvl="0" indent="0" algn="l" rtl="0">
+              <a:spcBef>
+                <a:spcPts val="0"/>
+              </a:spcBef>
+              <a:spcAft>
+                <a:spcPts val="0"/>
+              </a:spcAft>
+              <a:buNone/>
+            </a:pPr>
+            <a:endParaRPr/>
+          </a:p>
+        </p:txBody>
+      </p:sp>
+      <p:sp>
+        <p:nvSpPr>
+          <p:cNvPr id="498" name="Google Shape;498;g325103d6dfa_0_185:notes"/>
+          <p:cNvSpPr>
+            <a:spLocks noGrp="1" noRot="1" noChangeAspect="1"/>
+          </p:cNvSpPr>
+          <p:nvPr>
+            <p:ph type="sldImg" idx="2"/>
+          </p:nvPr>
+        </p:nvSpPr>
+        <p:spPr>
+          <a:xfrm>
+            <a:off x="381000" y="685800"/>
+            <a:ext cx="6096000" cy="3429000"/>
+          </a:xfrm>
+          <a:custGeom>
+            <a:avLst/>
+            <a:gdLst/>
+            <a:ahLst/>
+            <a:cxnLst/>
+            <a:rect l="l" t="t" r="r" b="b"/>
+            <a:pathLst>
+              <a:path w="120000" h="120000" extrusionOk="0">
+                <a:moveTo>
+                  <a:pt x="0" y="0"/>
+                </a:moveTo>
+                <a:lnTo>
+                  <a:pt x="120000" y="0"/>
+                </a:lnTo>
+                <a:lnTo>
+                  <a:pt x="120000" y="120000"/>
+                </a:lnTo>
+                <a:lnTo>
+                  <a:pt x="0" y="120000"/>
+                </a:lnTo>
+                <a:close/>
+              </a:path>
+            </a:pathLst>
+          </a:custGeom>
+        </p:spPr>
+      </p:sp>
+    </p:spTree>
+  </p:cSld>
+  <p:clrMapOvr>
+    <a:masterClrMapping/>
+  </p:clrMapOvr>
+</p:notes>
+</file>
+
+<file path=ppt/notesSlides/notesSlide2.xml><?xml version="1.0" encoding="utf-8"?>
+<p:notes xmlns:a="http://schemas.openxmlformats.org/drawingml/2006/main" xmlns:r="http://schemas.openxmlformats.org/officeDocument/2006/relationships" xmlns:p="http://schemas.openxmlformats.org/presentationml/2006/main" showMasterSp="0" showMasterPhAnim="0">
+  <p:cSld>
+    <p:spTree>
+      <p:nvGrpSpPr>
+        <p:cNvPr id="1" name="Shape 513"/>
+        <p:cNvGrpSpPr/>
+        <p:nvPr/>
+      </p:nvGrpSpPr>
+      <p:grpSpPr>
+        <a:xfrm>
+          <a:off x="0" y="0"/>
+          <a:ext cx="0" cy="0"/>
+          <a:chOff x="0" y="0"/>
+          <a:chExt cx="0" cy="0"/>
+        </a:xfrm>
+      </p:grpSpPr>
+      <p:sp>
+        <p:nvSpPr>
+          <p:cNvPr id="514" name="Google Shape;514;g325103d6dfa_0_276:notes"/>
+          <p:cNvSpPr txBox="1">
+            <a:spLocks noGrp="1"/>
+          </p:cNvSpPr>
+          <p:nvPr>
+            <p:ph type="body" idx="1"/>
+          </p:nvPr>
+        </p:nvSpPr>
+        <p:spPr>
+          <a:xfrm>
+            <a:off x="685800" y="4343400"/>
+            <a:ext cx="5486400" cy="4114800"/>
+          </a:xfrm>
+          <a:prstGeom prst="rect">
+            <a:avLst/>
+          </a:prstGeom>
+        </p:spPr>
+        <p:txBody>
+          <a:bodyPr spcFirstLastPara="1" wrap="square" lIns="91425" tIns="91425" rIns="91425" bIns="91425" anchor="t" anchorCtr="0">
+            <a:noAutofit/>
+          </a:bodyPr>
+          <a:lstStyle/>
+          <a:p>
+            <a:pPr marL="0" lvl="0" indent="0" algn="l" rtl="0">
+              <a:spcBef>
+                <a:spcPts val="0"/>
+              </a:spcBef>
+              <a:spcAft>
+                <a:spcPts val="0"/>
+              </a:spcAft>
+              <a:buNone/>
+            </a:pPr>
+            <a:endParaRPr/>
+          </a:p>
+        </p:txBody>
+      </p:sp>
+      <p:sp>
+        <p:nvSpPr>
+          <p:cNvPr id="515" name="Google Shape;515;g325103d6dfa_0_276:notes"/>
+          <p:cNvSpPr>
+            <a:spLocks noGrp="1" noRot="1" noChangeAspect="1"/>
+          </p:cNvSpPr>
+          <p:nvPr>
+            <p:ph type="sldImg" idx="2"/>
+          </p:nvPr>
+        </p:nvSpPr>
+        <p:spPr>
+          <a:xfrm>
+            <a:off x="381000" y="685800"/>
+            <a:ext cx="6096000" cy="3429000"/>
+          </a:xfrm>
+          <a:custGeom>
+            <a:avLst/>
+            <a:gdLst/>
+            <a:ahLst/>
+            <a:cxnLst/>
+            <a:rect l="l" t="t" r="r" b="b"/>
+            <a:pathLst>
+              <a:path w="120000" h="120000" extrusionOk="0">
+                <a:moveTo>
+                  <a:pt x="0" y="0"/>
+                </a:moveTo>
+                <a:lnTo>
+                  <a:pt x="120000" y="0"/>
+                </a:lnTo>
+                <a:lnTo>
+                  <a:pt x="120000" y="120000"/>
+                </a:lnTo>
+                <a:lnTo>
+                  <a:pt x="0" y="120000"/>
+                </a:lnTo>
+                <a:close/>
+              </a:path>
+            </a:pathLst>
+          </a:custGeom>
+        </p:spPr>
+      </p:sp>
+    </p:spTree>
+  </p:cSld>
+  <p:clrMapOvr>
+    <a:masterClrMapping/>
+  </p:clrMapOvr>
+</p:notes>
+</file>
+
+<file path=ppt/notesSlides/notesSlide3.xml><?xml version="1.0" encoding="utf-8"?>
+<p:notes xmlns:a="http://schemas.openxmlformats.org/drawingml/2006/main" xmlns:r="http://schemas.openxmlformats.org/officeDocument/2006/relationships" xmlns:p="http://schemas.openxmlformats.org/presentationml/2006/main" showMasterSp="0" showMasterPhAnim="0">
+  <p:cSld>
+    <p:spTree>
+      <p:nvGrpSpPr>
+        <p:cNvPr id="1" name="Shape 644"/>
+        <p:cNvGrpSpPr/>
+        <p:nvPr/>
+      </p:nvGrpSpPr>
+      <p:grpSpPr>
+        <a:xfrm>
+          <a:off x="0" y="0"/>
+          <a:ext cx="0" cy="0"/>
+          <a:chOff x="0" y="0"/>
+          <a:chExt cx="0" cy="0"/>
+        </a:xfrm>
+      </p:grpSpPr>
+      <p:sp>
+        <p:nvSpPr>
+          <p:cNvPr id="645" name="Google Shape;645;g32691fa6c13_0_159:notes"/>
+          <p:cNvSpPr txBox="1">
+            <a:spLocks noGrp="1"/>
+          </p:cNvSpPr>
+          <p:nvPr>
+            <p:ph type="body" idx="1"/>
+          </p:nvPr>
+        </p:nvSpPr>
+        <p:spPr>
+          <a:xfrm>
+            <a:off x="685800" y="4343400"/>
+            <a:ext cx="5486400" cy="4114800"/>
+          </a:xfrm>
+          <a:prstGeom prst="rect">
+            <a:avLst/>
+          </a:prstGeom>
+        </p:spPr>
+        <p:txBody>
+          <a:bodyPr spcFirstLastPara="1" wrap="square" lIns="91425" tIns="91425" rIns="91425" bIns="91425" anchor="t" anchorCtr="0">
+            <a:noAutofit/>
+          </a:bodyPr>
+          <a:lstStyle/>
+          <a:p>
+            <a:pPr marL="0" lvl="0" indent="0" algn="l" rtl="0">
+              <a:spcBef>
+                <a:spcPts val="0"/>
+              </a:spcBef>
+              <a:spcAft>
+                <a:spcPts val="0"/>
+              </a:spcAft>
+              <a:buNone/>
+            </a:pPr>
+            <a:endParaRPr/>
+          </a:p>
+        </p:txBody>
+      </p:sp>
+      <p:sp>
+        <p:nvSpPr>
+          <p:cNvPr id="646" name="Google Shape;646;g32691fa6c13_0_159:notes"/>
+          <p:cNvSpPr>
+            <a:spLocks noGrp="1" noRot="1" noChangeAspect="1"/>
+          </p:cNvSpPr>
+          <p:nvPr>
+            <p:ph type="sldImg" idx="2"/>
+          </p:nvPr>
+        </p:nvSpPr>
+        <p:spPr>
+          <a:xfrm>
+            <a:off x="381000" y="685800"/>
+            <a:ext cx="6096000" cy="3429000"/>
+          </a:xfrm>
+          <a:custGeom>
+            <a:avLst/>
+            <a:gdLst/>
+            <a:ahLst/>
+            <a:cxnLst/>
+            <a:rect l="l" t="t" r="r" b="b"/>
+            <a:pathLst>
+              <a:path w="120000" h="120000" extrusionOk="0">
+                <a:moveTo>
+                  <a:pt x="0" y="0"/>
+                </a:moveTo>
+                <a:lnTo>
+                  <a:pt x="120000" y="0"/>
+                </a:lnTo>
+                <a:lnTo>
+                  <a:pt x="120000" y="120000"/>
+                </a:lnTo>
+                <a:lnTo>
+                  <a:pt x="0" y="120000"/>
+                </a:lnTo>
+                <a:close/>
+              </a:path>
+            </a:pathLst>
+          </a:custGeom>
+        </p:spPr>
+      </p:sp>
+    </p:spTree>
+  </p:cSld>
+  <p:clrMapOvr>
+    <a:masterClrMapping/>
+  </p:clrMapOvr>
+</p:notes>
+</file>
+
+<file path=ppt/notesSlides/notesSlide4.xml><?xml version="1.0" encoding="utf-8"?>
+<p:notes xmlns:a="http://schemas.openxmlformats.org/drawingml/2006/main" xmlns:r="http://schemas.openxmlformats.org/officeDocument/2006/relationships" xmlns:p="http://schemas.openxmlformats.org/presentationml/2006/main" showMasterSp="0" showMasterPhAnim="0">
+  <p:cSld>
+    <p:spTree>
+      <p:nvGrpSpPr>
+        <p:cNvPr id="1" name="Shape 644">
+          <a:extLst>
+            <a:ext uri="{FF2B5EF4-FFF2-40B4-BE49-F238E27FC236}">
+              <a16:creationId xmlns:a16="http://schemas.microsoft.com/office/drawing/2014/main" id="{ACC83470-04A0-8576-AC74-A7A79A325012}"/>
+            </a:ext>
+          </a:extLst>
+        </p:cNvPr>
+        <p:cNvGrpSpPr/>
+        <p:nvPr/>
+      </p:nvGrpSpPr>
+      <p:grpSpPr>
+        <a:xfrm>
+          <a:off x="0" y="0"/>
+          <a:ext cx="0" cy="0"/>
+          <a:chOff x="0" y="0"/>
+          <a:chExt cx="0" cy="0"/>
+        </a:xfrm>
+      </p:grpSpPr>
+      <p:sp>
+        <p:nvSpPr>
+          <p:cNvPr id="645" name="Google Shape;645;g32691fa6c13_0_159:notes">
+            <a:extLst>
+              <a:ext uri="{FF2B5EF4-FFF2-40B4-BE49-F238E27FC236}">
+                <a16:creationId xmlns:a16="http://schemas.microsoft.com/office/drawing/2014/main" id="{D35CEAD0-8D8E-2301-E796-DACA4E43BDF2}"/>
+              </a:ext>
+            </a:extLst>
+          </p:cNvPr>
+          <p:cNvSpPr txBox="1">
+            <a:spLocks noGrp="1"/>
+          </p:cNvSpPr>
+          <p:nvPr>
+            <p:ph type="body" idx="1"/>
+          </p:nvPr>
+        </p:nvSpPr>
+        <p:spPr>
+          <a:xfrm>
+            <a:off x="685800" y="4343400"/>
+            <a:ext cx="5486400" cy="4114800"/>
+          </a:xfrm>
+          <a:prstGeom prst="rect">
+            <a:avLst/>
+          </a:prstGeom>
+        </p:spPr>
+        <p:txBody>
+          <a:bodyPr spcFirstLastPara="1" wrap="square" lIns="91425" tIns="91425" rIns="91425" bIns="91425" anchor="t" anchorCtr="0">
+            <a:noAutofit/>
+          </a:bodyPr>
+          <a:lstStyle/>
+          <a:p>
+            <a:pPr marL="0" lvl="0" indent="0" algn="l" rtl="0">
+              <a:spcBef>
+                <a:spcPts val="0"/>
+              </a:spcBef>
+              <a:spcAft>
+                <a:spcPts val="0"/>
+              </a:spcAft>
+              <a:buNone/>
+            </a:pPr>
+            <a:endParaRPr/>
+          </a:p>
+        </p:txBody>
+      </p:sp>
+      <p:sp>
+        <p:nvSpPr>
+          <p:cNvPr id="646" name="Google Shape;646;g32691fa6c13_0_159:notes">
+            <a:extLst>
+              <a:ext uri="{FF2B5EF4-FFF2-40B4-BE49-F238E27FC236}">
+                <a16:creationId xmlns:a16="http://schemas.microsoft.com/office/drawing/2014/main" id="{D3C90C64-51CF-3814-55FD-971FECE68367}"/>
+              </a:ext>
+            </a:extLst>
+          </p:cNvPr>
+          <p:cNvSpPr>
+            <a:spLocks noGrp="1" noRot="1" noChangeAspect="1"/>
+          </p:cNvSpPr>
+          <p:nvPr>
+            <p:ph type="sldImg" idx="2"/>
+          </p:nvPr>
+        </p:nvSpPr>
+        <p:spPr>
+          <a:xfrm>
+            <a:off x="381000" y="685800"/>
+            <a:ext cx="6096000" cy="3429000"/>
+          </a:xfrm>
+          <a:custGeom>
+            <a:avLst/>
+            <a:gdLst/>
+            <a:ahLst/>
+            <a:cxnLst/>
+            <a:rect l="l" t="t" r="r" b="b"/>
+            <a:pathLst>
+              <a:path w="120000" h="120000" extrusionOk="0">
+                <a:moveTo>
+                  <a:pt x="0" y="0"/>
+                </a:moveTo>
+                <a:lnTo>
+                  <a:pt x="120000" y="0"/>
+                </a:lnTo>
+                <a:lnTo>
+                  <a:pt x="120000" y="120000"/>
+                </a:lnTo>
+                <a:lnTo>
+                  <a:pt x="0" y="120000"/>
+                </a:lnTo>
+                <a:close/>
+              </a:path>
+            </a:pathLst>
+          </a:custGeom>
+        </p:spPr>
+      </p:sp>
+    </p:spTree>
+    <p:extLst>
+      <p:ext uri="{BB962C8B-B14F-4D97-AF65-F5344CB8AC3E}">
+        <p14:creationId xmlns:p14="http://schemas.microsoft.com/office/powerpoint/2010/main" val="1512536750"/>
+      </p:ext>
+    </p:extLst>
+  </p:cSld>
+  <p:clrMapOvr>
+    <a:masterClrMapping/>
+  </p:clrMapOvr>
+</p:notes>
+</file>
+
+<file path=ppt/notesSlides/notesSlide5.xml><?xml version="1.0" encoding="utf-8"?>
+<p:notes xmlns:a="http://schemas.openxmlformats.org/drawingml/2006/main" xmlns:r="http://schemas.openxmlformats.org/officeDocument/2006/relationships" xmlns:p="http://schemas.openxmlformats.org/presentationml/2006/main" showMasterSp="0" showMasterPhAnim="0">
+  <p:cSld>
+    <p:spTree>
+      <p:nvGrpSpPr>
+        <p:cNvPr id="1" name="Shape 650"/>
+        <p:cNvGrpSpPr/>
+        <p:nvPr/>
+      </p:nvGrpSpPr>
+      <p:grpSpPr>
+        <a:xfrm>
+          <a:off x="0" y="0"/>
+          <a:ext cx="0" cy="0"/>
+          <a:chOff x="0" y="0"/>
+          <a:chExt cx="0" cy="0"/>
+        </a:xfrm>
+      </p:grpSpPr>
+      <p:sp>
+        <p:nvSpPr>
+          <p:cNvPr id="651" name="Google Shape;651;g32691fa6c13_0_164:notes"/>
+          <p:cNvSpPr txBox="1">
+            <a:spLocks noGrp="1"/>
+          </p:cNvSpPr>
+          <p:nvPr>
+            <p:ph type="body" idx="1"/>
+          </p:nvPr>
+        </p:nvSpPr>
+        <p:spPr>
+          <a:xfrm>
+            <a:off x="685800" y="4343400"/>
+            <a:ext cx="5486400" cy="4114800"/>
+          </a:xfrm>
+          <a:prstGeom prst="rect">
+            <a:avLst/>
+          </a:prstGeom>
+        </p:spPr>
+        <p:txBody>
+          <a:bodyPr spcFirstLastPara="1" wrap="square" lIns="91425" tIns="91425" rIns="91425" bIns="91425" anchor="t" anchorCtr="0">
+            <a:noAutofit/>
+          </a:bodyPr>
+          <a:lstStyle/>
+          <a:p>
+            <a:pPr marL="0" lvl="0" indent="0" algn="l" rtl="0">
+              <a:spcBef>
+                <a:spcPts val="0"/>
+              </a:spcBef>
+              <a:spcAft>
+                <a:spcPts val="0"/>
+              </a:spcAft>
+              <a:buNone/>
+            </a:pPr>
+            <a:endParaRPr/>
+          </a:p>
+        </p:txBody>
+      </p:sp>
+      <p:sp>
+        <p:nvSpPr>
+          <p:cNvPr id="652" name="Google Shape;652;g32691fa6c13_0_164:notes"/>
+          <p:cNvSpPr>
+            <a:spLocks noGrp="1" noRot="1" noChangeAspect="1"/>
+          </p:cNvSpPr>
+          <p:nvPr>
+            <p:ph type="sldImg" idx="2"/>
+          </p:nvPr>
+        </p:nvSpPr>
+        <p:spPr>
+          <a:xfrm>
+            <a:off x="381000" y="685800"/>
+            <a:ext cx="6096000" cy="3429000"/>
+          </a:xfrm>
+          <a:custGeom>
+            <a:avLst/>
+            <a:gdLst/>
+            <a:ahLst/>
+            <a:cxnLst/>
+            <a:rect l="l" t="t" r="r" b="b"/>
+            <a:pathLst>
+              <a:path w="120000" h="120000" extrusionOk="0">
+                <a:moveTo>
+                  <a:pt x="0" y="0"/>
+                </a:moveTo>
+                <a:lnTo>
+                  <a:pt x="120000" y="0"/>
+                </a:lnTo>
+                <a:lnTo>
+                  <a:pt x="120000" y="120000"/>
+                </a:lnTo>
+                <a:lnTo>
+                  <a:pt x="0" y="120000"/>
+                </a:lnTo>
+                <a:close/>
+              </a:path>
+            </a:pathLst>
+          </a:custGeom>
+        </p:spPr>
+      </p:sp>
+    </p:spTree>
+  </p:cSld>
+  <p:clrMapOvr>
+    <a:masterClrMapping/>
+  </p:clrMapOvr>
+</p:notes>
+</file>
+
+<file path=ppt/notesSlides/notesSlide6.xml><?xml version="1.0" encoding="utf-8"?>
+<p:notes xmlns:a="http://schemas.openxmlformats.org/drawingml/2006/main" xmlns:r="http://schemas.openxmlformats.org/officeDocument/2006/relationships" xmlns:p="http://schemas.openxmlformats.org/presentationml/2006/main" showMasterSp="0" showMasterPhAnim="0">
+  <p:cSld>
+    <p:spTree>
+      <p:nvGrpSpPr>
+        <p:cNvPr id="1" name="Shape 662"/>
+        <p:cNvGrpSpPr/>
+        <p:nvPr/>
+      </p:nvGrpSpPr>
+      <p:grpSpPr>
+        <a:xfrm>
+          <a:off x="0" y="0"/>
+          <a:ext cx="0" cy="0"/>
+          <a:chOff x="0" y="0"/>
+          <a:chExt cx="0" cy="0"/>
+        </a:xfrm>
+      </p:grpSpPr>
+      <p:sp>
+        <p:nvSpPr>
+          <p:cNvPr id="663" name="Google Shape;663;g32691fa6c13_0_310:notes"/>
+          <p:cNvSpPr txBox="1">
+            <a:spLocks noGrp="1"/>
+          </p:cNvSpPr>
+          <p:nvPr>
+            <p:ph type="body" idx="1"/>
+          </p:nvPr>
+        </p:nvSpPr>
+        <p:spPr>
+          <a:xfrm>
+            <a:off x="685800" y="4343400"/>
+            <a:ext cx="5486400" cy="4114800"/>
+          </a:xfrm>
+          <a:prstGeom prst="rect">
+            <a:avLst/>
+          </a:prstGeom>
+        </p:spPr>
+        <p:txBody>
+          <a:bodyPr spcFirstLastPara="1" wrap="square" lIns="91425" tIns="91425" rIns="91425" bIns="91425" anchor="t" anchorCtr="0">
+            <a:noAutofit/>
+          </a:bodyPr>
+          <a:lstStyle/>
+          <a:p>
+            <a:pPr marL="0" lvl="0" indent="0" algn="l" rtl="0">
+              <a:spcBef>
+                <a:spcPts val="0"/>
+              </a:spcBef>
+              <a:spcAft>
+                <a:spcPts val="0"/>
+              </a:spcAft>
+              <a:buNone/>
+            </a:pPr>
+            <a:endParaRPr/>
+          </a:p>
+        </p:txBody>
+      </p:sp>
+      <p:sp>
+        <p:nvSpPr>
+          <p:cNvPr id="664" name="Google Shape;664;g32691fa6c13_0_310:notes"/>
+          <p:cNvSpPr>
+            <a:spLocks noGrp="1" noRot="1" noChangeAspect="1"/>
+          </p:cNvSpPr>
+          <p:nvPr>
+            <p:ph type="sldImg" idx="2"/>
+          </p:nvPr>
+        </p:nvSpPr>
+        <p:spPr>
+          <a:xfrm>
+            <a:off x="381000" y="685800"/>
+            <a:ext cx="6096000" cy="3429000"/>
+          </a:xfrm>
+          <a:custGeom>
+            <a:avLst/>
+            <a:gdLst/>
+            <a:ahLst/>
+            <a:cxnLst/>
+            <a:rect l="l" t="t" r="r" b="b"/>
+            <a:pathLst>
+              <a:path w="120000" h="120000" extrusionOk="0">
+                <a:moveTo>
+                  <a:pt x="0" y="0"/>
+                </a:moveTo>
+                <a:lnTo>
+                  <a:pt x="120000" y="0"/>
+                </a:lnTo>
+                <a:lnTo>
+                  <a:pt x="120000" y="120000"/>
+                </a:lnTo>
+                <a:lnTo>
+                  <a:pt x="0" y="120000"/>
+                </a:lnTo>
+                <a:close/>
+              </a:path>
+            </a:pathLst>
+          </a:custGeom>
+        </p:spPr>
+      </p:sp>
+    </p:spTree>
+  </p:cSld>
+  <p:clrMapOvr>
+    <a:masterClrMapping/>
+  </p:clrMapOvr>
+</p:notes>
+</file>
+
 <file path=ppt/slideLayouts/slideLayout1.xml><?xml version="1.0" encoding="utf-8"?>
 <p:sldLayout xmlns:a="http://schemas.openxmlformats.org/drawingml/2006/main" xmlns:r="http://schemas.openxmlformats.org/officeDocument/2006/relationships" xmlns:p="http://schemas.openxmlformats.org/presentationml/2006/main" preserve="1" userDrawn="1">
   <p:cSld name="Title Slide">
@@ -1788,7 +2794,7 @@
             <a:fld id="{DCAF1DC6-EAE1-4388-AADE-D441CE8D7AF0}" type="datetimeFigureOut">
               <a:rPr lang="pt-PT" smtClean="0"/>
               <a:pPr/>
-              <a:t>18/02/2025</a:t>
+              <a:t>04/03/2025</a:t>
             </a:fld>
             <a:endParaRPr lang="pt-PT"/>
           </a:p>
@@ -2448,7 +3454,7 @@
             <a:fld id="{DCAF1DC6-EAE1-4388-AADE-D441CE8D7AF0}" type="datetimeFigureOut">
               <a:rPr lang="pt-PT" smtClean="0"/>
               <a:pPr/>
-              <a:t>18/02/2025</a:t>
+              <a:t>04/03/2025</a:t>
             </a:fld>
             <a:endParaRPr lang="pt-PT"/>
           </a:p>
@@ -7444,7 +8450,7 @@
           <a:p>
             <a:fld id="{DCAF1DC6-EAE1-4388-AADE-D441CE8D7AF0}" type="datetimeFigureOut">
               <a:rPr lang="pt-PT" smtClean="0"/>
-              <a:t>18/02/2025</a:t>
+              <a:t>04/03/2025</a:t>
             </a:fld>
             <a:endParaRPr lang="pt-PT"/>
           </a:p>
@@ -7958,6 +8964,2745 @@
 </file>
 
 <file path=ppt/slides/slide10.xml><?xml version="1.0" encoding="utf-8"?>
+<p:sld xmlns:a="http://schemas.openxmlformats.org/drawingml/2006/main" xmlns:r="http://schemas.openxmlformats.org/officeDocument/2006/relationships" xmlns:p="http://schemas.openxmlformats.org/presentationml/2006/main">
+  <p:cSld>
+    <p:spTree>
+      <p:nvGrpSpPr>
+        <p:cNvPr id="1" name=""/>
+        <p:cNvGrpSpPr/>
+        <p:nvPr/>
+      </p:nvGrpSpPr>
+      <p:grpSpPr>
+        <a:xfrm>
+          <a:off x="0" y="0"/>
+          <a:ext cx="0" cy="0"/>
+          <a:chOff x="0" y="0"/>
+          <a:chExt cx="0" cy="0"/>
+        </a:xfrm>
+      </p:grpSpPr>
+      <p:sp>
+        <p:nvSpPr>
+          <p:cNvPr id="2" name="Title 1">
+            <a:extLst>
+              <a:ext uri="{FF2B5EF4-FFF2-40B4-BE49-F238E27FC236}">
+                <a16:creationId xmlns:a16="http://schemas.microsoft.com/office/drawing/2014/main" id="{EBC76CC9-6867-E7DF-259A-7883964CBC9B}"/>
+              </a:ext>
+            </a:extLst>
+          </p:cNvPr>
+          <p:cNvSpPr>
+            <a:spLocks noGrp="1"/>
+          </p:cNvSpPr>
+          <p:nvPr>
+            <p:ph type="title"/>
+          </p:nvPr>
+        </p:nvSpPr>
+        <p:spPr/>
+        <p:txBody>
+          <a:bodyPr/>
+          <a:lstStyle/>
+          <a:p>
+            <a:r>
+              <a:rPr lang="en-US" dirty="0"/>
+              <a:t>Original contribution</a:t>
+            </a:r>
+          </a:p>
+        </p:txBody>
+      </p:sp>
+      <p:sp>
+        <p:nvSpPr>
+          <p:cNvPr id="4" name="Content Placeholder 2">
+            <a:extLst>
+              <a:ext uri="{FF2B5EF4-FFF2-40B4-BE49-F238E27FC236}">
+                <a16:creationId xmlns:a16="http://schemas.microsoft.com/office/drawing/2014/main" id="{A43105CE-2F6A-8A60-2BEE-93B9AD40F4BB}"/>
+              </a:ext>
+            </a:extLst>
+          </p:cNvPr>
+          <p:cNvSpPr>
+            <a:spLocks noGrp="1"/>
+          </p:cNvSpPr>
+          <p:nvPr>
+            <p:ph idx="1"/>
+          </p:nvPr>
+        </p:nvSpPr>
+        <p:spPr>
+          <a:xfrm>
+            <a:off x="838200" y="1570252"/>
+            <a:ext cx="10515600" cy="4351338"/>
+          </a:xfrm>
+        </p:spPr>
+        <p:txBody>
+          <a:bodyPr/>
+          <a:lstStyle/>
+          <a:p>
+            <a:r>
+              <a:rPr lang="en-US" dirty="0"/>
+              <a:t>Compliance to physics criteria / laws by integrating the local conservation as the optimization criteria (non-supervised learning)</a:t>
+            </a:r>
+          </a:p>
+        </p:txBody>
+      </p:sp>
+      <p:pic>
+        <p:nvPicPr>
+          <p:cNvPr id="5" name="Picture 4">
+            <a:extLst>
+              <a:ext uri="{FF2B5EF4-FFF2-40B4-BE49-F238E27FC236}">
+                <a16:creationId xmlns:a16="http://schemas.microsoft.com/office/drawing/2014/main" id="{1852D91E-935B-2A8C-84F5-0818404A9163}"/>
+              </a:ext>
+            </a:extLst>
+          </p:cNvPr>
+          <p:cNvPicPr>
+            <a:picLocks noChangeAspect="1"/>
+          </p:cNvPicPr>
+          <p:nvPr/>
+        </p:nvPicPr>
+        <p:blipFill rotWithShape="1">
+          <a:blip r:embed="rId2"/>
+          <a:srcRect t="598" r="13206"/>
+          <a:stretch/>
+        </p:blipFill>
+        <p:spPr>
+          <a:xfrm>
+            <a:off x="3552231" y="2590322"/>
+            <a:ext cx="5087537" cy="3663928"/>
+          </a:xfrm>
+          <a:prstGeom prst="rect">
+            <a:avLst/>
+          </a:prstGeom>
+        </p:spPr>
+      </p:pic>
+    </p:spTree>
+    <p:extLst>
+      <p:ext uri="{BB962C8B-B14F-4D97-AF65-F5344CB8AC3E}">
+        <p14:creationId xmlns:p14="http://schemas.microsoft.com/office/powerpoint/2010/main" val="708481120"/>
+      </p:ext>
+    </p:extLst>
+  </p:cSld>
+  <p:clrMapOvr>
+    <a:masterClrMapping/>
+  </p:clrMapOvr>
+</p:sld>
+</file>
+
+<file path=ppt/slides/slide11.xml><?xml version="1.0" encoding="utf-8"?>
+<p:sld xmlns:a="http://schemas.openxmlformats.org/drawingml/2006/main" xmlns:r="http://schemas.openxmlformats.org/officeDocument/2006/relationships" xmlns:p="http://schemas.openxmlformats.org/presentationml/2006/main">
+  <p:cSld>
+    <p:spTree>
+      <p:nvGrpSpPr>
+        <p:cNvPr id="1" name=""/>
+        <p:cNvGrpSpPr/>
+        <p:nvPr/>
+      </p:nvGrpSpPr>
+      <p:grpSpPr>
+        <a:xfrm>
+          <a:off x="0" y="0"/>
+          <a:ext cx="0" cy="0"/>
+          <a:chOff x="0" y="0"/>
+          <a:chExt cx="0" cy="0"/>
+        </a:xfrm>
+      </p:grpSpPr>
+      <p:sp>
+        <p:nvSpPr>
+          <p:cNvPr id="2" name="Title 1">
+            <a:extLst>
+              <a:ext uri="{FF2B5EF4-FFF2-40B4-BE49-F238E27FC236}">
+                <a16:creationId xmlns:a16="http://schemas.microsoft.com/office/drawing/2014/main" id="{6773F739-5CCB-23E7-EDE4-33A02C6DAEAB}"/>
+              </a:ext>
+            </a:extLst>
+          </p:cNvPr>
+          <p:cNvSpPr>
+            <a:spLocks noGrp="1"/>
+          </p:cNvSpPr>
+          <p:nvPr>
+            <p:ph type="title"/>
+          </p:nvPr>
+        </p:nvSpPr>
+        <p:spPr/>
+        <p:txBody>
+          <a:bodyPr/>
+          <a:lstStyle/>
+          <a:p>
+            <a:r>
+              <a:rPr lang="en-US" dirty="0"/>
+              <a:t>Overview of code structure</a:t>
+            </a:r>
+          </a:p>
+        </p:txBody>
+      </p:sp>
+      <p:pic>
+        <p:nvPicPr>
+          <p:cNvPr id="5" name="Picture 4">
+            <a:extLst>
+              <a:ext uri="{FF2B5EF4-FFF2-40B4-BE49-F238E27FC236}">
+                <a16:creationId xmlns:a16="http://schemas.microsoft.com/office/drawing/2014/main" id="{8C8FBD86-25FB-3427-F442-5CC0B743E06A}"/>
+              </a:ext>
+            </a:extLst>
+          </p:cNvPr>
+          <p:cNvPicPr>
+            <a:picLocks noChangeAspect="1"/>
+          </p:cNvPicPr>
+          <p:nvPr/>
+        </p:nvPicPr>
+        <p:blipFill>
+          <a:blip r:embed="rId2"/>
+          <a:stretch>
+            <a:fillRect/>
+          </a:stretch>
+        </p:blipFill>
+        <p:spPr>
+          <a:xfrm>
+            <a:off x="506122" y="1686596"/>
+            <a:ext cx="5077534" cy="4305901"/>
+          </a:xfrm>
+          <a:prstGeom prst="rect">
+            <a:avLst/>
+          </a:prstGeom>
+        </p:spPr>
+      </p:pic>
+      <p:sp>
+        <p:nvSpPr>
+          <p:cNvPr id="8" name="Rectangle: Diagonal Corners Rounded 7">
+            <a:extLst>
+              <a:ext uri="{FF2B5EF4-FFF2-40B4-BE49-F238E27FC236}">
+                <a16:creationId xmlns:a16="http://schemas.microsoft.com/office/drawing/2014/main" id="{B741F50B-4C3A-04C4-5083-348B7F157C2D}"/>
+              </a:ext>
+            </a:extLst>
+          </p:cNvPr>
+          <p:cNvSpPr/>
+          <p:nvPr/>
+        </p:nvSpPr>
+        <p:spPr>
+          <a:xfrm>
+            <a:off x="5691673" y="2267339"/>
+            <a:ext cx="5924939" cy="886408"/>
+          </a:xfrm>
+          <a:prstGeom prst="round2DiagRect">
+            <a:avLst/>
+          </a:prstGeom>
+          <a:ln w="19050"/>
+        </p:spPr>
+        <p:style>
+          <a:lnRef idx="2">
+            <a:schemeClr val="accent6"/>
+          </a:lnRef>
+          <a:fillRef idx="1">
+            <a:schemeClr val="lt1"/>
+          </a:fillRef>
+          <a:effectRef idx="0">
+            <a:schemeClr val="accent6"/>
+          </a:effectRef>
+          <a:fontRef idx="minor">
+            <a:schemeClr val="dk1"/>
+          </a:fontRef>
+        </p:style>
+        <p:txBody>
+          <a:bodyPr rtlCol="0" anchor="ctr"/>
+          <a:lstStyle/>
+          <a:p>
+            <a:r>
+              <a:rPr lang="en-US" dirty="0"/>
+              <a:t>Configurations files used for initializing scenarios (two different l2rpn environments) and also the models (gnn.ini)</a:t>
+            </a:r>
+          </a:p>
+        </p:txBody>
+      </p:sp>
+      <p:sp>
+        <p:nvSpPr>
+          <p:cNvPr id="9" name="Rectangle: Diagonal Corners Rounded 8">
+            <a:extLst>
+              <a:ext uri="{FF2B5EF4-FFF2-40B4-BE49-F238E27FC236}">
+                <a16:creationId xmlns:a16="http://schemas.microsoft.com/office/drawing/2014/main" id="{86011C2D-0120-AB1D-3A95-A9C543B5AB9D}"/>
+              </a:ext>
+            </a:extLst>
+          </p:cNvPr>
+          <p:cNvSpPr/>
+          <p:nvPr/>
+        </p:nvSpPr>
+        <p:spPr>
+          <a:xfrm>
+            <a:off x="5691673" y="3223726"/>
+            <a:ext cx="5924939" cy="886408"/>
+          </a:xfrm>
+          <a:prstGeom prst="round2DiagRect">
+            <a:avLst/>
+          </a:prstGeom>
+          <a:ln w="19050"/>
+        </p:spPr>
+        <p:style>
+          <a:lnRef idx="2">
+            <a:schemeClr val="accent6"/>
+          </a:lnRef>
+          <a:fillRef idx="1">
+            <a:schemeClr val="lt1"/>
+          </a:fillRef>
+          <a:effectRef idx="0">
+            <a:schemeClr val="accent6"/>
+          </a:effectRef>
+          <a:fontRef idx="minor">
+            <a:schemeClr val="dk1"/>
+          </a:fontRef>
+        </p:style>
+        <p:txBody>
+          <a:bodyPr rtlCol="0" anchor="ctr"/>
+          <a:lstStyle/>
+          <a:p>
+            <a:r>
+              <a:rPr lang="en-US" dirty="0"/>
+              <a:t>Getting started </a:t>
+            </a:r>
+            <a:r>
+              <a:rPr lang="en-US" dirty="0" err="1"/>
+              <a:t>jupyter</a:t>
+            </a:r>
+            <a:r>
+              <a:rPr lang="en-US" dirty="0"/>
+              <a:t> notebooks providing examples to generate data and reproduce the results</a:t>
+            </a:r>
+          </a:p>
+        </p:txBody>
+      </p:sp>
+      <p:sp>
+        <p:nvSpPr>
+          <p:cNvPr id="10" name="Rectangle: Diagonal Corners Rounded 9">
+            <a:extLst>
+              <a:ext uri="{FF2B5EF4-FFF2-40B4-BE49-F238E27FC236}">
+                <a16:creationId xmlns:a16="http://schemas.microsoft.com/office/drawing/2014/main" id="{DE6837C8-606B-D7E0-00A0-0444DAD84F9C}"/>
+              </a:ext>
+            </a:extLst>
+          </p:cNvPr>
+          <p:cNvSpPr/>
+          <p:nvPr/>
+        </p:nvSpPr>
+        <p:spPr>
+          <a:xfrm>
+            <a:off x="5691673" y="4180113"/>
+            <a:ext cx="5924939" cy="886408"/>
+          </a:xfrm>
+          <a:prstGeom prst="round2DiagRect">
+            <a:avLst/>
+          </a:prstGeom>
+          <a:ln w="19050"/>
+        </p:spPr>
+        <p:style>
+          <a:lnRef idx="2">
+            <a:schemeClr val="accent6"/>
+          </a:lnRef>
+          <a:fillRef idx="1">
+            <a:schemeClr val="lt1"/>
+          </a:fillRef>
+          <a:effectRef idx="0">
+            <a:schemeClr val="accent6"/>
+          </a:effectRef>
+          <a:fontRef idx="minor">
+            <a:schemeClr val="dk1"/>
+          </a:fontRef>
+        </p:style>
+        <p:txBody>
+          <a:bodyPr rtlCol="0" anchor="ctr"/>
+          <a:lstStyle/>
+          <a:p>
+            <a:r>
+              <a:rPr lang="en-US" dirty="0"/>
+              <a:t>The Physics Informed GNN package, including dataset, evaluation and </a:t>
+            </a:r>
+            <a:r>
+              <a:rPr lang="en-US" dirty="0" err="1"/>
+              <a:t>gnn</a:t>
+            </a:r>
+            <a:r>
+              <a:rPr lang="en-US" dirty="0"/>
+              <a:t> modules</a:t>
+            </a:r>
+          </a:p>
+        </p:txBody>
+      </p:sp>
+      <p:sp>
+        <p:nvSpPr>
+          <p:cNvPr id="11" name="Rectangle 10">
+            <a:extLst>
+              <a:ext uri="{FF2B5EF4-FFF2-40B4-BE49-F238E27FC236}">
+                <a16:creationId xmlns:a16="http://schemas.microsoft.com/office/drawing/2014/main" id="{E0F696B7-0763-F17F-645B-58195D30FD5C}"/>
+              </a:ext>
+            </a:extLst>
+          </p:cNvPr>
+          <p:cNvSpPr/>
+          <p:nvPr/>
+        </p:nvSpPr>
+        <p:spPr>
+          <a:xfrm>
+            <a:off x="5691673" y="1686596"/>
+            <a:ext cx="5924939" cy="244841"/>
+          </a:xfrm>
+          <a:prstGeom prst="rect">
+            <a:avLst/>
+          </a:prstGeom>
+        </p:spPr>
+        <p:style>
+          <a:lnRef idx="2">
+            <a:schemeClr val="accent1">
+              <a:shade val="15000"/>
+            </a:schemeClr>
+          </a:lnRef>
+          <a:fillRef idx="1">
+            <a:schemeClr val="accent1"/>
+          </a:fillRef>
+          <a:effectRef idx="0">
+            <a:schemeClr val="accent1"/>
+          </a:effectRef>
+          <a:fontRef idx="minor">
+            <a:schemeClr val="lt1"/>
+          </a:fontRef>
+        </p:style>
+        <p:txBody>
+          <a:bodyPr rtlCol="0" anchor="ctr"/>
+          <a:lstStyle/>
+          <a:p>
+            <a:r>
+              <a:rPr lang="en-US" dirty="0"/>
+              <a:t>License (Mozilla Public License) that is used currently</a:t>
+            </a:r>
+          </a:p>
+        </p:txBody>
+      </p:sp>
+      <p:sp>
+        <p:nvSpPr>
+          <p:cNvPr id="12" name="Rectangle 11">
+            <a:extLst>
+              <a:ext uri="{FF2B5EF4-FFF2-40B4-BE49-F238E27FC236}">
+                <a16:creationId xmlns:a16="http://schemas.microsoft.com/office/drawing/2014/main" id="{07F18B7E-72D9-F719-9E68-9C34D56EF6A0}"/>
+              </a:ext>
+            </a:extLst>
+          </p:cNvPr>
+          <p:cNvSpPr/>
+          <p:nvPr/>
+        </p:nvSpPr>
+        <p:spPr>
+          <a:xfrm>
+            <a:off x="5691673" y="1967677"/>
+            <a:ext cx="5924939" cy="244841"/>
+          </a:xfrm>
+          <a:prstGeom prst="rect">
+            <a:avLst/>
+          </a:prstGeom>
+        </p:spPr>
+        <p:style>
+          <a:lnRef idx="2">
+            <a:schemeClr val="accent1">
+              <a:shade val="15000"/>
+            </a:schemeClr>
+          </a:lnRef>
+          <a:fillRef idx="1">
+            <a:schemeClr val="accent1"/>
+          </a:fillRef>
+          <a:effectRef idx="0">
+            <a:schemeClr val="accent1"/>
+          </a:effectRef>
+          <a:fontRef idx="minor">
+            <a:schemeClr val="lt1"/>
+          </a:fontRef>
+        </p:style>
+        <p:txBody>
+          <a:bodyPr rtlCol="0" anchor="ctr"/>
+          <a:lstStyle/>
+          <a:p>
+            <a:r>
+              <a:rPr lang="en-US" dirty="0"/>
+              <a:t>General overview and instructions to install dependencies</a:t>
+            </a:r>
+          </a:p>
+        </p:txBody>
+      </p:sp>
+    </p:spTree>
+    <p:extLst>
+      <p:ext uri="{BB962C8B-B14F-4D97-AF65-F5344CB8AC3E}">
+        <p14:creationId xmlns:p14="http://schemas.microsoft.com/office/powerpoint/2010/main" val="2495112241"/>
+      </p:ext>
+    </p:extLst>
+  </p:cSld>
+  <p:clrMapOvr>
+    <a:masterClrMapping/>
+  </p:clrMapOvr>
+</p:sld>
+</file>
+
+<file path=ppt/slides/slide12.xml><?xml version="1.0" encoding="utf-8"?>
+<p:sld xmlns:a="http://schemas.openxmlformats.org/drawingml/2006/main" xmlns:r="http://schemas.openxmlformats.org/officeDocument/2006/relationships" xmlns:p="http://schemas.openxmlformats.org/presentationml/2006/main">
+  <p:cSld>
+    <p:spTree>
+      <p:nvGrpSpPr>
+        <p:cNvPr id="1" name="Shape 647"/>
+        <p:cNvGrpSpPr/>
+        <p:nvPr/>
+      </p:nvGrpSpPr>
+      <p:grpSpPr>
+        <a:xfrm>
+          <a:off x="0" y="0"/>
+          <a:ext cx="0" cy="0"/>
+          <a:chOff x="0" y="0"/>
+          <a:chExt cx="0" cy="0"/>
+        </a:xfrm>
+      </p:grpSpPr>
+      <p:sp>
+        <p:nvSpPr>
+          <p:cNvPr id="648" name="Google Shape;648;p45"/>
+          <p:cNvSpPr txBox="1">
+            <a:spLocks noGrp="1"/>
+          </p:cNvSpPr>
+          <p:nvPr>
+            <p:ph type="title"/>
+          </p:nvPr>
+        </p:nvSpPr>
+        <p:spPr>
+          <a:xfrm>
+            <a:off x="838200" y="603750"/>
+            <a:ext cx="9065400" cy="597600"/>
+          </a:xfrm>
+          <a:prstGeom prst="rect">
+            <a:avLst/>
+          </a:prstGeom>
+          <a:noFill/>
+          <a:ln>
+            <a:noFill/>
+          </a:ln>
+        </p:spPr>
+        <p:txBody>
+          <a:bodyPr spcFirstLastPara="1" wrap="square" lIns="91425" tIns="45700" rIns="91425" bIns="45700" anchor="ctr" anchorCtr="0">
+            <a:normAutofit/>
+          </a:bodyPr>
+          <a:lstStyle/>
+          <a:p>
+            <a:pPr marL="0" lvl="0" indent="0" algn="l" rtl="0">
+              <a:lnSpc>
+                <a:spcPct val="90000"/>
+              </a:lnSpc>
+              <a:spcBef>
+                <a:spcPts val="0"/>
+              </a:spcBef>
+              <a:spcAft>
+                <a:spcPts val="0"/>
+              </a:spcAft>
+              <a:buClr>
+                <a:schemeClr val="dk1"/>
+              </a:buClr>
+              <a:buSzPts val="3600"/>
+              <a:buFont typeface="Calibri"/>
+              <a:buNone/>
+            </a:pPr>
+            <a:r>
+              <a:rPr lang="it-IT"/>
+              <a:t>Input data</a:t>
+            </a:r>
+            <a:endParaRPr/>
+          </a:p>
+        </p:txBody>
+      </p:sp>
+      <p:sp>
+        <p:nvSpPr>
+          <p:cNvPr id="649" name="Google Shape;649;p45"/>
+          <p:cNvSpPr txBox="1">
+            <a:spLocks noGrp="1"/>
+          </p:cNvSpPr>
+          <p:nvPr>
+            <p:ph type="body" idx="1"/>
+          </p:nvPr>
+        </p:nvSpPr>
+        <p:spPr>
+          <a:xfrm>
+            <a:off x="838200" y="1825625"/>
+            <a:ext cx="10515600" cy="4351200"/>
+          </a:xfrm>
+          <a:prstGeom prst="rect">
+            <a:avLst/>
+          </a:prstGeom>
+          <a:noFill/>
+          <a:ln>
+            <a:noFill/>
+          </a:ln>
+        </p:spPr>
+        <p:txBody>
+          <a:bodyPr spcFirstLastPara="1" wrap="square" lIns="91425" tIns="45700" rIns="91425" bIns="45700" anchor="t" anchorCtr="0">
+            <a:normAutofit/>
+          </a:bodyPr>
+          <a:lstStyle/>
+          <a:p>
+            <a:pPr marL="0" indent="0">
+              <a:spcBef>
+                <a:spcPts val="0"/>
+              </a:spcBef>
+              <a:buClr>
+                <a:schemeClr val="dk1"/>
+              </a:buClr>
+              <a:buSzPts val="2400"/>
+              <a:buNone/>
+            </a:pPr>
+            <a:r>
+              <a:rPr lang="it-IT" sz="2000" dirty="0"/>
+              <a:t>The data generated using a configuration file associated with a specific environment (2 envs):</a:t>
+            </a:r>
+          </a:p>
+          <a:p>
+            <a:pPr lvl="1">
+              <a:spcBef>
+                <a:spcPts val="0"/>
+              </a:spcBef>
+              <a:buClr>
+                <a:schemeClr val="dk1"/>
+              </a:buClr>
+              <a:buSzPts val="2400"/>
+            </a:pPr>
+            <a:r>
+              <a:rPr lang="it-IT" sz="1800" dirty="0">
+                <a:latin typeface="Source Code Pro" panose="020B0509030403020204" pitchFamily="49" charset="0"/>
+                <a:ea typeface="Source Code Pro" panose="020B0509030403020204" pitchFamily="49" charset="0"/>
+              </a:rPr>
+              <a:t>L2RPN_case14_sandbox</a:t>
+            </a:r>
+            <a:r>
+              <a:rPr lang="it-IT" sz="1800" dirty="0"/>
+              <a:t>: A toy environment including 14 nodes and 20 power lines</a:t>
+            </a:r>
+          </a:p>
+          <a:p>
+            <a:pPr lvl="1">
+              <a:spcBef>
+                <a:spcPts val="0"/>
+              </a:spcBef>
+              <a:buClr>
+                <a:schemeClr val="dk1"/>
+              </a:buClr>
+              <a:buSzPts val="2400"/>
+            </a:pPr>
+            <a:r>
+              <a:rPr lang="en-US" sz="1800" dirty="0">
+                <a:latin typeface="Source Code Pro" panose="020B0509030403020204" pitchFamily="49" charset="0"/>
+                <a:ea typeface="Source Code Pro" panose="020B0509030403020204" pitchFamily="49" charset="0"/>
+              </a:rPr>
+              <a:t>l2rpn_neurips_2020_track1_small</a:t>
+            </a:r>
+            <a:r>
+              <a:rPr lang="en-US" sz="1800" dirty="0"/>
+              <a:t>: A more complex environment including 38 </a:t>
+            </a:r>
+            <a:r>
+              <a:rPr lang="en-US" dirty="0"/>
+              <a:t>nodes</a:t>
+            </a:r>
+          </a:p>
+          <a:p>
+            <a:pPr lvl="1">
+              <a:spcBef>
+                <a:spcPts val="0"/>
+              </a:spcBef>
+              <a:buClr>
+                <a:schemeClr val="dk1"/>
+              </a:buClr>
+              <a:buSzPts val="2400"/>
+            </a:pPr>
+            <a:endParaRPr lang="it-IT" dirty="0"/>
+          </a:p>
+        </p:txBody>
+      </p:sp>
+      <p:pic>
+        <p:nvPicPr>
+          <p:cNvPr id="4" name="Picture 3">
+            <a:extLst>
+              <a:ext uri="{FF2B5EF4-FFF2-40B4-BE49-F238E27FC236}">
+                <a16:creationId xmlns:a16="http://schemas.microsoft.com/office/drawing/2014/main" id="{9BD6EDE8-832B-B273-1E90-E92820C9D045}"/>
+              </a:ext>
+            </a:extLst>
+          </p:cNvPr>
+          <p:cNvPicPr>
+            <a:picLocks noChangeAspect="1"/>
+          </p:cNvPicPr>
+          <p:nvPr/>
+        </p:nvPicPr>
+        <p:blipFill>
+          <a:blip r:embed="rId3"/>
+          <a:stretch>
+            <a:fillRect/>
+          </a:stretch>
+        </p:blipFill>
+        <p:spPr>
+          <a:xfrm>
+            <a:off x="3294160" y="5019897"/>
+            <a:ext cx="2076740" cy="1000265"/>
+          </a:xfrm>
+          <a:prstGeom prst="rect">
+            <a:avLst/>
+          </a:prstGeom>
+          <a:ln>
+            <a:solidFill>
+              <a:schemeClr val="tx1"/>
+            </a:solidFill>
+          </a:ln>
+        </p:spPr>
+      </p:pic>
+      <p:pic>
+        <p:nvPicPr>
+          <p:cNvPr id="6" name="Picture 5">
+            <a:extLst>
+              <a:ext uri="{FF2B5EF4-FFF2-40B4-BE49-F238E27FC236}">
+                <a16:creationId xmlns:a16="http://schemas.microsoft.com/office/drawing/2014/main" id="{264D40E1-F1FF-DC60-7419-132AAB995F08}"/>
+              </a:ext>
+            </a:extLst>
+          </p:cNvPr>
+          <p:cNvPicPr>
+            <a:picLocks noChangeAspect="1"/>
+          </p:cNvPicPr>
+          <p:nvPr/>
+        </p:nvPicPr>
+        <p:blipFill>
+          <a:blip r:embed="rId4"/>
+          <a:stretch>
+            <a:fillRect/>
+          </a:stretch>
+        </p:blipFill>
+        <p:spPr>
+          <a:xfrm>
+            <a:off x="6028098" y="3429000"/>
+            <a:ext cx="4658375" cy="2591162"/>
+          </a:xfrm>
+          <a:prstGeom prst="rect">
+            <a:avLst/>
+          </a:prstGeom>
+          <a:ln>
+            <a:solidFill>
+              <a:schemeClr val="tx1"/>
+            </a:solidFill>
+          </a:ln>
+        </p:spPr>
+      </p:pic>
+      <p:sp>
+        <p:nvSpPr>
+          <p:cNvPr id="7" name="TextBox 6">
+            <a:extLst>
+              <a:ext uri="{FF2B5EF4-FFF2-40B4-BE49-F238E27FC236}">
+                <a16:creationId xmlns:a16="http://schemas.microsoft.com/office/drawing/2014/main" id="{722E509E-7441-0543-AE68-B6DAAB2F4EB9}"/>
+              </a:ext>
+            </a:extLst>
+          </p:cNvPr>
+          <p:cNvSpPr txBox="1"/>
+          <p:nvPr/>
+        </p:nvSpPr>
+        <p:spPr>
+          <a:xfrm>
+            <a:off x="1217420" y="5188364"/>
+            <a:ext cx="2076740" cy="646331"/>
+          </a:xfrm>
+          <a:prstGeom prst="rect">
+            <a:avLst/>
+          </a:prstGeom>
+          <a:noFill/>
+        </p:spPr>
+        <p:txBody>
+          <a:bodyPr wrap="square" rtlCol="0">
+            <a:spAutoFit/>
+          </a:bodyPr>
+          <a:lstStyle/>
+          <a:p>
+            <a:r>
+              <a:rPr lang="fr-FR" dirty="0" err="1"/>
+              <a:t>Specify</a:t>
+            </a:r>
+            <a:r>
+              <a:rPr lang="fr-FR" dirty="0"/>
+              <a:t> the </a:t>
+            </a:r>
+            <a:r>
+              <a:rPr lang="fr-FR" dirty="0" err="1"/>
+              <a:t>number</a:t>
+            </a:r>
+            <a:r>
+              <a:rPr lang="fr-FR" dirty="0"/>
+              <a:t> of </a:t>
+            </a:r>
+            <a:r>
+              <a:rPr lang="fr-FR" dirty="0" err="1"/>
+              <a:t>required</a:t>
+            </a:r>
+            <a:r>
+              <a:rPr lang="fr-FR" dirty="0"/>
+              <a:t> data</a:t>
+            </a:r>
+          </a:p>
+        </p:txBody>
+      </p:sp>
+      <p:sp>
+        <p:nvSpPr>
+          <p:cNvPr id="8" name="TextBox 7">
+            <a:extLst>
+              <a:ext uri="{FF2B5EF4-FFF2-40B4-BE49-F238E27FC236}">
+                <a16:creationId xmlns:a16="http://schemas.microsoft.com/office/drawing/2014/main" id="{8C0C6F58-4170-6E0B-80C7-7A9A4D281EEB}"/>
+              </a:ext>
+            </a:extLst>
+          </p:cNvPr>
+          <p:cNvSpPr txBox="1"/>
+          <p:nvPr/>
+        </p:nvSpPr>
+        <p:spPr>
+          <a:xfrm>
+            <a:off x="6617001" y="3016419"/>
+            <a:ext cx="3480568" cy="369332"/>
+          </a:xfrm>
+          <a:prstGeom prst="rect">
+            <a:avLst/>
+          </a:prstGeom>
+          <a:noFill/>
+        </p:spPr>
+        <p:txBody>
+          <a:bodyPr wrap="none" rtlCol="0">
+            <a:spAutoFit/>
+          </a:bodyPr>
+          <a:lstStyle/>
+          <a:p>
+            <a:r>
+              <a:rPr lang="fr-FR" dirty="0"/>
+              <a:t>The script to </a:t>
+            </a:r>
+            <a:r>
+              <a:rPr lang="fr-FR" dirty="0" err="1"/>
+              <a:t>generate</a:t>
+            </a:r>
+            <a:r>
+              <a:rPr lang="fr-FR" dirty="0"/>
+              <a:t> the </a:t>
+            </a:r>
+            <a:r>
+              <a:rPr lang="fr-FR" dirty="0" err="1"/>
+              <a:t>dataset</a:t>
+            </a:r>
+            <a:endParaRPr lang="fr-FR" dirty="0"/>
+          </a:p>
+        </p:txBody>
+      </p:sp>
+      <p:pic>
+        <p:nvPicPr>
+          <p:cNvPr id="10" name="Picture 9">
+            <a:extLst>
+              <a:ext uri="{FF2B5EF4-FFF2-40B4-BE49-F238E27FC236}">
+                <a16:creationId xmlns:a16="http://schemas.microsoft.com/office/drawing/2014/main" id="{9082EF84-D84B-E03B-C536-7125B7E47C18}"/>
+              </a:ext>
+            </a:extLst>
+          </p:cNvPr>
+          <p:cNvPicPr>
+            <a:picLocks noChangeAspect="1"/>
+          </p:cNvPicPr>
+          <p:nvPr/>
+        </p:nvPicPr>
+        <p:blipFill>
+          <a:blip r:embed="rId5"/>
+          <a:stretch>
+            <a:fillRect/>
+          </a:stretch>
+        </p:blipFill>
+        <p:spPr>
+          <a:xfrm>
+            <a:off x="845894" y="3674405"/>
+            <a:ext cx="4525006" cy="1257475"/>
+          </a:xfrm>
+          <a:prstGeom prst="rect">
+            <a:avLst/>
+          </a:prstGeom>
+          <a:ln>
+            <a:solidFill>
+              <a:schemeClr val="tx1"/>
+            </a:solidFill>
+          </a:ln>
+        </p:spPr>
+      </p:pic>
+      <p:sp>
+        <p:nvSpPr>
+          <p:cNvPr id="11" name="TextBox 10">
+            <a:extLst>
+              <a:ext uri="{FF2B5EF4-FFF2-40B4-BE49-F238E27FC236}">
+                <a16:creationId xmlns:a16="http://schemas.microsoft.com/office/drawing/2014/main" id="{817A4EE2-C2CB-EBAA-95A1-0AF418FAAB55}"/>
+              </a:ext>
+            </a:extLst>
+          </p:cNvPr>
+          <p:cNvSpPr txBox="1"/>
+          <p:nvPr/>
+        </p:nvSpPr>
+        <p:spPr>
+          <a:xfrm>
+            <a:off x="805288" y="3062585"/>
+            <a:ext cx="4666820" cy="646331"/>
+          </a:xfrm>
+          <a:prstGeom prst="rect">
+            <a:avLst/>
+          </a:prstGeom>
+          <a:noFill/>
+        </p:spPr>
+        <p:txBody>
+          <a:bodyPr wrap="square" rtlCol="0">
+            <a:spAutoFit/>
+          </a:bodyPr>
+          <a:lstStyle/>
+          <a:p>
+            <a:pPr algn="ctr"/>
+            <a:r>
+              <a:rPr lang="fr-FR" dirty="0"/>
+              <a:t>The </a:t>
+            </a:r>
+            <a:r>
+              <a:rPr lang="fr-FR" dirty="0" err="1"/>
+              <a:t>environment</a:t>
+            </a:r>
+            <a:r>
+              <a:rPr lang="fr-FR" dirty="0"/>
+              <a:t> to use and </a:t>
+            </a:r>
+            <a:r>
+              <a:rPr lang="fr-FR" dirty="0" err="1"/>
+              <a:t>paths</a:t>
+            </a:r>
+            <a:r>
+              <a:rPr lang="fr-FR" dirty="0"/>
+              <a:t> to the </a:t>
+            </a:r>
+            <a:r>
+              <a:rPr lang="fr-FR" dirty="0" err="1"/>
+              <a:t>cofiguration</a:t>
+            </a:r>
+            <a:r>
+              <a:rPr lang="fr-FR" dirty="0"/>
+              <a:t> and </a:t>
+            </a:r>
+            <a:r>
+              <a:rPr lang="fr-FR" dirty="0" err="1"/>
+              <a:t>dataset</a:t>
+            </a:r>
+            <a:r>
+              <a:rPr lang="fr-FR" dirty="0"/>
+              <a:t> directory </a:t>
+            </a:r>
+          </a:p>
+        </p:txBody>
+      </p:sp>
+    </p:spTree>
+  </p:cSld>
+  <p:clrMapOvr>
+    <a:masterClrMapping/>
+  </p:clrMapOvr>
+</p:sld>
+</file>
+
+<file path=ppt/slides/slide13.xml><?xml version="1.0" encoding="utf-8"?>
+<p:sld xmlns:a="http://schemas.openxmlformats.org/drawingml/2006/main" xmlns:r="http://schemas.openxmlformats.org/officeDocument/2006/relationships" xmlns:p="http://schemas.openxmlformats.org/presentationml/2006/main">
+  <p:cSld>
+    <p:spTree>
+      <p:nvGrpSpPr>
+        <p:cNvPr id="1" name="Shape 647">
+          <a:extLst>
+            <a:ext uri="{FF2B5EF4-FFF2-40B4-BE49-F238E27FC236}">
+              <a16:creationId xmlns:a16="http://schemas.microsoft.com/office/drawing/2014/main" id="{C4446E74-DE7F-203F-C0DE-BA8AA91434D0}"/>
+            </a:ext>
+          </a:extLst>
+        </p:cNvPr>
+        <p:cNvGrpSpPr/>
+        <p:nvPr/>
+      </p:nvGrpSpPr>
+      <p:grpSpPr>
+        <a:xfrm>
+          <a:off x="0" y="0"/>
+          <a:ext cx="0" cy="0"/>
+          <a:chOff x="0" y="0"/>
+          <a:chExt cx="0" cy="0"/>
+        </a:xfrm>
+      </p:grpSpPr>
+      <p:sp>
+        <p:nvSpPr>
+          <p:cNvPr id="648" name="Google Shape;648;p45">
+            <a:extLst>
+              <a:ext uri="{FF2B5EF4-FFF2-40B4-BE49-F238E27FC236}">
+                <a16:creationId xmlns:a16="http://schemas.microsoft.com/office/drawing/2014/main" id="{411258D5-8623-92FC-C3FE-DDD60C05642A}"/>
+              </a:ext>
+            </a:extLst>
+          </p:cNvPr>
+          <p:cNvSpPr txBox="1">
+            <a:spLocks noGrp="1"/>
+          </p:cNvSpPr>
+          <p:nvPr>
+            <p:ph type="title"/>
+          </p:nvPr>
+        </p:nvSpPr>
+        <p:spPr>
+          <a:xfrm>
+            <a:off x="838200" y="603750"/>
+            <a:ext cx="9065400" cy="597600"/>
+          </a:xfrm>
+          <a:prstGeom prst="rect">
+            <a:avLst/>
+          </a:prstGeom>
+          <a:noFill/>
+          <a:ln>
+            <a:noFill/>
+          </a:ln>
+        </p:spPr>
+        <p:txBody>
+          <a:bodyPr spcFirstLastPara="1" wrap="square" lIns="91425" tIns="45700" rIns="91425" bIns="45700" anchor="ctr" anchorCtr="0">
+            <a:normAutofit/>
+          </a:bodyPr>
+          <a:lstStyle/>
+          <a:p>
+            <a:pPr marL="0" lvl="0" indent="0" algn="l" rtl="0">
+              <a:lnSpc>
+                <a:spcPct val="90000"/>
+              </a:lnSpc>
+              <a:spcBef>
+                <a:spcPts val="0"/>
+              </a:spcBef>
+              <a:spcAft>
+                <a:spcPts val="0"/>
+              </a:spcAft>
+              <a:buClr>
+                <a:schemeClr val="dk1"/>
+              </a:buClr>
+              <a:buSzPts val="3600"/>
+              <a:buFont typeface="Calibri"/>
+              <a:buNone/>
+            </a:pPr>
+            <a:r>
+              <a:rPr lang="it-IT"/>
+              <a:t>Input data</a:t>
+            </a:r>
+            <a:endParaRPr/>
+          </a:p>
+        </p:txBody>
+      </p:sp>
+      <p:sp>
+        <p:nvSpPr>
+          <p:cNvPr id="649" name="Google Shape;649;p45">
+            <a:extLst>
+              <a:ext uri="{FF2B5EF4-FFF2-40B4-BE49-F238E27FC236}">
+                <a16:creationId xmlns:a16="http://schemas.microsoft.com/office/drawing/2014/main" id="{3B25E3D2-A210-01F5-A0B6-06A09D4FB81A}"/>
+              </a:ext>
+            </a:extLst>
+          </p:cNvPr>
+          <p:cNvSpPr txBox="1">
+            <a:spLocks noGrp="1"/>
+          </p:cNvSpPr>
+          <p:nvPr>
+            <p:ph type="body" idx="1"/>
+          </p:nvPr>
+        </p:nvSpPr>
+        <p:spPr>
+          <a:xfrm>
+            <a:off x="838200" y="1856517"/>
+            <a:ext cx="10515600" cy="4351200"/>
+          </a:xfrm>
+          <a:prstGeom prst="rect">
+            <a:avLst/>
+          </a:prstGeom>
+          <a:noFill/>
+          <a:ln>
+            <a:noFill/>
+          </a:ln>
+        </p:spPr>
+        <p:txBody>
+          <a:bodyPr spcFirstLastPara="1" wrap="square" lIns="91425" tIns="45700" rIns="91425" bIns="45700" anchor="t" anchorCtr="0">
+            <a:normAutofit/>
+          </a:bodyPr>
+          <a:lstStyle/>
+          <a:p>
+            <a:pPr marL="0" indent="0">
+              <a:spcBef>
+                <a:spcPts val="0"/>
+              </a:spcBef>
+              <a:buClr>
+                <a:schemeClr val="dk1"/>
+              </a:buClr>
+              <a:buSzPts val="2400"/>
+              <a:buNone/>
+            </a:pPr>
+            <a:r>
+              <a:rPr lang="fr-FR" sz="2000" dirty="0"/>
+              <a:t>The </a:t>
+            </a:r>
+            <a:r>
+              <a:rPr lang="fr-FR" sz="2000" dirty="0" err="1"/>
+              <a:t>hyperparameters</a:t>
+            </a:r>
+            <a:r>
+              <a:rPr lang="fr-FR" sz="2000" dirty="0"/>
+              <a:t> of the graph neural solver to </a:t>
+            </a:r>
+            <a:r>
+              <a:rPr lang="fr-FR" sz="2000" dirty="0" err="1"/>
+              <a:t>be</a:t>
+            </a:r>
+            <a:r>
+              <a:rPr lang="fr-FR" sz="2000" dirty="0"/>
+              <a:t> </a:t>
+            </a:r>
+            <a:r>
+              <a:rPr lang="fr-FR" sz="2000" dirty="0" err="1"/>
+              <a:t>adjusted</a:t>
+            </a:r>
+            <a:r>
+              <a:rPr lang="fr-FR" sz="2000" dirty="0"/>
+              <a:t> </a:t>
+            </a:r>
+            <a:r>
+              <a:rPr lang="fr-FR" sz="2000" dirty="0" err="1"/>
+              <a:t>using</a:t>
+            </a:r>
+            <a:r>
+              <a:rPr lang="fr-FR" sz="2000" dirty="0"/>
+              <a:t> </a:t>
+            </a:r>
+            <a:r>
+              <a:rPr lang="fr-FR" sz="2000" dirty="0" err="1"/>
+              <a:t>two</a:t>
+            </a:r>
+            <a:r>
+              <a:rPr lang="fr-FR" sz="2000" dirty="0"/>
+              <a:t> </a:t>
+            </a:r>
+            <a:r>
+              <a:rPr lang="fr-FR" sz="2000" dirty="0" err="1"/>
+              <a:t>methods</a:t>
+            </a:r>
+            <a:r>
+              <a:rPr lang="fr-FR" sz="2000" dirty="0"/>
+              <a:t>:</a:t>
+            </a:r>
+          </a:p>
+          <a:p>
+            <a:pPr marL="0" indent="0">
+              <a:spcBef>
+                <a:spcPts val="0"/>
+              </a:spcBef>
+              <a:buClr>
+                <a:schemeClr val="dk1"/>
+              </a:buClr>
+              <a:buSzPts val="2400"/>
+              <a:buNone/>
+            </a:pPr>
+            <a:endParaRPr lang="fr-FR" sz="2000" dirty="0"/>
+          </a:p>
+          <a:p>
+            <a:pPr marL="0" indent="0">
+              <a:spcBef>
+                <a:spcPts val="0"/>
+              </a:spcBef>
+              <a:buClr>
+                <a:schemeClr val="dk1"/>
+              </a:buClr>
+              <a:buSzPts val="2400"/>
+              <a:buNone/>
+            </a:pPr>
+            <a:endParaRPr lang="en-US" dirty="0"/>
+          </a:p>
+          <a:p>
+            <a:pPr lvl="1">
+              <a:spcBef>
+                <a:spcPts val="0"/>
+              </a:spcBef>
+              <a:buClr>
+                <a:schemeClr val="dk1"/>
+              </a:buClr>
+              <a:buSzPts val="2400"/>
+            </a:pPr>
+            <a:endParaRPr lang="it-IT" dirty="0"/>
+          </a:p>
+        </p:txBody>
+      </p:sp>
+      <p:sp>
+        <p:nvSpPr>
+          <p:cNvPr id="2" name="TextBox 1">
+            <a:extLst>
+              <a:ext uri="{FF2B5EF4-FFF2-40B4-BE49-F238E27FC236}">
+                <a16:creationId xmlns:a16="http://schemas.microsoft.com/office/drawing/2014/main" id="{A3565E47-E1AF-778B-2645-6E4E4427FEC3}"/>
+              </a:ext>
+            </a:extLst>
+          </p:cNvPr>
+          <p:cNvSpPr txBox="1"/>
+          <p:nvPr/>
+        </p:nvSpPr>
+        <p:spPr>
+          <a:xfrm>
+            <a:off x="619832" y="2378964"/>
+            <a:ext cx="4666820" cy="369332"/>
+          </a:xfrm>
+          <a:prstGeom prst="rect">
+            <a:avLst/>
+          </a:prstGeom>
+          <a:noFill/>
+        </p:spPr>
+        <p:txBody>
+          <a:bodyPr wrap="square" rtlCol="0">
+            <a:spAutoFit/>
+          </a:bodyPr>
+          <a:lstStyle/>
+          <a:p>
+            <a:pPr algn="ctr"/>
+            <a:r>
+              <a:rPr lang="fr-FR" dirty="0" err="1"/>
+              <a:t>Using</a:t>
+            </a:r>
+            <a:r>
+              <a:rPr lang="fr-FR" dirty="0"/>
+              <a:t> an </a:t>
+            </a:r>
+            <a:r>
+              <a:rPr lang="fr-FR" dirty="0" err="1"/>
+              <a:t>existing</a:t>
+            </a:r>
+            <a:r>
+              <a:rPr lang="fr-FR" dirty="0"/>
+              <a:t> configuration file</a:t>
+            </a:r>
+          </a:p>
+        </p:txBody>
+      </p:sp>
+      <p:sp>
+        <p:nvSpPr>
+          <p:cNvPr id="3" name="TextBox 2">
+            <a:extLst>
+              <a:ext uri="{FF2B5EF4-FFF2-40B4-BE49-F238E27FC236}">
+                <a16:creationId xmlns:a16="http://schemas.microsoft.com/office/drawing/2014/main" id="{612C9A66-E2EF-37CA-17A4-A598F1418C33}"/>
+              </a:ext>
+            </a:extLst>
+          </p:cNvPr>
+          <p:cNvSpPr txBox="1"/>
+          <p:nvPr/>
+        </p:nvSpPr>
+        <p:spPr>
+          <a:xfrm>
+            <a:off x="6310223" y="2378964"/>
+            <a:ext cx="4666820" cy="923330"/>
+          </a:xfrm>
+          <a:prstGeom prst="rect">
+            <a:avLst/>
+          </a:prstGeom>
+          <a:noFill/>
+        </p:spPr>
+        <p:txBody>
+          <a:bodyPr wrap="square" rtlCol="0">
+            <a:spAutoFit/>
+          </a:bodyPr>
+          <a:lstStyle/>
+          <a:p>
+            <a:pPr algn="ctr"/>
+            <a:r>
+              <a:rPr lang="fr-FR" dirty="0"/>
+              <a:t>Set </a:t>
+            </a:r>
+            <a:r>
+              <a:rPr lang="fr-FR" dirty="0" err="1"/>
+              <a:t>them</a:t>
+            </a:r>
+            <a:r>
+              <a:rPr lang="fr-FR" dirty="0"/>
+              <a:t> </a:t>
+            </a:r>
+            <a:r>
+              <a:rPr lang="fr-FR" dirty="0" err="1"/>
+              <a:t>directly</a:t>
+            </a:r>
+            <a:r>
+              <a:rPr lang="fr-FR" dirty="0"/>
+              <a:t> as arguments at the </a:t>
+            </a:r>
+            <a:r>
+              <a:rPr lang="fr-FR" dirty="0" err="1"/>
+              <a:t>instantiation</a:t>
+            </a:r>
+            <a:r>
+              <a:rPr lang="fr-FR" dirty="0"/>
+              <a:t> </a:t>
+            </a:r>
+            <a:r>
+              <a:rPr lang="fr-FR" dirty="0" err="1"/>
+              <a:t>step</a:t>
+            </a:r>
+            <a:r>
+              <a:rPr lang="fr-FR" dirty="0"/>
+              <a:t> </a:t>
+            </a:r>
+            <a:r>
+              <a:rPr lang="fr-FR" dirty="0" err="1"/>
+              <a:t>which</a:t>
+            </a:r>
+            <a:r>
+              <a:rPr lang="fr-FR" dirty="0"/>
+              <a:t> </a:t>
+            </a:r>
+            <a:r>
+              <a:rPr lang="fr-FR" dirty="0" err="1"/>
+              <a:t>will</a:t>
+            </a:r>
+            <a:r>
+              <a:rPr lang="fr-FR" dirty="0"/>
+              <a:t> </a:t>
+            </a:r>
+            <a:r>
+              <a:rPr lang="fr-FR" dirty="0" err="1"/>
+              <a:t>override</a:t>
+            </a:r>
+            <a:r>
+              <a:rPr lang="fr-FR" dirty="0"/>
+              <a:t> the </a:t>
+            </a:r>
+            <a:r>
+              <a:rPr lang="fr-FR" dirty="0" err="1"/>
+              <a:t>ones</a:t>
+            </a:r>
+            <a:r>
+              <a:rPr lang="fr-FR" dirty="0"/>
+              <a:t> </a:t>
+            </a:r>
+            <a:r>
+              <a:rPr lang="fr-FR" dirty="0" err="1"/>
+              <a:t>imported</a:t>
+            </a:r>
+            <a:r>
+              <a:rPr lang="fr-FR" dirty="0"/>
+              <a:t> by configuration file</a:t>
+            </a:r>
+          </a:p>
+        </p:txBody>
+      </p:sp>
+      <p:pic>
+        <p:nvPicPr>
+          <p:cNvPr id="9" name="Picture 8">
+            <a:extLst>
+              <a:ext uri="{FF2B5EF4-FFF2-40B4-BE49-F238E27FC236}">
+                <a16:creationId xmlns:a16="http://schemas.microsoft.com/office/drawing/2014/main" id="{233084B9-7052-A789-B72D-2D2CF684EBC2}"/>
+              </a:ext>
+            </a:extLst>
+          </p:cNvPr>
+          <p:cNvPicPr>
+            <a:picLocks noChangeAspect="1"/>
+          </p:cNvPicPr>
+          <p:nvPr/>
+        </p:nvPicPr>
+        <p:blipFill>
+          <a:blip r:embed="rId3"/>
+          <a:stretch>
+            <a:fillRect/>
+          </a:stretch>
+        </p:blipFill>
+        <p:spPr>
+          <a:xfrm>
+            <a:off x="1841841" y="2766358"/>
+            <a:ext cx="2421239" cy="2905486"/>
+          </a:xfrm>
+          <a:prstGeom prst="rect">
+            <a:avLst/>
+          </a:prstGeom>
+          <a:ln>
+            <a:solidFill>
+              <a:schemeClr val="tx1"/>
+            </a:solidFill>
+          </a:ln>
+        </p:spPr>
+      </p:pic>
+      <p:pic>
+        <p:nvPicPr>
+          <p:cNvPr id="13" name="Picture 12">
+            <a:extLst>
+              <a:ext uri="{FF2B5EF4-FFF2-40B4-BE49-F238E27FC236}">
+                <a16:creationId xmlns:a16="http://schemas.microsoft.com/office/drawing/2014/main" id="{73822CE0-689D-DB66-9B9E-4547B969DE32}"/>
+              </a:ext>
+            </a:extLst>
+          </p:cNvPr>
+          <p:cNvPicPr>
+            <a:picLocks noChangeAspect="1"/>
+          </p:cNvPicPr>
+          <p:nvPr/>
+        </p:nvPicPr>
+        <p:blipFill>
+          <a:blip r:embed="rId4"/>
+          <a:stretch>
+            <a:fillRect/>
+          </a:stretch>
+        </p:blipFill>
+        <p:spPr>
+          <a:xfrm>
+            <a:off x="6423458" y="3697852"/>
+            <a:ext cx="4553585" cy="1247949"/>
+          </a:xfrm>
+          <a:prstGeom prst="rect">
+            <a:avLst/>
+          </a:prstGeom>
+          <a:ln>
+            <a:solidFill>
+              <a:schemeClr val="tx1"/>
+            </a:solidFill>
+          </a:ln>
+        </p:spPr>
+      </p:pic>
+      <p:cxnSp>
+        <p:nvCxnSpPr>
+          <p:cNvPr id="15" name="Connector: Elbow 14">
+            <a:extLst>
+              <a:ext uri="{FF2B5EF4-FFF2-40B4-BE49-F238E27FC236}">
+                <a16:creationId xmlns:a16="http://schemas.microsoft.com/office/drawing/2014/main" id="{F3D6229B-3AA8-6AF9-61F8-AD0D4AF70627}"/>
+              </a:ext>
+            </a:extLst>
+          </p:cNvPr>
+          <p:cNvCxnSpPr>
+            <a:stCxn id="9" idx="2"/>
+            <a:endCxn id="13" idx="2"/>
+          </p:cNvCxnSpPr>
+          <p:nvPr/>
+        </p:nvCxnSpPr>
+        <p:spPr>
+          <a:xfrm rot="5400000" flipH="1" flipV="1">
+            <a:off x="5513334" y="2484928"/>
+            <a:ext cx="726043" cy="5647790"/>
+          </a:xfrm>
+          <a:prstGeom prst="bentConnector3">
+            <a:avLst>
+              <a:gd name="adj1" fmla="val -31486"/>
+            </a:avLst>
+          </a:prstGeom>
+          <a:ln>
+            <a:tailEnd type="triangle"/>
+          </a:ln>
+        </p:spPr>
+        <p:style>
+          <a:lnRef idx="1">
+            <a:schemeClr val="accent1"/>
+          </a:lnRef>
+          <a:fillRef idx="0">
+            <a:schemeClr val="accent1"/>
+          </a:fillRef>
+          <a:effectRef idx="0">
+            <a:schemeClr val="accent1"/>
+          </a:effectRef>
+          <a:fontRef idx="minor">
+            <a:schemeClr val="tx1"/>
+          </a:fontRef>
+        </p:style>
+      </p:cxnSp>
+      <p:sp>
+        <p:nvSpPr>
+          <p:cNvPr id="16" name="TextBox 15">
+            <a:extLst>
+              <a:ext uri="{FF2B5EF4-FFF2-40B4-BE49-F238E27FC236}">
+                <a16:creationId xmlns:a16="http://schemas.microsoft.com/office/drawing/2014/main" id="{28C21C22-C60D-7CE9-98F0-56ACAD3707E1}"/>
+              </a:ext>
+            </a:extLst>
+          </p:cNvPr>
+          <p:cNvSpPr txBox="1"/>
+          <p:nvPr/>
+        </p:nvSpPr>
+        <p:spPr>
+          <a:xfrm>
+            <a:off x="4090048" y="5548118"/>
+            <a:ext cx="4666820" cy="646331"/>
+          </a:xfrm>
+          <a:prstGeom prst="rect">
+            <a:avLst/>
+          </a:prstGeom>
+          <a:noFill/>
+        </p:spPr>
+        <p:txBody>
+          <a:bodyPr wrap="square" rtlCol="0">
+            <a:spAutoFit/>
+          </a:bodyPr>
+          <a:lstStyle/>
+          <a:p>
+            <a:pPr algn="ctr"/>
+            <a:r>
+              <a:rPr lang="fr-FR" dirty="0"/>
+              <a:t>All </a:t>
+            </a:r>
+            <a:r>
+              <a:rPr lang="fr-FR" dirty="0" err="1"/>
+              <a:t>these</a:t>
+            </a:r>
+            <a:r>
+              <a:rPr lang="fr-FR" dirty="0"/>
+              <a:t> </a:t>
+            </a:r>
+            <a:r>
+              <a:rPr lang="fr-FR" dirty="0" err="1"/>
+              <a:t>configs</a:t>
+            </a:r>
+            <a:r>
+              <a:rPr lang="fr-FR" dirty="0"/>
+              <a:t> </a:t>
+            </a:r>
+            <a:r>
+              <a:rPr lang="fr-FR" dirty="0" err="1"/>
+              <a:t>could</a:t>
+            </a:r>
+            <a:r>
+              <a:rPr lang="fr-FR" dirty="0"/>
+              <a:t> </a:t>
+            </a:r>
+            <a:r>
+              <a:rPr lang="fr-FR" dirty="0" err="1"/>
+              <a:t>be</a:t>
+            </a:r>
+            <a:r>
+              <a:rPr lang="fr-FR" dirty="0"/>
+              <a:t> set as arguments in class </a:t>
+            </a:r>
+            <a:r>
+              <a:rPr lang="fr-FR" dirty="0" err="1"/>
+              <a:t>constructor</a:t>
+            </a:r>
+            <a:endParaRPr lang="fr-FR" dirty="0"/>
+          </a:p>
+        </p:txBody>
+      </p:sp>
+    </p:spTree>
+    <p:extLst>
+      <p:ext uri="{BB962C8B-B14F-4D97-AF65-F5344CB8AC3E}">
+        <p14:creationId xmlns:p14="http://schemas.microsoft.com/office/powerpoint/2010/main" val="1040764079"/>
+      </p:ext>
+    </p:extLst>
+  </p:cSld>
+  <p:clrMapOvr>
+    <a:masterClrMapping/>
+  </p:clrMapOvr>
+</p:sld>
+</file>
+
+<file path=ppt/slides/slide14.xml><?xml version="1.0" encoding="utf-8"?>
+<p:sld xmlns:a="http://schemas.openxmlformats.org/drawingml/2006/main" xmlns:r="http://schemas.openxmlformats.org/officeDocument/2006/relationships" xmlns:p="http://schemas.openxmlformats.org/presentationml/2006/main">
+  <p:cSld>
+    <p:spTree>
+      <p:nvGrpSpPr>
+        <p:cNvPr id="1" name="Shape 653"/>
+        <p:cNvGrpSpPr/>
+        <p:nvPr/>
+      </p:nvGrpSpPr>
+      <p:grpSpPr>
+        <a:xfrm>
+          <a:off x="0" y="0"/>
+          <a:ext cx="0" cy="0"/>
+          <a:chOff x="0" y="0"/>
+          <a:chExt cx="0" cy="0"/>
+        </a:xfrm>
+      </p:grpSpPr>
+      <p:sp>
+        <p:nvSpPr>
+          <p:cNvPr id="654" name="Google Shape;654;p46"/>
+          <p:cNvSpPr txBox="1">
+            <a:spLocks noGrp="1"/>
+          </p:cNvSpPr>
+          <p:nvPr>
+            <p:ph type="title"/>
+          </p:nvPr>
+        </p:nvSpPr>
+        <p:spPr>
+          <a:xfrm>
+            <a:off x="838200" y="603750"/>
+            <a:ext cx="9065400" cy="597600"/>
+          </a:xfrm>
+          <a:prstGeom prst="rect">
+            <a:avLst/>
+          </a:prstGeom>
+          <a:noFill/>
+          <a:ln>
+            <a:noFill/>
+          </a:ln>
+        </p:spPr>
+        <p:txBody>
+          <a:bodyPr spcFirstLastPara="1" wrap="square" lIns="91425" tIns="45700" rIns="91425" bIns="45700" anchor="ctr" anchorCtr="0">
+            <a:normAutofit/>
+          </a:bodyPr>
+          <a:lstStyle/>
+          <a:p>
+            <a:pPr marL="0" lvl="0" indent="0" algn="l" rtl="0">
+              <a:lnSpc>
+                <a:spcPct val="90000"/>
+              </a:lnSpc>
+              <a:spcBef>
+                <a:spcPts val="0"/>
+              </a:spcBef>
+              <a:spcAft>
+                <a:spcPts val="0"/>
+              </a:spcAft>
+              <a:buClr>
+                <a:schemeClr val="dk1"/>
+              </a:buClr>
+              <a:buSzPts val="3600"/>
+              <a:buFont typeface="Calibri"/>
+              <a:buNone/>
+            </a:pPr>
+            <a:r>
+              <a:rPr lang="it-IT"/>
+              <a:t>Output data</a:t>
+            </a:r>
+            <a:endParaRPr/>
+          </a:p>
+        </p:txBody>
+      </p:sp>
+      <p:sp>
+        <p:nvSpPr>
+          <p:cNvPr id="655" name="Google Shape;655;p46"/>
+          <p:cNvSpPr txBox="1">
+            <a:spLocks noGrp="1"/>
+          </p:cNvSpPr>
+          <p:nvPr>
+            <p:ph type="body" idx="1"/>
+          </p:nvPr>
+        </p:nvSpPr>
+        <p:spPr>
+          <a:xfrm>
+            <a:off x="838200" y="1825625"/>
+            <a:ext cx="4407243" cy="4351200"/>
+          </a:xfrm>
+          <a:prstGeom prst="rect">
+            <a:avLst/>
+          </a:prstGeom>
+          <a:noFill/>
+          <a:ln>
+            <a:noFill/>
+          </a:ln>
+        </p:spPr>
+        <p:txBody>
+          <a:bodyPr spcFirstLastPara="1" wrap="square" lIns="91425" tIns="45700" rIns="91425" bIns="45700" anchor="t" anchorCtr="0">
+            <a:normAutofit lnSpcReduction="10000"/>
+          </a:bodyPr>
+          <a:lstStyle/>
+          <a:p>
+            <a:pPr marL="228600" lvl="0" indent="-228600" algn="l" rtl="0">
+              <a:lnSpc>
+                <a:spcPct val="90000"/>
+              </a:lnSpc>
+              <a:spcBef>
+                <a:spcPts val="0"/>
+              </a:spcBef>
+              <a:spcAft>
+                <a:spcPts val="0"/>
+              </a:spcAft>
+              <a:buClr>
+                <a:schemeClr val="dk1"/>
+              </a:buClr>
+              <a:buSzPts val="2400"/>
+              <a:buChar char="•"/>
+            </a:pPr>
+            <a:r>
+              <a:rPr lang="it-IT" dirty="0"/>
+              <a:t>The outputs are evaluated criteria (ML &amp; Physics) on the considered datasets</a:t>
+            </a:r>
+          </a:p>
+          <a:p>
+            <a:pPr lvl="1">
+              <a:spcBef>
+                <a:spcPts val="0"/>
+              </a:spcBef>
+              <a:buClr>
+                <a:schemeClr val="dk1"/>
+              </a:buClr>
+              <a:buSzPts val="2400"/>
+            </a:pPr>
+            <a:r>
+              <a:rPr lang="it-IT" i="1" dirty="0"/>
+              <a:t>Validation dataset</a:t>
+            </a:r>
+            <a:r>
+              <a:rPr lang="it-IT" dirty="0"/>
+              <a:t>:</a:t>
+            </a:r>
+            <a:r>
+              <a:rPr lang="it-IT" i="1" dirty="0"/>
+              <a:t> </a:t>
+            </a:r>
+            <a:r>
+              <a:rPr lang="it-IT" dirty="0"/>
+              <a:t>dataset used for validation with the same distribution as training</a:t>
+            </a:r>
+          </a:p>
+          <a:p>
+            <a:pPr lvl="1">
+              <a:spcBef>
+                <a:spcPts val="0"/>
+              </a:spcBef>
+              <a:buClr>
+                <a:schemeClr val="dk1"/>
+              </a:buClr>
+              <a:buSzPts val="2400"/>
+            </a:pPr>
+            <a:endParaRPr lang="it-IT" dirty="0"/>
+          </a:p>
+          <a:p>
+            <a:pPr lvl="1">
+              <a:spcBef>
+                <a:spcPts val="0"/>
+              </a:spcBef>
+              <a:buClr>
+                <a:schemeClr val="dk1"/>
+              </a:buClr>
+              <a:buSzPts val="2400"/>
+            </a:pPr>
+            <a:r>
+              <a:rPr lang="it-IT" i="1" dirty="0"/>
+              <a:t>Test dataset</a:t>
+            </a:r>
+            <a:r>
+              <a:rPr lang="it-IT" dirty="0"/>
+              <a:t>: dataset used for test presenting the same distribution as training data</a:t>
+            </a:r>
+          </a:p>
+          <a:p>
+            <a:pPr lvl="1">
+              <a:spcBef>
+                <a:spcPts val="0"/>
+              </a:spcBef>
+              <a:buClr>
+                <a:schemeClr val="dk1"/>
+              </a:buClr>
+              <a:buSzPts val="2400"/>
+            </a:pPr>
+            <a:endParaRPr lang="it-IT" dirty="0"/>
+          </a:p>
+          <a:p>
+            <a:pPr lvl="1">
+              <a:spcBef>
+                <a:spcPts val="0"/>
+              </a:spcBef>
+              <a:buClr>
+                <a:schemeClr val="dk1"/>
+              </a:buClr>
+              <a:buSzPts val="2400"/>
+            </a:pPr>
+            <a:r>
+              <a:rPr lang="it-IT" i="1" dirty="0"/>
+              <a:t>Test OOD dataset</a:t>
+            </a:r>
+            <a:r>
+              <a:rPr lang="it-IT" dirty="0"/>
+              <a:t>: dataset used for test the out-of-distribution generalization capacity of the model</a:t>
+            </a:r>
+          </a:p>
+          <a:p>
+            <a:pPr lvl="1">
+              <a:spcBef>
+                <a:spcPts val="0"/>
+              </a:spcBef>
+              <a:buClr>
+                <a:schemeClr val="dk1"/>
+              </a:buClr>
+              <a:buSzPts val="2400"/>
+            </a:pPr>
+            <a:endParaRPr dirty="0"/>
+          </a:p>
+        </p:txBody>
+      </p:sp>
+      <p:sp>
+        <p:nvSpPr>
+          <p:cNvPr id="4" name="Left Brace 3">
+            <a:extLst>
+              <a:ext uri="{FF2B5EF4-FFF2-40B4-BE49-F238E27FC236}">
+                <a16:creationId xmlns:a16="http://schemas.microsoft.com/office/drawing/2014/main" id="{1C8D6E5E-98AF-AB50-F1A8-3F71CC98DE32}"/>
+              </a:ext>
+            </a:extLst>
+          </p:cNvPr>
+          <p:cNvSpPr/>
+          <p:nvPr/>
+        </p:nvSpPr>
+        <p:spPr>
+          <a:xfrm>
+            <a:off x="8132435" y="1636155"/>
+            <a:ext cx="189341" cy="2205595"/>
+          </a:xfrm>
+          <a:prstGeom prst="leftBrace">
+            <a:avLst>
+              <a:gd name="adj1" fmla="val 63670"/>
+              <a:gd name="adj2" fmla="val 50000"/>
+            </a:avLst>
+          </a:prstGeom>
+          <a:ln w="9525"/>
+        </p:spPr>
+        <p:style>
+          <a:lnRef idx="1">
+            <a:schemeClr val="accent1"/>
+          </a:lnRef>
+          <a:fillRef idx="0">
+            <a:schemeClr val="accent1"/>
+          </a:fillRef>
+          <a:effectRef idx="0">
+            <a:schemeClr val="accent1"/>
+          </a:effectRef>
+          <a:fontRef idx="minor">
+            <a:schemeClr val="tx1"/>
+          </a:fontRef>
+        </p:style>
+        <p:txBody>
+          <a:bodyPr rtlCol="0" anchor="ctr"/>
+          <a:lstStyle/>
+          <a:p>
+            <a:pPr algn="ctr"/>
+            <a:endParaRPr lang="fr-FR"/>
+          </a:p>
+        </p:txBody>
+      </p:sp>
+      <p:sp>
+        <p:nvSpPr>
+          <p:cNvPr id="5" name="Left Brace 4">
+            <a:extLst>
+              <a:ext uri="{FF2B5EF4-FFF2-40B4-BE49-F238E27FC236}">
+                <a16:creationId xmlns:a16="http://schemas.microsoft.com/office/drawing/2014/main" id="{903AE5C5-A72D-E552-55F6-6DA451DEB601}"/>
+              </a:ext>
+            </a:extLst>
+          </p:cNvPr>
+          <p:cNvSpPr/>
+          <p:nvPr/>
+        </p:nvSpPr>
+        <p:spPr>
+          <a:xfrm>
+            <a:off x="8132434" y="3964545"/>
+            <a:ext cx="189341" cy="2360055"/>
+          </a:xfrm>
+          <a:prstGeom prst="leftBrace">
+            <a:avLst>
+              <a:gd name="adj1" fmla="val 63670"/>
+              <a:gd name="adj2" fmla="val 50000"/>
+            </a:avLst>
+          </a:prstGeom>
+          <a:ln w="9525"/>
+        </p:spPr>
+        <p:style>
+          <a:lnRef idx="1">
+            <a:schemeClr val="accent1"/>
+          </a:lnRef>
+          <a:fillRef idx="0">
+            <a:schemeClr val="accent1"/>
+          </a:fillRef>
+          <a:effectRef idx="0">
+            <a:schemeClr val="accent1"/>
+          </a:effectRef>
+          <a:fontRef idx="minor">
+            <a:schemeClr val="tx1"/>
+          </a:fontRef>
+        </p:style>
+        <p:txBody>
+          <a:bodyPr rtlCol="0" anchor="ctr"/>
+          <a:lstStyle/>
+          <a:p>
+            <a:pPr algn="ctr"/>
+            <a:endParaRPr lang="fr-FR" dirty="0"/>
+          </a:p>
+        </p:txBody>
+      </p:sp>
+      <p:sp>
+        <p:nvSpPr>
+          <p:cNvPr id="6" name="TextBox 5">
+            <a:extLst>
+              <a:ext uri="{FF2B5EF4-FFF2-40B4-BE49-F238E27FC236}">
+                <a16:creationId xmlns:a16="http://schemas.microsoft.com/office/drawing/2014/main" id="{0AE716A6-7638-91EA-7856-A3EAA9E2269A}"/>
+              </a:ext>
+            </a:extLst>
+          </p:cNvPr>
+          <p:cNvSpPr txBox="1"/>
+          <p:nvPr/>
+        </p:nvSpPr>
+        <p:spPr>
+          <a:xfrm>
+            <a:off x="5982671" y="2309853"/>
+            <a:ext cx="2149764" cy="923330"/>
+          </a:xfrm>
+          <a:prstGeom prst="rect">
+            <a:avLst/>
+          </a:prstGeom>
+          <a:noFill/>
+        </p:spPr>
+        <p:txBody>
+          <a:bodyPr wrap="square" rtlCol="0">
+            <a:spAutoFit/>
+          </a:bodyPr>
+          <a:lstStyle/>
+          <a:p>
+            <a:pPr algn="ctr"/>
+            <a:r>
+              <a:rPr lang="fr-FR" dirty="0"/>
+              <a:t>Machine Learning </a:t>
+            </a:r>
+            <a:r>
+              <a:rPr lang="fr-FR" dirty="0" err="1"/>
+              <a:t>related</a:t>
+            </a:r>
+            <a:r>
+              <a:rPr lang="fr-FR" dirty="0"/>
+              <a:t> </a:t>
+            </a:r>
+            <a:r>
+              <a:rPr lang="fr-FR" dirty="0" err="1"/>
+              <a:t>criteria</a:t>
+            </a:r>
+            <a:endParaRPr lang="fr-FR" dirty="0"/>
+          </a:p>
+          <a:p>
+            <a:pPr algn="ctr"/>
+            <a:r>
+              <a:rPr lang="fr-FR" dirty="0"/>
+              <a:t>(</a:t>
+            </a:r>
+            <a:r>
+              <a:rPr lang="fr-FR" dirty="0" err="1"/>
+              <a:t>accuracy</a:t>
+            </a:r>
+            <a:r>
+              <a:rPr lang="fr-FR" dirty="0"/>
+              <a:t> </a:t>
+            </a:r>
+            <a:r>
+              <a:rPr lang="fr-FR" dirty="0" err="1"/>
+              <a:t>measures</a:t>
+            </a:r>
+            <a:r>
+              <a:rPr lang="fr-FR" dirty="0"/>
+              <a:t>)</a:t>
+            </a:r>
+          </a:p>
+        </p:txBody>
+      </p:sp>
+      <p:sp>
+        <p:nvSpPr>
+          <p:cNvPr id="7" name="TextBox 6">
+            <a:extLst>
+              <a:ext uri="{FF2B5EF4-FFF2-40B4-BE49-F238E27FC236}">
+                <a16:creationId xmlns:a16="http://schemas.microsoft.com/office/drawing/2014/main" id="{E59005FF-539E-79A5-D09F-8959597AC807}"/>
+              </a:ext>
+            </a:extLst>
+          </p:cNvPr>
+          <p:cNvSpPr txBox="1"/>
+          <p:nvPr/>
+        </p:nvSpPr>
+        <p:spPr>
+          <a:xfrm>
+            <a:off x="5953680" y="4621596"/>
+            <a:ext cx="2149764" cy="923330"/>
+          </a:xfrm>
+          <a:prstGeom prst="rect">
+            <a:avLst/>
+          </a:prstGeom>
+          <a:noFill/>
+        </p:spPr>
+        <p:txBody>
+          <a:bodyPr wrap="square" rtlCol="0">
+            <a:spAutoFit/>
+          </a:bodyPr>
+          <a:lstStyle/>
+          <a:p>
+            <a:pPr algn="ctr"/>
+            <a:r>
+              <a:rPr lang="fr-FR" dirty="0" err="1"/>
+              <a:t>Physics</a:t>
+            </a:r>
+            <a:r>
+              <a:rPr lang="fr-FR" dirty="0"/>
+              <a:t> compliance </a:t>
+            </a:r>
+            <a:r>
+              <a:rPr lang="fr-FR" dirty="0" err="1"/>
+              <a:t>criteria</a:t>
+            </a:r>
+            <a:endParaRPr lang="fr-FR" dirty="0"/>
+          </a:p>
+          <a:p>
+            <a:pPr algn="ctr"/>
+            <a:r>
+              <a:rPr lang="fr-FR" dirty="0"/>
+              <a:t>(</a:t>
+            </a:r>
+            <a:r>
+              <a:rPr lang="fr-FR" dirty="0" err="1"/>
+              <a:t>physics</a:t>
+            </a:r>
+            <a:r>
+              <a:rPr lang="fr-FR" dirty="0"/>
+              <a:t> </a:t>
+            </a:r>
+            <a:r>
+              <a:rPr lang="fr-FR" dirty="0" err="1"/>
+              <a:t>constraints</a:t>
+            </a:r>
+            <a:r>
+              <a:rPr lang="fr-FR" dirty="0"/>
+              <a:t>)</a:t>
+            </a:r>
+          </a:p>
+        </p:txBody>
+      </p:sp>
+      <p:pic>
+        <p:nvPicPr>
+          <p:cNvPr id="9" name="Picture 8">
+            <a:extLst>
+              <a:ext uri="{FF2B5EF4-FFF2-40B4-BE49-F238E27FC236}">
+                <a16:creationId xmlns:a16="http://schemas.microsoft.com/office/drawing/2014/main" id="{D9A9EB18-8EAB-B8C2-97B9-9BF17C273A0D}"/>
+              </a:ext>
+            </a:extLst>
+          </p:cNvPr>
+          <p:cNvPicPr>
+            <a:picLocks noChangeAspect="1"/>
+          </p:cNvPicPr>
+          <p:nvPr/>
+        </p:nvPicPr>
+        <p:blipFill>
+          <a:blip r:embed="rId3"/>
+          <a:stretch>
+            <a:fillRect/>
+          </a:stretch>
+        </p:blipFill>
+        <p:spPr>
+          <a:xfrm>
+            <a:off x="8379756" y="1377263"/>
+            <a:ext cx="2123144" cy="5418438"/>
+          </a:xfrm>
+          <a:prstGeom prst="rect">
+            <a:avLst/>
+          </a:prstGeom>
+        </p:spPr>
+      </p:pic>
+      <p:sp>
+        <p:nvSpPr>
+          <p:cNvPr id="10" name="TextBox 9">
+            <a:extLst>
+              <a:ext uri="{FF2B5EF4-FFF2-40B4-BE49-F238E27FC236}">
+                <a16:creationId xmlns:a16="http://schemas.microsoft.com/office/drawing/2014/main" id="{4EEA2DD7-E09E-4122-2275-18F219B65785}"/>
+              </a:ext>
+            </a:extLst>
+          </p:cNvPr>
+          <p:cNvSpPr txBox="1"/>
+          <p:nvPr/>
+        </p:nvSpPr>
+        <p:spPr>
+          <a:xfrm>
+            <a:off x="10655801" y="6149370"/>
+            <a:ext cx="1125682" cy="646331"/>
+          </a:xfrm>
+          <a:prstGeom prst="rect">
+            <a:avLst/>
+          </a:prstGeom>
+          <a:noFill/>
+        </p:spPr>
+        <p:txBody>
+          <a:bodyPr wrap="square" rtlCol="0">
+            <a:spAutoFit/>
+          </a:bodyPr>
+          <a:lstStyle/>
+          <a:p>
+            <a:pPr algn="ctr"/>
+            <a:r>
+              <a:rPr lang="fr-FR" sz="1200" dirty="0" err="1"/>
+              <a:t>Quality</a:t>
+            </a:r>
+            <a:r>
+              <a:rPr lang="fr-FR" sz="1200" dirty="0"/>
+              <a:t> of voltage angle estimation</a:t>
+            </a:r>
+          </a:p>
+        </p:txBody>
+      </p:sp>
+      <p:sp>
+        <p:nvSpPr>
+          <p:cNvPr id="11" name="Left Brace 10">
+            <a:extLst>
+              <a:ext uri="{FF2B5EF4-FFF2-40B4-BE49-F238E27FC236}">
+                <a16:creationId xmlns:a16="http://schemas.microsoft.com/office/drawing/2014/main" id="{B9B93504-B01F-6445-C0AB-996A966077F5}"/>
+              </a:ext>
+            </a:extLst>
+          </p:cNvPr>
+          <p:cNvSpPr/>
+          <p:nvPr/>
+        </p:nvSpPr>
+        <p:spPr>
+          <a:xfrm rot="10800000">
+            <a:off x="10560880" y="6324600"/>
+            <a:ext cx="94921" cy="407729"/>
+          </a:xfrm>
+          <a:prstGeom prst="leftBrace">
+            <a:avLst>
+              <a:gd name="adj1" fmla="val 63670"/>
+              <a:gd name="adj2" fmla="val 50000"/>
+            </a:avLst>
+          </a:prstGeom>
+          <a:ln w="9525"/>
+        </p:spPr>
+        <p:style>
+          <a:lnRef idx="1">
+            <a:schemeClr val="accent1"/>
+          </a:lnRef>
+          <a:fillRef idx="0">
+            <a:schemeClr val="accent1"/>
+          </a:fillRef>
+          <a:effectRef idx="0">
+            <a:schemeClr val="accent1"/>
+          </a:effectRef>
+          <a:fontRef idx="minor">
+            <a:schemeClr val="tx1"/>
+          </a:fontRef>
+        </p:style>
+        <p:txBody>
+          <a:bodyPr rtlCol="0" anchor="ctr"/>
+          <a:lstStyle/>
+          <a:p>
+            <a:pPr algn="ctr"/>
+            <a:endParaRPr lang="fr-FR" dirty="0"/>
+          </a:p>
+        </p:txBody>
+      </p:sp>
+      <p:sp>
+        <p:nvSpPr>
+          <p:cNvPr id="12" name="TextBox 11">
+            <a:extLst>
+              <a:ext uri="{FF2B5EF4-FFF2-40B4-BE49-F238E27FC236}">
+                <a16:creationId xmlns:a16="http://schemas.microsoft.com/office/drawing/2014/main" id="{B0FEAECC-D796-B6E5-061D-FC35196445A5}"/>
+              </a:ext>
+            </a:extLst>
+          </p:cNvPr>
+          <p:cNvSpPr txBox="1"/>
+          <p:nvPr/>
+        </p:nvSpPr>
+        <p:spPr>
+          <a:xfrm>
+            <a:off x="4852056" y="1347658"/>
+            <a:ext cx="1618594" cy="461665"/>
+          </a:xfrm>
+          <a:prstGeom prst="rect">
+            <a:avLst/>
+          </a:prstGeom>
+        </p:spPr>
+        <p:style>
+          <a:lnRef idx="2">
+            <a:schemeClr val="accent1"/>
+          </a:lnRef>
+          <a:fillRef idx="1">
+            <a:schemeClr val="lt1"/>
+          </a:fillRef>
+          <a:effectRef idx="0">
+            <a:schemeClr val="accent1"/>
+          </a:effectRef>
+          <a:fontRef idx="minor">
+            <a:schemeClr val="dk1"/>
+          </a:fontRef>
+        </p:style>
+        <p:txBody>
+          <a:bodyPr wrap="square" rtlCol="0">
+            <a:spAutoFit/>
+          </a:bodyPr>
+          <a:lstStyle/>
+          <a:p>
+            <a:pPr algn="ctr"/>
+            <a:r>
+              <a:rPr lang="fr-FR" sz="1200" dirty="0" err="1"/>
+              <a:t>Obtained</a:t>
+            </a:r>
+            <a:r>
+              <a:rPr lang="fr-FR" sz="1200" dirty="0"/>
+              <a:t> </a:t>
+            </a:r>
+            <a:r>
+              <a:rPr lang="fr-FR" sz="1200" dirty="0" err="1"/>
+              <a:t>using</a:t>
+            </a:r>
+            <a:r>
+              <a:rPr lang="fr-FR" sz="1200" dirty="0"/>
+              <a:t> main_wo_nn.py</a:t>
+            </a:r>
+          </a:p>
+        </p:txBody>
+      </p:sp>
+      <p:sp>
+        <p:nvSpPr>
+          <p:cNvPr id="13" name="Arrow: Right 12">
+            <a:extLst>
+              <a:ext uri="{FF2B5EF4-FFF2-40B4-BE49-F238E27FC236}">
+                <a16:creationId xmlns:a16="http://schemas.microsoft.com/office/drawing/2014/main" id="{3BD73DB2-596B-60DE-A791-238372D7465D}"/>
+              </a:ext>
+            </a:extLst>
+          </p:cNvPr>
+          <p:cNvSpPr/>
+          <p:nvPr/>
+        </p:nvSpPr>
+        <p:spPr>
+          <a:xfrm>
+            <a:off x="5245443" y="3841750"/>
+            <a:ext cx="2438057" cy="273050"/>
+          </a:xfrm>
+          <a:prstGeom prst="rightArrow">
+            <a:avLst/>
+          </a:prstGeom>
+        </p:spPr>
+        <p:style>
+          <a:lnRef idx="2">
+            <a:schemeClr val="accent1">
+              <a:shade val="15000"/>
+            </a:schemeClr>
+          </a:lnRef>
+          <a:fillRef idx="1">
+            <a:schemeClr val="accent1"/>
+          </a:fillRef>
+          <a:effectRef idx="0">
+            <a:schemeClr val="accent1"/>
+          </a:effectRef>
+          <a:fontRef idx="minor">
+            <a:schemeClr val="lt1"/>
+          </a:fontRef>
+        </p:style>
+        <p:txBody>
+          <a:bodyPr rtlCol="0" anchor="ctr"/>
+          <a:lstStyle/>
+          <a:p>
+            <a:pPr algn="ctr"/>
+            <a:endParaRPr lang="fr-FR"/>
+          </a:p>
+        </p:txBody>
+      </p:sp>
+    </p:spTree>
+  </p:cSld>
+  <p:clrMapOvr>
+    <a:masterClrMapping/>
+  </p:clrMapOvr>
+</p:sld>
+</file>
+
+<file path=ppt/slides/slide15.xml><?xml version="1.0" encoding="utf-8"?>
+<p:sld xmlns:a="http://schemas.openxmlformats.org/drawingml/2006/main" xmlns:r="http://schemas.openxmlformats.org/officeDocument/2006/relationships" xmlns:p="http://schemas.openxmlformats.org/presentationml/2006/main">
+  <p:cSld>
+    <p:spTree>
+      <p:nvGrpSpPr>
+        <p:cNvPr id="1" name="Shape 665"/>
+        <p:cNvGrpSpPr/>
+        <p:nvPr/>
+      </p:nvGrpSpPr>
+      <p:grpSpPr>
+        <a:xfrm>
+          <a:off x="0" y="0"/>
+          <a:ext cx="0" cy="0"/>
+          <a:chOff x="0" y="0"/>
+          <a:chExt cx="0" cy="0"/>
+        </a:xfrm>
+      </p:grpSpPr>
+      <p:sp>
+        <p:nvSpPr>
+          <p:cNvPr id="666" name="Google Shape;666;p48"/>
+          <p:cNvSpPr txBox="1">
+            <a:spLocks noGrp="1"/>
+          </p:cNvSpPr>
+          <p:nvPr>
+            <p:ph type="title"/>
+          </p:nvPr>
+        </p:nvSpPr>
+        <p:spPr>
+          <a:xfrm>
+            <a:off x="838200" y="603750"/>
+            <a:ext cx="9065400" cy="597600"/>
+          </a:xfrm>
+          <a:prstGeom prst="rect">
+            <a:avLst/>
+          </a:prstGeom>
+          <a:noFill/>
+          <a:ln>
+            <a:noFill/>
+          </a:ln>
+        </p:spPr>
+        <p:txBody>
+          <a:bodyPr spcFirstLastPara="1" wrap="square" lIns="91425" tIns="45700" rIns="91425" bIns="45700" anchor="ctr" anchorCtr="0">
+            <a:normAutofit/>
+          </a:bodyPr>
+          <a:lstStyle/>
+          <a:p>
+            <a:pPr marL="0" lvl="0" indent="0" algn="l" rtl="0">
+              <a:lnSpc>
+                <a:spcPct val="90000"/>
+              </a:lnSpc>
+              <a:spcBef>
+                <a:spcPts val="0"/>
+              </a:spcBef>
+              <a:spcAft>
+                <a:spcPts val="0"/>
+              </a:spcAft>
+              <a:buClr>
+                <a:schemeClr val="dk1"/>
+              </a:buClr>
+              <a:buSzPts val="3600"/>
+              <a:buFont typeface="Calibri"/>
+              <a:buNone/>
+            </a:pPr>
+            <a:r>
+              <a:rPr lang="it-IT"/>
+              <a:t>Authors</a:t>
+            </a:r>
+            <a:endParaRPr/>
+          </a:p>
+        </p:txBody>
+      </p:sp>
+      <p:graphicFrame>
+        <p:nvGraphicFramePr>
+          <p:cNvPr id="4" name="Google Shape;667;p48">
+            <a:extLst>
+              <a:ext uri="{FF2B5EF4-FFF2-40B4-BE49-F238E27FC236}">
+                <a16:creationId xmlns:a16="http://schemas.microsoft.com/office/drawing/2014/main" id="{C50AC57B-5ADB-88BC-472A-ADD5DF2CF6C3}"/>
+              </a:ext>
+            </a:extLst>
+          </p:cNvPr>
+          <p:cNvGraphicFramePr/>
+          <p:nvPr>
+            <p:extLst>
+              <p:ext uri="{D42A27DB-BD31-4B8C-83A1-F6EECF244321}">
+                <p14:modId xmlns:p14="http://schemas.microsoft.com/office/powerpoint/2010/main" val="59115176"/>
+              </p:ext>
+            </p:extLst>
+          </p:nvPr>
+        </p:nvGraphicFramePr>
+        <p:xfrm>
+          <a:off x="2086995" y="2438474"/>
+          <a:ext cx="8128000" cy="741700"/>
+        </p:xfrm>
+        <a:graphic>
+          <a:graphicData uri="http://schemas.openxmlformats.org/drawingml/2006/table">
+            <a:tbl>
+              <a:tblPr firstRow="1" bandRow="1">
+                <a:tableStyleId>{3B4B98B0-60AC-42C2-AFA5-B58CD77FA1E5}</a:tableStyleId>
+              </a:tblPr>
+              <a:tblGrid>
+                <a:gridCol w="4064000">
+                  <a:extLst>
+                    <a:ext uri="{9D8B030D-6E8A-4147-A177-3AD203B41FA5}">
+                      <a16:colId xmlns:a16="http://schemas.microsoft.com/office/drawing/2014/main" val="20000"/>
+                    </a:ext>
+                  </a:extLst>
+                </a:gridCol>
+                <a:gridCol w="4064000">
+                  <a:extLst>
+                    <a:ext uri="{9D8B030D-6E8A-4147-A177-3AD203B41FA5}">
+                      <a16:colId xmlns:a16="http://schemas.microsoft.com/office/drawing/2014/main" val="20001"/>
+                    </a:ext>
+                  </a:extLst>
+                </a:gridCol>
+              </a:tblGrid>
+              <a:tr h="370850">
+                <a:tc>
+                  <a:txBody>
+                    <a:bodyPr/>
+                    <a:lstStyle>
+                      <a:lvl1pPr marL="0" algn="l" defTabSz="914400" rtl="0" eaLnBrk="1" latinLnBrk="0" hangingPunct="1">
+                        <a:defRPr sz="1800" kern="1200">
+                          <a:solidFill>
+                            <a:schemeClr val="tx1"/>
+                          </a:solidFill>
+                          <a:latin typeface="Arial"/>
+                        </a:defRPr>
+                      </a:lvl1pPr>
+                      <a:lvl2pPr marL="457200" algn="l" defTabSz="914400" rtl="0" eaLnBrk="1" latinLnBrk="0" hangingPunct="1">
+                        <a:defRPr sz="1800" kern="1200">
+                          <a:solidFill>
+                            <a:schemeClr val="tx1"/>
+                          </a:solidFill>
+                          <a:latin typeface="Arial"/>
+                        </a:defRPr>
+                      </a:lvl2pPr>
+                      <a:lvl3pPr marL="914400" algn="l" defTabSz="914400" rtl="0" eaLnBrk="1" latinLnBrk="0" hangingPunct="1">
+                        <a:defRPr sz="1800" kern="1200">
+                          <a:solidFill>
+                            <a:schemeClr val="tx1"/>
+                          </a:solidFill>
+                          <a:latin typeface="Arial"/>
+                        </a:defRPr>
+                      </a:lvl3pPr>
+                      <a:lvl4pPr marL="1371600" algn="l" defTabSz="914400" rtl="0" eaLnBrk="1" latinLnBrk="0" hangingPunct="1">
+                        <a:defRPr sz="1800" kern="1200">
+                          <a:solidFill>
+                            <a:schemeClr val="tx1"/>
+                          </a:solidFill>
+                          <a:latin typeface="Arial"/>
+                        </a:defRPr>
+                      </a:lvl4pPr>
+                      <a:lvl5pPr marL="1828800" algn="l" defTabSz="914400" rtl="0" eaLnBrk="1" latinLnBrk="0" hangingPunct="1">
+                        <a:defRPr sz="1800" kern="1200">
+                          <a:solidFill>
+                            <a:schemeClr val="tx1"/>
+                          </a:solidFill>
+                          <a:latin typeface="Arial"/>
+                        </a:defRPr>
+                      </a:lvl5pPr>
+                      <a:lvl6pPr marL="2286000" algn="l" defTabSz="914400" rtl="0" eaLnBrk="1" latinLnBrk="0" hangingPunct="1">
+                        <a:defRPr sz="1800" kern="1200">
+                          <a:solidFill>
+                            <a:schemeClr val="tx1"/>
+                          </a:solidFill>
+                          <a:latin typeface="Arial"/>
+                        </a:defRPr>
+                      </a:lvl6pPr>
+                      <a:lvl7pPr marL="2743200" algn="l" defTabSz="914400" rtl="0" eaLnBrk="1" latinLnBrk="0" hangingPunct="1">
+                        <a:defRPr sz="1800" kern="1200">
+                          <a:solidFill>
+                            <a:schemeClr val="tx1"/>
+                          </a:solidFill>
+                          <a:latin typeface="Arial"/>
+                        </a:defRPr>
+                      </a:lvl7pPr>
+                      <a:lvl8pPr marL="3200400" algn="l" defTabSz="914400" rtl="0" eaLnBrk="1" latinLnBrk="0" hangingPunct="1">
+                        <a:defRPr sz="1800" kern="1200">
+                          <a:solidFill>
+                            <a:schemeClr val="tx1"/>
+                          </a:solidFill>
+                          <a:latin typeface="Arial"/>
+                        </a:defRPr>
+                      </a:lvl8pPr>
+                      <a:lvl9pPr marL="3657600" algn="l" defTabSz="914400" rtl="0" eaLnBrk="1" latinLnBrk="0" hangingPunct="1">
+                        <a:defRPr sz="1800" kern="1200">
+                          <a:solidFill>
+                            <a:schemeClr val="tx1"/>
+                          </a:solidFill>
+                          <a:latin typeface="Arial"/>
+                        </a:defRPr>
+                      </a:lvl9pPr>
+                    </a:lstStyle>
+                    <a:p>
+                      <a:pPr marL="0" marR="0" lvl="0" indent="0" algn="ctr" rtl="0">
+                        <a:spcBef>
+                          <a:spcPts val="0"/>
+                        </a:spcBef>
+                        <a:spcAft>
+                          <a:spcPts val="0"/>
+                        </a:spcAft>
+                        <a:buNone/>
+                      </a:pPr>
+                      <a:r>
+                        <a:rPr lang="it-IT" sz="1800" u="none" strike="noStrike" cap="none" dirty="0">
+                          <a:solidFill>
+                            <a:srgbClr val="FF0000"/>
+                          </a:solidFill>
+                          <a:sym typeface="Calibri"/>
+                        </a:rPr>
+                        <a:t>Authors</a:t>
+                      </a:r>
+                      <a:endParaRPr dirty="0">
+                        <a:solidFill>
+                          <a:srgbClr val="FF0000"/>
+                        </a:solidFill>
+                      </a:endParaRPr>
+                    </a:p>
+                  </a:txBody>
+                  <a:tcPr marL="91450" marR="91450" marT="45725" marB="45725"/>
+                </a:tc>
+                <a:tc>
+                  <a:txBody>
+                    <a:bodyPr/>
+                    <a:lstStyle>
+                      <a:lvl1pPr marL="0" algn="l" defTabSz="914400" rtl="0" eaLnBrk="1" latinLnBrk="0" hangingPunct="1">
+                        <a:defRPr sz="1800" kern="1200">
+                          <a:solidFill>
+                            <a:schemeClr val="tx1"/>
+                          </a:solidFill>
+                          <a:latin typeface="Arial"/>
+                        </a:defRPr>
+                      </a:lvl1pPr>
+                      <a:lvl2pPr marL="457200" algn="l" defTabSz="914400" rtl="0" eaLnBrk="1" latinLnBrk="0" hangingPunct="1">
+                        <a:defRPr sz="1800" kern="1200">
+                          <a:solidFill>
+                            <a:schemeClr val="tx1"/>
+                          </a:solidFill>
+                          <a:latin typeface="Arial"/>
+                        </a:defRPr>
+                      </a:lvl2pPr>
+                      <a:lvl3pPr marL="914400" algn="l" defTabSz="914400" rtl="0" eaLnBrk="1" latinLnBrk="0" hangingPunct="1">
+                        <a:defRPr sz="1800" kern="1200">
+                          <a:solidFill>
+                            <a:schemeClr val="tx1"/>
+                          </a:solidFill>
+                          <a:latin typeface="Arial"/>
+                        </a:defRPr>
+                      </a:lvl3pPr>
+                      <a:lvl4pPr marL="1371600" algn="l" defTabSz="914400" rtl="0" eaLnBrk="1" latinLnBrk="0" hangingPunct="1">
+                        <a:defRPr sz="1800" kern="1200">
+                          <a:solidFill>
+                            <a:schemeClr val="tx1"/>
+                          </a:solidFill>
+                          <a:latin typeface="Arial"/>
+                        </a:defRPr>
+                      </a:lvl4pPr>
+                      <a:lvl5pPr marL="1828800" algn="l" defTabSz="914400" rtl="0" eaLnBrk="1" latinLnBrk="0" hangingPunct="1">
+                        <a:defRPr sz="1800" kern="1200">
+                          <a:solidFill>
+                            <a:schemeClr val="tx1"/>
+                          </a:solidFill>
+                          <a:latin typeface="Arial"/>
+                        </a:defRPr>
+                      </a:lvl5pPr>
+                      <a:lvl6pPr marL="2286000" algn="l" defTabSz="914400" rtl="0" eaLnBrk="1" latinLnBrk="0" hangingPunct="1">
+                        <a:defRPr sz="1800" kern="1200">
+                          <a:solidFill>
+                            <a:schemeClr val="tx1"/>
+                          </a:solidFill>
+                          <a:latin typeface="Arial"/>
+                        </a:defRPr>
+                      </a:lvl6pPr>
+                      <a:lvl7pPr marL="2743200" algn="l" defTabSz="914400" rtl="0" eaLnBrk="1" latinLnBrk="0" hangingPunct="1">
+                        <a:defRPr sz="1800" kern="1200">
+                          <a:solidFill>
+                            <a:schemeClr val="tx1"/>
+                          </a:solidFill>
+                          <a:latin typeface="Arial"/>
+                        </a:defRPr>
+                      </a:lvl7pPr>
+                      <a:lvl8pPr marL="3200400" algn="l" defTabSz="914400" rtl="0" eaLnBrk="1" latinLnBrk="0" hangingPunct="1">
+                        <a:defRPr sz="1800" kern="1200">
+                          <a:solidFill>
+                            <a:schemeClr val="tx1"/>
+                          </a:solidFill>
+                          <a:latin typeface="Arial"/>
+                        </a:defRPr>
+                      </a:lvl8pPr>
+                      <a:lvl9pPr marL="3657600" algn="l" defTabSz="914400" rtl="0" eaLnBrk="1" latinLnBrk="0" hangingPunct="1">
+                        <a:defRPr sz="1800" kern="1200">
+                          <a:solidFill>
+                            <a:schemeClr val="tx1"/>
+                          </a:solidFill>
+                          <a:latin typeface="Arial"/>
+                        </a:defRPr>
+                      </a:lvl9pPr>
+                    </a:lstStyle>
+                    <a:p>
+                      <a:pPr marL="0" marR="0" lvl="0" indent="0" algn="ctr" rtl="0">
+                        <a:spcBef>
+                          <a:spcPts val="0"/>
+                        </a:spcBef>
+                        <a:spcAft>
+                          <a:spcPts val="0"/>
+                        </a:spcAft>
+                        <a:buNone/>
+                      </a:pPr>
+                      <a:r>
+                        <a:rPr lang="it-IT" sz="1800" u="none" strike="noStrike" cap="none" dirty="0">
+                          <a:solidFill>
+                            <a:srgbClr val="FF0000"/>
+                          </a:solidFill>
+                          <a:sym typeface="Calibri"/>
+                        </a:rPr>
+                        <a:t>Institution</a:t>
+                      </a:r>
+                      <a:endParaRPr dirty="0">
+                        <a:solidFill>
+                          <a:srgbClr val="FF0000"/>
+                        </a:solidFill>
+                      </a:endParaRPr>
+                    </a:p>
+                  </a:txBody>
+                  <a:tcPr marL="91450" marR="91450" marT="45725" marB="45725"/>
+                </a:tc>
+                <a:extLst>
+                  <a:ext uri="{0D108BD9-81ED-4DB2-BD59-A6C34878D82A}">
+                    <a16:rowId xmlns:a16="http://schemas.microsoft.com/office/drawing/2014/main" val="10000"/>
+                  </a:ext>
+                </a:extLst>
+              </a:tr>
+              <a:tr h="370850">
+                <a:tc>
+                  <a:txBody>
+                    <a:bodyPr/>
+                    <a:lstStyle>
+                      <a:lvl1pPr marL="0" algn="l" defTabSz="914400" rtl="0" eaLnBrk="1" latinLnBrk="0" hangingPunct="1">
+                        <a:defRPr sz="1800" kern="1200">
+                          <a:solidFill>
+                            <a:schemeClr val="tx1"/>
+                          </a:solidFill>
+                          <a:latin typeface="Arial"/>
+                        </a:defRPr>
+                      </a:lvl1pPr>
+                      <a:lvl2pPr marL="457200" algn="l" defTabSz="914400" rtl="0" eaLnBrk="1" latinLnBrk="0" hangingPunct="1">
+                        <a:defRPr sz="1800" kern="1200">
+                          <a:solidFill>
+                            <a:schemeClr val="tx1"/>
+                          </a:solidFill>
+                          <a:latin typeface="Arial"/>
+                        </a:defRPr>
+                      </a:lvl2pPr>
+                      <a:lvl3pPr marL="914400" algn="l" defTabSz="914400" rtl="0" eaLnBrk="1" latinLnBrk="0" hangingPunct="1">
+                        <a:defRPr sz="1800" kern="1200">
+                          <a:solidFill>
+                            <a:schemeClr val="tx1"/>
+                          </a:solidFill>
+                          <a:latin typeface="Arial"/>
+                        </a:defRPr>
+                      </a:lvl3pPr>
+                      <a:lvl4pPr marL="1371600" algn="l" defTabSz="914400" rtl="0" eaLnBrk="1" latinLnBrk="0" hangingPunct="1">
+                        <a:defRPr sz="1800" kern="1200">
+                          <a:solidFill>
+                            <a:schemeClr val="tx1"/>
+                          </a:solidFill>
+                          <a:latin typeface="Arial"/>
+                        </a:defRPr>
+                      </a:lvl4pPr>
+                      <a:lvl5pPr marL="1828800" algn="l" defTabSz="914400" rtl="0" eaLnBrk="1" latinLnBrk="0" hangingPunct="1">
+                        <a:defRPr sz="1800" kern="1200">
+                          <a:solidFill>
+                            <a:schemeClr val="tx1"/>
+                          </a:solidFill>
+                          <a:latin typeface="Arial"/>
+                        </a:defRPr>
+                      </a:lvl5pPr>
+                      <a:lvl6pPr marL="2286000" algn="l" defTabSz="914400" rtl="0" eaLnBrk="1" latinLnBrk="0" hangingPunct="1">
+                        <a:defRPr sz="1800" kern="1200">
+                          <a:solidFill>
+                            <a:schemeClr val="tx1"/>
+                          </a:solidFill>
+                          <a:latin typeface="Arial"/>
+                        </a:defRPr>
+                      </a:lvl6pPr>
+                      <a:lvl7pPr marL="2743200" algn="l" defTabSz="914400" rtl="0" eaLnBrk="1" latinLnBrk="0" hangingPunct="1">
+                        <a:defRPr sz="1800" kern="1200">
+                          <a:solidFill>
+                            <a:schemeClr val="tx1"/>
+                          </a:solidFill>
+                          <a:latin typeface="Arial"/>
+                        </a:defRPr>
+                      </a:lvl7pPr>
+                      <a:lvl8pPr marL="3200400" algn="l" defTabSz="914400" rtl="0" eaLnBrk="1" latinLnBrk="0" hangingPunct="1">
+                        <a:defRPr sz="1800" kern="1200">
+                          <a:solidFill>
+                            <a:schemeClr val="tx1"/>
+                          </a:solidFill>
+                          <a:latin typeface="Arial"/>
+                        </a:defRPr>
+                      </a:lvl8pPr>
+                      <a:lvl9pPr marL="3657600" algn="l" defTabSz="914400" rtl="0" eaLnBrk="1" latinLnBrk="0" hangingPunct="1">
+                        <a:defRPr sz="1800" kern="1200">
+                          <a:solidFill>
+                            <a:schemeClr val="tx1"/>
+                          </a:solidFill>
+                          <a:latin typeface="Arial"/>
+                        </a:defRPr>
+                      </a:lvl9pPr>
+                    </a:lstStyle>
+                    <a:p>
+                      <a:pPr marL="0" marR="0" lvl="0" indent="0" algn="l" rtl="0">
+                        <a:spcBef>
+                          <a:spcPts val="0"/>
+                        </a:spcBef>
+                        <a:spcAft>
+                          <a:spcPts val="0"/>
+                        </a:spcAft>
+                        <a:buNone/>
+                      </a:pPr>
+                      <a:r>
+                        <a:rPr lang="fr-FR" sz="1800" dirty="0"/>
+                        <a:t>Milad </a:t>
+                      </a:r>
+                      <a:r>
+                        <a:rPr lang="fr-FR" sz="1800" dirty="0" err="1"/>
+                        <a:t>Leyli-abadi</a:t>
+                      </a:r>
+                      <a:endParaRPr sz="1800" dirty="0"/>
+                    </a:p>
+                  </a:txBody>
+                  <a:tcPr marL="91450" marR="91450" marT="45725" marB="45725"/>
+                </a:tc>
+                <a:tc>
+                  <a:txBody>
+                    <a:bodyPr/>
+                    <a:lstStyle>
+                      <a:lvl1pPr marL="0" algn="l" defTabSz="914400" rtl="0" eaLnBrk="1" latinLnBrk="0" hangingPunct="1">
+                        <a:defRPr sz="1800" kern="1200">
+                          <a:solidFill>
+                            <a:schemeClr val="tx1"/>
+                          </a:solidFill>
+                          <a:latin typeface="Arial"/>
+                        </a:defRPr>
+                      </a:lvl1pPr>
+                      <a:lvl2pPr marL="457200" algn="l" defTabSz="914400" rtl="0" eaLnBrk="1" latinLnBrk="0" hangingPunct="1">
+                        <a:defRPr sz="1800" kern="1200">
+                          <a:solidFill>
+                            <a:schemeClr val="tx1"/>
+                          </a:solidFill>
+                          <a:latin typeface="Arial"/>
+                        </a:defRPr>
+                      </a:lvl2pPr>
+                      <a:lvl3pPr marL="914400" algn="l" defTabSz="914400" rtl="0" eaLnBrk="1" latinLnBrk="0" hangingPunct="1">
+                        <a:defRPr sz="1800" kern="1200">
+                          <a:solidFill>
+                            <a:schemeClr val="tx1"/>
+                          </a:solidFill>
+                          <a:latin typeface="Arial"/>
+                        </a:defRPr>
+                      </a:lvl3pPr>
+                      <a:lvl4pPr marL="1371600" algn="l" defTabSz="914400" rtl="0" eaLnBrk="1" latinLnBrk="0" hangingPunct="1">
+                        <a:defRPr sz="1800" kern="1200">
+                          <a:solidFill>
+                            <a:schemeClr val="tx1"/>
+                          </a:solidFill>
+                          <a:latin typeface="Arial"/>
+                        </a:defRPr>
+                      </a:lvl4pPr>
+                      <a:lvl5pPr marL="1828800" algn="l" defTabSz="914400" rtl="0" eaLnBrk="1" latinLnBrk="0" hangingPunct="1">
+                        <a:defRPr sz="1800" kern="1200">
+                          <a:solidFill>
+                            <a:schemeClr val="tx1"/>
+                          </a:solidFill>
+                          <a:latin typeface="Arial"/>
+                        </a:defRPr>
+                      </a:lvl5pPr>
+                      <a:lvl6pPr marL="2286000" algn="l" defTabSz="914400" rtl="0" eaLnBrk="1" latinLnBrk="0" hangingPunct="1">
+                        <a:defRPr sz="1800" kern="1200">
+                          <a:solidFill>
+                            <a:schemeClr val="tx1"/>
+                          </a:solidFill>
+                          <a:latin typeface="Arial"/>
+                        </a:defRPr>
+                      </a:lvl6pPr>
+                      <a:lvl7pPr marL="2743200" algn="l" defTabSz="914400" rtl="0" eaLnBrk="1" latinLnBrk="0" hangingPunct="1">
+                        <a:defRPr sz="1800" kern="1200">
+                          <a:solidFill>
+                            <a:schemeClr val="tx1"/>
+                          </a:solidFill>
+                          <a:latin typeface="Arial"/>
+                        </a:defRPr>
+                      </a:lvl7pPr>
+                      <a:lvl8pPr marL="3200400" algn="l" defTabSz="914400" rtl="0" eaLnBrk="1" latinLnBrk="0" hangingPunct="1">
+                        <a:defRPr sz="1800" kern="1200">
+                          <a:solidFill>
+                            <a:schemeClr val="tx1"/>
+                          </a:solidFill>
+                          <a:latin typeface="Arial"/>
+                        </a:defRPr>
+                      </a:lvl8pPr>
+                      <a:lvl9pPr marL="3657600" algn="l" defTabSz="914400" rtl="0" eaLnBrk="1" latinLnBrk="0" hangingPunct="1">
+                        <a:defRPr sz="1800" kern="1200">
+                          <a:solidFill>
+                            <a:schemeClr val="tx1"/>
+                          </a:solidFill>
+                          <a:latin typeface="Arial"/>
+                        </a:defRPr>
+                      </a:lvl9pPr>
+                    </a:lstStyle>
+                    <a:p>
+                      <a:pPr marL="0" marR="0" lvl="0" indent="0" algn="l" rtl="0">
+                        <a:spcBef>
+                          <a:spcPts val="0"/>
+                        </a:spcBef>
+                        <a:spcAft>
+                          <a:spcPts val="0"/>
+                        </a:spcAft>
+                        <a:buNone/>
+                      </a:pPr>
+                      <a:r>
+                        <a:rPr lang="fr-FR" sz="1800" dirty="0"/>
+                        <a:t>IRTSX (IRT SystemX)</a:t>
+                      </a:r>
+                      <a:endParaRPr sz="1800" dirty="0"/>
+                    </a:p>
+                  </a:txBody>
+                  <a:tcPr marL="91450" marR="91450" marT="45725" marB="45725"/>
+                </a:tc>
+                <a:extLst>
+                  <a:ext uri="{0D108BD9-81ED-4DB2-BD59-A6C34878D82A}">
+                    <a16:rowId xmlns:a16="http://schemas.microsoft.com/office/drawing/2014/main" val="10001"/>
+                  </a:ext>
+                </a:extLst>
+              </a:tr>
+            </a:tbl>
+          </a:graphicData>
+        </a:graphic>
+      </p:graphicFrame>
+    </p:spTree>
+  </p:cSld>
+  <p:clrMapOvr>
+    <a:masterClrMapping/>
+  </p:clrMapOvr>
+</p:sld>
+</file>
+
+<file path=ppt/slides/slide16.xml><?xml version="1.0" encoding="utf-8"?>
 <p:sld xmlns:a="http://schemas.openxmlformats.org/drawingml/2006/main" xmlns:r="http://schemas.openxmlformats.org/officeDocument/2006/relationships" xmlns:p="http://schemas.openxmlformats.org/presentationml/2006/main">
   <p:cSld>
     <p:spTree>
@@ -9873,7 +13618,7 @@
 </p:sld>
 </file>
 
-<file path=ppt/slides/slide11.xml><?xml version="1.0" encoding="utf-8"?>
+<file path=ppt/slides/slide17.xml><?xml version="1.0" encoding="utf-8"?>
 <p:sld xmlns:a="http://schemas.openxmlformats.org/drawingml/2006/main" xmlns:r="http://schemas.openxmlformats.org/officeDocument/2006/relationships" xmlns:p="http://schemas.openxmlformats.org/presentationml/2006/main">
   <p:cSld>
     <p:spTree>
@@ -9936,8 +13681,21 @@
         </p:nvSpPr>
         <p:spPr/>
         <p:txBody>
-          <a:bodyPr/>
+          <a:bodyPr>
+            <a:normAutofit lnSpcReduction="10000"/>
+          </a:bodyPr>
           <a:lstStyle/>
+          <a:p>
+            <a:pPr algn="just"/>
+            <a:r>
+              <a:rPr lang="en-US" noProof="0" dirty="0"/>
+              <a:t>Improve the implementation of neural network based GNN which requires more training and layers to achieve the same performance as the GNN without NN</a:t>
+            </a:r>
+          </a:p>
+          <a:p>
+            <a:pPr algn="just"/>
+            <a:endParaRPr lang="en-US" noProof="0" dirty="0"/>
+          </a:p>
           <a:p>
             <a:pPr algn="just"/>
             <a:r>
@@ -9982,7 +13740,7 @@
 </p:sld>
 </file>
 
-<file path=ppt/slides/slide12.xml><?xml version="1.0" encoding="utf-8"?>
+<file path=ppt/slides/slide18.xml><?xml version="1.0" encoding="utf-8"?>
 <p:sld xmlns:a="http://schemas.openxmlformats.org/drawingml/2006/main" xmlns:r="http://schemas.openxmlformats.org/officeDocument/2006/relationships" xmlns:p="http://schemas.openxmlformats.org/presentationml/2006/main">
   <p:cSld>
     <p:spTree>
@@ -10155,6 +13913,882 @@
   <p:cSld>
     <p:spTree>
       <p:nvGrpSpPr>
+        <p:cNvPr id="1" name="Shape 499"/>
+        <p:cNvGrpSpPr/>
+        <p:nvPr/>
+      </p:nvGrpSpPr>
+      <p:grpSpPr>
+        <a:xfrm>
+          <a:off x="0" y="0"/>
+          <a:ext cx="0" cy="0"/>
+          <a:chOff x="0" y="0"/>
+          <a:chExt cx="0" cy="0"/>
+        </a:xfrm>
+      </p:grpSpPr>
+      <p:sp>
+        <p:nvSpPr>
+          <p:cNvPr id="500" name="Google Shape;500;p38"/>
+          <p:cNvSpPr txBox="1"/>
+          <p:nvPr/>
+        </p:nvSpPr>
+        <p:spPr>
+          <a:xfrm>
+            <a:off x="742200" y="557775"/>
+            <a:ext cx="10707600" cy="786300"/>
+          </a:xfrm>
+          <a:prstGeom prst="rect">
+            <a:avLst/>
+          </a:prstGeom>
+          <a:solidFill>
+            <a:schemeClr val="lt1"/>
+          </a:solidFill>
+          <a:ln>
+            <a:noFill/>
+          </a:ln>
+        </p:spPr>
+        <p:txBody>
+          <a:bodyPr spcFirstLastPara="1" wrap="square" lIns="91425" tIns="91425" rIns="91425" bIns="91425" anchor="t" anchorCtr="0">
+            <a:noAutofit/>
+          </a:bodyPr>
+          <a:lstStyle/>
+          <a:p>
+            <a:pPr marL="0" lvl="0" indent="0" algn="l" rtl="0">
+              <a:spcBef>
+                <a:spcPts val="0"/>
+              </a:spcBef>
+              <a:spcAft>
+                <a:spcPts val="0"/>
+              </a:spcAft>
+              <a:buNone/>
+            </a:pPr>
+            <a:endParaRPr>
+              <a:latin typeface="Calibri"/>
+              <a:ea typeface="Calibri"/>
+              <a:cs typeface="Calibri"/>
+              <a:sym typeface="Calibri"/>
+            </a:endParaRPr>
+          </a:p>
+        </p:txBody>
+      </p:sp>
+      <p:pic>
+        <p:nvPicPr>
+          <p:cNvPr id="501" name="Google Shape;501;p38"/>
+          <p:cNvPicPr preferRelativeResize="0"/>
+          <p:nvPr/>
+        </p:nvPicPr>
+        <p:blipFill>
+          <a:blip r:embed="rId3">
+            <a:alphaModFix/>
+          </a:blip>
+          <a:stretch>
+            <a:fillRect/>
+          </a:stretch>
+        </p:blipFill>
+        <p:spPr>
+          <a:xfrm>
+            <a:off x="703325" y="234600"/>
+            <a:ext cx="10785352" cy="702275"/>
+          </a:xfrm>
+          <a:prstGeom prst="rect">
+            <a:avLst/>
+          </a:prstGeom>
+          <a:noFill/>
+          <a:ln>
+            <a:noFill/>
+          </a:ln>
+        </p:spPr>
+      </p:pic>
+      <p:sp>
+        <p:nvSpPr>
+          <p:cNvPr id="502" name="Google Shape;502;p38"/>
+          <p:cNvSpPr txBox="1">
+            <a:spLocks noGrp="1"/>
+          </p:cNvSpPr>
+          <p:nvPr>
+            <p:ph type="title"/>
+          </p:nvPr>
+        </p:nvSpPr>
+        <p:spPr>
+          <a:xfrm>
+            <a:off x="838200" y="169353"/>
+            <a:ext cx="10515600" cy="723000"/>
+          </a:xfrm>
+          <a:prstGeom prst="rect">
+            <a:avLst/>
+          </a:prstGeom>
+        </p:spPr>
+        <p:txBody>
+          <a:bodyPr spcFirstLastPara="1" wrap="square" lIns="91425" tIns="45700" rIns="91425" bIns="45700" anchor="ctr" anchorCtr="0">
+            <a:normAutofit/>
+          </a:bodyPr>
+          <a:lstStyle/>
+          <a:p>
+            <a:pPr marL="0" lvl="0" indent="0" algn="l" rtl="0">
+              <a:spcBef>
+                <a:spcPts val="0"/>
+              </a:spcBef>
+              <a:spcAft>
+                <a:spcPts val="0"/>
+              </a:spcAft>
+              <a:buNone/>
+            </a:pPr>
+            <a:r>
+              <a:rPr lang="it-IT"/>
+              <a:t>Context</a:t>
+            </a:r>
+            <a:endParaRPr/>
+          </a:p>
+        </p:txBody>
+      </p:sp>
+      <p:sp>
+        <p:nvSpPr>
+          <p:cNvPr id="503" name="Google Shape;503;p38"/>
+          <p:cNvSpPr txBox="1">
+            <a:spLocks noGrp="1"/>
+          </p:cNvSpPr>
+          <p:nvPr>
+            <p:ph type="sldNum" idx="12"/>
+          </p:nvPr>
+        </p:nvSpPr>
+        <p:spPr>
+          <a:xfrm>
+            <a:off x="8610600" y="6356350"/>
+            <a:ext cx="2743200" cy="365100"/>
+          </a:xfrm>
+          <a:prstGeom prst="rect">
+            <a:avLst/>
+          </a:prstGeom>
+        </p:spPr>
+        <p:txBody>
+          <a:bodyPr spcFirstLastPara="1" wrap="square" lIns="91425" tIns="45700" rIns="91425" bIns="45700" anchor="ctr" anchorCtr="0">
+            <a:noAutofit/>
+          </a:bodyPr>
+          <a:lstStyle/>
+          <a:p>
+            <a:pPr marL="0" lvl="0" indent="0" algn="r" rtl="0">
+              <a:spcBef>
+                <a:spcPts val="0"/>
+              </a:spcBef>
+              <a:spcAft>
+                <a:spcPts val="0"/>
+              </a:spcAft>
+              <a:buNone/>
+            </a:pPr>
+            <a:fld id="{00000000-1234-1234-1234-123412341234}" type="slidenum">
+              <a:rPr lang="it-IT"/>
+              <a:t>3</a:t>
+            </a:fld>
+            <a:endParaRPr/>
+          </a:p>
+        </p:txBody>
+      </p:sp>
+      <p:sp>
+        <p:nvSpPr>
+          <p:cNvPr id="504" name="Google Shape;504;p38"/>
+          <p:cNvSpPr txBox="1"/>
+          <p:nvPr/>
+        </p:nvSpPr>
+        <p:spPr>
+          <a:xfrm>
+            <a:off x="1196875" y="1581400"/>
+            <a:ext cx="10291800" cy="861744"/>
+          </a:xfrm>
+          <a:prstGeom prst="rect">
+            <a:avLst/>
+          </a:prstGeom>
+          <a:noFill/>
+          <a:ln>
+            <a:noFill/>
+          </a:ln>
+        </p:spPr>
+        <p:txBody>
+          <a:bodyPr spcFirstLastPara="1" wrap="square" lIns="91425" tIns="91425" rIns="91425" bIns="91425" anchor="t" anchorCtr="0">
+            <a:spAutoFit/>
+          </a:bodyPr>
+          <a:lstStyle/>
+          <a:p>
+            <a:pPr marL="0" lvl="0" indent="0" algn="l" rtl="0">
+              <a:spcBef>
+                <a:spcPts val="0"/>
+              </a:spcBef>
+              <a:spcAft>
+                <a:spcPts val="0"/>
+              </a:spcAft>
+              <a:buNone/>
+            </a:pPr>
+            <a:r>
+              <a:rPr lang="it-IT" sz="2200" b="1" dirty="0">
+                <a:solidFill>
+                  <a:schemeClr val="dk1"/>
+                </a:solidFill>
+                <a:latin typeface="Calibri"/>
+                <a:ea typeface="Calibri"/>
+                <a:cs typeface="Calibri"/>
+                <a:sym typeface="Calibri"/>
+              </a:rPr>
+              <a:t>Graph Neural Solver </a:t>
+            </a:r>
+            <a:r>
+              <a:rPr lang="it-IT" sz="2200" dirty="0">
+                <a:solidFill>
+                  <a:schemeClr val="dk1"/>
+                </a:solidFill>
+                <a:latin typeface="Calibri"/>
+                <a:ea typeface="Calibri"/>
+                <a:cs typeface="Calibri"/>
+                <a:sym typeface="Calibri"/>
+              </a:rPr>
+              <a:t>is a </a:t>
+            </a:r>
+            <a:r>
+              <a:rPr lang="fr-FR" sz="2200" dirty="0">
+                <a:solidFill>
+                  <a:schemeClr val="dk1"/>
+                </a:solidFill>
+                <a:latin typeface="Calibri"/>
+                <a:ea typeface="Calibri"/>
+                <a:cs typeface="Calibri"/>
+                <a:sym typeface="Calibri"/>
+              </a:rPr>
+              <a:t>machine </a:t>
+            </a:r>
+            <a:r>
+              <a:rPr lang="fr-FR" sz="2200" dirty="0" err="1">
+                <a:solidFill>
+                  <a:schemeClr val="dk1"/>
+                </a:solidFill>
+                <a:latin typeface="Calibri"/>
+                <a:ea typeface="Calibri"/>
+                <a:cs typeface="Calibri"/>
+                <a:sym typeface="Calibri"/>
+              </a:rPr>
+              <a:t>learning</a:t>
+            </a:r>
+            <a:r>
+              <a:rPr lang="fr-FR" sz="2200" dirty="0">
+                <a:solidFill>
+                  <a:schemeClr val="dk1"/>
+                </a:solidFill>
+                <a:latin typeface="Calibri"/>
+                <a:ea typeface="Calibri"/>
+                <a:cs typeface="Calibri"/>
+                <a:sym typeface="Calibri"/>
+              </a:rPr>
+              <a:t> </a:t>
+            </a:r>
+            <a:r>
+              <a:rPr lang="fr-FR" sz="2200" dirty="0" err="1">
+                <a:solidFill>
+                  <a:schemeClr val="dk1"/>
+                </a:solidFill>
+                <a:latin typeface="Calibri"/>
+                <a:ea typeface="Calibri"/>
+                <a:cs typeface="Calibri"/>
+                <a:sym typeface="Calibri"/>
+              </a:rPr>
+              <a:t>algorithm</a:t>
+            </a:r>
+            <a:r>
+              <a:rPr lang="fr-FR" sz="2200" dirty="0">
+                <a:solidFill>
+                  <a:schemeClr val="dk1"/>
+                </a:solidFill>
+                <a:latin typeface="Calibri"/>
+                <a:ea typeface="Calibri"/>
+                <a:cs typeface="Calibri"/>
+                <a:sym typeface="Calibri"/>
+              </a:rPr>
+              <a:t> </a:t>
+            </a:r>
+            <a:r>
+              <a:rPr lang="fr-FR" sz="2200" dirty="0" err="1">
+                <a:solidFill>
+                  <a:schemeClr val="dk1"/>
+                </a:solidFill>
+                <a:latin typeface="Calibri"/>
+                <a:ea typeface="Calibri"/>
+                <a:cs typeface="Calibri"/>
+                <a:sym typeface="Calibri"/>
+              </a:rPr>
+              <a:t>assisted</a:t>
+            </a:r>
+            <a:r>
+              <a:rPr lang="fr-FR" sz="2200" dirty="0">
+                <a:solidFill>
+                  <a:schemeClr val="dk1"/>
+                </a:solidFill>
+                <a:latin typeface="Calibri"/>
+                <a:ea typeface="Calibri"/>
+                <a:cs typeface="Calibri"/>
+                <a:sym typeface="Calibri"/>
+              </a:rPr>
+              <a:t> (</a:t>
+            </a:r>
+            <a:r>
+              <a:rPr lang="fr-FR" sz="2200" dirty="0" err="1">
+                <a:solidFill>
+                  <a:schemeClr val="dk1"/>
+                </a:solidFill>
+                <a:latin typeface="Calibri"/>
+                <a:ea typeface="Calibri"/>
+                <a:cs typeface="Calibri"/>
+                <a:sym typeface="Calibri"/>
+              </a:rPr>
+              <a:t>informed</a:t>
+            </a:r>
+            <a:r>
+              <a:rPr lang="fr-FR" sz="2200" dirty="0">
+                <a:solidFill>
+                  <a:schemeClr val="dk1"/>
+                </a:solidFill>
+                <a:latin typeface="Calibri"/>
+                <a:ea typeface="Calibri"/>
+                <a:cs typeface="Calibri"/>
+                <a:sym typeface="Calibri"/>
+              </a:rPr>
+              <a:t>) by </a:t>
+            </a:r>
+            <a:r>
+              <a:rPr lang="fr-FR" sz="2200" dirty="0" err="1">
+                <a:solidFill>
+                  <a:schemeClr val="dk1"/>
+                </a:solidFill>
+                <a:latin typeface="Calibri"/>
+                <a:ea typeface="Calibri"/>
+                <a:cs typeface="Calibri"/>
+                <a:sym typeface="Calibri"/>
+              </a:rPr>
+              <a:t>physics</a:t>
+            </a:r>
+            <a:r>
+              <a:rPr lang="fr-FR" sz="2200" dirty="0">
+                <a:solidFill>
+                  <a:schemeClr val="dk1"/>
+                </a:solidFill>
+                <a:latin typeface="Calibri"/>
+                <a:ea typeface="Calibri"/>
+                <a:cs typeface="Calibri"/>
+                <a:sym typeface="Calibri"/>
+              </a:rPr>
+              <a:t> </a:t>
+            </a:r>
+            <a:r>
+              <a:rPr lang="fr-FR" sz="2200" dirty="0" err="1">
+                <a:solidFill>
+                  <a:schemeClr val="dk1"/>
+                </a:solidFill>
+                <a:latin typeface="Calibri"/>
+                <a:ea typeface="Calibri"/>
+                <a:cs typeface="Calibri"/>
+                <a:sym typeface="Calibri"/>
+              </a:rPr>
+              <a:t>knowledge</a:t>
+            </a:r>
+            <a:r>
+              <a:rPr lang="fr-FR" sz="2200" dirty="0">
+                <a:solidFill>
+                  <a:schemeClr val="dk1"/>
+                </a:solidFill>
+                <a:latin typeface="Calibri"/>
+                <a:ea typeface="Calibri"/>
+                <a:cs typeface="Calibri"/>
+                <a:sym typeface="Calibri"/>
+              </a:rPr>
+              <a:t> for compliance to </a:t>
+            </a:r>
+            <a:r>
+              <a:rPr lang="fr-FR" sz="2200" dirty="0" err="1">
+                <a:solidFill>
+                  <a:schemeClr val="dk1"/>
+                </a:solidFill>
+                <a:latin typeface="Calibri"/>
+                <a:ea typeface="Calibri"/>
+                <a:cs typeface="Calibri"/>
+                <a:sym typeface="Calibri"/>
+              </a:rPr>
+              <a:t>physical</a:t>
+            </a:r>
+            <a:r>
+              <a:rPr lang="fr-FR" sz="2200" dirty="0">
+                <a:solidFill>
+                  <a:schemeClr val="dk1"/>
+                </a:solidFill>
+                <a:latin typeface="Calibri"/>
+                <a:ea typeface="Calibri"/>
+                <a:cs typeface="Calibri"/>
+                <a:sym typeface="Calibri"/>
+              </a:rPr>
+              <a:t> </a:t>
+            </a:r>
+            <a:r>
+              <a:rPr lang="fr-FR" sz="2200" dirty="0" err="1">
+                <a:solidFill>
+                  <a:schemeClr val="dk1"/>
+                </a:solidFill>
+                <a:latin typeface="Calibri"/>
+                <a:ea typeface="Calibri"/>
+                <a:cs typeface="Calibri"/>
+                <a:sym typeface="Calibri"/>
+              </a:rPr>
+              <a:t>constraints</a:t>
+            </a:r>
+            <a:r>
+              <a:rPr lang="fr-FR" sz="2200" dirty="0">
+                <a:solidFill>
+                  <a:schemeClr val="dk1"/>
+                </a:solidFill>
+                <a:latin typeface="Calibri"/>
+                <a:ea typeface="Calibri"/>
+                <a:cs typeface="Calibri"/>
+                <a:sym typeface="Calibri"/>
+              </a:rPr>
+              <a:t> </a:t>
+            </a:r>
+            <a:r>
+              <a:rPr lang="fr-FR" sz="2200" dirty="0" err="1">
+                <a:solidFill>
+                  <a:schemeClr val="dk1"/>
+                </a:solidFill>
+                <a:latin typeface="Calibri"/>
+                <a:ea typeface="Calibri"/>
+                <a:cs typeface="Calibri"/>
+                <a:sym typeface="Calibri"/>
+              </a:rPr>
+              <a:t>imposed</a:t>
+            </a:r>
+            <a:r>
+              <a:rPr lang="fr-FR" sz="2200" dirty="0">
+                <a:solidFill>
+                  <a:schemeClr val="dk1"/>
+                </a:solidFill>
+                <a:latin typeface="Calibri"/>
+                <a:ea typeface="Calibri"/>
+                <a:cs typeface="Calibri"/>
+                <a:sym typeface="Calibri"/>
+              </a:rPr>
+              <a:t> in a Power </a:t>
+            </a:r>
+            <a:r>
+              <a:rPr lang="fr-FR" sz="2200" dirty="0" err="1">
+                <a:solidFill>
+                  <a:schemeClr val="dk1"/>
+                </a:solidFill>
+                <a:latin typeface="Calibri"/>
+                <a:ea typeface="Calibri"/>
+                <a:cs typeface="Calibri"/>
+                <a:sym typeface="Calibri"/>
+              </a:rPr>
+              <a:t>Grid</a:t>
+            </a:r>
+            <a:endParaRPr dirty="0"/>
+          </a:p>
+        </p:txBody>
+      </p:sp>
+      <p:cxnSp>
+        <p:nvCxnSpPr>
+          <p:cNvPr id="505" name="Google Shape;505;p38"/>
+          <p:cNvCxnSpPr/>
+          <p:nvPr/>
+        </p:nvCxnSpPr>
+        <p:spPr>
+          <a:xfrm>
+            <a:off x="1026375" y="1651525"/>
+            <a:ext cx="0" cy="839700"/>
+          </a:xfrm>
+          <a:prstGeom prst="straightConnector1">
+            <a:avLst/>
+          </a:prstGeom>
+          <a:noFill/>
+          <a:ln w="28575" cap="flat" cmpd="sng">
+            <a:solidFill>
+              <a:schemeClr val="dk2"/>
+            </a:solidFill>
+            <a:prstDash val="solid"/>
+            <a:round/>
+            <a:headEnd type="none" w="med" len="med"/>
+            <a:tailEnd type="none" w="med" len="med"/>
+          </a:ln>
+        </p:spPr>
+      </p:cxnSp>
+      <p:sp>
+        <p:nvSpPr>
+          <p:cNvPr id="506" name="Google Shape;506;p38"/>
+          <p:cNvSpPr txBox="1"/>
+          <p:nvPr/>
+        </p:nvSpPr>
+        <p:spPr>
+          <a:xfrm>
+            <a:off x="1196863" y="3027675"/>
+            <a:ext cx="10291800" cy="1200298"/>
+          </a:xfrm>
+          <a:prstGeom prst="rect">
+            <a:avLst/>
+          </a:prstGeom>
+          <a:noFill/>
+          <a:ln>
+            <a:noFill/>
+          </a:ln>
+        </p:spPr>
+        <p:txBody>
+          <a:bodyPr spcFirstLastPara="1" wrap="square" lIns="91425" tIns="91425" rIns="91425" bIns="91425" anchor="t" anchorCtr="0">
+            <a:spAutoFit/>
+          </a:bodyPr>
+          <a:lstStyle/>
+          <a:p>
+            <a:pPr marL="0" lvl="0" indent="0" algn="l" rtl="0">
+              <a:spcBef>
+                <a:spcPts val="0"/>
+              </a:spcBef>
+              <a:spcAft>
+                <a:spcPts val="0"/>
+              </a:spcAft>
+              <a:buNone/>
+            </a:pPr>
+            <a:r>
+              <a:rPr lang="it-IT" sz="2200" dirty="0">
+                <a:solidFill>
+                  <a:schemeClr val="dk1"/>
+                </a:solidFill>
+                <a:latin typeface="Calibri"/>
+                <a:ea typeface="Calibri"/>
+                <a:cs typeface="Calibri"/>
+                <a:sym typeface="Calibri"/>
+              </a:rPr>
+              <a:t>Each industrial domain has its set of constraints that should be respected in addition to classical machine learning evaluation criteria, and this implementation allows to integrate these constraints in the loss function of the Neural Networks</a:t>
+            </a:r>
+            <a:endParaRPr dirty="0">
+              <a:latin typeface="Calibri"/>
+              <a:ea typeface="Calibri"/>
+              <a:cs typeface="Calibri"/>
+              <a:sym typeface="Calibri"/>
+            </a:endParaRPr>
+          </a:p>
+        </p:txBody>
+      </p:sp>
+      <p:cxnSp>
+        <p:nvCxnSpPr>
+          <p:cNvPr id="507" name="Google Shape;507;p38"/>
+          <p:cNvCxnSpPr/>
+          <p:nvPr/>
+        </p:nvCxnSpPr>
+        <p:spPr>
+          <a:xfrm>
+            <a:off x="1026363" y="3097800"/>
+            <a:ext cx="0" cy="839700"/>
+          </a:xfrm>
+          <a:prstGeom prst="straightConnector1">
+            <a:avLst/>
+          </a:prstGeom>
+          <a:noFill/>
+          <a:ln w="28575" cap="flat" cmpd="sng">
+            <a:solidFill>
+              <a:schemeClr val="dk2"/>
+            </a:solidFill>
+            <a:prstDash val="solid"/>
+            <a:round/>
+            <a:headEnd type="none" w="med" len="med"/>
+            <a:tailEnd type="none" w="med" len="med"/>
+          </a:ln>
+        </p:spPr>
+      </p:cxnSp>
+      <p:sp>
+        <p:nvSpPr>
+          <p:cNvPr id="508" name="Google Shape;508;p38"/>
+          <p:cNvSpPr txBox="1"/>
+          <p:nvPr/>
+        </p:nvSpPr>
+        <p:spPr>
+          <a:xfrm>
+            <a:off x="1196863" y="4529925"/>
+            <a:ext cx="10291800" cy="1200298"/>
+          </a:xfrm>
+          <a:prstGeom prst="rect">
+            <a:avLst/>
+          </a:prstGeom>
+          <a:noFill/>
+          <a:ln>
+            <a:noFill/>
+          </a:ln>
+        </p:spPr>
+        <p:txBody>
+          <a:bodyPr spcFirstLastPara="1" wrap="square" lIns="91425" tIns="91425" rIns="91425" bIns="91425" anchor="t" anchorCtr="0">
+            <a:spAutoFit/>
+          </a:bodyPr>
+          <a:lstStyle/>
+          <a:p>
+            <a:pPr marL="0" lvl="0" indent="0" algn="l" rtl="0">
+              <a:spcBef>
+                <a:spcPts val="0"/>
+              </a:spcBef>
+              <a:spcAft>
+                <a:spcPts val="0"/>
+              </a:spcAft>
+              <a:buNone/>
+            </a:pPr>
+            <a:r>
+              <a:rPr lang="it-IT" sz="2200" dirty="0">
+                <a:solidFill>
+                  <a:schemeClr val="dk1"/>
+                </a:solidFill>
+                <a:latin typeface="Calibri"/>
+                <a:ea typeface="Calibri"/>
+                <a:cs typeface="Calibri"/>
+                <a:sym typeface="Calibri"/>
+              </a:rPr>
+              <a:t>This implementation is specific to Power Grid domain and enables the prediction of active powers from the injections in the substations (nodes of the graph). It could motivate the future implementations for decision-making in the context of RL</a:t>
+            </a:r>
+            <a:endParaRPr dirty="0">
+              <a:latin typeface="Calibri"/>
+              <a:ea typeface="Calibri"/>
+              <a:cs typeface="Calibri"/>
+              <a:sym typeface="Calibri"/>
+            </a:endParaRPr>
+          </a:p>
+        </p:txBody>
+      </p:sp>
+      <p:cxnSp>
+        <p:nvCxnSpPr>
+          <p:cNvPr id="509" name="Google Shape;509;p38"/>
+          <p:cNvCxnSpPr/>
+          <p:nvPr/>
+        </p:nvCxnSpPr>
+        <p:spPr>
+          <a:xfrm>
+            <a:off x="1026363" y="4600050"/>
+            <a:ext cx="0" cy="1110300"/>
+          </a:xfrm>
+          <a:prstGeom prst="straightConnector1">
+            <a:avLst/>
+          </a:prstGeom>
+          <a:noFill/>
+          <a:ln w="28575" cap="flat" cmpd="sng">
+            <a:solidFill>
+              <a:schemeClr val="dk2"/>
+            </a:solidFill>
+            <a:prstDash val="solid"/>
+            <a:round/>
+            <a:headEnd type="none" w="med" len="med"/>
+            <a:tailEnd type="none" w="med" len="med"/>
+          </a:ln>
+        </p:spPr>
+      </p:cxnSp>
+      <p:sp>
+        <p:nvSpPr>
+          <p:cNvPr id="510" name="Google Shape;510;p38"/>
+          <p:cNvSpPr/>
+          <p:nvPr/>
+        </p:nvSpPr>
+        <p:spPr>
+          <a:xfrm>
+            <a:off x="848975" y="1242400"/>
+            <a:ext cx="1620300" cy="365100"/>
+          </a:xfrm>
+          <a:prstGeom prst="roundRect">
+            <a:avLst>
+              <a:gd name="adj" fmla="val 16667"/>
+            </a:avLst>
+          </a:prstGeom>
+          <a:solidFill>
+            <a:schemeClr val="dk1"/>
+          </a:solidFill>
+          <a:ln w="9525" cap="flat" cmpd="sng">
+            <a:solidFill>
+              <a:schemeClr val="dk2"/>
+            </a:solidFill>
+            <a:prstDash val="solid"/>
+            <a:round/>
+            <a:headEnd type="none" w="sm" len="sm"/>
+            <a:tailEnd type="none" w="sm" len="sm"/>
+          </a:ln>
+        </p:spPr>
+        <p:txBody>
+          <a:bodyPr spcFirstLastPara="1" wrap="square" lIns="91425" tIns="91425" rIns="91425" bIns="91425" anchor="ctr" anchorCtr="0">
+            <a:noAutofit/>
+          </a:bodyPr>
+          <a:lstStyle/>
+          <a:p>
+            <a:pPr marL="0" lvl="0" indent="0" algn="ctr" rtl="0">
+              <a:spcBef>
+                <a:spcPts val="0"/>
+              </a:spcBef>
+              <a:spcAft>
+                <a:spcPts val="0"/>
+              </a:spcAft>
+              <a:buNone/>
+            </a:pPr>
+            <a:r>
+              <a:rPr lang="it-IT" sz="2200" b="1">
+                <a:solidFill>
+                  <a:schemeClr val="lt1"/>
+                </a:solidFill>
+                <a:latin typeface="Calibri"/>
+                <a:ea typeface="Calibri"/>
+                <a:cs typeface="Calibri"/>
+                <a:sym typeface="Calibri"/>
+              </a:rPr>
+              <a:t>Definition</a:t>
+            </a:r>
+            <a:endParaRPr sz="2200" b="1">
+              <a:solidFill>
+                <a:schemeClr val="lt1"/>
+              </a:solidFill>
+              <a:latin typeface="Calibri"/>
+              <a:ea typeface="Calibri"/>
+              <a:cs typeface="Calibri"/>
+              <a:sym typeface="Calibri"/>
+            </a:endParaRPr>
+          </a:p>
+        </p:txBody>
+      </p:sp>
+      <p:sp>
+        <p:nvSpPr>
+          <p:cNvPr id="511" name="Google Shape;511;p38"/>
+          <p:cNvSpPr/>
+          <p:nvPr/>
+        </p:nvSpPr>
+        <p:spPr>
+          <a:xfrm>
+            <a:off x="848975" y="2673950"/>
+            <a:ext cx="1620300" cy="365100"/>
+          </a:xfrm>
+          <a:prstGeom prst="roundRect">
+            <a:avLst>
+              <a:gd name="adj" fmla="val 16667"/>
+            </a:avLst>
+          </a:prstGeom>
+          <a:solidFill>
+            <a:schemeClr val="dk1"/>
+          </a:solidFill>
+          <a:ln w="9525" cap="flat" cmpd="sng">
+            <a:solidFill>
+              <a:schemeClr val="dk2"/>
+            </a:solidFill>
+            <a:prstDash val="solid"/>
+            <a:round/>
+            <a:headEnd type="none" w="sm" len="sm"/>
+            <a:tailEnd type="none" w="sm" len="sm"/>
+          </a:ln>
+        </p:spPr>
+        <p:txBody>
+          <a:bodyPr spcFirstLastPara="1" wrap="square" lIns="91425" tIns="91425" rIns="91425" bIns="91425" anchor="ctr" anchorCtr="0">
+            <a:noAutofit/>
+          </a:bodyPr>
+          <a:lstStyle/>
+          <a:p>
+            <a:pPr marL="0" lvl="0" indent="0" algn="ctr" rtl="0">
+              <a:spcBef>
+                <a:spcPts val="0"/>
+              </a:spcBef>
+              <a:spcAft>
+                <a:spcPts val="0"/>
+              </a:spcAft>
+              <a:buNone/>
+            </a:pPr>
+            <a:r>
+              <a:rPr lang="it-IT" sz="2200" b="1" dirty="0">
+                <a:solidFill>
+                  <a:schemeClr val="lt1"/>
+                </a:solidFill>
+                <a:latin typeface="Calibri"/>
+                <a:ea typeface="Calibri"/>
+                <a:cs typeface="Calibri"/>
+                <a:sym typeface="Calibri"/>
+              </a:rPr>
+              <a:t>Motivation</a:t>
+            </a:r>
+            <a:endParaRPr sz="2200" b="1" dirty="0">
+              <a:solidFill>
+                <a:schemeClr val="lt1"/>
+              </a:solidFill>
+              <a:latin typeface="Calibri"/>
+              <a:ea typeface="Calibri"/>
+              <a:cs typeface="Calibri"/>
+              <a:sym typeface="Calibri"/>
+            </a:endParaRPr>
+          </a:p>
+        </p:txBody>
+      </p:sp>
+      <p:sp>
+        <p:nvSpPr>
+          <p:cNvPr id="512" name="Google Shape;512;p38"/>
+          <p:cNvSpPr/>
+          <p:nvPr/>
+        </p:nvSpPr>
+        <p:spPr>
+          <a:xfrm>
+            <a:off x="848975" y="4164825"/>
+            <a:ext cx="1620300" cy="365100"/>
+          </a:xfrm>
+          <a:prstGeom prst="roundRect">
+            <a:avLst>
+              <a:gd name="adj" fmla="val 16667"/>
+            </a:avLst>
+          </a:prstGeom>
+          <a:solidFill>
+            <a:schemeClr val="dk1"/>
+          </a:solidFill>
+          <a:ln w="9525" cap="flat" cmpd="sng">
+            <a:solidFill>
+              <a:schemeClr val="dk2"/>
+            </a:solidFill>
+            <a:prstDash val="solid"/>
+            <a:round/>
+            <a:headEnd type="none" w="sm" len="sm"/>
+            <a:tailEnd type="none" w="sm" len="sm"/>
+          </a:ln>
+        </p:spPr>
+        <p:txBody>
+          <a:bodyPr spcFirstLastPara="1" wrap="square" lIns="91425" tIns="91425" rIns="91425" bIns="91425" anchor="ctr" anchorCtr="0">
+            <a:noAutofit/>
+          </a:bodyPr>
+          <a:lstStyle/>
+          <a:p>
+            <a:pPr marL="0" lvl="0" indent="0" algn="ctr" rtl="0">
+              <a:spcBef>
+                <a:spcPts val="0"/>
+              </a:spcBef>
+              <a:spcAft>
+                <a:spcPts val="0"/>
+              </a:spcAft>
+              <a:buNone/>
+            </a:pPr>
+            <a:r>
+              <a:rPr lang="it-IT" sz="2200" b="1" dirty="0">
+                <a:solidFill>
+                  <a:schemeClr val="lt1"/>
+                </a:solidFill>
+                <a:latin typeface="Calibri"/>
+                <a:ea typeface="Calibri"/>
+                <a:cs typeface="Calibri"/>
+                <a:sym typeface="Calibri"/>
+              </a:rPr>
+              <a:t>Use cases</a:t>
+            </a:r>
+            <a:endParaRPr sz="2200" b="1" dirty="0">
+              <a:solidFill>
+                <a:schemeClr val="lt1"/>
+              </a:solidFill>
+              <a:latin typeface="Calibri"/>
+              <a:ea typeface="Calibri"/>
+              <a:cs typeface="Calibri"/>
+              <a:sym typeface="Calibri"/>
+            </a:endParaRPr>
+          </a:p>
+        </p:txBody>
+      </p:sp>
+    </p:spTree>
+  </p:cSld>
+  <p:clrMapOvr>
+    <a:masterClrMapping/>
+  </p:clrMapOvr>
+</p:sld>
+</file>
+
+<file path=ppt/slides/slide4.xml><?xml version="1.0" encoding="utf-8"?>
+<p:sld xmlns:a="http://schemas.openxmlformats.org/drawingml/2006/main" xmlns:r="http://schemas.openxmlformats.org/officeDocument/2006/relationships" xmlns:p="http://schemas.openxmlformats.org/presentationml/2006/main">
+  <p:cSld>
+    <p:spTree>
+      <p:nvGrpSpPr>
         <p:cNvPr id="1" name=""/>
         <p:cNvGrpSpPr/>
         <p:nvPr/>
@@ -10520,7 +15154,7 @@
 </p:sld>
 </file>
 
-<file path=ppt/slides/slide4.xml><?xml version="1.0" encoding="utf-8"?>
+<file path=ppt/slides/slide5.xml><?xml version="1.0" encoding="utf-8"?>
 <p:sld xmlns:a="http://schemas.openxmlformats.org/drawingml/2006/main" xmlns:r="http://schemas.openxmlformats.org/officeDocument/2006/relationships" xmlns:p="http://schemas.openxmlformats.org/presentationml/2006/main">
   <p:cSld>
     <p:spTree>
@@ -11026,14 +15660,14 @@
           </a:ln>
           <a:extLst>
             <a:ext uri="{909E8E84-426E-40dd-AFC4-6F175D3DCCD1}">
-              <a14:hiddenFill xmlns="" xmlns:a14="http://schemas.microsoft.com/office/drawing/2010/main">
+              <a14:hiddenFill xmlns:a14="http://schemas.microsoft.com/office/drawing/2010/main" xmlns="">
                 <a:solidFill>
                   <a:srgbClr val="FFFFFF"/>
                 </a:solidFill>
               </a14:hiddenFill>
             </a:ext>
             <a:ext uri="{91240B29-F687-4f45-9708-019B960494DF}">
-              <a14:hiddenLine xmlns="" xmlns:a14="http://schemas.microsoft.com/office/drawing/2010/main" w="9525">
+              <a14:hiddenLine xmlns:a14="http://schemas.microsoft.com/office/drawing/2010/main" xmlns="" w="9525">
                 <a:solidFill>
                   <a:srgbClr val="000000"/>
                 </a:solidFill>
@@ -11043,7 +15677,7 @@
               </a14:hiddenLine>
             </a:ext>
             <a:ext uri="{FAA26D3D-D897-4be2-8F04-BA451C77F1D7}">
-              <ma14:placeholderFlag xmlns="" xmlns:ma14="http://schemas.microsoft.com/office/mac/drawingml/2011/main" val="1"/>
+              <ma14:placeholderFlag xmlns:ma14="http://schemas.microsoft.com/office/mac/drawingml/2011/main" xmlns="" val="1"/>
             </a:ext>
           </a:extLst>
         </p:spPr>
@@ -11067,369 +15701,6 @@
     <p:extLst>
       <p:ext uri="{BB962C8B-B14F-4D97-AF65-F5344CB8AC3E}">
         <p14:creationId xmlns:p14="http://schemas.microsoft.com/office/powerpoint/2010/main" val="941555482"/>
-      </p:ext>
-    </p:extLst>
-  </p:cSld>
-  <p:clrMapOvr>
-    <a:masterClrMapping/>
-  </p:clrMapOvr>
-</p:sld>
-</file>
-
-<file path=ppt/slides/slide5.xml><?xml version="1.0" encoding="utf-8"?>
-<p:sld xmlns:a="http://schemas.openxmlformats.org/drawingml/2006/main" xmlns:r="http://schemas.openxmlformats.org/officeDocument/2006/relationships" xmlns:p="http://schemas.openxmlformats.org/presentationml/2006/main">
-  <p:cSld>
-    <p:spTree>
-      <p:nvGrpSpPr>
-        <p:cNvPr id="1" name=""/>
-        <p:cNvGrpSpPr/>
-        <p:nvPr/>
-      </p:nvGrpSpPr>
-      <p:grpSpPr>
-        <a:xfrm>
-          <a:off x="0" y="0"/>
-          <a:ext cx="0" cy="0"/>
-          <a:chOff x="0" y="0"/>
-          <a:chExt cx="0" cy="0"/>
-        </a:xfrm>
-      </p:grpSpPr>
-      <p:sp>
-        <p:nvSpPr>
-          <p:cNvPr id="2" name="Title 1">
-            <a:extLst>
-              <a:ext uri="{FF2B5EF4-FFF2-40B4-BE49-F238E27FC236}">
-                <a16:creationId xmlns:a16="http://schemas.microsoft.com/office/drawing/2014/main" id="{F979E905-E502-D88A-3D22-9C655060992D}"/>
-              </a:ext>
-            </a:extLst>
-          </p:cNvPr>
-          <p:cNvSpPr>
-            <a:spLocks noGrp="1"/>
-          </p:cNvSpPr>
-          <p:nvPr>
-            <p:ph type="title"/>
-          </p:nvPr>
-        </p:nvSpPr>
-        <p:spPr/>
-        <p:txBody>
-          <a:bodyPr/>
-          <a:lstStyle/>
-          <a:p>
-            <a:r>
-              <a:rPr lang="en-US" dirty="0"/>
-              <a:t>Context</a:t>
-            </a:r>
-          </a:p>
-        </p:txBody>
-      </p:sp>
-      <p:sp>
-        <p:nvSpPr>
-          <p:cNvPr id="3" name="Content Placeholder 2">
-            <a:extLst>
-              <a:ext uri="{FF2B5EF4-FFF2-40B4-BE49-F238E27FC236}">
-                <a16:creationId xmlns:a16="http://schemas.microsoft.com/office/drawing/2014/main" id="{DF9C8ABD-27CF-5442-D78B-CA990F316734}"/>
-              </a:ext>
-            </a:extLst>
-          </p:cNvPr>
-          <p:cNvSpPr>
-            <a:spLocks noGrp="1"/>
-          </p:cNvSpPr>
-          <p:nvPr>
-            <p:ph idx="1"/>
-          </p:nvPr>
-        </p:nvSpPr>
-        <p:spPr/>
-        <p:txBody>
-          <a:bodyPr/>
-          <a:lstStyle/>
-          <a:p>
-            <a:pPr algn="just">
-              <a:spcAft>
-                <a:spcPts val="800"/>
-              </a:spcAft>
-            </a:pPr>
-            <a:r>
-              <a:rPr lang="en-US" sz="2400" noProof="0" dirty="0">
-                <a:solidFill>
-                  <a:srgbClr val="0070C0"/>
-                </a:solidFill>
-              </a:rPr>
-              <a:t>Need</a:t>
-            </a:r>
-            <a:r>
-              <a:rPr lang="en-US" sz="2400" noProof="0" dirty="0"/>
-              <a:t>  → </a:t>
-            </a:r>
-            <a:r>
-              <a:rPr lang="en-US" sz="2133" noProof="0" dirty="0"/>
-              <a:t>Simulations allowing to predict the grid state in real time with respect to</a:t>
-            </a:r>
-            <a:endParaRPr lang="en-US" sz="2400" noProof="0" dirty="0"/>
-          </a:p>
-          <a:p>
-            <a:pPr lvl="1" algn="just">
-              <a:spcAft>
-                <a:spcPts val="800"/>
-              </a:spcAft>
-            </a:pPr>
-            <a:r>
-              <a:rPr lang="en-US" sz="1867" noProof="0" dirty="0"/>
-              <a:t>Action (topological changes) </a:t>
-            </a:r>
-          </a:p>
-          <a:p>
-            <a:pPr lvl="1" algn="just">
-              <a:spcAft>
-                <a:spcPts val="800"/>
-              </a:spcAft>
-            </a:pPr>
-            <a:r>
-              <a:rPr lang="en-US" sz="1867" noProof="0" dirty="0"/>
-              <a:t>Exogenous factors (wind, temperature, anomalies, etc.)</a:t>
-            </a:r>
-            <a:endParaRPr lang="en-US" noProof="0" dirty="0"/>
-          </a:p>
-          <a:p>
-            <a:pPr algn="just">
-              <a:spcAft>
-                <a:spcPts val="800"/>
-              </a:spcAft>
-            </a:pPr>
-            <a:r>
-              <a:rPr lang="en-US" sz="2400" noProof="0" dirty="0">
-                <a:solidFill>
-                  <a:srgbClr val="C00000"/>
-                </a:solidFill>
-              </a:rPr>
-              <a:t>Problem</a:t>
-            </a:r>
-            <a:r>
-              <a:rPr lang="en-US" sz="2400" noProof="0" dirty="0"/>
-              <a:t> → </a:t>
-            </a:r>
-            <a:r>
-              <a:rPr lang="en-US" sz="2133" noProof="0" dirty="0"/>
-              <a:t>Physics simulation are computationally intensive</a:t>
-            </a:r>
-          </a:p>
-          <a:p>
-            <a:pPr lvl="1" algn="just">
-              <a:spcAft>
-                <a:spcPts val="800"/>
-              </a:spcAft>
-            </a:pPr>
-            <a:r>
-              <a:rPr lang="en-US" sz="1867" noProof="0" dirty="0"/>
-              <a:t>Need to accelerate </a:t>
-            </a:r>
-            <a:r>
-              <a:rPr lang="en-US" sz="1867" dirty="0"/>
-              <a:t>the simulation </a:t>
-            </a:r>
-            <a:r>
-              <a:rPr lang="en-US" sz="1867" noProof="0" dirty="0"/>
-              <a:t>[x100 à x1000]</a:t>
-            </a:r>
-          </a:p>
-          <a:p>
-            <a:pPr algn="just">
-              <a:spcAft>
-                <a:spcPts val="800"/>
-              </a:spcAft>
-            </a:pPr>
-            <a:r>
-              <a:rPr lang="en-US" sz="2400" noProof="0" dirty="0">
-                <a:solidFill>
-                  <a:srgbClr val="00B050"/>
-                </a:solidFill>
-              </a:rPr>
-              <a:t>Solutions </a:t>
-            </a:r>
-            <a:r>
-              <a:rPr lang="en-US" sz="2400" noProof="0" dirty="0"/>
-              <a:t>→ </a:t>
-            </a:r>
-            <a:r>
-              <a:rPr lang="en-US" sz="2133" noProof="0" dirty="0"/>
-              <a:t>Approximation of physical simulations using machine learning</a:t>
-            </a:r>
-          </a:p>
-          <a:p>
-            <a:pPr lvl="1" algn="just">
-              <a:spcAft>
-                <a:spcPts val="800"/>
-              </a:spcAft>
-            </a:pPr>
-            <a:r>
-              <a:rPr lang="en-US" sz="1867" noProof="0" dirty="0"/>
-              <a:t>The use of Physics Informed Neural Networks to ensure physics compliance</a:t>
-            </a:r>
-          </a:p>
-          <a:p>
-            <a:pPr algn="just">
-              <a:spcAft>
-                <a:spcPts val="800"/>
-              </a:spcAft>
-            </a:pPr>
-            <a:r>
-              <a:rPr lang="en-US" sz="2400" noProof="0" dirty="0">
-                <a:solidFill>
-                  <a:srgbClr val="7030A0"/>
-                </a:solidFill>
-              </a:rPr>
-              <a:t>Objective </a:t>
-            </a:r>
-            <a:r>
-              <a:rPr lang="en-US" sz="2400" noProof="0" dirty="0"/>
-              <a:t>→ </a:t>
-            </a:r>
-            <a:r>
-              <a:rPr lang="en-US" sz="2133" noProof="0" dirty="0"/>
-              <a:t>Trade-off between computation time and model’s quality</a:t>
-            </a:r>
-            <a:endParaRPr lang="en-US" sz="2400" noProof="0" dirty="0"/>
-          </a:p>
-          <a:p>
-            <a:endParaRPr lang="en-US" dirty="0"/>
-          </a:p>
-          <a:p>
-            <a:endParaRPr lang="en-US" dirty="0"/>
-          </a:p>
-        </p:txBody>
-      </p:sp>
-      <p:sp>
-        <p:nvSpPr>
-          <p:cNvPr id="5" name="Arrow: Left-Right 4">
-            <a:extLst>
-              <a:ext uri="{FF2B5EF4-FFF2-40B4-BE49-F238E27FC236}">
-                <a16:creationId xmlns:a16="http://schemas.microsoft.com/office/drawing/2014/main" id="{C5A0B769-A930-E5F4-7D65-B46AC29A4F9E}"/>
-              </a:ext>
-            </a:extLst>
-          </p:cNvPr>
-          <p:cNvSpPr/>
-          <p:nvPr/>
-        </p:nvSpPr>
-        <p:spPr>
-          <a:xfrm>
-            <a:off x="3887801" y="5725621"/>
-            <a:ext cx="4741460" cy="451342"/>
-          </a:xfrm>
-          <a:prstGeom prst="leftRightArrow">
-            <a:avLst/>
-          </a:prstGeom>
-          <a:gradFill flip="none" rotWithShape="1">
-            <a:gsLst>
-              <a:gs pos="0">
-                <a:srgbClr val="92D050"/>
-              </a:gs>
-              <a:gs pos="100000">
-                <a:srgbClr val="C00000"/>
-              </a:gs>
-            </a:gsLst>
-            <a:lin ang="0" scaled="1"/>
-            <a:tileRect/>
-          </a:gradFill>
-        </p:spPr>
-        <p:style>
-          <a:lnRef idx="2">
-            <a:schemeClr val="accent1">
-              <a:shade val="15000"/>
-            </a:schemeClr>
-          </a:lnRef>
-          <a:fillRef idx="1">
-            <a:schemeClr val="accent1"/>
-          </a:fillRef>
-          <a:effectRef idx="0">
-            <a:schemeClr val="accent1"/>
-          </a:effectRef>
-          <a:fontRef idx="minor">
-            <a:schemeClr val="lt1"/>
-          </a:fontRef>
-        </p:style>
-        <p:txBody>
-          <a:bodyPr rtlCol="0" anchor="ctr"/>
-          <a:lstStyle/>
-          <a:p>
-            <a:pPr algn="ctr"/>
-            <a:endParaRPr lang="en-US"/>
-          </a:p>
-        </p:txBody>
-      </p:sp>
-      <p:sp>
-        <p:nvSpPr>
-          <p:cNvPr id="6" name="TextBox 5">
-            <a:extLst>
-              <a:ext uri="{FF2B5EF4-FFF2-40B4-BE49-F238E27FC236}">
-                <a16:creationId xmlns:a16="http://schemas.microsoft.com/office/drawing/2014/main" id="{5A91EA12-6C80-58DF-DEF4-C0625556A8E9}"/>
-              </a:ext>
-            </a:extLst>
-          </p:cNvPr>
-          <p:cNvSpPr txBox="1"/>
-          <p:nvPr/>
-        </p:nvSpPr>
-        <p:spPr>
-          <a:xfrm>
-            <a:off x="7495359" y="5725621"/>
-            <a:ext cx="1133902" cy="405768"/>
-          </a:xfrm>
-          <a:prstGeom prst="rect">
-            <a:avLst/>
-          </a:prstGeom>
-        </p:spPr>
-        <p:txBody>
-          <a:bodyPr vert="horz" wrap="square" lIns="91440" tIns="45720" rIns="91440" bIns="45720" rtlCol="0" anchor="ctr">
-            <a:normAutofit/>
-          </a:bodyPr>
-          <a:lstStyle/>
-          <a:p>
-            <a:pPr algn="l"/>
-            <a:r>
-              <a:rPr lang="en-US" sz="1400"/>
-              <a:t>Acceleration</a:t>
-            </a:r>
-            <a:endParaRPr lang="en-US"/>
-          </a:p>
-        </p:txBody>
-      </p:sp>
-      <p:sp>
-        <p:nvSpPr>
-          <p:cNvPr id="7" name="TextBox 6">
-            <a:extLst>
-              <a:ext uri="{FF2B5EF4-FFF2-40B4-BE49-F238E27FC236}">
-                <a16:creationId xmlns:a16="http://schemas.microsoft.com/office/drawing/2014/main" id="{5BE8CC8C-96DC-781A-B341-78633C908CD6}"/>
-              </a:ext>
-            </a:extLst>
-          </p:cNvPr>
-          <p:cNvSpPr txBox="1"/>
-          <p:nvPr/>
-        </p:nvSpPr>
-        <p:spPr>
-          <a:xfrm>
-            <a:off x="3950706" y="5725621"/>
-            <a:ext cx="865496" cy="405768"/>
-          </a:xfrm>
-          <a:prstGeom prst="rect">
-            <a:avLst/>
-          </a:prstGeom>
-        </p:spPr>
-        <p:txBody>
-          <a:bodyPr vert="horz" wrap="square" lIns="91440" tIns="45720" rIns="91440" bIns="45720" rtlCol="0" anchor="ctr">
-            <a:normAutofit/>
-          </a:bodyPr>
-          <a:lstStyle/>
-          <a:p>
-            <a:pPr algn="l"/>
-            <a:r>
-              <a:rPr lang="en-US" sz="1400"/>
-              <a:t>Accuracy</a:t>
-            </a:r>
-            <a:endParaRPr lang="en-US"/>
-          </a:p>
-        </p:txBody>
-      </p:sp>
-    </p:spTree>
-    <p:extLst>
-      <p:ext uri="{BB962C8B-B14F-4D97-AF65-F5344CB8AC3E}">
-        <p14:creationId xmlns:p14="http://schemas.microsoft.com/office/powerpoint/2010/main" val="2619375209"/>
       </p:ext>
     </p:extLst>
   </p:cSld>
@@ -11461,7 +15732,7 @@
           <p:cNvPr id="2" name="Title 1">
             <a:extLst>
               <a:ext uri="{FF2B5EF4-FFF2-40B4-BE49-F238E27FC236}">
-                <a16:creationId xmlns:a16="http://schemas.microsoft.com/office/drawing/2014/main" id="{8D0AD4B4-9969-755A-DD0F-53363210C727}"/>
+                <a16:creationId xmlns:a16="http://schemas.microsoft.com/office/drawing/2014/main" id="{F979E905-E502-D88A-3D22-9C655060992D}"/>
               </a:ext>
             </a:extLst>
           </p:cNvPr>
@@ -11478,12 +15749,8 @@
           <a:lstStyle/>
           <a:p>
             <a:r>
-              <a:rPr lang="fr-FR" dirty="0" err="1"/>
-              <a:t>Problem</a:t>
-            </a:r>
-            <a:r>
-              <a:rPr lang="fr-FR" dirty="0"/>
-              <a:t> setup</a:t>
+              <a:rPr lang="en-US" dirty="0"/>
+              <a:t>Context</a:t>
             </a:r>
           </a:p>
         </p:txBody>
@@ -11493,7 +15760,7 @@
           <p:cNvPr id="3" name="Content Placeholder 2">
             <a:extLst>
               <a:ext uri="{FF2B5EF4-FFF2-40B4-BE49-F238E27FC236}">
-                <a16:creationId xmlns:a16="http://schemas.microsoft.com/office/drawing/2014/main" id="{316A19D8-E5BF-FAA0-F5C3-2C9E0947560F}"/>
+                <a16:creationId xmlns:a16="http://schemas.microsoft.com/office/drawing/2014/main" id="{DF9C8ABD-27CF-5442-D78B-CA990F316734}"/>
               </a:ext>
             </a:extLst>
           </p:cNvPr>
@@ -11504,295 +15771,265 @@
             <p:ph idx="1"/>
           </p:nvPr>
         </p:nvSpPr>
-        <p:spPr>
-          <a:xfrm>
-            <a:off x="838200" y="1825625"/>
-            <a:ext cx="5977647" cy="4351338"/>
-          </a:xfrm>
-        </p:spPr>
+        <p:spPr/>
         <p:txBody>
-          <a:bodyPr>
-            <a:normAutofit/>
-          </a:bodyPr>
+          <a:bodyPr/>
           <a:lstStyle/>
           <a:p>
-            <a:r>
-              <a:rPr lang="fr-FR" dirty="0"/>
-              <a:t>Physical simulator </a:t>
-            </a:r>
-            <a:r>
-              <a:rPr lang="fr-FR" dirty="0">
+            <a:pPr algn="just">
+              <a:spcAft>
+                <a:spcPts val="800"/>
+              </a:spcAft>
+            </a:pPr>
+            <a:r>
+              <a:rPr lang="en-US" sz="2400" noProof="0" dirty="0">
+                <a:solidFill>
+                  <a:srgbClr val="0070C0"/>
+                </a:solidFill>
+              </a:rPr>
+              <a:t>Need</a:t>
+            </a:r>
+            <a:r>
+              <a:rPr lang="en-US" sz="2400" noProof="0" dirty="0"/>
+              <a:t>  → </a:t>
+            </a:r>
+            <a:r>
+              <a:rPr lang="en-US" sz="2133" noProof="0" dirty="0"/>
+              <a:t>Simulations allowing to predict the grid state in real time with respect to</a:t>
+            </a:r>
+            <a:endParaRPr lang="en-US" sz="2400" noProof="0" dirty="0"/>
+          </a:p>
+          <a:p>
+            <a:pPr lvl="1" algn="just">
+              <a:spcAft>
+                <a:spcPts val="800"/>
+              </a:spcAft>
+            </a:pPr>
+            <a:r>
+              <a:rPr lang="en-US" sz="1867" noProof="0" dirty="0"/>
+              <a:t>Action (topological changes) </a:t>
+            </a:r>
+          </a:p>
+          <a:p>
+            <a:pPr lvl="1" algn="just">
+              <a:spcAft>
+                <a:spcPts val="800"/>
+              </a:spcAft>
+            </a:pPr>
+            <a:r>
+              <a:rPr lang="en-US" sz="1867" noProof="0" dirty="0"/>
+              <a:t>Exogenous factors (wind, temperature, anomalies, etc.)</a:t>
+            </a:r>
+            <a:endParaRPr lang="en-US" noProof="0" dirty="0"/>
+          </a:p>
+          <a:p>
+            <a:pPr algn="just">
+              <a:spcAft>
+                <a:spcPts val="800"/>
+              </a:spcAft>
+            </a:pPr>
+            <a:r>
+              <a:rPr lang="en-US" sz="2400" noProof="0" dirty="0">
                 <a:solidFill>
                   <a:srgbClr val="C00000"/>
                 </a:solidFill>
               </a:rPr>
-              <a:t>→</a:t>
-            </a:r>
-            <a:r>
-              <a:rPr lang="fr-FR" dirty="0"/>
-              <a:t> DC approximation</a:t>
-            </a:r>
-          </a:p>
-          <a:p>
-            <a:r>
-              <a:rPr lang="fr-FR" dirty="0"/>
-              <a:t>Scenario </a:t>
-            </a:r>
-            <a:r>
-              <a:rPr lang="fr-FR" dirty="0">
+              <a:t>Problem</a:t>
+            </a:r>
+            <a:r>
+              <a:rPr lang="en-US" sz="2400" noProof="0" dirty="0"/>
+              <a:t> → </a:t>
+            </a:r>
+            <a:r>
+              <a:rPr lang="en-US" sz="2133" noProof="0" dirty="0"/>
+              <a:t>Physics simulation are computationally intensive</a:t>
+            </a:r>
+          </a:p>
+          <a:p>
+            <a:pPr lvl="1" algn="just">
+              <a:spcAft>
+                <a:spcPts val="800"/>
+              </a:spcAft>
+            </a:pPr>
+            <a:r>
+              <a:rPr lang="en-US" sz="1867" noProof="0" dirty="0"/>
+              <a:t>Need to accelerate </a:t>
+            </a:r>
+            <a:r>
+              <a:rPr lang="en-US" sz="1867" dirty="0"/>
+              <a:t>the simulation </a:t>
+            </a:r>
+            <a:r>
+              <a:rPr lang="en-US" sz="1867" noProof="0" dirty="0"/>
+              <a:t>[x100 à x1000]</a:t>
+            </a:r>
+          </a:p>
+          <a:p>
+            <a:pPr algn="just">
+              <a:spcAft>
+                <a:spcPts val="800"/>
+              </a:spcAft>
+            </a:pPr>
+            <a:r>
+              <a:rPr lang="en-US" sz="2400" noProof="0" dirty="0">
                 <a:solidFill>
-                  <a:srgbClr val="C00000"/>
+                  <a:srgbClr val="00B050"/>
                 </a:solidFill>
               </a:rPr>
+              <a:t>Solutions </a:t>
+            </a:r>
+            <a:r>
+              <a:rPr lang="en-US" sz="2400" noProof="0" dirty="0"/>
               <a:t>→ </a:t>
             </a:r>
             <a:r>
-              <a:rPr lang="fr-FR" dirty="0"/>
-              <a:t>Risk identification (</a:t>
-            </a:r>
-            <a:r>
-              <a:rPr lang="fr-FR" dirty="0" err="1"/>
-              <a:t>allowing</a:t>
-            </a:r>
-            <a:r>
-              <a:rPr lang="fr-FR" dirty="0"/>
-              <a:t> the </a:t>
-            </a:r>
-            <a:r>
-              <a:rPr lang="fr-FR" dirty="0" err="1"/>
-              <a:t>disconnection</a:t>
-            </a:r>
-            <a:r>
-              <a:rPr lang="fr-FR" dirty="0"/>
-              <a:t> of power </a:t>
-            </a:r>
-            <a:r>
-              <a:rPr lang="fr-FR" dirty="0" err="1"/>
-              <a:t>lines</a:t>
-            </a:r>
-            <a:r>
-              <a:rPr lang="fr-FR" dirty="0"/>
-              <a:t> and </a:t>
-            </a:r>
-            <a:r>
-              <a:rPr lang="fr-FR" dirty="0" err="1"/>
-              <a:t>topology</a:t>
-            </a:r>
-            <a:r>
-              <a:rPr lang="fr-FR" dirty="0"/>
-              <a:t> reconfiguration)</a:t>
-            </a:r>
-          </a:p>
-          <a:p>
-            <a:r>
-              <a:rPr lang="fr-FR" dirty="0"/>
-              <a:t>Contribution </a:t>
-            </a:r>
-            <a:r>
-              <a:rPr lang="fr-FR" dirty="0">
+              <a:rPr lang="en-US" sz="2133" noProof="0" dirty="0"/>
+              <a:t>Approximation of physical simulations using machine learning</a:t>
+            </a:r>
+          </a:p>
+          <a:p>
+            <a:pPr lvl="1" algn="just">
+              <a:spcAft>
+                <a:spcPts val="800"/>
+              </a:spcAft>
+            </a:pPr>
+            <a:r>
+              <a:rPr lang="en-US" sz="1867" noProof="0" dirty="0"/>
+              <a:t>The use of Physics Informed Neural Networks to ensure physics compliance</a:t>
+            </a:r>
+          </a:p>
+          <a:p>
+            <a:pPr algn="just">
+              <a:spcAft>
+                <a:spcPts val="800"/>
+              </a:spcAft>
+            </a:pPr>
+            <a:r>
+              <a:rPr lang="en-US" sz="2400" noProof="0" dirty="0">
                 <a:solidFill>
-                  <a:srgbClr val="C00000"/>
+                  <a:srgbClr val="7030A0"/>
                 </a:solidFill>
               </a:rPr>
-              <a:t>→</a:t>
-            </a:r>
-            <a:r>
-              <a:rPr lang="fr-FR" dirty="0"/>
-              <a:t> </a:t>
-            </a:r>
-            <a:r>
-              <a:rPr lang="fr-FR" dirty="0" err="1"/>
-              <a:t>Predict</a:t>
-            </a:r>
-            <a:r>
-              <a:rPr lang="fr-FR" dirty="0"/>
-              <a:t> the active </a:t>
-            </a:r>
-            <a:r>
-              <a:rPr lang="fr-FR" dirty="0" err="1"/>
-              <a:t>powers</a:t>
-            </a:r>
-            <a:r>
-              <a:rPr lang="fr-FR" dirty="0"/>
-              <a:t> at power </a:t>
-            </a:r>
-            <a:r>
-              <a:rPr lang="fr-FR" dirty="0" err="1"/>
-              <a:t>lines</a:t>
-            </a:r>
-            <a:r>
-              <a:rPr lang="fr-FR" dirty="0"/>
-              <a:t> </a:t>
-            </a:r>
-            <a:r>
-              <a:rPr lang="fr-FR" dirty="0" err="1"/>
-              <a:t>using</a:t>
-            </a:r>
-            <a:r>
-              <a:rPr lang="fr-FR" dirty="0"/>
-              <a:t> a </a:t>
-            </a:r>
-            <a:r>
-              <a:rPr lang="fr-FR" dirty="0" err="1"/>
-              <a:t>Hybrid</a:t>
-            </a:r>
-            <a:r>
-              <a:rPr lang="fr-FR" dirty="0"/>
-              <a:t> Machine-</a:t>
-            </a:r>
-            <a:r>
-              <a:rPr lang="fr-FR" dirty="0" err="1"/>
-              <a:t>learning</a:t>
-            </a:r>
-            <a:r>
-              <a:rPr lang="fr-FR" dirty="0"/>
-              <a:t> </a:t>
-            </a:r>
-            <a:r>
-              <a:rPr lang="fr-FR" dirty="0" err="1"/>
-              <a:t>based</a:t>
-            </a:r>
-            <a:r>
-              <a:rPr lang="fr-FR" dirty="0"/>
-              <a:t> model </a:t>
-            </a:r>
-            <a:r>
-              <a:rPr lang="fr-FR" dirty="0" err="1"/>
-              <a:t>exploiting</a:t>
-            </a:r>
-            <a:r>
-              <a:rPr lang="fr-FR" dirty="0"/>
-              <a:t> </a:t>
-            </a:r>
-            <a:r>
-              <a:rPr lang="fr-FR" dirty="0" err="1"/>
-              <a:t>physical</a:t>
-            </a:r>
-            <a:r>
-              <a:rPr lang="fr-FR" dirty="0"/>
-              <a:t> </a:t>
-            </a:r>
-            <a:r>
-              <a:rPr lang="fr-FR" dirty="0" err="1"/>
-              <a:t>constraints</a:t>
-            </a:r>
-            <a:r>
-              <a:rPr lang="fr-FR" dirty="0"/>
-              <a:t> (local conservation </a:t>
-            </a:r>
-            <a:r>
-              <a:rPr lang="fr-FR" dirty="0" err="1"/>
-              <a:t>law</a:t>
-            </a:r>
-            <a:r>
-              <a:rPr lang="fr-FR" dirty="0"/>
-              <a:t>)</a:t>
-            </a:r>
-          </a:p>
-          <a:p>
-            <a:r>
-              <a:rPr lang="fr-FR" dirty="0"/>
-              <a:t>Evaluation pipeline </a:t>
-            </a:r>
-            <a:r>
-              <a:rPr lang="fr-FR" dirty="0">
-                <a:solidFill>
-                  <a:srgbClr val="C00000"/>
-                </a:solidFill>
-              </a:rPr>
-              <a:t>→</a:t>
-            </a:r>
-            <a:r>
-              <a:rPr lang="fr-FR" dirty="0"/>
-              <a:t> Learning </a:t>
-            </a:r>
-            <a:r>
-              <a:rPr lang="fr-FR" dirty="0" err="1"/>
-              <a:t>Industrial</a:t>
-            </a:r>
-            <a:r>
-              <a:rPr lang="fr-FR" dirty="0"/>
-              <a:t> Physical Simulation (LIPS) </a:t>
-            </a:r>
-            <a:r>
-              <a:rPr lang="fr-FR" dirty="0" err="1"/>
-              <a:t>framework</a:t>
-            </a:r>
-            <a:r>
-              <a:rPr lang="fr-FR" dirty="0"/>
-              <a:t> </a:t>
-            </a:r>
-            <a:r>
-              <a:rPr lang="fr-FR" dirty="0" err="1"/>
-              <a:t>with</a:t>
-            </a:r>
-            <a:r>
-              <a:rPr lang="fr-FR" dirty="0"/>
-              <a:t> four </a:t>
-            </a:r>
-            <a:r>
-              <a:rPr lang="fr-FR" dirty="0" err="1"/>
-              <a:t>categories</a:t>
-            </a:r>
-            <a:r>
-              <a:rPr lang="fr-FR" dirty="0"/>
-              <a:t> of </a:t>
-            </a:r>
-            <a:r>
-              <a:rPr lang="fr-FR" dirty="0" err="1"/>
-              <a:t>evaluation</a:t>
-            </a:r>
-            <a:r>
-              <a:rPr lang="fr-FR" dirty="0"/>
-              <a:t> </a:t>
-            </a:r>
-            <a:r>
-              <a:rPr lang="fr-FR" dirty="0" err="1"/>
-              <a:t>criteria</a:t>
-            </a:r>
-            <a:r>
-              <a:rPr lang="fr-FR" dirty="0"/>
-              <a:t> </a:t>
-            </a:r>
+              <a:t>Objective </a:t>
+            </a:r>
+            <a:r>
+              <a:rPr lang="en-US" sz="2400" noProof="0" dirty="0"/>
+              <a:t>→ </a:t>
+            </a:r>
+            <a:r>
+              <a:rPr lang="en-US" sz="2133" noProof="0" dirty="0"/>
+              <a:t>Trade-off between computation time and model’s quality</a:t>
+            </a:r>
+            <a:endParaRPr lang="en-US" sz="2400" noProof="0" dirty="0"/>
+          </a:p>
+          <a:p>
+            <a:endParaRPr lang="en-US" dirty="0"/>
+          </a:p>
+          <a:p>
+            <a:endParaRPr lang="en-US" dirty="0"/>
           </a:p>
         </p:txBody>
       </p:sp>
-      <p:pic>
-        <p:nvPicPr>
-          <p:cNvPr id="4" name="Picture 3">
-            <a:extLst>
-              <a:ext uri="{FF2B5EF4-FFF2-40B4-BE49-F238E27FC236}">
-                <a16:creationId xmlns:a16="http://schemas.microsoft.com/office/drawing/2014/main" id="{B05D56B3-C922-F1B6-9039-7E5DC997F92A}"/>
-              </a:ext>
-            </a:extLst>
-          </p:cNvPr>
-          <p:cNvPicPr>
-            <a:picLocks noChangeAspect="1"/>
-          </p:cNvPicPr>
+      <p:sp>
+        <p:nvSpPr>
+          <p:cNvPr id="5" name="Arrow: Left-Right 4">
+            <a:extLst>
+              <a:ext uri="{FF2B5EF4-FFF2-40B4-BE49-F238E27FC236}">
+                <a16:creationId xmlns:a16="http://schemas.microsoft.com/office/drawing/2014/main" id="{C5A0B769-A930-E5F4-7D65-B46AC29A4F9E}"/>
+              </a:ext>
+            </a:extLst>
+          </p:cNvPr>
+          <p:cNvSpPr/>
           <p:nvPr/>
-        </p:nvPicPr>
-        <p:blipFill>
-          <a:blip r:embed="rId2"/>
-          <a:stretch>
-            <a:fillRect/>
-          </a:stretch>
-        </p:blipFill>
+        </p:nvSpPr>
         <p:spPr>
           <a:xfrm>
-            <a:off x="6945549" y="2750702"/>
-            <a:ext cx="4788232" cy="2677332"/>
+            <a:off x="3887801" y="5725621"/>
+            <a:ext cx="4741460" cy="451342"/>
+          </a:xfrm>
+          <a:prstGeom prst="leftRightArrow">
+            <a:avLst/>
+          </a:prstGeom>
+          <a:gradFill flip="none" rotWithShape="1">
+            <a:gsLst>
+              <a:gs pos="0">
+                <a:srgbClr val="92D050"/>
+              </a:gs>
+              <a:gs pos="100000">
+                <a:srgbClr val="C00000"/>
+              </a:gs>
+            </a:gsLst>
+            <a:lin ang="0" scaled="1"/>
+            <a:tileRect/>
+          </a:gradFill>
+        </p:spPr>
+        <p:style>
+          <a:lnRef idx="2">
+            <a:schemeClr val="accent1">
+              <a:shade val="15000"/>
+            </a:schemeClr>
+          </a:lnRef>
+          <a:fillRef idx="1">
+            <a:schemeClr val="accent1"/>
+          </a:fillRef>
+          <a:effectRef idx="0">
+            <a:schemeClr val="accent1"/>
+          </a:effectRef>
+          <a:fontRef idx="minor">
+            <a:schemeClr val="lt1"/>
+          </a:fontRef>
+        </p:style>
+        <p:txBody>
+          <a:bodyPr rtlCol="0" anchor="ctr"/>
+          <a:lstStyle/>
+          <a:p>
+            <a:pPr algn="ctr"/>
+            <a:endParaRPr lang="en-US"/>
+          </a:p>
+        </p:txBody>
+      </p:sp>
+      <p:sp>
+        <p:nvSpPr>
+          <p:cNvPr id="6" name="TextBox 5">
+            <a:extLst>
+              <a:ext uri="{FF2B5EF4-FFF2-40B4-BE49-F238E27FC236}">
+                <a16:creationId xmlns:a16="http://schemas.microsoft.com/office/drawing/2014/main" id="{5A91EA12-6C80-58DF-DEF4-C0625556A8E9}"/>
+              </a:ext>
+            </a:extLst>
+          </p:cNvPr>
+          <p:cNvSpPr txBox="1"/>
+          <p:nvPr/>
+        </p:nvSpPr>
+        <p:spPr>
+          <a:xfrm>
+            <a:off x="7495359" y="5725621"/>
+            <a:ext cx="1133902" cy="405768"/>
           </a:xfrm>
           <a:prstGeom prst="rect">
             <a:avLst/>
           </a:prstGeom>
         </p:spPr>
-      </p:pic>
+        <p:txBody>
+          <a:bodyPr vert="horz" wrap="square" lIns="91440" tIns="45720" rIns="91440" bIns="45720" rtlCol="0" anchor="ctr">
+            <a:normAutofit/>
+          </a:bodyPr>
+          <a:lstStyle/>
+          <a:p>
+            <a:pPr algn="l"/>
+            <a:r>
+              <a:rPr lang="en-US" sz="1400"/>
+              <a:t>Acceleration</a:t>
+            </a:r>
+            <a:endParaRPr lang="en-US"/>
+          </a:p>
+        </p:txBody>
+      </p:sp>
       <p:sp>
         <p:nvSpPr>
-          <p:cNvPr id="5" name="TextBox 4">
-            <a:extLst>
-              <a:ext uri="{FF2B5EF4-FFF2-40B4-BE49-F238E27FC236}">
-                <a16:creationId xmlns:a16="http://schemas.microsoft.com/office/drawing/2014/main" id="{AB16E864-C5C8-3AEC-C8C2-F14D17AF48FF}"/>
+          <p:cNvPr id="7" name="TextBox 6">
+            <a:extLst>
+              <a:ext uri="{FF2B5EF4-FFF2-40B4-BE49-F238E27FC236}">
+                <a16:creationId xmlns:a16="http://schemas.microsoft.com/office/drawing/2014/main" id="{5BE8CC8C-96DC-781A-B341-78633C908CD6}"/>
               </a:ext>
             </a:extLst>
           </p:cNvPr>
@@ -11801,31 +16038,32 @@
         </p:nvSpPr>
         <p:spPr>
           <a:xfrm>
-            <a:off x="8112868" y="2198450"/>
-            <a:ext cx="1913152" cy="369332"/>
+            <a:off x="3950706" y="5725621"/>
+            <a:ext cx="865496" cy="405768"/>
           </a:xfrm>
           <a:prstGeom prst="rect">
             <a:avLst/>
           </a:prstGeom>
-          <a:noFill/>
         </p:spPr>
         <p:txBody>
-          <a:bodyPr wrap="none" rtlCol="0">
-            <a:spAutoFit/>
+          <a:bodyPr vert="horz" wrap="square" lIns="91440" tIns="45720" rIns="91440" bIns="45720" rtlCol="0" anchor="ctr">
+            <a:normAutofit/>
           </a:bodyPr>
           <a:lstStyle/>
           <a:p>
-            <a:r>
-              <a:rPr lang="en-US" dirty="0"/>
-              <a:t>IEEE14 Power Grid</a:t>
-            </a:r>
+            <a:pPr algn="l"/>
+            <a:r>
+              <a:rPr lang="en-US" sz="1400"/>
+              <a:t>Accuracy</a:t>
+            </a:r>
+            <a:endParaRPr lang="en-US"/>
           </a:p>
         </p:txBody>
       </p:sp>
     </p:spTree>
     <p:extLst>
       <p:ext uri="{BB962C8B-B14F-4D97-AF65-F5344CB8AC3E}">
-        <p14:creationId xmlns:p14="http://schemas.microsoft.com/office/powerpoint/2010/main" val="1827802140"/>
+        <p14:creationId xmlns:p14="http://schemas.microsoft.com/office/powerpoint/2010/main" val="2619375209"/>
       </p:ext>
     </p:extLst>
   </p:cSld>
@@ -11857,7 +16095,7 @@
           <p:cNvPr id="2" name="Title 1">
             <a:extLst>
               <a:ext uri="{FF2B5EF4-FFF2-40B4-BE49-F238E27FC236}">
-                <a16:creationId xmlns:a16="http://schemas.microsoft.com/office/drawing/2014/main" id="{E690685A-B6B3-90CB-D175-86374E664AC3}"/>
+                <a16:creationId xmlns:a16="http://schemas.microsoft.com/office/drawing/2014/main" id="{8D0AD4B4-9969-755A-DD0F-53363210C727}"/>
               </a:ext>
             </a:extLst>
           </p:cNvPr>
@@ -11874,18 +16112,22 @@
           <a:lstStyle/>
           <a:p>
             <a:r>
-              <a:rPr lang="en-US" dirty="0"/>
-              <a:t>Methodology</a:t>
+              <a:rPr lang="fr-FR" dirty="0" err="1"/>
+              <a:t>Problem</a:t>
+            </a:r>
+            <a:r>
+              <a:rPr lang="fr-FR" dirty="0"/>
+              <a:t> setup</a:t>
             </a:r>
           </a:p>
         </p:txBody>
       </p:sp>
       <p:sp>
         <p:nvSpPr>
-          <p:cNvPr id="4" name="Content Placeholder 2">
-            <a:extLst>
-              <a:ext uri="{FF2B5EF4-FFF2-40B4-BE49-F238E27FC236}">
-                <a16:creationId xmlns:a16="http://schemas.microsoft.com/office/drawing/2014/main" id="{C73B9F39-9A82-485A-AB6D-2DCEE3BB3888}"/>
+          <p:cNvPr id="3" name="Content Placeholder 2">
+            <a:extLst>
+              <a:ext uri="{FF2B5EF4-FFF2-40B4-BE49-F238E27FC236}">
+                <a16:creationId xmlns:a16="http://schemas.microsoft.com/office/drawing/2014/main" id="{316A19D8-E5BF-FAA0-F5C3-2C9E0947560F}"/>
               </a:ext>
             </a:extLst>
           </p:cNvPr>
@@ -11899,29 +16141,262 @@
         <p:spPr>
           <a:xfrm>
             <a:off x="838200" y="1825625"/>
-            <a:ext cx="10515600" cy="4351338"/>
+            <a:ext cx="5977647" cy="4351338"/>
           </a:xfrm>
         </p:spPr>
         <p:txBody>
-          <a:bodyPr/>
+          <a:bodyPr>
+            <a:normAutofit/>
+          </a:bodyPr>
           <a:lstStyle/>
           <a:p>
             <a:r>
-              <a:rPr lang="en-US" dirty="0"/>
-              <a:t>Hybrid models : Physics Informed Graph Neural Networks (PIGNNs)</a:t>
-            </a:r>
-          </a:p>
-          <a:p>
-            <a:endParaRPr lang="en-US" dirty="0"/>
+              <a:rPr lang="fr-FR" dirty="0"/>
+              <a:t>Physical simulator </a:t>
+            </a:r>
+            <a:r>
+              <a:rPr lang="fr-FR" dirty="0">
+                <a:solidFill>
+                  <a:srgbClr val="C00000"/>
+                </a:solidFill>
+              </a:rPr>
+              <a:t>→</a:t>
+            </a:r>
+            <a:r>
+              <a:rPr lang="fr-FR" dirty="0"/>
+              <a:t> DC approximation</a:t>
+            </a:r>
+          </a:p>
+          <a:p>
+            <a:r>
+              <a:rPr lang="fr-FR" dirty="0"/>
+              <a:t>Scenario </a:t>
+            </a:r>
+            <a:r>
+              <a:rPr lang="fr-FR" dirty="0">
+                <a:solidFill>
+                  <a:srgbClr val="C00000"/>
+                </a:solidFill>
+              </a:rPr>
+              <a:t>→ </a:t>
+            </a:r>
+            <a:r>
+              <a:rPr lang="fr-FR" dirty="0"/>
+              <a:t>Risk identification (</a:t>
+            </a:r>
+            <a:r>
+              <a:rPr lang="fr-FR" dirty="0" err="1"/>
+              <a:t>allowing</a:t>
+            </a:r>
+            <a:r>
+              <a:rPr lang="fr-FR" dirty="0"/>
+              <a:t> the </a:t>
+            </a:r>
+            <a:r>
+              <a:rPr lang="fr-FR" dirty="0" err="1"/>
+              <a:t>disconnection</a:t>
+            </a:r>
+            <a:r>
+              <a:rPr lang="fr-FR" dirty="0"/>
+              <a:t> of power </a:t>
+            </a:r>
+            <a:r>
+              <a:rPr lang="fr-FR" dirty="0" err="1"/>
+              <a:t>lines</a:t>
+            </a:r>
+            <a:r>
+              <a:rPr lang="fr-FR" dirty="0"/>
+              <a:t> and </a:t>
+            </a:r>
+            <a:r>
+              <a:rPr lang="fr-FR" dirty="0" err="1"/>
+              <a:t>topology</a:t>
+            </a:r>
+            <a:r>
+              <a:rPr lang="fr-FR" dirty="0"/>
+              <a:t> reconfiguration)</a:t>
+            </a:r>
+          </a:p>
+          <a:p>
+            <a:r>
+              <a:rPr lang="fr-FR" dirty="0"/>
+              <a:t>Contribution </a:t>
+            </a:r>
+            <a:r>
+              <a:rPr lang="fr-FR" dirty="0">
+                <a:solidFill>
+                  <a:srgbClr val="C00000"/>
+                </a:solidFill>
+              </a:rPr>
+              <a:t>→</a:t>
+            </a:r>
+            <a:r>
+              <a:rPr lang="fr-FR" dirty="0"/>
+              <a:t> </a:t>
+            </a:r>
+            <a:r>
+              <a:rPr lang="fr-FR" dirty="0" err="1"/>
+              <a:t>Predict</a:t>
+            </a:r>
+            <a:r>
+              <a:rPr lang="fr-FR" dirty="0"/>
+              <a:t> the active </a:t>
+            </a:r>
+            <a:r>
+              <a:rPr lang="fr-FR" dirty="0" err="1"/>
+              <a:t>powers</a:t>
+            </a:r>
+            <a:r>
+              <a:rPr lang="fr-FR" dirty="0"/>
+              <a:t> at power </a:t>
+            </a:r>
+            <a:r>
+              <a:rPr lang="fr-FR" dirty="0" err="1"/>
+              <a:t>lines</a:t>
+            </a:r>
+            <a:r>
+              <a:rPr lang="fr-FR" dirty="0"/>
+              <a:t> </a:t>
+            </a:r>
+            <a:r>
+              <a:rPr lang="fr-FR" dirty="0" err="1"/>
+              <a:t>using</a:t>
+            </a:r>
+            <a:r>
+              <a:rPr lang="fr-FR" dirty="0"/>
+              <a:t> a </a:t>
+            </a:r>
+            <a:r>
+              <a:rPr lang="fr-FR" dirty="0" err="1"/>
+              <a:t>Hybrid</a:t>
+            </a:r>
+            <a:r>
+              <a:rPr lang="fr-FR" dirty="0"/>
+              <a:t> Machine-</a:t>
+            </a:r>
+            <a:r>
+              <a:rPr lang="fr-FR" dirty="0" err="1"/>
+              <a:t>learning</a:t>
+            </a:r>
+            <a:r>
+              <a:rPr lang="fr-FR" dirty="0"/>
+              <a:t> </a:t>
+            </a:r>
+            <a:r>
+              <a:rPr lang="fr-FR" dirty="0" err="1"/>
+              <a:t>based</a:t>
+            </a:r>
+            <a:r>
+              <a:rPr lang="fr-FR" dirty="0"/>
+              <a:t> model </a:t>
+            </a:r>
+            <a:r>
+              <a:rPr lang="fr-FR" dirty="0" err="1"/>
+              <a:t>exploiting</a:t>
+            </a:r>
+            <a:r>
+              <a:rPr lang="fr-FR" dirty="0"/>
+              <a:t> </a:t>
+            </a:r>
+            <a:r>
+              <a:rPr lang="fr-FR" dirty="0" err="1"/>
+              <a:t>physical</a:t>
+            </a:r>
+            <a:r>
+              <a:rPr lang="fr-FR" dirty="0"/>
+              <a:t> </a:t>
+            </a:r>
+            <a:r>
+              <a:rPr lang="fr-FR" dirty="0" err="1"/>
+              <a:t>constraints</a:t>
+            </a:r>
+            <a:r>
+              <a:rPr lang="fr-FR" dirty="0"/>
+              <a:t> (local conservation </a:t>
+            </a:r>
+            <a:r>
+              <a:rPr lang="fr-FR" dirty="0" err="1"/>
+              <a:t>law</a:t>
+            </a:r>
+            <a:r>
+              <a:rPr lang="fr-FR" dirty="0"/>
+              <a:t>)</a:t>
+            </a:r>
+          </a:p>
+          <a:p>
+            <a:r>
+              <a:rPr lang="fr-FR" dirty="0"/>
+              <a:t>Evaluation pipeline </a:t>
+            </a:r>
+            <a:r>
+              <a:rPr lang="fr-FR" dirty="0">
+                <a:solidFill>
+                  <a:srgbClr val="C00000"/>
+                </a:solidFill>
+              </a:rPr>
+              <a:t>→</a:t>
+            </a:r>
+            <a:r>
+              <a:rPr lang="fr-FR" dirty="0"/>
+              <a:t> Learning </a:t>
+            </a:r>
+            <a:r>
+              <a:rPr lang="fr-FR" dirty="0" err="1"/>
+              <a:t>Industrial</a:t>
+            </a:r>
+            <a:r>
+              <a:rPr lang="fr-FR" dirty="0"/>
+              <a:t> Physical Simulation (LIPS) </a:t>
+            </a:r>
+            <a:r>
+              <a:rPr lang="fr-FR" dirty="0" err="1"/>
+              <a:t>framework</a:t>
+            </a:r>
+            <a:r>
+              <a:rPr lang="fr-FR" dirty="0"/>
+              <a:t> </a:t>
+            </a:r>
+            <a:r>
+              <a:rPr lang="fr-FR" dirty="0" err="1"/>
+              <a:t>with</a:t>
+            </a:r>
+            <a:r>
+              <a:rPr lang="fr-FR" dirty="0"/>
+              <a:t> four </a:t>
+            </a:r>
+            <a:r>
+              <a:rPr lang="fr-FR" dirty="0" err="1"/>
+              <a:t>categories</a:t>
+            </a:r>
+            <a:r>
+              <a:rPr lang="fr-FR" dirty="0"/>
+              <a:t> of </a:t>
+            </a:r>
+            <a:r>
+              <a:rPr lang="fr-FR" dirty="0" err="1"/>
+              <a:t>evaluation</a:t>
+            </a:r>
+            <a:r>
+              <a:rPr lang="fr-FR" dirty="0"/>
+              <a:t> </a:t>
+            </a:r>
+            <a:r>
+              <a:rPr lang="fr-FR" dirty="0" err="1"/>
+              <a:t>criteria</a:t>
+            </a:r>
+            <a:r>
+              <a:rPr lang="fr-FR" dirty="0"/>
+              <a:t> </a:t>
+            </a:r>
           </a:p>
         </p:txBody>
       </p:sp>
       <p:pic>
         <p:nvPicPr>
-          <p:cNvPr id="6" name="Picture 5">
-            <a:extLst>
-              <a:ext uri="{FF2B5EF4-FFF2-40B4-BE49-F238E27FC236}">
-                <a16:creationId xmlns:a16="http://schemas.microsoft.com/office/drawing/2014/main" id="{A10E39ED-9261-C6D2-4C1A-BE147C33CD17}"/>
+          <p:cNvPr id="4" name="Picture 3">
+            <a:extLst>
+              <a:ext uri="{FF2B5EF4-FFF2-40B4-BE49-F238E27FC236}">
+                <a16:creationId xmlns:a16="http://schemas.microsoft.com/office/drawing/2014/main" id="{B05D56B3-C922-F1B6-9039-7E5DC997F92A}"/>
               </a:ext>
             </a:extLst>
           </p:cNvPr>
@@ -11938,54 +16413,53 @@
         </p:blipFill>
         <p:spPr>
           <a:xfrm>
-            <a:off x="1751784" y="3092683"/>
-            <a:ext cx="7709457" cy="3161567"/>
+            <a:off x="6945549" y="2750702"/>
+            <a:ext cx="4788232" cy="2677332"/>
           </a:xfrm>
           <a:prstGeom prst="rect">
             <a:avLst/>
           </a:prstGeom>
         </p:spPr>
       </p:pic>
-      <p:pic>
-        <p:nvPicPr>
-          <p:cNvPr id="8" name="Picture 7" descr="A close-up of a message&#10;&#10;AI-generated content may be incorrect.">
-            <a:extLst>
-              <a:ext uri="{FF2B5EF4-FFF2-40B4-BE49-F238E27FC236}">
-                <a16:creationId xmlns:a16="http://schemas.microsoft.com/office/drawing/2014/main" id="{15B515A2-CA6E-8F03-C24E-6D8FFC81CD69}"/>
-              </a:ext>
-            </a:extLst>
-          </p:cNvPr>
-          <p:cNvPicPr>
-            <a:picLocks noChangeAspect="1"/>
-          </p:cNvPicPr>
+      <p:sp>
+        <p:nvSpPr>
+          <p:cNvPr id="5" name="TextBox 4">
+            <a:extLst>
+              <a:ext uri="{FF2B5EF4-FFF2-40B4-BE49-F238E27FC236}">
+                <a16:creationId xmlns:a16="http://schemas.microsoft.com/office/drawing/2014/main" id="{AB16E864-C5C8-3AEC-C8C2-F14D17AF48FF}"/>
+              </a:ext>
+            </a:extLst>
+          </p:cNvPr>
+          <p:cNvSpPr txBox="1"/>
           <p:nvPr/>
-        </p:nvPicPr>
-        <p:blipFill>
-          <a:blip r:embed="rId3">
-            <a:extLst>
-              <a:ext uri="{28A0092B-C50C-407E-A947-70E740481C1C}">
-                <a14:useLocalDpi xmlns:a14="http://schemas.microsoft.com/office/drawing/2010/main" val="0"/>
-              </a:ext>
-            </a:extLst>
-          </a:blip>
-          <a:stretch>
-            <a:fillRect/>
-          </a:stretch>
-        </p:blipFill>
+        </p:nvSpPr>
         <p:spPr>
           <a:xfrm>
-            <a:off x="2947089" y="2226029"/>
-            <a:ext cx="4847745" cy="789367"/>
+            <a:off x="8112868" y="2198450"/>
+            <a:ext cx="1913152" cy="369332"/>
           </a:xfrm>
           <a:prstGeom prst="rect">
             <a:avLst/>
           </a:prstGeom>
-        </p:spPr>
-      </p:pic>
+          <a:noFill/>
+        </p:spPr>
+        <p:txBody>
+          <a:bodyPr wrap="none" rtlCol="0">
+            <a:spAutoFit/>
+          </a:bodyPr>
+          <a:lstStyle/>
+          <a:p>
+            <a:r>
+              <a:rPr lang="en-US" dirty="0"/>
+              <a:t>IEEE14 Power Grid</a:t>
+            </a:r>
+          </a:p>
+        </p:txBody>
+      </p:sp>
     </p:spTree>
     <p:extLst>
       <p:ext uri="{BB962C8B-B14F-4D97-AF65-F5344CB8AC3E}">
-        <p14:creationId xmlns:p14="http://schemas.microsoft.com/office/powerpoint/2010/main" val="3018709138"/>
+        <p14:creationId xmlns:p14="http://schemas.microsoft.com/office/powerpoint/2010/main" val="1827802140"/>
       </p:ext>
     </p:extLst>
   </p:cSld>
@@ -12000,7 +16474,7 @@
   <p:cSld>
     <p:spTree>
       <p:nvGrpSpPr>
-        <p:cNvPr id="1" name=""/>
+        <p:cNvPr id="1" name="Shape 516"/>
         <p:cNvGrpSpPr/>
         <p:nvPr/>
       </p:nvGrpSpPr>
@@ -12014,100 +16488,1081 @@
       </p:grpSpPr>
       <p:sp>
         <p:nvSpPr>
-          <p:cNvPr id="2" name="Title 1">
-            <a:extLst>
-              <a:ext uri="{FF2B5EF4-FFF2-40B4-BE49-F238E27FC236}">
-                <a16:creationId xmlns:a16="http://schemas.microsoft.com/office/drawing/2014/main" id="{EBC76CC9-6867-E7DF-259A-7883964CBC9B}"/>
-              </a:ext>
-            </a:extLst>
-          </p:cNvPr>
-          <p:cNvSpPr>
+          <p:cNvPr id="517" name="Google Shape;517;p39"/>
+          <p:cNvSpPr txBox="1"/>
+          <p:nvPr/>
+        </p:nvSpPr>
+        <p:spPr>
+          <a:xfrm>
+            <a:off x="742200" y="557775"/>
+            <a:ext cx="10707600" cy="786300"/>
+          </a:xfrm>
+          <a:prstGeom prst="rect">
+            <a:avLst/>
+          </a:prstGeom>
+          <a:solidFill>
+            <a:schemeClr val="lt1"/>
+          </a:solidFill>
+          <a:ln>
+            <a:noFill/>
+          </a:ln>
+        </p:spPr>
+        <p:txBody>
+          <a:bodyPr spcFirstLastPara="1" wrap="square" lIns="91425" tIns="91425" rIns="91425" bIns="91425" anchor="t" anchorCtr="0">
+            <a:noAutofit/>
+          </a:bodyPr>
+          <a:lstStyle/>
+          <a:p>
+            <a:pPr marL="0" lvl="0" indent="0" algn="l" rtl="0">
+              <a:spcBef>
+                <a:spcPts val="0"/>
+              </a:spcBef>
+              <a:spcAft>
+                <a:spcPts val="0"/>
+              </a:spcAft>
+              <a:buNone/>
+            </a:pPr>
+            <a:endParaRPr>
+              <a:latin typeface="Calibri"/>
+              <a:ea typeface="Calibri"/>
+              <a:cs typeface="Calibri"/>
+              <a:sym typeface="Calibri"/>
+            </a:endParaRPr>
+          </a:p>
+        </p:txBody>
+      </p:sp>
+      <p:pic>
+        <p:nvPicPr>
+          <p:cNvPr id="518" name="Google Shape;518;p39"/>
+          <p:cNvPicPr preferRelativeResize="0"/>
+          <p:nvPr/>
+        </p:nvPicPr>
+        <p:blipFill>
+          <a:blip r:embed="rId3">
+            <a:alphaModFix/>
+          </a:blip>
+          <a:stretch>
+            <a:fillRect/>
+          </a:stretch>
+        </p:blipFill>
+        <p:spPr>
+          <a:xfrm>
+            <a:off x="703325" y="234600"/>
+            <a:ext cx="10785352" cy="702275"/>
+          </a:xfrm>
+          <a:prstGeom prst="rect">
+            <a:avLst/>
+          </a:prstGeom>
+          <a:noFill/>
+          <a:ln>
+            <a:noFill/>
+          </a:ln>
+        </p:spPr>
+      </p:pic>
+      <p:sp>
+        <p:nvSpPr>
+          <p:cNvPr id="519" name="Google Shape;519;p39"/>
+          <p:cNvSpPr txBox="1">
             <a:spLocks noGrp="1"/>
           </p:cNvSpPr>
           <p:nvPr>
             <p:ph type="title"/>
           </p:nvPr>
         </p:nvSpPr>
-        <p:spPr/>
+        <p:spPr>
+          <a:xfrm>
+            <a:off x="838200" y="169353"/>
+            <a:ext cx="10515600" cy="723000"/>
+          </a:xfrm>
+          <a:prstGeom prst="rect">
+            <a:avLst/>
+          </a:prstGeom>
+        </p:spPr>
         <p:txBody>
-          <a:bodyPr/>
+          <a:bodyPr spcFirstLastPara="1" wrap="square" lIns="91425" tIns="45700" rIns="91425" bIns="45700" anchor="ctr" anchorCtr="0">
+            <a:normAutofit/>
+          </a:bodyPr>
           <a:lstStyle/>
           <a:p>
-            <a:r>
-              <a:rPr lang="en-US" dirty="0"/>
-              <a:t>Original contribution</a:t>
-            </a:r>
+            <a:pPr marL="0" lvl="0" indent="0" algn="l" rtl="0">
+              <a:spcBef>
+                <a:spcPts val="0"/>
+              </a:spcBef>
+              <a:spcAft>
+                <a:spcPts val="0"/>
+              </a:spcAft>
+              <a:buNone/>
+            </a:pPr>
+            <a:r>
+              <a:rPr lang="it-IT"/>
+              <a:t>Methodology</a:t>
+            </a:r>
+            <a:endParaRPr/>
           </a:p>
         </p:txBody>
       </p:sp>
       <p:sp>
         <p:nvSpPr>
-          <p:cNvPr id="4" name="Content Placeholder 2">
-            <a:extLst>
-              <a:ext uri="{FF2B5EF4-FFF2-40B4-BE49-F238E27FC236}">
-                <a16:creationId xmlns:a16="http://schemas.microsoft.com/office/drawing/2014/main" id="{A43105CE-2F6A-8A60-2BEE-93B9AD40F4BB}"/>
-              </a:ext>
-            </a:extLst>
-          </p:cNvPr>
-          <p:cNvSpPr>
+          <p:cNvPr id="520" name="Google Shape;520;p39"/>
+          <p:cNvSpPr txBox="1">
             <a:spLocks noGrp="1"/>
           </p:cNvSpPr>
           <p:nvPr>
-            <p:ph idx="1"/>
+            <p:ph type="sldNum" idx="12"/>
           </p:nvPr>
         </p:nvSpPr>
         <p:spPr>
           <a:xfrm>
-            <a:off x="838200" y="1570252"/>
-            <a:ext cx="10515600" cy="4351338"/>
-          </a:xfrm>
-        </p:spPr>
-        <p:txBody>
-          <a:bodyPr/>
-          <a:lstStyle/>
-          <a:p>
-            <a:r>
-              <a:rPr lang="en-US" dirty="0"/>
-              <a:t>Compliance to physics criteria / laws by integrating the local conservation as the optimization criteria (non-supervised learning)</a:t>
-            </a:r>
-          </a:p>
-        </p:txBody>
-      </p:sp>
-      <p:pic>
-        <p:nvPicPr>
-          <p:cNvPr id="5" name="Picture 4">
-            <a:extLst>
-              <a:ext uri="{FF2B5EF4-FFF2-40B4-BE49-F238E27FC236}">
-                <a16:creationId xmlns:a16="http://schemas.microsoft.com/office/drawing/2014/main" id="{1852D91E-935B-2A8C-84F5-0818404A9163}"/>
-              </a:ext>
-            </a:extLst>
-          </p:cNvPr>
-          <p:cNvPicPr>
-            <a:picLocks noChangeAspect="1"/>
-          </p:cNvPicPr>
-          <p:nvPr/>
-        </p:nvPicPr>
-        <p:blipFill rotWithShape="1">
-          <a:blip r:embed="rId2"/>
-          <a:srcRect t="598" r="13206"/>
-          <a:stretch/>
-        </p:blipFill>
-        <p:spPr>
-          <a:xfrm>
-            <a:off x="3552231" y="2590322"/>
-            <a:ext cx="5087537" cy="3663928"/>
+            <a:off x="8610600" y="6356350"/>
+            <a:ext cx="2743200" cy="365100"/>
           </a:xfrm>
           <a:prstGeom prst="rect">
             <a:avLst/>
           </a:prstGeom>
         </p:spPr>
-      </p:pic>
+        <p:txBody>
+          <a:bodyPr spcFirstLastPara="1" wrap="square" lIns="91425" tIns="45700" rIns="91425" bIns="45700" anchor="ctr" anchorCtr="0">
+            <a:noAutofit/>
+          </a:bodyPr>
+          <a:lstStyle/>
+          <a:p>
+            <a:pPr marL="0" lvl="0" indent="0" algn="r" rtl="0">
+              <a:spcBef>
+                <a:spcPts val="0"/>
+              </a:spcBef>
+              <a:spcAft>
+                <a:spcPts val="0"/>
+              </a:spcAft>
+              <a:buClr>
+                <a:srgbClr val="000000"/>
+              </a:buClr>
+              <a:buFont typeface="Arial"/>
+              <a:buNone/>
+            </a:pPr>
+            <a:fld id="{00000000-1234-1234-1234-123412341234}" type="slidenum">
+              <a:rPr lang="it-IT"/>
+              <a:t>8</a:t>
+            </a:fld>
+            <a:endParaRPr/>
+          </a:p>
+        </p:txBody>
+      </p:sp>
+      <p:sp>
+        <p:nvSpPr>
+          <p:cNvPr id="521" name="Google Shape;521;p39"/>
+          <p:cNvSpPr txBox="1">
+            <a:spLocks noGrp="1"/>
+          </p:cNvSpPr>
+          <p:nvPr>
+            <p:ph type="body" idx="4294967295"/>
+          </p:nvPr>
+        </p:nvSpPr>
+        <p:spPr>
+          <a:xfrm>
+            <a:off x="838200" y="1232125"/>
+            <a:ext cx="10515600" cy="840000"/>
+          </a:xfrm>
+          <a:prstGeom prst="rect">
+            <a:avLst/>
+          </a:prstGeom>
+          <a:noFill/>
+          <a:ln>
+            <a:noFill/>
+          </a:ln>
+        </p:spPr>
+        <p:txBody>
+          <a:bodyPr spcFirstLastPara="1" wrap="square" lIns="91425" tIns="45700" rIns="91425" bIns="45700" anchor="t" anchorCtr="0">
+            <a:normAutofit/>
+          </a:bodyPr>
+          <a:lstStyle/>
+          <a:p>
+            <a:pPr marL="228600" lvl="0" indent="-228600" algn="l" rtl="0">
+              <a:lnSpc>
+                <a:spcPct val="90000"/>
+              </a:lnSpc>
+              <a:spcBef>
+                <a:spcPts val="0"/>
+              </a:spcBef>
+              <a:spcAft>
+                <a:spcPts val="0"/>
+              </a:spcAft>
+              <a:buSzPts val="2000"/>
+              <a:buChar char="•"/>
+            </a:pPr>
+            <a:r>
+              <a:rPr lang="it-IT" sz="2000" b="1" dirty="0"/>
+              <a:t>Main idea</a:t>
+            </a:r>
+            <a:r>
+              <a:rPr lang="it-IT" sz="2000" dirty="0"/>
+              <a:t> = </a:t>
+            </a:r>
+            <a:r>
+              <a:rPr lang="fr-FR" sz="2000" dirty="0" err="1"/>
+              <a:t>Consider</a:t>
+            </a:r>
+            <a:r>
+              <a:rPr lang="fr-FR" sz="2000" dirty="0"/>
+              <a:t> a </a:t>
+            </a:r>
+            <a:r>
+              <a:rPr lang="fr-FR" sz="2000" dirty="0" err="1"/>
+              <a:t>physical</a:t>
+            </a:r>
+            <a:r>
+              <a:rPr lang="fr-FR" sz="2000" dirty="0"/>
+              <a:t> </a:t>
+            </a:r>
+            <a:r>
+              <a:rPr lang="fr-FR" sz="2000" dirty="0" err="1"/>
+              <a:t>constraint</a:t>
+            </a:r>
+            <a:r>
+              <a:rPr lang="fr-FR" sz="2000" dirty="0"/>
+              <a:t> as the objective </a:t>
+            </a:r>
+            <a:r>
+              <a:rPr lang="fr-FR" sz="2000" dirty="0" err="1"/>
+              <a:t>function</a:t>
+            </a:r>
+            <a:r>
+              <a:rPr lang="fr-FR" sz="2000" dirty="0"/>
+              <a:t> of Neural Networks (GNN) </a:t>
+            </a:r>
+            <a:r>
+              <a:rPr lang="fr-FR" sz="2000" dirty="0" err="1"/>
+              <a:t>that</a:t>
+            </a:r>
+            <a:r>
+              <a:rPr lang="fr-FR" sz="2000" dirty="0"/>
+              <a:t> </a:t>
+            </a:r>
+            <a:r>
+              <a:rPr lang="fr-FR" sz="2000" dirty="0" err="1"/>
+              <a:t>should</a:t>
+            </a:r>
+            <a:r>
+              <a:rPr lang="fr-FR" sz="2000" dirty="0"/>
+              <a:t> </a:t>
+            </a:r>
+            <a:r>
+              <a:rPr lang="fr-FR" sz="2000" dirty="0" err="1"/>
+              <a:t>be</a:t>
+            </a:r>
+            <a:r>
+              <a:rPr lang="fr-FR" sz="2000" dirty="0"/>
+              <a:t> </a:t>
+            </a:r>
+            <a:r>
+              <a:rPr lang="fr-FR" sz="2000" dirty="0" err="1"/>
+              <a:t>optimized</a:t>
+            </a:r>
+            <a:r>
+              <a:rPr lang="fr-FR" sz="2000" dirty="0"/>
+              <a:t> </a:t>
+            </a:r>
+            <a:r>
+              <a:rPr lang="fr-FR" sz="2000" dirty="0" err="1"/>
+              <a:t>during</a:t>
+            </a:r>
+            <a:r>
+              <a:rPr lang="fr-FR" sz="2000" dirty="0"/>
+              <a:t> the training and </a:t>
+            </a:r>
+            <a:r>
+              <a:rPr lang="fr-FR" sz="2000" dirty="0" err="1"/>
+              <a:t>used</a:t>
+            </a:r>
+            <a:r>
+              <a:rPr lang="fr-FR" sz="2000" dirty="0"/>
+              <a:t> for the estimation of the </a:t>
+            </a:r>
+            <a:r>
+              <a:rPr lang="fr-FR" sz="2000" dirty="0" err="1"/>
+              <a:t>parameters</a:t>
+            </a:r>
+            <a:r>
+              <a:rPr lang="fr-FR" sz="2000" dirty="0"/>
+              <a:t> </a:t>
+            </a:r>
+            <a:endParaRPr dirty="0"/>
+          </a:p>
+        </p:txBody>
+      </p:sp>
+      <p:grpSp>
+        <p:nvGrpSpPr>
+          <p:cNvPr id="522" name="Google Shape;522;p39"/>
+          <p:cNvGrpSpPr/>
+          <p:nvPr/>
+        </p:nvGrpSpPr>
+        <p:grpSpPr>
+          <a:xfrm>
+            <a:off x="1306809" y="2223818"/>
+            <a:ext cx="2636100" cy="1410600"/>
+            <a:chOff x="1029729" y="3295134"/>
+            <a:chExt cx="2636100" cy="1410600"/>
+          </a:xfrm>
+        </p:grpSpPr>
+        <p:sp>
+          <p:nvSpPr>
+            <p:cNvPr id="523" name="Google Shape;523;p39"/>
+            <p:cNvSpPr/>
+            <p:nvPr/>
+          </p:nvSpPr>
+          <p:spPr>
+            <a:xfrm>
+              <a:off x="1029729" y="3295134"/>
+              <a:ext cx="2636100" cy="1410600"/>
+            </a:xfrm>
+            <a:prstGeom prst="roundRect">
+              <a:avLst>
+                <a:gd name="adj" fmla="val 16667"/>
+              </a:avLst>
+            </a:prstGeom>
+            <a:solidFill>
+              <a:schemeClr val="lt1"/>
+            </a:solidFill>
+            <a:ln w="12700" cap="flat" cmpd="sng">
+              <a:solidFill>
+                <a:srgbClr val="640B0F"/>
+              </a:solidFill>
+              <a:prstDash val="solid"/>
+              <a:miter lim="800000"/>
+              <a:headEnd type="none" w="sm" len="sm"/>
+              <a:tailEnd type="none" w="sm" len="sm"/>
+            </a:ln>
+          </p:spPr>
+          <p:txBody>
+            <a:bodyPr spcFirstLastPara="1" wrap="square" lIns="91425" tIns="45700" rIns="91425" bIns="45700" anchor="ctr" anchorCtr="0">
+              <a:noAutofit/>
+            </a:bodyPr>
+            <a:lstStyle/>
+            <a:p>
+              <a:pPr marL="0" marR="0" lvl="0" indent="0" algn="ctr" rtl="0">
+                <a:spcBef>
+                  <a:spcPts val="0"/>
+                </a:spcBef>
+                <a:spcAft>
+                  <a:spcPts val="0"/>
+                </a:spcAft>
+                <a:buNone/>
+              </a:pPr>
+              <a:endParaRPr sz="1800" b="0" i="0" u="none" strike="noStrike" cap="none">
+                <a:solidFill>
+                  <a:schemeClr val="lt1"/>
+                </a:solidFill>
+                <a:latin typeface="Calibri"/>
+                <a:ea typeface="Calibri"/>
+                <a:cs typeface="Calibri"/>
+                <a:sym typeface="Calibri"/>
+              </a:endParaRPr>
+            </a:p>
+          </p:txBody>
+        </p:sp>
+        <p:sp>
+          <p:nvSpPr>
+            <p:cNvPr id="524" name="Google Shape;524;p39"/>
+            <p:cNvSpPr txBox="1"/>
+            <p:nvPr/>
+          </p:nvSpPr>
+          <p:spPr>
+            <a:xfrm>
+              <a:off x="1410729" y="3398107"/>
+              <a:ext cx="1874100" cy="1200288"/>
+            </a:xfrm>
+            <a:prstGeom prst="rect">
+              <a:avLst/>
+            </a:prstGeom>
+            <a:noFill/>
+            <a:ln>
+              <a:noFill/>
+            </a:ln>
+          </p:spPr>
+          <p:txBody>
+            <a:bodyPr spcFirstLastPara="1" wrap="square" lIns="91425" tIns="45700" rIns="91425" bIns="45700" anchor="t" anchorCtr="0">
+              <a:spAutoFit/>
+            </a:bodyPr>
+            <a:lstStyle/>
+            <a:p>
+              <a:pPr marL="0" marR="0" lvl="0" indent="0" algn="ctr" rtl="0">
+                <a:spcBef>
+                  <a:spcPts val="0"/>
+                </a:spcBef>
+                <a:spcAft>
+                  <a:spcPts val="0"/>
+                </a:spcAft>
+                <a:buNone/>
+              </a:pPr>
+              <a:r>
+                <a:rPr lang="it-IT" sz="1800" b="0" i="0" u="none" strike="noStrike" cap="none" dirty="0">
+                  <a:solidFill>
+                    <a:schemeClr val="dk1"/>
+                  </a:solidFill>
+                  <a:latin typeface="Calibri"/>
+                  <a:ea typeface="Calibri"/>
+                  <a:cs typeface="Calibri"/>
+                  <a:sym typeface="Calibri"/>
+                </a:rPr>
+                <a:t>Generate a set of synthetic data using the Data Module</a:t>
+              </a:r>
+              <a:endParaRPr dirty="0">
+                <a:solidFill>
+                  <a:schemeClr val="dk1"/>
+                </a:solidFill>
+              </a:endParaRPr>
+            </a:p>
+          </p:txBody>
+        </p:sp>
+      </p:grpSp>
+      <p:grpSp>
+        <p:nvGrpSpPr>
+          <p:cNvPr id="525" name="Google Shape;525;p39"/>
+          <p:cNvGrpSpPr/>
+          <p:nvPr/>
+        </p:nvGrpSpPr>
+        <p:grpSpPr>
+          <a:xfrm>
+            <a:off x="4612242" y="2223818"/>
+            <a:ext cx="2636100" cy="1410600"/>
+            <a:chOff x="3933567" y="3315728"/>
+            <a:chExt cx="2636100" cy="1410600"/>
+          </a:xfrm>
+        </p:grpSpPr>
+        <p:sp>
+          <p:nvSpPr>
+            <p:cNvPr id="526" name="Google Shape;526;p39"/>
+            <p:cNvSpPr/>
+            <p:nvPr/>
+          </p:nvSpPr>
+          <p:spPr>
+            <a:xfrm>
+              <a:off x="3933567" y="3315728"/>
+              <a:ext cx="2636100" cy="1410600"/>
+            </a:xfrm>
+            <a:prstGeom prst="roundRect">
+              <a:avLst>
+                <a:gd name="adj" fmla="val 16667"/>
+              </a:avLst>
+            </a:prstGeom>
+            <a:solidFill>
+              <a:schemeClr val="lt1"/>
+            </a:solidFill>
+            <a:ln w="12700" cap="flat" cmpd="sng">
+              <a:solidFill>
+                <a:srgbClr val="640B0F"/>
+              </a:solidFill>
+              <a:prstDash val="solid"/>
+              <a:miter lim="800000"/>
+              <a:headEnd type="none" w="sm" len="sm"/>
+              <a:tailEnd type="none" w="sm" len="sm"/>
+            </a:ln>
+          </p:spPr>
+          <p:txBody>
+            <a:bodyPr spcFirstLastPara="1" wrap="square" lIns="91425" tIns="45700" rIns="91425" bIns="45700" anchor="ctr" anchorCtr="0">
+              <a:noAutofit/>
+            </a:bodyPr>
+            <a:lstStyle/>
+            <a:p>
+              <a:pPr marL="0" marR="0" lvl="0" indent="0" algn="ctr" rtl="0">
+                <a:spcBef>
+                  <a:spcPts val="0"/>
+                </a:spcBef>
+                <a:spcAft>
+                  <a:spcPts val="0"/>
+                </a:spcAft>
+                <a:buNone/>
+              </a:pPr>
+              <a:endParaRPr sz="1800" b="0" i="0" u="none" strike="noStrike" cap="none">
+                <a:solidFill>
+                  <a:schemeClr val="lt1"/>
+                </a:solidFill>
+                <a:latin typeface="Calibri"/>
+                <a:ea typeface="Calibri"/>
+                <a:cs typeface="Calibri"/>
+                <a:sym typeface="Calibri"/>
+              </a:endParaRPr>
+            </a:p>
+          </p:txBody>
+        </p:sp>
+        <p:sp>
+          <p:nvSpPr>
+            <p:cNvPr id="527" name="Google Shape;527;p39"/>
+            <p:cNvSpPr txBox="1"/>
+            <p:nvPr/>
+          </p:nvSpPr>
+          <p:spPr>
+            <a:xfrm>
+              <a:off x="4093112" y="3398106"/>
+              <a:ext cx="2388954" cy="1200288"/>
+            </a:xfrm>
+            <a:prstGeom prst="rect">
+              <a:avLst/>
+            </a:prstGeom>
+            <a:noFill/>
+            <a:ln>
+              <a:noFill/>
+            </a:ln>
+          </p:spPr>
+          <p:txBody>
+            <a:bodyPr spcFirstLastPara="1" wrap="square" lIns="91425" tIns="45700" rIns="91425" bIns="45700" anchor="t" anchorCtr="0">
+              <a:spAutoFit/>
+            </a:bodyPr>
+            <a:lstStyle/>
+            <a:p>
+              <a:pPr marL="0" marR="0" lvl="0" indent="0" algn="ctr" rtl="0">
+                <a:spcBef>
+                  <a:spcPts val="0"/>
+                </a:spcBef>
+                <a:spcAft>
+                  <a:spcPts val="0"/>
+                </a:spcAft>
+                <a:buNone/>
+              </a:pPr>
+              <a:r>
+                <a:rPr lang="it-IT" sz="1800" b="0" i="0" u="none" strike="noStrike" cap="none" dirty="0">
+                  <a:solidFill>
+                    <a:schemeClr val="dk1"/>
+                  </a:solidFill>
+                  <a:latin typeface="Calibri"/>
+                  <a:ea typeface="Calibri"/>
+                  <a:cs typeface="Calibri"/>
+                  <a:sym typeface="Calibri"/>
+                </a:rPr>
+                <a:t>Use the Graph Neural Solver to learn from the data (injections, voltage angles)</a:t>
+              </a:r>
+              <a:endParaRPr sz="1800" b="0" i="0" u="none" strike="noStrike" cap="none" dirty="0">
+                <a:solidFill>
+                  <a:schemeClr val="dk1"/>
+                </a:solidFill>
+                <a:latin typeface="Calibri"/>
+                <a:ea typeface="Calibri"/>
+                <a:cs typeface="Calibri"/>
+                <a:sym typeface="Calibri"/>
+              </a:endParaRPr>
+            </a:p>
+          </p:txBody>
+        </p:sp>
+      </p:grpSp>
+      <p:sp>
+        <p:nvSpPr>
+          <p:cNvPr id="528" name="Google Shape;528;p39"/>
+          <p:cNvSpPr txBox="1"/>
+          <p:nvPr/>
+        </p:nvSpPr>
+        <p:spPr>
+          <a:xfrm>
+            <a:off x="4468079" y="4001476"/>
+            <a:ext cx="2996400" cy="830956"/>
+          </a:xfrm>
+          <a:prstGeom prst="rect">
+            <a:avLst/>
+          </a:prstGeom>
+          <a:noFill/>
+          <a:ln>
+            <a:noFill/>
+          </a:ln>
+        </p:spPr>
+        <p:txBody>
+          <a:bodyPr spcFirstLastPara="1" wrap="square" lIns="91425" tIns="45700" rIns="91425" bIns="45700" anchor="t" anchorCtr="0">
+            <a:spAutoFit/>
+          </a:bodyPr>
+          <a:lstStyle/>
+          <a:p>
+            <a:pPr marL="0" marR="0" lvl="0" indent="0" algn="ctr" rtl="0">
+              <a:spcBef>
+                <a:spcPts val="0"/>
+              </a:spcBef>
+              <a:spcAft>
+                <a:spcPts val="0"/>
+              </a:spcAft>
+              <a:buNone/>
+            </a:pPr>
+            <a:r>
+              <a:rPr lang="it-IT" sz="1600" b="0" i="0" u="none" strike="noStrike" cap="none" dirty="0">
+                <a:solidFill>
+                  <a:schemeClr val="dk1"/>
+                </a:solidFill>
+                <a:latin typeface="Calibri"/>
+                <a:ea typeface="Calibri"/>
+                <a:cs typeface="Calibri"/>
+                <a:sym typeface="Calibri"/>
+              </a:rPr>
+              <a:t>A physics informed neural network to optimize on local conservation law</a:t>
+            </a:r>
+            <a:endParaRPr dirty="0">
+              <a:solidFill>
+                <a:schemeClr val="dk1"/>
+              </a:solidFill>
+            </a:endParaRPr>
+          </a:p>
+        </p:txBody>
+      </p:sp>
+      <p:grpSp>
+        <p:nvGrpSpPr>
+          <p:cNvPr id="529" name="Google Shape;529;p39"/>
+          <p:cNvGrpSpPr/>
+          <p:nvPr/>
+        </p:nvGrpSpPr>
+        <p:grpSpPr>
+          <a:xfrm>
+            <a:off x="7938269" y="2223817"/>
+            <a:ext cx="2636101" cy="1410600"/>
+            <a:chOff x="7105134" y="3326025"/>
+            <a:chExt cx="2636101" cy="1410600"/>
+          </a:xfrm>
+        </p:grpSpPr>
+        <p:sp>
+          <p:nvSpPr>
+            <p:cNvPr id="530" name="Google Shape;530;p39"/>
+            <p:cNvSpPr/>
+            <p:nvPr/>
+          </p:nvSpPr>
+          <p:spPr>
+            <a:xfrm>
+              <a:off x="7105134" y="3326025"/>
+              <a:ext cx="2636100" cy="1410600"/>
+            </a:xfrm>
+            <a:prstGeom prst="roundRect">
+              <a:avLst>
+                <a:gd name="adj" fmla="val 16667"/>
+              </a:avLst>
+            </a:prstGeom>
+            <a:solidFill>
+              <a:schemeClr val="lt1"/>
+            </a:solidFill>
+            <a:ln w="12700" cap="flat" cmpd="sng">
+              <a:solidFill>
+                <a:srgbClr val="640B0F"/>
+              </a:solidFill>
+              <a:prstDash val="solid"/>
+              <a:miter lim="800000"/>
+              <a:headEnd type="none" w="sm" len="sm"/>
+              <a:tailEnd type="none" w="sm" len="sm"/>
+            </a:ln>
+          </p:spPr>
+          <p:txBody>
+            <a:bodyPr spcFirstLastPara="1" wrap="square" lIns="91425" tIns="45700" rIns="91425" bIns="45700" anchor="ctr" anchorCtr="0">
+              <a:noAutofit/>
+            </a:bodyPr>
+            <a:lstStyle/>
+            <a:p>
+              <a:pPr marL="0" marR="0" lvl="0" indent="0" algn="ctr" rtl="0">
+                <a:spcBef>
+                  <a:spcPts val="0"/>
+                </a:spcBef>
+                <a:spcAft>
+                  <a:spcPts val="0"/>
+                </a:spcAft>
+                <a:buNone/>
+              </a:pPr>
+              <a:endParaRPr sz="1800" b="0" i="0" u="none" strike="noStrike" cap="none">
+                <a:solidFill>
+                  <a:schemeClr val="lt1"/>
+                </a:solidFill>
+                <a:latin typeface="Calibri"/>
+                <a:ea typeface="Calibri"/>
+                <a:cs typeface="Calibri"/>
+                <a:sym typeface="Calibri"/>
+              </a:endParaRPr>
+            </a:p>
+          </p:txBody>
+        </p:sp>
+        <p:sp>
+          <p:nvSpPr>
+            <p:cNvPr id="531" name="Google Shape;531;p39"/>
+            <p:cNvSpPr txBox="1"/>
+            <p:nvPr/>
+          </p:nvSpPr>
+          <p:spPr>
+            <a:xfrm>
+              <a:off x="7105135" y="3428998"/>
+              <a:ext cx="2636100" cy="923289"/>
+            </a:xfrm>
+            <a:prstGeom prst="rect">
+              <a:avLst/>
+            </a:prstGeom>
+            <a:noFill/>
+            <a:ln>
+              <a:noFill/>
+            </a:ln>
+          </p:spPr>
+          <p:txBody>
+            <a:bodyPr spcFirstLastPara="1" wrap="square" lIns="91425" tIns="45700" rIns="91425" bIns="45700" anchor="t" anchorCtr="0">
+              <a:spAutoFit/>
+            </a:bodyPr>
+            <a:lstStyle/>
+            <a:p>
+              <a:pPr marL="0" marR="0" lvl="0" indent="0" algn="ctr" rtl="0">
+                <a:spcBef>
+                  <a:spcPts val="0"/>
+                </a:spcBef>
+                <a:spcAft>
+                  <a:spcPts val="0"/>
+                </a:spcAft>
+                <a:buNone/>
+              </a:pPr>
+              <a:r>
+                <a:rPr lang="it-IT" sz="1800" b="0" i="0" u="none" strike="noStrike" cap="none" dirty="0">
+                  <a:solidFill>
+                    <a:schemeClr val="dk1"/>
+                  </a:solidFill>
+                  <a:latin typeface="Calibri"/>
+                  <a:ea typeface="Calibri"/>
+                  <a:cs typeface="Calibri"/>
+                  <a:sym typeface="Calibri"/>
+                </a:rPr>
+                <a:t>Evaluate the performance using a set of 4 categories of evaluation criteria</a:t>
+              </a:r>
+              <a:endParaRPr sz="1800" b="0" i="0" u="none" strike="noStrike" cap="none" dirty="0">
+                <a:solidFill>
+                  <a:schemeClr val="dk1"/>
+                </a:solidFill>
+                <a:latin typeface="Calibri"/>
+                <a:ea typeface="Calibri"/>
+                <a:cs typeface="Calibri"/>
+                <a:sym typeface="Calibri"/>
+              </a:endParaRPr>
+            </a:p>
+          </p:txBody>
+        </p:sp>
+      </p:grpSp>
+      <p:sp>
+        <p:nvSpPr>
+          <p:cNvPr id="532" name="Google Shape;532;p39"/>
+          <p:cNvSpPr/>
+          <p:nvPr/>
+        </p:nvSpPr>
+        <p:spPr>
+          <a:xfrm>
+            <a:off x="4128268" y="2882846"/>
+            <a:ext cx="298500" cy="82500"/>
+          </a:xfrm>
+          <a:prstGeom prst="rightArrow">
+            <a:avLst>
+              <a:gd name="adj1" fmla="val 50000"/>
+              <a:gd name="adj2" fmla="val 50000"/>
+            </a:avLst>
+          </a:prstGeom>
+          <a:solidFill>
+            <a:schemeClr val="accent1"/>
+          </a:solidFill>
+          <a:ln w="12700" cap="flat" cmpd="sng">
+            <a:solidFill>
+              <a:srgbClr val="640B0F"/>
+            </a:solidFill>
+            <a:prstDash val="solid"/>
+            <a:miter lim="800000"/>
+            <a:headEnd type="none" w="sm" len="sm"/>
+            <a:tailEnd type="none" w="sm" len="sm"/>
+          </a:ln>
+        </p:spPr>
+        <p:txBody>
+          <a:bodyPr spcFirstLastPara="1" wrap="square" lIns="91425" tIns="45700" rIns="91425" bIns="45700" anchor="ctr" anchorCtr="0">
+            <a:noAutofit/>
+          </a:bodyPr>
+          <a:lstStyle/>
+          <a:p>
+            <a:pPr marL="0" marR="0" lvl="0" indent="0" algn="ctr" rtl="0">
+              <a:spcBef>
+                <a:spcPts val="0"/>
+              </a:spcBef>
+              <a:spcAft>
+                <a:spcPts val="0"/>
+              </a:spcAft>
+              <a:buNone/>
+            </a:pPr>
+            <a:endParaRPr sz="1800" b="0" i="0" u="none" strike="noStrike" cap="none">
+              <a:solidFill>
+                <a:schemeClr val="lt1"/>
+              </a:solidFill>
+              <a:latin typeface="Calibri"/>
+              <a:ea typeface="Calibri"/>
+              <a:cs typeface="Calibri"/>
+              <a:sym typeface="Calibri"/>
+            </a:endParaRPr>
+          </a:p>
+        </p:txBody>
+      </p:sp>
+      <p:sp>
+        <p:nvSpPr>
+          <p:cNvPr id="533" name="Google Shape;533;p39"/>
+          <p:cNvSpPr/>
+          <p:nvPr/>
+        </p:nvSpPr>
+        <p:spPr>
+          <a:xfrm>
+            <a:off x="7464592" y="2882846"/>
+            <a:ext cx="298500" cy="82500"/>
+          </a:xfrm>
+          <a:prstGeom prst="rightArrow">
+            <a:avLst>
+              <a:gd name="adj1" fmla="val 50000"/>
+              <a:gd name="adj2" fmla="val 50000"/>
+            </a:avLst>
+          </a:prstGeom>
+          <a:solidFill>
+            <a:schemeClr val="accent1"/>
+          </a:solidFill>
+          <a:ln w="12700" cap="flat" cmpd="sng">
+            <a:solidFill>
+              <a:srgbClr val="640B0F"/>
+            </a:solidFill>
+            <a:prstDash val="solid"/>
+            <a:miter lim="800000"/>
+            <a:headEnd type="none" w="sm" len="sm"/>
+            <a:tailEnd type="none" w="sm" len="sm"/>
+          </a:ln>
+        </p:spPr>
+        <p:txBody>
+          <a:bodyPr spcFirstLastPara="1" wrap="square" lIns="91425" tIns="45700" rIns="91425" bIns="45700" anchor="ctr" anchorCtr="0">
+            <a:noAutofit/>
+          </a:bodyPr>
+          <a:lstStyle/>
+          <a:p>
+            <a:pPr marL="0" marR="0" lvl="0" indent="0" algn="ctr" rtl="0">
+              <a:spcBef>
+                <a:spcPts val="0"/>
+              </a:spcBef>
+              <a:spcAft>
+                <a:spcPts val="0"/>
+              </a:spcAft>
+              <a:buNone/>
+            </a:pPr>
+            <a:endParaRPr sz="1800" b="0" i="0" u="none" strike="noStrike" cap="none">
+              <a:solidFill>
+                <a:schemeClr val="lt1"/>
+              </a:solidFill>
+              <a:latin typeface="Calibri"/>
+              <a:ea typeface="Calibri"/>
+              <a:cs typeface="Calibri"/>
+              <a:sym typeface="Calibri"/>
+            </a:endParaRPr>
+          </a:p>
+        </p:txBody>
+      </p:sp>
+      <p:sp>
+        <p:nvSpPr>
+          <p:cNvPr id="534" name="Google Shape;534;p39"/>
+          <p:cNvSpPr/>
+          <p:nvPr/>
+        </p:nvSpPr>
+        <p:spPr>
+          <a:xfrm>
+            <a:off x="5904037" y="3574481"/>
+            <a:ext cx="150600" cy="420600"/>
+          </a:xfrm>
+          <a:prstGeom prst="upDownArrow">
+            <a:avLst>
+              <a:gd name="adj1" fmla="val 50000"/>
+              <a:gd name="adj2" fmla="val 50000"/>
+            </a:avLst>
+          </a:prstGeom>
+          <a:solidFill>
+            <a:schemeClr val="dk2"/>
+          </a:solidFill>
+          <a:ln w="12700" cap="flat" cmpd="sng">
+            <a:solidFill>
+              <a:srgbClr val="4472C4"/>
+            </a:solidFill>
+            <a:prstDash val="solid"/>
+            <a:miter lim="800000"/>
+            <a:headEnd type="none" w="sm" len="sm"/>
+            <a:tailEnd type="none" w="sm" len="sm"/>
+          </a:ln>
+        </p:spPr>
+        <p:txBody>
+          <a:bodyPr spcFirstLastPara="1" wrap="square" lIns="91425" tIns="45700" rIns="91425" bIns="45700" anchor="ctr" anchorCtr="0">
+            <a:noAutofit/>
+          </a:bodyPr>
+          <a:lstStyle/>
+          <a:p>
+            <a:pPr marL="0" marR="0" lvl="0" indent="0" algn="ctr" rtl="0">
+              <a:spcBef>
+                <a:spcPts val="0"/>
+              </a:spcBef>
+              <a:spcAft>
+                <a:spcPts val="0"/>
+              </a:spcAft>
+              <a:buNone/>
+            </a:pPr>
+            <a:endParaRPr sz="1800" b="0" i="0" u="none" strike="noStrike" cap="none">
+              <a:solidFill>
+                <a:schemeClr val="lt1"/>
+              </a:solidFill>
+              <a:latin typeface="Calibri"/>
+              <a:ea typeface="Calibri"/>
+              <a:cs typeface="Calibri"/>
+              <a:sym typeface="Calibri"/>
+            </a:endParaRPr>
+          </a:p>
+        </p:txBody>
+      </p:sp>
+      <p:sp>
+        <p:nvSpPr>
+          <p:cNvPr id="535" name="Google Shape;535;p39"/>
+          <p:cNvSpPr txBox="1">
+            <a:spLocks noGrp="1"/>
+          </p:cNvSpPr>
+          <p:nvPr>
+            <p:ph type="body" idx="4294967295"/>
+          </p:nvPr>
+        </p:nvSpPr>
+        <p:spPr>
+          <a:xfrm>
+            <a:off x="838200" y="5174413"/>
+            <a:ext cx="10515600" cy="840000"/>
+          </a:xfrm>
+          <a:prstGeom prst="rect">
+            <a:avLst/>
+          </a:prstGeom>
+          <a:noFill/>
+          <a:ln>
+            <a:noFill/>
+          </a:ln>
+        </p:spPr>
+        <p:txBody>
+          <a:bodyPr spcFirstLastPara="1" wrap="square" lIns="91425" tIns="45700" rIns="91425" bIns="45700" anchor="t" anchorCtr="0">
+            <a:normAutofit/>
+          </a:bodyPr>
+          <a:lstStyle/>
+          <a:p>
+            <a:pPr marL="228600" lvl="0" indent="-228600" algn="l" rtl="0">
+              <a:lnSpc>
+                <a:spcPct val="90000"/>
+              </a:lnSpc>
+              <a:spcBef>
+                <a:spcPts val="0"/>
+              </a:spcBef>
+              <a:spcAft>
+                <a:spcPts val="0"/>
+              </a:spcAft>
+              <a:buSzPts val="2000"/>
+              <a:buChar char="•"/>
+            </a:pPr>
+            <a:r>
+              <a:rPr lang="it-IT" sz="2000" b="1" dirty="0"/>
+              <a:t>Preliminary experiments</a:t>
+            </a:r>
+            <a:r>
+              <a:rPr lang="it-IT" sz="2000" dirty="0"/>
+              <a:t> on a toy usecase which could inspire the future works for AI4REALNET usecases on how include the physics knowledge in the learning algorithms</a:t>
+            </a:r>
+            <a:endParaRPr dirty="0"/>
+          </a:p>
+        </p:txBody>
+      </p:sp>
+      <p:sp>
+        <p:nvSpPr>
+          <p:cNvPr id="536" name="Google Shape;536;p39"/>
+          <p:cNvSpPr txBox="1"/>
+          <p:nvPr/>
+        </p:nvSpPr>
+        <p:spPr>
+          <a:xfrm>
+            <a:off x="7758129" y="4044876"/>
+            <a:ext cx="2996400" cy="584735"/>
+          </a:xfrm>
+          <a:prstGeom prst="rect">
+            <a:avLst/>
+          </a:prstGeom>
+          <a:noFill/>
+          <a:ln>
+            <a:noFill/>
+          </a:ln>
+        </p:spPr>
+        <p:txBody>
+          <a:bodyPr spcFirstLastPara="1" wrap="square" lIns="91425" tIns="45700" rIns="91425" bIns="45700" anchor="t" anchorCtr="0">
+            <a:spAutoFit/>
+          </a:bodyPr>
+          <a:lstStyle/>
+          <a:p>
+            <a:pPr marL="0" marR="0" lvl="0" indent="0" algn="ctr" rtl="0">
+              <a:spcBef>
+                <a:spcPts val="0"/>
+              </a:spcBef>
+              <a:spcAft>
+                <a:spcPts val="0"/>
+              </a:spcAft>
+              <a:buNone/>
+            </a:pPr>
+            <a:r>
+              <a:rPr lang="it-IT" sz="1600" dirty="0">
+                <a:solidFill>
+                  <a:schemeClr val="dk1"/>
+                </a:solidFill>
+                <a:latin typeface="Calibri"/>
+                <a:ea typeface="Calibri"/>
+                <a:cs typeface="Calibri"/>
+                <a:sym typeface="Calibri"/>
+              </a:rPr>
+              <a:t>Benchmarking enabled using LIPS framework</a:t>
+            </a:r>
+            <a:endParaRPr dirty="0">
+              <a:solidFill>
+                <a:schemeClr val="dk1"/>
+              </a:solidFill>
+            </a:endParaRPr>
+          </a:p>
+        </p:txBody>
+      </p:sp>
+      <p:sp>
+        <p:nvSpPr>
+          <p:cNvPr id="537" name="Google Shape;537;p39"/>
+          <p:cNvSpPr/>
+          <p:nvPr/>
+        </p:nvSpPr>
+        <p:spPr>
+          <a:xfrm>
+            <a:off x="9181037" y="3574481"/>
+            <a:ext cx="150600" cy="420600"/>
+          </a:xfrm>
+          <a:prstGeom prst="upDownArrow">
+            <a:avLst>
+              <a:gd name="adj1" fmla="val 50000"/>
+              <a:gd name="adj2" fmla="val 50000"/>
+            </a:avLst>
+          </a:prstGeom>
+          <a:solidFill>
+            <a:schemeClr val="dk2"/>
+          </a:solidFill>
+          <a:ln w="12700" cap="flat" cmpd="sng">
+            <a:solidFill>
+              <a:srgbClr val="4472C4"/>
+            </a:solidFill>
+            <a:prstDash val="solid"/>
+            <a:miter lim="800000"/>
+            <a:headEnd type="none" w="sm" len="sm"/>
+            <a:tailEnd type="none" w="sm" len="sm"/>
+          </a:ln>
+        </p:spPr>
+        <p:txBody>
+          <a:bodyPr spcFirstLastPara="1" wrap="square" lIns="91425" tIns="45700" rIns="91425" bIns="45700" anchor="ctr" anchorCtr="0">
+            <a:noAutofit/>
+          </a:bodyPr>
+          <a:lstStyle/>
+          <a:p>
+            <a:pPr marL="0" marR="0" lvl="0" indent="0" algn="ctr" rtl="0">
+              <a:spcBef>
+                <a:spcPts val="0"/>
+              </a:spcBef>
+              <a:spcAft>
+                <a:spcPts val="0"/>
+              </a:spcAft>
+              <a:buNone/>
+            </a:pPr>
+            <a:endParaRPr sz="1800" b="0" i="0" u="none" strike="noStrike" cap="none">
+              <a:solidFill>
+                <a:schemeClr val="lt1"/>
+              </a:solidFill>
+              <a:latin typeface="Calibri"/>
+              <a:ea typeface="Calibri"/>
+              <a:cs typeface="Calibri"/>
+              <a:sym typeface="Calibri"/>
+            </a:endParaRPr>
+          </a:p>
+        </p:txBody>
+      </p:sp>
     </p:spTree>
-    <p:extLst>
-      <p:ext uri="{BB962C8B-B14F-4D97-AF65-F5344CB8AC3E}">
-        <p14:creationId xmlns:p14="http://schemas.microsoft.com/office/powerpoint/2010/main" val="708481120"/>
-      </p:ext>
-    </p:extLst>
   </p:cSld>
   <p:clrMapOvr>
     <a:masterClrMapping/>
@@ -12137,7 +17592,7 @@
           <p:cNvPr id="2" name="Title 1">
             <a:extLst>
               <a:ext uri="{FF2B5EF4-FFF2-40B4-BE49-F238E27FC236}">
-                <a16:creationId xmlns:a16="http://schemas.microsoft.com/office/drawing/2014/main" id="{6773F739-5CCB-23E7-EDE4-33A02C6DAEAB}"/>
+                <a16:creationId xmlns:a16="http://schemas.microsoft.com/office/drawing/2014/main" id="{E690685A-B6B3-90CB-D175-86374E664AC3}"/>
               </a:ext>
             </a:extLst>
           </p:cNvPr>
@@ -12155,17 +17610,53 @@
           <a:p>
             <a:r>
               <a:rPr lang="en-US" dirty="0"/>
-              <a:t>Overview of code structure</a:t>
-            </a:r>
+              <a:t>Methodology</a:t>
+            </a:r>
+          </a:p>
+        </p:txBody>
+      </p:sp>
+      <p:sp>
+        <p:nvSpPr>
+          <p:cNvPr id="4" name="Content Placeholder 2">
+            <a:extLst>
+              <a:ext uri="{FF2B5EF4-FFF2-40B4-BE49-F238E27FC236}">
+                <a16:creationId xmlns:a16="http://schemas.microsoft.com/office/drawing/2014/main" id="{C73B9F39-9A82-485A-AB6D-2DCEE3BB3888}"/>
+              </a:ext>
+            </a:extLst>
+          </p:cNvPr>
+          <p:cNvSpPr>
+            <a:spLocks noGrp="1"/>
+          </p:cNvSpPr>
+          <p:nvPr>
+            <p:ph idx="1"/>
+          </p:nvPr>
+        </p:nvSpPr>
+        <p:spPr>
+          <a:xfrm>
+            <a:off x="838200" y="1825625"/>
+            <a:ext cx="10515600" cy="4351338"/>
+          </a:xfrm>
+        </p:spPr>
+        <p:txBody>
+          <a:bodyPr/>
+          <a:lstStyle/>
+          <a:p>
+            <a:r>
+              <a:rPr lang="en-US" dirty="0"/>
+              <a:t>Hybrid models : Physics Informed Graph Neural Networks (PIGNNs)</a:t>
+            </a:r>
+          </a:p>
+          <a:p>
+            <a:endParaRPr lang="en-US" dirty="0"/>
           </a:p>
         </p:txBody>
       </p:sp>
       <p:pic>
         <p:nvPicPr>
-          <p:cNvPr id="5" name="Picture 4">
-            <a:extLst>
-              <a:ext uri="{FF2B5EF4-FFF2-40B4-BE49-F238E27FC236}">
-                <a16:creationId xmlns:a16="http://schemas.microsoft.com/office/drawing/2014/main" id="{8C8FBD86-25FB-3427-F442-5CC0B743E06A}"/>
+          <p:cNvPr id="6" name="Picture 5">
+            <a:extLst>
+              <a:ext uri="{FF2B5EF4-FFF2-40B4-BE49-F238E27FC236}">
+                <a16:creationId xmlns:a16="http://schemas.microsoft.com/office/drawing/2014/main" id="{A10E39ED-9261-C6D2-4C1A-BE147C33CD17}"/>
               </a:ext>
             </a:extLst>
           </p:cNvPr>
@@ -12182,271 +17673,54 @@
         </p:blipFill>
         <p:spPr>
           <a:xfrm>
-            <a:off x="506122" y="1686596"/>
-            <a:ext cx="5077534" cy="4305901"/>
+            <a:off x="1751784" y="3092683"/>
+            <a:ext cx="7709457" cy="3161567"/>
           </a:xfrm>
           <a:prstGeom prst="rect">
             <a:avLst/>
           </a:prstGeom>
         </p:spPr>
       </p:pic>
-      <p:sp>
-        <p:nvSpPr>
-          <p:cNvPr id="8" name="Rectangle: Diagonal Corners Rounded 7">
-            <a:extLst>
-              <a:ext uri="{FF2B5EF4-FFF2-40B4-BE49-F238E27FC236}">
-                <a16:creationId xmlns:a16="http://schemas.microsoft.com/office/drawing/2014/main" id="{B741F50B-4C3A-04C4-5083-348B7F157C2D}"/>
-              </a:ext>
-            </a:extLst>
-          </p:cNvPr>
-          <p:cNvSpPr/>
+      <p:pic>
+        <p:nvPicPr>
+          <p:cNvPr id="8" name="Picture 7" descr="A close-up of a message&#10;&#10;AI-generated content may be incorrect.">
+            <a:extLst>
+              <a:ext uri="{FF2B5EF4-FFF2-40B4-BE49-F238E27FC236}">
+                <a16:creationId xmlns:a16="http://schemas.microsoft.com/office/drawing/2014/main" id="{15B515A2-CA6E-8F03-C24E-6D8FFC81CD69}"/>
+              </a:ext>
+            </a:extLst>
+          </p:cNvPr>
+          <p:cNvPicPr>
+            <a:picLocks noChangeAspect="1"/>
+          </p:cNvPicPr>
           <p:nvPr/>
-        </p:nvSpPr>
+        </p:nvPicPr>
+        <p:blipFill>
+          <a:blip r:embed="rId3">
+            <a:extLst>
+              <a:ext uri="{28A0092B-C50C-407E-A947-70E740481C1C}">
+                <a14:useLocalDpi xmlns:a14="http://schemas.microsoft.com/office/drawing/2010/main" val="0"/>
+              </a:ext>
+            </a:extLst>
+          </a:blip>
+          <a:stretch>
+            <a:fillRect/>
+          </a:stretch>
+        </p:blipFill>
         <p:spPr>
           <a:xfrm>
-            <a:off x="5691673" y="2267339"/>
-            <a:ext cx="5924939" cy="886408"/>
-          </a:xfrm>
-          <a:prstGeom prst="round2DiagRect">
-            <a:avLst/>
-          </a:prstGeom>
-          <a:ln w="19050"/>
-        </p:spPr>
-        <p:style>
-          <a:lnRef idx="2">
-            <a:schemeClr val="accent6"/>
-          </a:lnRef>
-          <a:fillRef idx="1">
-            <a:schemeClr val="lt1"/>
-          </a:fillRef>
-          <a:effectRef idx="0">
-            <a:schemeClr val="accent6"/>
-          </a:effectRef>
-          <a:fontRef idx="minor">
-            <a:schemeClr val="dk1"/>
-          </a:fontRef>
-        </p:style>
-        <p:txBody>
-          <a:bodyPr rtlCol="0" anchor="ctr"/>
-          <a:lstStyle/>
-          <a:p>
-            <a:r>
-              <a:rPr lang="en-US" dirty="0"/>
-              <a:t>Configurations files used for initializing scenarios (two different l2rpn environments) and also the models (gnn.ini)</a:t>
-            </a:r>
-          </a:p>
-        </p:txBody>
-      </p:sp>
-      <p:sp>
-        <p:nvSpPr>
-          <p:cNvPr id="9" name="Rectangle: Diagonal Corners Rounded 8">
-            <a:extLst>
-              <a:ext uri="{FF2B5EF4-FFF2-40B4-BE49-F238E27FC236}">
-                <a16:creationId xmlns:a16="http://schemas.microsoft.com/office/drawing/2014/main" id="{86011C2D-0120-AB1D-3A95-A9C543B5AB9D}"/>
-              </a:ext>
-            </a:extLst>
-          </p:cNvPr>
-          <p:cNvSpPr/>
-          <p:nvPr/>
-        </p:nvSpPr>
-        <p:spPr>
-          <a:xfrm>
-            <a:off x="5691673" y="3223726"/>
-            <a:ext cx="5924939" cy="886408"/>
-          </a:xfrm>
-          <a:prstGeom prst="round2DiagRect">
-            <a:avLst/>
-          </a:prstGeom>
-          <a:ln w="19050"/>
-        </p:spPr>
-        <p:style>
-          <a:lnRef idx="2">
-            <a:schemeClr val="accent6"/>
-          </a:lnRef>
-          <a:fillRef idx="1">
-            <a:schemeClr val="lt1"/>
-          </a:fillRef>
-          <a:effectRef idx="0">
-            <a:schemeClr val="accent6"/>
-          </a:effectRef>
-          <a:fontRef idx="minor">
-            <a:schemeClr val="dk1"/>
-          </a:fontRef>
-        </p:style>
-        <p:txBody>
-          <a:bodyPr rtlCol="0" anchor="ctr"/>
-          <a:lstStyle/>
-          <a:p>
-            <a:r>
-              <a:rPr lang="en-US" dirty="0"/>
-              <a:t>Getting started </a:t>
-            </a:r>
-            <a:r>
-              <a:rPr lang="en-US" dirty="0" err="1"/>
-              <a:t>jupyter</a:t>
-            </a:r>
-            <a:r>
-              <a:rPr lang="en-US" dirty="0"/>
-              <a:t> notebooks providing examples to generate data and reproduce the results</a:t>
-            </a:r>
-          </a:p>
-        </p:txBody>
-      </p:sp>
-      <p:sp>
-        <p:nvSpPr>
-          <p:cNvPr id="10" name="Rectangle: Diagonal Corners Rounded 9">
-            <a:extLst>
-              <a:ext uri="{FF2B5EF4-FFF2-40B4-BE49-F238E27FC236}">
-                <a16:creationId xmlns:a16="http://schemas.microsoft.com/office/drawing/2014/main" id="{DE6837C8-606B-D7E0-00A0-0444DAD84F9C}"/>
-              </a:ext>
-            </a:extLst>
-          </p:cNvPr>
-          <p:cNvSpPr/>
-          <p:nvPr/>
-        </p:nvSpPr>
-        <p:spPr>
-          <a:xfrm>
-            <a:off x="5691673" y="4180113"/>
-            <a:ext cx="5924939" cy="886408"/>
-          </a:xfrm>
-          <a:prstGeom prst="round2DiagRect">
-            <a:avLst/>
-          </a:prstGeom>
-          <a:ln w="19050"/>
-        </p:spPr>
-        <p:style>
-          <a:lnRef idx="2">
-            <a:schemeClr val="accent6"/>
-          </a:lnRef>
-          <a:fillRef idx="1">
-            <a:schemeClr val="lt1"/>
-          </a:fillRef>
-          <a:effectRef idx="0">
-            <a:schemeClr val="accent6"/>
-          </a:effectRef>
-          <a:fontRef idx="minor">
-            <a:schemeClr val="dk1"/>
-          </a:fontRef>
-        </p:style>
-        <p:txBody>
-          <a:bodyPr rtlCol="0" anchor="ctr"/>
-          <a:lstStyle/>
-          <a:p>
-            <a:r>
-              <a:rPr lang="en-US" dirty="0"/>
-              <a:t>The Physics Informed GNN package, including dataset, evaluation and </a:t>
-            </a:r>
-            <a:r>
-              <a:rPr lang="en-US" dirty="0" err="1"/>
-              <a:t>gnn</a:t>
-            </a:r>
-            <a:r>
-              <a:rPr lang="en-US" dirty="0"/>
-              <a:t> modules</a:t>
-            </a:r>
-          </a:p>
-        </p:txBody>
-      </p:sp>
-      <p:sp>
-        <p:nvSpPr>
-          <p:cNvPr id="11" name="Rectangle 10">
-            <a:extLst>
-              <a:ext uri="{FF2B5EF4-FFF2-40B4-BE49-F238E27FC236}">
-                <a16:creationId xmlns:a16="http://schemas.microsoft.com/office/drawing/2014/main" id="{E0F696B7-0763-F17F-645B-58195D30FD5C}"/>
-              </a:ext>
-            </a:extLst>
-          </p:cNvPr>
-          <p:cNvSpPr/>
-          <p:nvPr/>
-        </p:nvSpPr>
-        <p:spPr>
-          <a:xfrm>
-            <a:off x="5691673" y="1686596"/>
-            <a:ext cx="5924939" cy="244841"/>
+            <a:off x="2947089" y="2226029"/>
+            <a:ext cx="4847745" cy="789367"/>
           </a:xfrm>
           <a:prstGeom prst="rect">
             <a:avLst/>
           </a:prstGeom>
         </p:spPr>
-        <p:style>
-          <a:lnRef idx="2">
-            <a:schemeClr val="accent1">
-              <a:shade val="15000"/>
-            </a:schemeClr>
-          </a:lnRef>
-          <a:fillRef idx="1">
-            <a:schemeClr val="accent1"/>
-          </a:fillRef>
-          <a:effectRef idx="0">
-            <a:schemeClr val="accent1"/>
-          </a:effectRef>
-          <a:fontRef idx="minor">
-            <a:schemeClr val="lt1"/>
-          </a:fontRef>
-        </p:style>
-        <p:txBody>
-          <a:bodyPr rtlCol="0" anchor="ctr"/>
-          <a:lstStyle/>
-          <a:p>
-            <a:r>
-              <a:rPr lang="en-US" dirty="0"/>
-              <a:t>License (Mozilla Public License) that is used currently</a:t>
-            </a:r>
-          </a:p>
-        </p:txBody>
-      </p:sp>
-      <p:sp>
-        <p:nvSpPr>
-          <p:cNvPr id="12" name="Rectangle 11">
-            <a:extLst>
-              <a:ext uri="{FF2B5EF4-FFF2-40B4-BE49-F238E27FC236}">
-                <a16:creationId xmlns:a16="http://schemas.microsoft.com/office/drawing/2014/main" id="{07F18B7E-72D9-F719-9E68-9C34D56EF6A0}"/>
-              </a:ext>
-            </a:extLst>
-          </p:cNvPr>
-          <p:cNvSpPr/>
-          <p:nvPr/>
-        </p:nvSpPr>
-        <p:spPr>
-          <a:xfrm>
-            <a:off x="5691673" y="1967677"/>
-            <a:ext cx="5924939" cy="244841"/>
-          </a:xfrm>
-          <a:prstGeom prst="rect">
-            <a:avLst/>
-          </a:prstGeom>
-        </p:spPr>
-        <p:style>
-          <a:lnRef idx="2">
-            <a:schemeClr val="accent1">
-              <a:shade val="15000"/>
-            </a:schemeClr>
-          </a:lnRef>
-          <a:fillRef idx="1">
-            <a:schemeClr val="accent1"/>
-          </a:fillRef>
-          <a:effectRef idx="0">
-            <a:schemeClr val="accent1"/>
-          </a:effectRef>
-          <a:fontRef idx="minor">
-            <a:schemeClr val="lt1"/>
-          </a:fontRef>
-        </p:style>
-        <p:txBody>
-          <a:bodyPr rtlCol="0" anchor="ctr"/>
-          <a:lstStyle/>
-          <a:p>
-            <a:r>
-              <a:rPr lang="en-US" dirty="0"/>
-              <a:t>General overview and instructions to install dependencies</a:t>
-            </a:r>
-          </a:p>
-        </p:txBody>
-      </p:sp>
+      </p:pic>
     </p:spTree>
     <p:extLst>
       <p:ext uri="{BB962C8B-B14F-4D97-AF65-F5344CB8AC3E}">
-        <p14:creationId xmlns:p14="http://schemas.microsoft.com/office/powerpoint/2010/main" val="2495112241"/>
+        <p14:creationId xmlns:p14="http://schemas.microsoft.com/office/powerpoint/2010/main" val="3018709138"/>
       </p:ext>
     </p:extLst>
   </p:cSld>
@@ -12717,27 +17991,322 @@
 </a:theme>
 </file>
 
-<file path=customXml/item1.xml><?xml version="1.0" encoding="utf-8"?>
-<?mso-contentType ?>
-<FormTemplates xmlns="http://schemas.microsoft.com/sharepoint/v3/contenttype/forms">
-  <Display>DocumentLibraryForm</Display>
-  <Edit>DocumentLibraryForm</Edit>
-  <New>DocumentLibraryForm</New>
-</FormTemplates>
+<file path=ppt/theme/theme2.xml><?xml version="1.0" encoding="utf-8"?>
+<a:theme xmlns:a="http://schemas.openxmlformats.org/drawingml/2006/main" name="Office Theme">
+  <a:themeElements>
+    <a:clrScheme name="Office">
+      <a:dk1>
+        <a:sysClr val="windowText" lastClr="000000"/>
+      </a:dk1>
+      <a:lt1>
+        <a:sysClr val="window" lastClr="FFFFFF"/>
+      </a:lt1>
+      <a:dk2>
+        <a:srgbClr val="0E2841"/>
+      </a:dk2>
+      <a:lt2>
+        <a:srgbClr val="E8E8E8"/>
+      </a:lt2>
+      <a:accent1>
+        <a:srgbClr val="156082"/>
+      </a:accent1>
+      <a:accent2>
+        <a:srgbClr val="E97132"/>
+      </a:accent2>
+      <a:accent3>
+        <a:srgbClr val="196B24"/>
+      </a:accent3>
+      <a:accent4>
+        <a:srgbClr val="0F9ED5"/>
+      </a:accent4>
+      <a:accent5>
+        <a:srgbClr val="A02B93"/>
+      </a:accent5>
+      <a:accent6>
+        <a:srgbClr val="4EA72E"/>
+      </a:accent6>
+      <a:hlink>
+        <a:srgbClr val="467886"/>
+      </a:hlink>
+      <a:folHlink>
+        <a:srgbClr val="96607D"/>
+      </a:folHlink>
+    </a:clrScheme>
+    <a:fontScheme name="Office">
+      <a:majorFont>
+        <a:latin typeface="Aptos Display" panose="02110004020202020204"/>
+        <a:ea typeface=""/>
+        <a:cs typeface=""/>
+        <a:font script="Jpan" typeface="游ゴシック Light"/>
+        <a:font script="Hang" typeface="맑은 고딕"/>
+        <a:font script="Hans" typeface="等线 Light"/>
+        <a:font script="Hant" typeface="新細明體"/>
+        <a:font script="Arab" typeface="Times New Roman"/>
+        <a:font script="Hebr" typeface="Times New Roman"/>
+        <a:font script="Thai" typeface="Angsana New"/>
+        <a:font script="Ethi" typeface="Nyala"/>
+        <a:font script="Beng" typeface="Vrinda"/>
+        <a:font script="Gujr" typeface="Shruti"/>
+        <a:font script="Khmr" typeface="MoolBoran"/>
+        <a:font script="Knda" typeface="Tunga"/>
+        <a:font script="Guru" typeface="Raavi"/>
+        <a:font script="Cans" typeface="Euphemia"/>
+        <a:font script="Cher" typeface="Plantagenet Cherokee"/>
+        <a:font script="Yiii" typeface="Microsoft Yi Baiti"/>
+        <a:font script="Tibt" typeface="Microsoft Himalaya"/>
+        <a:font script="Thaa" typeface="MV Boli"/>
+        <a:font script="Deva" typeface="Mangal"/>
+        <a:font script="Telu" typeface="Gautami"/>
+        <a:font script="Taml" typeface="Latha"/>
+        <a:font script="Syrc" typeface="Estrangelo Edessa"/>
+        <a:font script="Orya" typeface="Kalinga"/>
+        <a:font script="Mlym" typeface="Kartika"/>
+        <a:font script="Laoo" typeface="DokChampa"/>
+        <a:font script="Sinh" typeface="Iskoola Pota"/>
+        <a:font script="Mong" typeface="Mongolian Baiti"/>
+        <a:font script="Viet" typeface="Times New Roman"/>
+        <a:font script="Uigh" typeface="Microsoft Uighur"/>
+        <a:font script="Geor" typeface="Sylfaen"/>
+        <a:font script="Armn" typeface="Arial"/>
+        <a:font script="Bugi" typeface="Leelawadee UI"/>
+        <a:font script="Bopo" typeface="Microsoft JhengHei"/>
+        <a:font script="Java" typeface="Javanese Text"/>
+        <a:font script="Lisu" typeface="Segoe UI"/>
+        <a:font script="Mymr" typeface="Myanmar Text"/>
+        <a:font script="Nkoo" typeface="Ebrima"/>
+        <a:font script="Olck" typeface="Nirmala UI"/>
+        <a:font script="Osma" typeface="Ebrima"/>
+        <a:font script="Phag" typeface="Phagspa"/>
+        <a:font script="Syrn" typeface="Estrangelo Edessa"/>
+        <a:font script="Syrj" typeface="Estrangelo Edessa"/>
+        <a:font script="Syre" typeface="Estrangelo Edessa"/>
+        <a:font script="Sora" typeface="Nirmala UI"/>
+        <a:font script="Tale" typeface="Microsoft Tai Le"/>
+        <a:font script="Talu" typeface="Microsoft New Tai Lue"/>
+        <a:font script="Tfng" typeface="Ebrima"/>
+      </a:majorFont>
+      <a:minorFont>
+        <a:latin typeface="Aptos" panose="02110004020202020204"/>
+        <a:ea typeface=""/>
+        <a:cs typeface=""/>
+        <a:font script="Jpan" typeface="游ゴシック"/>
+        <a:font script="Hang" typeface="맑은 고딕"/>
+        <a:font script="Hans" typeface="等线"/>
+        <a:font script="Hant" typeface="新細明體"/>
+        <a:font script="Arab" typeface="Arial"/>
+        <a:font script="Hebr" typeface="Arial"/>
+        <a:font script="Thai" typeface="Cordia New"/>
+        <a:font script="Ethi" typeface="Nyala"/>
+        <a:font script="Beng" typeface="Vrinda"/>
+        <a:font script="Gujr" typeface="Shruti"/>
+        <a:font script="Khmr" typeface="DaunPenh"/>
+        <a:font script="Knda" typeface="Tunga"/>
+        <a:font script="Guru" typeface="Raavi"/>
+        <a:font script="Cans" typeface="Euphemia"/>
+        <a:font script="Cher" typeface="Plantagenet Cherokee"/>
+        <a:font script="Yiii" typeface="Microsoft Yi Baiti"/>
+        <a:font script="Tibt" typeface="Microsoft Himalaya"/>
+        <a:font script="Thaa" typeface="MV Boli"/>
+        <a:font script="Deva" typeface="Mangal"/>
+        <a:font script="Telu" typeface="Gautami"/>
+        <a:font script="Taml" typeface="Latha"/>
+        <a:font script="Syrc" typeface="Estrangelo Edessa"/>
+        <a:font script="Orya" typeface="Kalinga"/>
+        <a:font script="Mlym" typeface="Kartika"/>
+        <a:font script="Laoo" typeface="DokChampa"/>
+        <a:font script="Sinh" typeface="Iskoola Pota"/>
+        <a:font script="Mong" typeface="Mongolian Baiti"/>
+        <a:font script="Viet" typeface="Arial"/>
+        <a:font script="Uigh" typeface="Microsoft Uighur"/>
+        <a:font script="Geor" typeface="Sylfaen"/>
+        <a:font script="Armn" typeface="Arial"/>
+        <a:font script="Bugi" typeface="Leelawadee UI"/>
+        <a:font script="Bopo" typeface="Microsoft JhengHei"/>
+        <a:font script="Java" typeface="Javanese Text"/>
+        <a:font script="Lisu" typeface="Segoe UI"/>
+        <a:font script="Mymr" typeface="Myanmar Text"/>
+        <a:font script="Nkoo" typeface="Ebrima"/>
+        <a:font script="Olck" typeface="Nirmala UI"/>
+        <a:font script="Osma" typeface="Ebrima"/>
+        <a:font script="Phag" typeface="Phagspa"/>
+        <a:font script="Syrn" typeface="Estrangelo Edessa"/>
+        <a:font script="Syrj" typeface="Estrangelo Edessa"/>
+        <a:font script="Syre" typeface="Estrangelo Edessa"/>
+        <a:font script="Sora" typeface="Nirmala UI"/>
+        <a:font script="Tale" typeface="Microsoft Tai Le"/>
+        <a:font script="Talu" typeface="Microsoft New Tai Lue"/>
+        <a:font script="Tfng" typeface="Ebrima"/>
+      </a:minorFont>
+    </a:fontScheme>
+    <a:fmtScheme name="Office">
+      <a:fillStyleLst>
+        <a:solidFill>
+          <a:schemeClr val="phClr"/>
+        </a:solidFill>
+        <a:gradFill rotWithShape="1">
+          <a:gsLst>
+            <a:gs pos="0">
+              <a:schemeClr val="phClr">
+                <a:lumMod val="110000"/>
+                <a:satMod val="105000"/>
+                <a:tint val="67000"/>
+              </a:schemeClr>
+            </a:gs>
+            <a:gs pos="50000">
+              <a:schemeClr val="phClr">
+                <a:lumMod val="105000"/>
+                <a:satMod val="103000"/>
+                <a:tint val="73000"/>
+              </a:schemeClr>
+            </a:gs>
+            <a:gs pos="100000">
+              <a:schemeClr val="phClr">
+                <a:lumMod val="105000"/>
+                <a:satMod val="109000"/>
+                <a:tint val="81000"/>
+              </a:schemeClr>
+            </a:gs>
+          </a:gsLst>
+          <a:lin ang="5400000" scaled="0"/>
+        </a:gradFill>
+        <a:gradFill rotWithShape="1">
+          <a:gsLst>
+            <a:gs pos="0">
+              <a:schemeClr val="phClr">
+                <a:satMod val="103000"/>
+                <a:lumMod val="102000"/>
+                <a:tint val="94000"/>
+              </a:schemeClr>
+            </a:gs>
+            <a:gs pos="50000">
+              <a:schemeClr val="phClr">
+                <a:satMod val="110000"/>
+                <a:lumMod val="100000"/>
+                <a:shade val="100000"/>
+              </a:schemeClr>
+            </a:gs>
+            <a:gs pos="100000">
+              <a:schemeClr val="phClr">
+                <a:lumMod val="99000"/>
+                <a:satMod val="120000"/>
+                <a:shade val="78000"/>
+              </a:schemeClr>
+            </a:gs>
+          </a:gsLst>
+          <a:lin ang="5400000" scaled="0"/>
+        </a:gradFill>
+      </a:fillStyleLst>
+      <a:lnStyleLst>
+        <a:ln w="12700" cap="flat" cmpd="sng" algn="ctr">
+          <a:solidFill>
+            <a:schemeClr val="phClr"/>
+          </a:solidFill>
+          <a:prstDash val="solid"/>
+          <a:miter lim="800000"/>
+        </a:ln>
+        <a:ln w="19050" cap="flat" cmpd="sng" algn="ctr">
+          <a:solidFill>
+            <a:schemeClr val="phClr"/>
+          </a:solidFill>
+          <a:prstDash val="solid"/>
+          <a:miter lim="800000"/>
+        </a:ln>
+        <a:ln w="25400" cap="flat" cmpd="sng" algn="ctr">
+          <a:solidFill>
+            <a:schemeClr val="phClr"/>
+          </a:solidFill>
+          <a:prstDash val="solid"/>
+          <a:miter lim="800000"/>
+        </a:ln>
+      </a:lnStyleLst>
+      <a:effectStyleLst>
+        <a:effectStyle>
+          <a:effectLst/>
+        </a:effectStyle>
+        <a:effectStyle>
+          <a:effectLst/>
+        </a:effectStyle>
+        <a:effectStyle>
+          <a:effectLst>
+            <a:outerShdw blurRad="57150" dist="19050" dir="5400000" algn="ctr" rotWithShape="0">
+              <a:srgbClr val="000000">
+                <a:alpha val="63000"/>
+              </a:srgbClr>
+            </a:outerShdw>
+          </a:effectLst>
+        </a:effectStyle>
+      </a:effectStyleLst>
+      <a:bgFillStyleLst>
+        <a:solidFill>
+          <a:schemeClr val="phClr"/>
+        </a:solidFill>
+        <a:solidFill>
+          <a:schemeClr val="phClr">
+            <a:tint val="95000"/>
+            <a:satMod val="170000"/>
+          </a:schemeClr>
+        </a:solidFill>
+        <a:gradFill rotWithShape="1">
+          <a:gsLst>
+            <a:gs pos="0">
+              <a:schemeClr val="phClr">
+                <a:tint val="93000"/>
+                <a:satMod val="150000"/>
+                <a:shade val="98000"/>
+                <a:lumMod val="102000"/>
+              </a:schemeClr>
+            </a:gs>
+            <a:gs pos="50000">
+              <a:schemeClr val="phClr">
+                <a:tint val="98000"/>
+                <a:satMod val="130000"/>
+                <a:shade val="90000"/>
+                <a:lumMod val="103000"/>
+              </a:schemeClr>
+            </a:gs>
+            <a:gs pos="100000">
+              <a:schemeClr val="phClr">
+                <a:shade val="63000"/>
+                <a:satMod val="120000"/>
+              </a:schemeClr>
+            </a:gs>
+          </a:gsLst>
+          <a:lin ang="5400000" scaled="0"/>
+        </a:gradFill>
+      </a:bgFillStyleLst>
+    </a:fmtScheme>
+  </a:themeElements>
+  <a:objectDefaults>
+    <a:lnDef>
+      <a:spPr/>
+      <a:bodyPr/>
+      <a:lstStyle/>
+      <a:style>
+        <a:lnRef idx="2">
+          <a:schemeClr val="accent1"/>
+        </a:lnRef>
+        <a:fillRef idx="0">
+          <a:schemeClr val="accent1"/>
+        </a:fillRef>
+        <a:effectRef idx="1">
+          <a:schemeClr val="accent1"/>
+        </a:effectRef>
+        <a:fontRef idx="minor">
+          <a:schemeClr val="tx1"/>
+        </a:fontRef>
+      </a:style>
+    </a:lnDef>
+  </a:objectDefaults>
+  <a:extraClrSchemeLst/>
+  <a:extLst>
+    <a:ext uri="{05A4C25C-085E-4340-85A3-A5531E510DB2}">
+      <thm15:themeFamily xmlns:thm15="http://schemas.microsoft.com/office/thememl/2012/main" name="Office Theme" id="{2E142A2C-CD16-42D6-873A-C26D2A0506FA}" vid="{1BDDFF52-6CD6-40A5-AB3C-68EB2F1E4D0A}"/>
+    </a:ext>
+  </a:extLst>
+</a:theme>
 </file>
 
-<file path=customXml/item2.xml><?xml version="1.0" encoding="utf-8"?>
-<p:properties xmlns:p="http://schemas.microsoft.com/office/2006/metadata/properties" xmlns:xsi="http://www.w3.org/2001/XMLSchema-instance" xmlns:pc="http://schemas.microsoft.com/office/infopath/2007/PartnerControls">
-  <documentManagement>
-    <lcf76f155ced4ddcb4097134ff3c332f xmlns="bc89abb3-10bf-413e-ab30-26a7aef7b28c">
-      <Terms xmlns="http://schemas.microsoft.com/office/infopath/2007/PartnerControls"/>
-    </lcf76f155ced4ddcb4097134ff3c332f>
-    <TaxCatchAll xmlns="0c372da2-b3f5-4e00-83c5-35a9e92cc77b" xsi:nil="true"/>
-  </documentManagement>
-</p:properties>
-</file>
-
-<file path=customXml/item3.xml><?xml version="1.0" encoding="utf-8"?>
+<file path=customXml/item1.xml><?xml version="1.0" encoding="utf-8"?>
 <ct:contentTypeSchema xmlns:ct="http://schemas.microsoft.com/office/2006/metadata/contentType" xmlns:ma="http://schemas.microsoft.com/office/2006/metadata/properties/metaAttributes" ct:_="" ma:_="" ma:contentTypeName="Document" ma:contentTypeID="0x01010083840E53C9A57E41A850467C36B19B94" ma:contentTypeVersion="11" ma:contentTypeDescription="Crée un document." ma:contentTypeScope="" ma:versionID="d519928c97e41efbce850eec30de0ee3">
   <xsd:schema xmlns:xsd="http://www.w3.org/2001/XMLSchema" xmlns:xs="http://www.w3.org/2001/XMLSchema" xmlns:p="http://schemas.microsoft.com/office/2006/metadata/properties" xmlns:ns2="bc89abb3-10bf-413e-ab30-26a7aef7b28c" xmlns:ns3="0c372da2-b3f5-4e00-83c5-35a9e92cc77b" targetNamespace="http://schemas.microsoft.com/office/2006/metadata/properties" ma:root="true" ma:fieldsID="09caeb2112c794f4a645bbb951ad892c" ns2:_="" ns3:_="">
     <xsd:import namespace="bc89abb3-10bf-413e-ab30-26a7aef7b28c"/>
@@ -12932,10 +18501,41 @@
 </ct:contentTypeSchema>
 </file>
 
+<file path=customXml/item2.xml><?xml version="1.0" encoding="utf-8"?>
+<p:properties xmlns:p="http://schemas.microsoft.com/office/2006/metadata/properties" xmlns:xsi="http://www.w3.org/2001/XMLSchema-instance" xmlns:pc="http://schemas.microsoft.com/office/infopath/2007/PartnerControls">
+  <documentManagement>
+    <lcf76f155ced4ddcb4097134ff3c332f xmlns="bc89abb3-10bf-413e-ab30-26a7aef7b28c">
+      <Terms xmlns="http://schemas.microsoft.com/office/infopath/2007/PartnerControls"/>
+    </lcf76f155ced4ddcb4097134ff3c332f>
+    <TaxCatchAll xmlns="0c372da2-b3f5-4e00-83c5-35a9e92cc77b" xsi:nil="true"/>
+  </documentManagement>
+</p:properties>
+</file>
+
+<file path=customXml/item3.xml><?xml version="1.0" encoding="utf-8"?>
+<?mso-contentType ?>
+<FormTemplates xmlns="http://schemas.microsoft.com/sharepoint/v3/contenttype/forms">
+  <Display>DocumentLibraryForm</Display>
+  <Edit>DocumentLibraryForm</Edit>
+  <New>DocumentLibraryForm</New>
+</FormTemplates>
+</file>
+
 <file path=customXml/itemProps1.xml><?xml version="1.0" encoding="utf-8"?>
-<ds:datastoreItem xmlns:ds="http://schemas.openxmlformats.org/officeDocument/2006/customXml" ds:itemID="{4BB3FBEB-0F82-46CF-9392-31DFF6E207EB}">
+<ds:datastoreItem xmlns:ds="http://schemas.openxmlformats.org/officeDocument/2006/customXml" ds:itemID="{1913D7BC-CDA6-4C79-B1AB-B9D59D7CBCEB}">
   <ds:schemaRefs>
-    <ds:schemaRef ds:uri="http://schemas.microsoft.com/sharepoint/v3/contenttype/forms"/>
+    <ds:schemaRef ds:uri="http://schemas.microsoft.com/office/2006/metadata/contentType"/>
+    <ds:schemaRef ds:uri="http://schemas.microsoft.com/office/2006/metadata/properties/metaAttributes"/>
+    <ds:schemaRef ds:uri="http://www.w3.org/2001/XMLSchema"/>
+    <ds:schemaRef ds:uri="http://schemas.microsoft.com/office/2006/metadata/properties"/>
+    <ds:schemaRef ds:uri="bc89abb3-10bf-413e-ab30-26a7aef7b28c"/>
+    <ds:schemaRef ds:uri="0c372da2-b3f5-4e00-83c5-35a9e92cc77b"/>
+    <ds:schemaRef ds:uri="http://schemas.microsoft.com/office/2006/documentManagement/types"/>
+    <ds:schemaRef ds:uri="http://schemas.microsoft.com/office/infopath/2007/PartnerControls"/>
+    <ds:schemaRef ds:uri="http://schemas.openxmlformats.org/package/2006/metadata/core-properties"/>
+    <ds:schemaRef ds:uri="http://purl.org/dc/elements/1.1/"/>
+    <ds:schemaRef ds:uri="http://purl.org/dc/terms/"/>
+    <ds:schemaRef ds:uri="http://schemas.microsoft.com/internal/obd"/>
   </ds:schemaRefs>
 </ds:datastoreItem>
 </file>
@@ -12952,20 +18552,9 @@
 </file>
 
 <file path=customXml/itemProps3.xml><?xml version="1.0" encoding="utf-8"?>
-<ds:datastoreItem xmlns:ds="http://schemas.openxmlformats.org/officeDocument/2006/customXml" ds:itemID="{1913D7BC-CDA6-4C79-B1AB-B9D59D7CBCEB}">
+<ds:datastoreItem xmlns:ds="http://schemas.openxmlformats.org/officeDocument/2006/customXml" ds:itemID="{4BB3FBEB-0F82-46CF-9392-31DFF6E207EB}">
   <ds:schemaRefs>
-    <ds:schemaRef ds:uri="http://schemas.microsoft.com/office/2006/metadata/contentType"/>
-    <ds:schemaRef ds:uri="http://schemas.microsoft.com/office/2006/metadata/properties/metaAttributes"/>
-    <ds:schemaRef ds:uri="http://www.w3.org/2001/XMLSchema"/>
-    <ds:schemaRef ds:uri="http://schemas.microsoft.com/office/2006/metadata/properties"/>
-    <ds:schemaRef ds:uri="bc89abb3-10bf-413e-ab30-26a7aef7b28c"/>
-    <ds:schemaRef ds:uri="0c372da2-b3f5-4e00-83c5-35a9e92cc77b"/>
-    <ds:schemaRef ds:uri="http://schemas.microsoft.com/office/2006/documentManagement/types"/>
-    <ds:schemaRef ds:uri="http://schemas.microsoft.com/office/infopath/2007/PartnerControls"/>
-    <ds:schemaRef ds:uri="http://schemas.openxmlformats.org/package/2006/metadata/core-properties"/>
-    <ds:schemaRef ds:uri="http://purl.org/dc/elements/1.1/"/>
-    <ds:schemaRef ds:uri="http://purl.org/dc/terms/"/>
-    <ds:schemaRef ds:uri="http://schemas.microsoft.com/internal/obd"/>
+    <ds:schemaRef ds:uri="http://schemas.microsoft.com/sharepoint/v3/contenttype/forms"/>
   </ds:schemaRefs>
 </ds:datastoreItem>
 </file>
--- a/T2.1_KAI_GNN_IRTSX.pptx
+++ b/T2.1_KAI_GNN_IRTSX.pptx
@@ -758,7 +758,7 @@
           <a:p>
             <a:fld id="{BC691CB5-4CA9-43C0-979A-A28A5AF4624E}" type="datetimeFigureOut">
               <a:rPr lang="fr-FR" smtClean="0"/>
-              <a:t>04/03/2025</a:t>
+              <a:t>26/03/2025</a:t>
             </a:fld>
             <a:endParaRPr lang="fr-FR"/>
           </a:p>
@@ -2794,7 +2794,7 @@
             <a:fld id="{DCAF1DC6-EAE1-4388-AADE-D441CE8D7AF0}" type="datetimeFigureOut">
               <a:rPr lang="pt-PT" smtClean="0"/>
               <a:pPr/>
-              <a:t>04/03/2025</a:t>
+              <a:t>26/03/2025</a:t>
             </a:fld>
             <a:endParaRPr lang="pt-PT"/>
           </a:p>
@@ -3454,7 +3454,7 @@
             <a:fld id="{DCAF1DC6-EAE1-4388-AADE-D441CE8D7AF0}" type="datetimeFigureOut">
               <a:rPr lang="pt-PT" smtClean="0"/>
               <a:pPr/>
-              <a:t>04/03/2025</a:t>
+              <a:t>26/03/2025</a:t>
             </a:fld>
             <a:endParaRPr lang="pt-PT"/>
           </a:p>
@@ -8450,7 +8450,7 @@
           <a:p>
             <a:fld id="{DCAF1DC6-EAE1-4388-AADE-D441CE8D7AF0}" type="datetimeFigureOut">
               <a:rPr lang="pt-PT" smtClean="0"/>
-              <a:t>04/03/2025</a:t>
+              <a:t>26/03/2025</a:t>
             </a:fld>
             <a:endParaRPr lang="pt-PT"/>
           </a:p>
@@ -8917,7 +8917,7 @@
           <a:p>
             <a:r>
               <a:rPr lang="pt-PT" dirty="0"/>
-              <a:t>Power Grid domain</a:t>
+              <a:t>Task 2.1 – Knowledge-assisted AI</a:t>
             </a:r>
           </a:p>
         </p:txBody>
@@ -8945,7 +8945,7 @@
           <a:p>
             <a:r>
               <a:rPr lang="pt-PT" dirty="0"/>
-              <a:t>Milad Leyli-abadi, IRT SystemX</a:t>
+              <a:t>IRT SystemX</a:t>
             </a:r>
           </a:p>
         </p:txBody>
@@ -14500,7 +14500,7 @@
         <p:spPr>
           <a:xfrm>
             <a:off x="1196863" y="4529925"/>
-            <a:ext cx="10291800" cy="1200298"/>
+            <a:ext cx="10291800" cy="1538853"/>
           </a:xfrm>
           <a:prstGeom prst="rect">
             <a:avLst/>
@@ -14526,7 +14526,7 @@
               <a:buNone/>
             </a:pPr>
             <a:r>
-              <a:rPr lang="it-IT" sz="2200" dirty="0">
+              <a:rPr lang="en-US" sz="2200" noProof="0" dirty="0">
                 <a:solidFill>
                   <a:schemeClr val="dk1"/>
                 </a:solidFill>
@@ -14535,9 +14535,33 @@
                 <a:cs typeface="Calibri"/>
                 <a:sym typeface="Calibri"/>
               </a:rPr>
-              <a:t>This implementation is specific to Power Grid domain and enables the prediction of active powers from the injections in the substations (nodes of the graph). It could motivate the future implementations for decision-making in the context of RL</a:t>
-            </a:r>
-            <a:endParaRPr dirty="0">
+              <a:t>This implementation is specific to Power Grid domain and enables the prediction of active powers from the injections in the substations (nodes of the graph). It could motivate the future implementations for decision-making in the context of RL and specifically the following power grid </a:t>
+            </a:r>
+            <a:r>
+              <a:rPr lang="en-US" sz="2200" noProof="0" dirty="0" err="1">
+                <a:solidFill>
+                  <a:schemeClr val="dk1"/>
+                </a:solidFill>
+                <a:latin typeface="Calibri"/>
+                <a:ea typeface="Calibri"/>
+                <a:cs typeface="Calibri"/>
+                <a:sym typeface="Calibri"/>
+              </a:rPr>
+              <a:t>usecase</a:t>
+            </a:r>
+            <a:r>
+              <a:rPr lang="en-US" sz="2200" noProof="0" dirty="0">
+                <a:solidFill>
+                  <a:schemeClr val="dk1"/>
+                </a:solidFill>
+                <a:latin typeface="Calibri"/>
+                <a:ea typeface="Calibri"/>
+                <a:cs typeface="Calibri"/>
+                <a:sym typeface="Calibri"/>
+              </a:rPr>
+              <a:t>:  “Power Grid Assistant”</a:t>
+            </a:r>
+            <a:endParaRPr lang="en-US" noProof="0" dirty="0">
               <a:latin typeface="Calibri"/>
               <a:ea typeface="Calibri"/>
               <a:cs typeface="Calibri"/>
@@ -15660,14 +15684,14 @@
           </a:ln>
           <a:extLst>
             <a:ext uri="{909E8E84-426E-40dd-AFC4-6F175D3DCCD1}">
-              <a14:hiddenFill xmlns:a14="http://schemas.microsoft.com/office/drawing/2010/main" xmlns="">
+              <a14:hiddenFill xmlns="" xmlns:a14="http://schemas.microsoft.com/office/drawing/2010/main">
                 <a:solidFill>
                   <a:srgbClr val="FFFFFF"/>
                 </a:solidFill>
               </a14:hiddenFill>
             </a:ext>
             <a:ext uri="{91240B29-F687-4f45-9708-019B960494DF}">
-              <a14:hiddenLine xmlns:a14="http://schemas.microsoft.com/office/drawing/2010/main" xmlns="" w="9525">
+              <a14:hiddenLine xmlns="" xmlns:a14="http://schemas.microsoft.com/office/drawing/2010/main" w="9525">
                 <a:solidFill>
                   <a:srgbClr val="000000"/>
                 </a:solidFill>
@@ -15677,7 +15701,7 @@
               </a14:hiddenLine>
             </a:ext>
             <a:ext uri="{FAA26D3D-D897-4be2-8F04-BA451C77F1D7}">
-              <ma14:placeholderFlag xmlns:ma14="http://schemas.microsoft.com/office/mac/drawingml/2011/main" xmlns="" val="1"/>
+              <ma14:placeholderFlag xmlns="" xmlns:ma14="http://schemas.microsoft.com/office/mac/drawingml/2011/main" val="1"/>
             </a:ext>
           </a:extLst>
         </p:spPr>
@@ -18307,6 +18331,17 @@
 </file>
 
 <file path=customXml/item1.xml><?xml version="1.0" encoding="utf-8"?>
+<p:properties xmlns:p="http://schemas.microsoft.com/office/2006/metadata/properties" xmlns:xsi="http://www.w3.org/2001/XMLSchema-instance" xmlns:pc="http://schemas.microsoft.com/office/infopath/2007/PartnerControls">
+  <documentManagement>
+    <lcf76f155ced4ddcb4097134ff3c332f xmlns="bc89abb3-10bf-413e-ab30-26a7aef7b28c">
+      <Terms xmlns="http://schemas.microsoft.com/office/infopath/2007/PartnerControls"/>
+    </lcf76f155ced4ddcb4097134ff3c332f>
+    <TaxCatchAll xmlns="0c372da2-b3f5-4e00-83c5-35a9e92cc77b" xsi:nil="true"/>
+  </documentManagement>
+</p:properties>
+</file>
+
+<file path=customXml/item2.xml><?xml version="1.0" encoding="utf-8"?>
 <ct:contentTypeSchema xmlns:ct="http://schemas.microsoft.com/office/2006/metadata/contentType" xmlns:ma="http://schemas.microsoft.com/office/2006/metadata/properties/metaAttributes" ct:_="" ma:_="" ma:contentTypeName="Document" ma:contentTypeID="0x01010083840E53C9A57E41A850467C36B19B94" ma:contentTypeVersion="11" ma:contentTypeDescription="Crée un document." ma:contentTypeScope="" ma:versionID="d519928c97e41efbce850eec30de0ee3">
   <xsd:schema xmlns:xsd="http://www.w3.org/2001/XMLSchema" xmlns:xs="http://www.w3.org/2001/XMLSchema" xmlns:p="http://schemas.microsoft.com/office/2006/metadata/properties" xmlns:ns2="bc89abb3-10bf-413e-ab30-26a7aef7b28c" xmlns:ns3="0c372da2-b3f5-4e00-83c5-35a9e92cc77b" targetNamespace="http://schemas.microsoft.com/office/2006/metadata/properties" ma:root="true" ma:fieldsID="09caeb2112c794f4a645bbb951ad892c" ns2:_="" ns3:_="">
     <xsd:import namespace="bc89abb3-10bf-413e-ab30-26a7aef7b28c"/>
@@ -18501,17 +18536,6 @@
 </ct:contentTypeSchema>
 </file>
 
-<file path=customXml/item2.xml><?xml version="1.0" encoding="utf-8"?>
-<p:properties xmlns:p="http://schemas.microsoft.com/office/2006/metadata/properties" xmlns:xsi="http://www.w3.org/2001/XMLSchema-instance" xmlns:pc="http://schemas.microsoft.com/office/infopath/2007/PartnerControls">
-  <documentManagement>
-    <lcf76f155ced4ddcb4097134ff3c332f xmlns="bc89abb3-10bf-413e-ab30-26a7aef7b28c">
-      <Terms xmlns="http://schemas.microsoft.com/office/infopath/2007/PartnerControls"/>
-    </lcf76f155ced4ddcb4097134ff3c332f>
-    <TaxCatchAll xmlns="0c372da2-b3f5-4e00-83c5-35a9e92cc77b" xsi:nil="true"/>
-  </documentManagement>
-</p:properties>
-</file>
-
 <file path=customXml/item3.xml><?xml version="1.0" encoding="utf-8"?>
 <?mso-contentType ?>
 <FormTemplates xmlns="http://schemas.microsoft.com/sharepoint/v3/contenttype/forms">
@@ -18522,6 +18546,17 @@
 </file>
 
 <file path=customXml/itemProps1.xml><?xml version="1.0" encoding="utf-8"?>
+<ds:datastoreItem xmlns:ds="http://schemas.openxmlformats.org/officeDocument/2006/customXml" ds:itemID="{DECA5E07-CAB8-4690-A0EF-32A0CE10E7BD}">
+  <ds:schemaRefs>
+    <ds:schemaRef ds:uri="http://schemas.microsoft.com/office/2006/metadata/properties"/>
+    <ds:schemaRef ds:uri="http://schemas.microsoft.com/office/infopath/2007/PartnerControls"/>
+    <ds:schemaRef ds:uri="bc89abb3-10bf-413e-ab30-26a7aef7b28c"/>
+    <ds:schemaRef ds:uri="0c372da2-b3f5-4e00-83c5-35a9e92cc77b"/>
+  </ds:schemaRefs>
+</ds:datastoreItem>
+</file>
+
+<file path=customXml/itemProps2.xml><?xml version="1.0" encoding="utf-8"?>
 <ds:datastoreItem xmlns:ds="http://schemas.openxmlformats.org/officeDocument/2006/customXml" ds:itemID="{1913D7BC-CDA6-4C79-B1AB-B9D59D7CBCEB}">
   <ds:schemaRefs>
     <ds:schemaRef ds:uri="http://schemas.microsoft.com/office/2006/metadata/contentType"/>
@@ -18540,17 +18575,6 @@
 </ds:datastoreItem>
 </file>
 
-<file path=customXml/itemProps2.xml><?xml version="1.0" encoding="utf-8"?>
-<ds:datastoreItem xmlns:ds="http://schemas.openxmlformats.org/officeDocument/2006/customXml" ds:itemID="{DECA5E07-CAB8-4690-A0EF-32A0CE10E7BD}">
-  <ds:schemaRefs>
-    <ds:schemaRef ds:uri="http://schemas.microsoft.com/office/2006/metadata/properties"/>
-    <ds:schemaRef ds:uri="http://schemas.microsoft.com/office/infopath/2007/PartnerControls"/>
-    <ds:schemaRef ds:uri="bc89abb3-10bf-413e-ab30-26a7aef7b28c"/>
-    <ds:schemaRef ds:uri="0c372da2-b3f5-4e00-83c5-35a9e92cc77b"/>
-  </ds:schemaRefs>
-</ds:datastoreItem>
-</file>
-
 <file path=customXml/itemProps3.xml><?xml version="1.0" encoding="utf-8"?>
 <ds:datastoreItem xmlns:ds="http://schemas.openxmlformats.org/officeDocument/2006/customXml" ds:itemID="{4BB3FBEB-0F82-46CF-9392-31DFF6E207EB}">
   <ds:schemaRefs>
